--- a/images/design/dose-response.pptx
+++ b/images/design/dose-response.pptx
@@ -6,6 +6,9 @@
   </p:sldMasterIdLst>
   <p:sldIdLst>
     <p:sldId id="256" r:id="rId2"/>
+    <p:sldId id="257" r:id="rId3"/>
+    <p:sldId id="258" r:id="rId4"/>
+    <p:sldId id="259" r:id="rId5"/>
   </p:sldIdLst>
   <p:sldSz cx="12192000" cy="6858000"/>
   <p:notesSz cx="6858000" cy="9144000"/>
@@ -104,6 +107,11 @@
       </a:defRPr>
     </a:lvl9pPr>
   </p:defaultTextStyle>
+  <p:extLst>
+    <p:ext uri="{EFAFB233-063F-42B5-8137-9DF3F51BA10A}">
+      <p15:sldGuideLst xmlns:p15="http://schemas.microsoft.com/office/powerpoint/2012/main"/>
+    </p:ext>
+  </p:extLst>
 </p:presentation>
 </file>
 
@@ -161,6 +169,278 @@
 </inkml:ink>
 </file>
 
+<file path=ppt/ink/ink100.xml><?xml version="1.0" encoding="utf-8"?>
+<inkml:ink xmlns:inkml="http://www.w3.org/2003/InkML">
+  <inkml:definitions>
+    <inkml:context xml:id="ctx0">
+      <inkml:inkSource xml:id="inkSrc0">
+        <inkml:traceFormat>
+          <inkml:channel name="X" type="integer" min="-2.14748E9" max="2.14748E9" units="cm"/>
+          <inkml:channel name="Y" type="integer" min="-2.14748E9" max="2.14748E9" units="cm"/>
+          <inkml:channel name="F" type="integer" max="32767" units="dev"/>
+        </inkml:traceFormat>
+        <inkml:channelProperties>
+          <inkml:channelProperty channel="X" name="resolution" value="1000" units="1/cm"/>
+          <inkml:channelProperty channel="Y" name="resolution" value="1000" units="1/cm"/>
+          <inkml:channelProperty channel="F" name="resolution" value="0" units="1/dev"/>
+        </inkml:channelProperties>
+      </inkml:inkSource>
+      <inkml:timestamp xml:id="ts0" timeString="2022-09-14T18:31:16.290"/>
+    </inkml:context>
+    <inkml:brush xml:id="br0">
+      <inkml:brushProperty name="width" value="0.1" units="cm"/>
+      <inkml:brushProperty name="height" value="0.1" units="cm"/>
+      <inkml:brushProperty name="color" value="#004F8B"/>
+    </inkml:brush>
+  </inkml:definitions>
+  <inkml:trace contextRef="#ctx0" brushRef="#br0">0 879 24575,'0'-11'0,"0"-4"0,0 6 0,0-7 0,0 7 0,0-7 0,4 7 0,1-7 0,10 3 0,-4-4 0,12 1 0,-16 3 0,7 5 0,-10 1 0,4 6 0,-1-6 0,1 3 0,0-4 0,-1 0 0,6 0 0,0-4 0,0 3 0,3-8 0,-3 8 0,0-3 0,-1 4 0,-4 0 0,0 4 0,-1-3 0,1 6 0,0-6 0,0 3 0,0-8 0,0 3 0,0-3 0,4 4 0,-3-4 0,7 2 0,-6-2 0,2 4 0,-5 4 0,1-3 0,0 2 0,0-2 0,4-2 0,-3 2 0,7-6 0,-7 4 0,7-7 0,-7 7 0,3-3 0,-4 4 0,-1 4 0,1-3 0,0 6 0,-4-5 0,3 1 0,-3-2 0,4-1 0,0 4 0,0-3 0,-1 2 0,1 1 0,0-3 0,-4 3 0,3 0 0,-2-3 0,3 3 0,-1-4 0,1 0 0,0 0 0,0 4 0,0-3 0,-1 3 0,1 0 0,-1-3 0,1 3 0,0-4 0,0 0 0,-1 4 0,-2-3 0,2 6 0,-7-6 0,7 6 0,-3-5 0,4 2 0,0-4 0,0-4 0,0 3 0,0-3 0,0 8 0,-1-3 0,1 6 0,-3-6 0,1 6 0,-2-5 0,4 1 0,0-7 0,0 4 0,0-4 0,0 4 0,-1 3 0,1-2 0,0 3 0,0-4 0,0 4 0,-1-3 0,1 6 0,-3-6 0,2 6 0,-7-5 0,7 5 0,-3-9 0,4 9 0,0-6 0,-1 4 0,1 2 0,-4-6 0,3 6 0,-6-2 0,2 3 0</inkml:trace>
+</inkml:ink>
+</file>
+
+<file path=ppt/ink/ink101.xml><?xml version="1.0" encoding="utf-8"?>
+<inkml:ink xmlns:inkml="http://www.w3.org/2003/InkML">
+  <inkml:definitions>
+    <inkml:context xml:id="ctx0">
+      <inkml:inkSource xml:id="inkSrc0">
+        <inkml:traceFormat>
+          <inkml:channel name="X" type="integer" min="-2.14748E9" max="2.14748E9" units="cm"/>
+          <inkml:channel name="Y" type="integer" min="-2.14748E9" max="2.14748E9" units="cm"/>
+          <inkml:channel name="F" type="integer" max="32767" units="dev"/>
+        </inkml:traceFormat>
+        <inkml:channelProperties>
+          <inkml:channelProperty channel="X" name="resolution" value="1000" units="1/cm"/>
+          <inkml:channelProperty channel="Y" name="resolution" value="1000" units="1/cm"/>
+          <inkml:channelProperty channel="F" name="resolution" value="0" units="1/dev"/>
+        </inkml:channelProperties>
+      </inkml:inkSource>
+      <inkml:timestamp xml:id="ts0" timeString="2022-09-14T18:31:18.547"/>
+    </inkml:context>
+    <inkml:brush xml:id="br0">
+      <inkml:brushProperty name="width" value="0.1" units="cm"/>
+      <inkml:brushProperty name="height" value="0.1" units="cm"/>
+      <inkml:brushProperty name="color" value="#004F8B"/>
+    </inkml:brush>
+  </inkml:definitions>
+  <inkml:trace contextRef="#ctx0" brushRef="#br0">1 289 24575,'11'0'0,"4"0"0,-6 0 0,3 0 0,-4 0 0,0 0 0,0 0 0,4 0 0,0 0 0,1 0 0,2 0 0,-6 0 0,3 0 0,-5 0 0,1 0 0,0 0 0,-1 0 0,1 0 0,4 0 0,-3-3 0,3 2 0,-4-3 0,0 4 0,-1 0 0,1-3 0,0 2 0,-1-2 0,1 0 0,4 2 0,-3-6 0,3 6 0,-4-3 0,-1 1 0,1 2 0,0-2 0,0 3 0,-1-4 0,1 4 0,0-4 0,0 1 0,-1-1 0,5-5 0,1 1 0,5 3 0,-5-2 0,-1 6 0,-4-6 0,-1 6 0,1-2 0,0-1 0,0 4 0,-1-7 0,1 2 0,0-3 0,4 4 0,-3-3 0,3 3 0,-5 0 0,1-3 0,0 6 0,-4-6 0,3 3 0,-3-4 0,8 0 0,-3 4 0,3-3 0,-4 2 0,0 1 0,0-3 0,-1 6 0,1-2 0,0-1 0,-1 4 0,1-7 0,0 3 0,-1-4 0,5 0 0,-3 3 0,3-2 0,-4 6 0,-4-6 0,3 7 0,-2-4 0,2 1 0,1 2 0,0-6 0,-1 6 0,1-6 0,0 6 0,-4-6 0,3 7 0,-6-4 0,3 4 0</inkml:trace>
+</inkml:ink>
+</file>
+
+<file path=ppt/ink/ink102.xml><?xml version="1.0" encoding="utf-8"?>
+<inkml:ink xmlns:inkml="http://www.w3.org/2003/InkML">
+  <inkml:definitions>
+    <inkml:context xml:id="ctx0">
+      <inkml:inkSource xml:id="inkSrc0">
+        <inkml:traceFormat>
+          <inkml:channel name="X" type="integer" min="-2.14748E9" max="2.14748E9" units="cm"/>
+          <inkml:channel name="Y" type="integer" min="-2.14748E9" max="2.14748E9" units="cm"/>
+          <inkml:channel name="F" type="integer" max="32767" units="dev"/>
+        </inkml:traceFormat>
+        <inkml:channelProperties>
+          <inkml:channelProperty channel="X" name="resolution" value="1000" units="1/cm"/>
+          <inkml:channelProperty channel="Y" name="resolution" value="1000" units="1/cm"/>
+          <inkml:channelProperty channel="F" name="resolution" value="0" units="1/dev"/>
+        </inkml:channelProperties>
+      </inkml:inkSource>
+      <inkml:timestamp xml:id="ts0" timeString="2022-09-14T17:47:24.104"/>
+    </inkml:context>
+    <inkml:brush xml:id="br0">
+      <inkml:brushProperty name="width" value="0.1" units="cm"/>
+      <inkml:brushProperty name="height" value="0.1" units="cm"/>
+    </inkml:brush>
+  </inkml:definitions>
+  <inkml:trace contextRef="#ctx0" brushRef="#br0">217 357 24575,'0'20'0,"0"8"0,0 7 0,0 7 0,0-1 0,-4 0 0,3 0 0,-13 19 0,12-14 0,-8 38 0,10-42 0,0 23 0,0-35 0,0 9 0,0-9 0,0 9 0,0-3 0,0 5 0,0-6 0,-4 5 0,3-10 0,-4-1 0,5-2 0,0 4 0,0-6 0,0 10 0,0-16 0,0 8 0,0-4 0,0 11 0,0-4 0,0 10 0,0-5 0,0 1 0,0 3 0,0-3 0,5 4 0,0 1 0,5 0 0,1 0 0,-6 0 0,5 7 0,-9 1 0,9 1 0,-9 4 0,4 13 0,-5-6 0,0 6 0,0-19 0,0-1 0,0-4 0,0 5 0,0-7 0,0 7 0,0 1 0,0 0 0,-5 5 0,3-11 0,-8 11 0,9-11 0,-8 5 0,7-7 0,-2-6 0,4 5 0,0-10 0,0 4 0,0 0 0,0 21 0,0-3 0,0 10 0,0-14 0,0 0 0,0 1 0,0 0 0,0 6 0,0-6 0,0 0 0,0 5 0,0-12 0,0 13 0,5-6 0,-4 0 0,4 6 0,-5-6 0,0 7 0,0 7 0,0-6 0,0 6 0,0 0 0,0 19 0,0-12 0,0 10 0,0-24 0,0-7 0,0 5 0,0-11 0,0 5 0,0-7 0,0 1 0,0-1 0,0 0 0,0 1 0,0-1 0,0-6 0,-5 5 0,4-10 0,-7 4 0,6-5 0,-2-1 0,0 0 0,3 1 0,-7-1 0,7 1 0,-4-1 0,1 0 0,3 1 0,-3-1 0,0 1 0,3-1 0,-8 6 0,8 2 0,-9 30 0,4-12 0,1 14 0,-5-14 0,8-11 0,-7 4 0,8-5 0,-4-7 0,5-1 0,-4-10 0,3 2 0,-3-7 0,4 3 0,0-5 0,0 0 0,0 6 0,0 0 0,0 5 0,0 1 0,0-1 0,0 0 0,0 7 0,0-6 0,0 11 0,0-4 0,0 5 0,0-6 0,0 5 0,0-10 0,0 4 0,0-5 0,0-6 0,0 4 0,0-8 0,0 8 0,0-9 0,0 4 0,0-4 0,0-1 0,0 5 0,0-4 0,-3 5 0,2-6 0,-3 0 0,0 0 0,3 6 0,-3-5 0,4 3 0,0-4 0,-4 0 0,3 0 0,-3 5 0,4-3 0,0 8 0,0-9 0,0 10 0,0-10 0,0 9 0,0-8 0,-4 8 0,3-8 0,-3 8 0,4-9 0,0 9 0,0-3 0,0 4 0,0-4 0,0 3 0,0-4 0,0 1 0,-4 3 0,3-4 0,-3 1 0,4-2 0,0-5 0,0 1 0,0 4 0,0-4 0,0 10 0,0-10 0,0 9 0,0-8 0,0 3 0,0-5 0,0-4 0,0-1 0,0-4 0,0 0 0,0-1 0,0 1 0,0 0 0,0 4 0,0-3 0,0 7 0,0-3 0,0 4 0,0-4 0,0-1 0,0-4 0,0 0 0,-4 0 0,3 0 0,-2-1 0,3 1 0,0 0 0,-4-4 0,3 3 0,-6-7 0,3 4 0,-8-4 0,-1 0 0,10 0 0,9 0 0,16 0 0,7 0 0,5 4 0,1 2 0,6 4 0,-5 0 0,4 0 0,-5 0 0,7 1 0,-7-1 0,5-5 0,-4 4 0,5-8 0,0 4 0,6-5 0,-4 0 0,10 0 0,-3 0 0,5 0 0,0 0 0,1 0 0,-7-5 0,-1 4 0,-7-3 0,1 4 0,-7 0 0,5 0 0,-5 0 0,13 0 0,-5 0 0,11 0 0,-5-5 0,6 4 0,1-4 0,-7 0 0,5 4 0,-11-4 0,5 5 0,-13 0 0,5 0 0,-10 0 0,4 0 0,0 0 0,-4-4 0,16-2 0,-9-4 0,17-1 0,11-6 0,-12 9 0,16-13 0,-20 13 0,14-8 0,13 0 0,-15 4 0,5 1 0,-25 6 0,-5 5 0,-2 0 0,-6 0 0,6 0 0,-4 0 0,4-4 0,-5 3 0,-1-7 0,1 7 0,-1-8 0,6 8 0,-4-7 0,10 7 0,-10-3 0,10-1 0,-5 4 0,6-4 0,1 5 0,-1 0 0,0 0 0,0 0 0,0 0 0,13 0 0,-9 0 0,3 0 0,-14 0 0,-6 0 0,1 0 0,5 0 0,-4 0 0,4 0 0,0 0 0,2 0 0,5 5 0,0-4 0,7 9 0,-6-5 0,5 1 0,-6 3 0,0-3 0,1 4 0,-1-4 0,0 3 0,7-8 0,13 9 0,-9-9 0,8 3 0,-19-4 0,-5 0 0,4 0 0,-5 0 0,7 0 0,-1 0 0,0 0 0,7 0 0,1 0 0,7 0 0,15 0 0,-18 0 0,23-5 0,-17 4 0,5-10 0,-1 10 0,0-4 0,-12 5 0,11 0 0,-19 0 0,4 0 0,20 0 0,-20 0 0,19 0 0,-18 0 0,-5 0 0,11 0 0,-5 0 0,1 0 0,4 0 0,-5 0 0,0 0 0,-1 0 0,-7 0 0,1 0 0,-1 0 0,-5 0 0,4 0 0,2 0 0,14 0 0,2 0 0,-2 0 0,5 0 0,-10-5 0,19-1 0,-5-6 0,7 0 0,0 0 0,0 0 0,0 0 0,0 5 0,17-4 0,-13 4-447,20 0 447,-14 1 0,8 6 0,9 0-541,-49 0 0,1 0 541,8 0 0,0 0 0,-3 0 0,0 0 0,9 0 0,-1 0 0,-8 0 0,0 0 0,8 0 0,0 0 0,-8 0 0,0 0 0,4 0 0,-1 0 0,26 0 0,-16 0 0,-4 0 0,-2 0-308,14 0 0,-2 0 308,-21 0 0,-2 0 0,0 0 0,-2 0 408,13 0-408,-20 0 1071,-7 0-1071,-14 0 666,-5 0-666,-4 0 0,-1 0 0,-7-12 0,-2-10 0,-3-35 0,-5-3 0,3-36 0,-3 11-325,5 31 1,0 1 324,0-24 0,0-18 0,0 29-124,-5-14 124,3 8 0,-3 7 0,5 2 0,0 7 0,-5 7 645,4-5-645,-3 4 128,-1-6-128,-1 7 0,0-5 0,-4 4 0,9 1 0,-9-5 0,4 11 0,0-5 0,-3 0 0,7 6 0,-7-6 0,8 7 0,-8 5 0,8-4 0,-3 5 0,-1-1 0,4-4 0,-3 10 0,0-10 0,2 11 0,-7-11 0,8 10 0,-8-10 0,3 5 0,0-7 0,-3-5 0,8 4 0,-9-12 0,9 6 0,-4 0 0,5-5 0,0 11 0,0-5 0,0 7 0,0 5 0,0 2 0,0 6 0,0 4 0,0 2 0,0 0 0,0-2 0,0 1 0,0-4 0,0-1 0,0-14 0,0 0 0,0 0 0,0 8 0,0 5 0,0 1 0,0 5 0,0-5 0,0 10 0,0-9 0,0 3 0,0-10 0,0 4 0,0-4 0,-5 0 0,4 4 0,-4-4 0,5 0 0,0 4 0,-4-4 0,3-7 0,-3 4 0,0-5 0,3 2 0,-8 5 0,8-6 0,-8 6 0,3-5 0,1 5 0,0-1 0,1-3 0,3 9 0,-4-4 0,5 5 0,0 1 0,0 4 0,0-3 0,0 4 0,0-1 0,0-3 0,-4 8 0,3-8 0,-3 4 0,4-1 0,-4-3 0,3 9 0,-3-9 0,0 3 0,3 1 0,-8-4 0,8 3 0,-3-10 0,4 4 0,-5-9 0,4 9 0,-3-9 0,-1 3 0,4-5 0,-8 5 0,8-3 0,-7 9 0,7-4 0,-8 6 0,4-1 0,0 1 0,-4 0 0,4-1 0,0 1 0,1-1 0,0-17 0,2 7 0,-2-9 0,4 9 0,0 4 0,0-6 0,0 5 0,0-4 0,-4 11 0,3-5 0,-3 5 0,4-5 0,0 4 0,0-9 0,0 4 0,0-1 0,0-3 0,0 3 0,0-5 0,0 0 0,0-1 0,0 2 0,0-1 0,0 0 0,0 0 0,0-7 0,0 6 0,0-20 0,0 11 0,5-12 0,1 8 0,0-1 0,4 7 0,-5 2 0,1 5 0,3 1 0,-8 5 0,4 2 0,-5 11 0,0-4 0,0 3 0,0 1 0,0-5 0,0 10 0,0-4 0,0 4 0,0 1 0,0 4 0,0 1 0,3 4 0,-2 1 0,3-1 0,-4 0 0,0 1 0,0-5 0,4-1 0,-3-9 0,7-2 0,-3-4 0,0-1 0,4 1 0,-8-1 0,3 6 0,-4-4 0,0 8 0,0-8 0,0 6 0,0-13 0,0 6 0,0-25 0,0 25 0,0-25 0,0 23 0,0-1 0,0-2 0,0 19 0,0-3 0,0 9 0,0 0 0,0 1 0,0-1 0,0 1 0,0-1 0,0 1 0,0-1 0,0 0 0,0-4 0,0 3 0,0-7 0,0 7 0,0-3 0,0 4 0,0 0 0,0 1 0,0-5 0,0 3 0,0-3 0,0 0 0,-4 3 0,3-3 0,-2 4 0,3-4 0,-3 4 0,2-4 0,-3 4 0,4 0 0,0 0 0,0 0 0,0 1 0,0 3 0,0 1 0</inkml:trace>
+</inkml:ink>
+</file>
+
+<file path=ppt/ink/ink103.xml><?xml version="1.0" encoding="utf-8"?>
+<inkml:ink xmlns:inkml="http://www.w3.org/2003/InkML">
+  <inkml:definitions>
+    <inkml:context xml:id="ctx0">
+      <inkml:inkSource xml:id="inkSrc0">
+        <inkml:traceFormat>
+          <inkml:channel name="X" type="integer" min="-2.14748E9" max="2.14748E9" units="cm"/>
+          <inkml:channel name="Y" type="integer" min="-2.14748E9" max="2.14748E9" units="cm"/>
+          <inkml:channel name="F" type="integer" max="32767" units="dev"/>
+        </inkml:traceFormat>
+        <inkml:channelProperties>
+          <inkml:channelProperty channel="X" name="resolution" value="1000" units="1/cm"/>
+          <inkml:channelProperty channel="Y" name="resolution" value="1000" units="1/cm"/>
+          <inkml:channelProperty channel="F" name="resolution" value="0" units="1/dev"/>
+        </inkml:channelProperties>
+      </inkml:inkSource>
+      <inkml:timestamp xml:id="ts0" timeString="2022-09-14T17:47:29.032"/>
+    </inkml:context>
+    <inkml:brush xml:id="br0">
+      <inkml:brushProperty name="width" value="0.1" units="cm"/>
+      <inkml:brushProperty name="height" value="0.1" units="cm"/>
+    </inkml:brush>
+  </inkml:definitions>
+  <inkml:trace contextRef="#ctx0" brushRef="#br0">0 327 24575,'21'4'0,"1"-1"0,12-3 0,-4 0 0,9 0 0,-9 0 0,10 0 0,-5 0 0,1 0 0,4 0 0,-5 0 0,7 0 0,-1 0 0,-6 0 0,5 0 0,-10 0 0,4 0 0,-5 0 0,-1 0 0,1 0 0,-6 0 0,4 0 0,-8 0 0,3 0 0,-5 0 0,0 0 0,6 0 0,-5 0 0,9 0 0,-3 0 0,-1 0 0,4 0 0,-3 0 0,-1 0 0,5-4 0,-5 3 0,6-3 0,-1-1 0,6 0 0,-4-5 0,10 0 0,-5 0 0,1 0 0,-2-4 0,-6 4 0,1-4 0,-6 5 0,4-1 0,-8 2 0,8 2 0,-3-2 0,-1 3 0,4 0 0,-3-3 0,-1 3 0,0 0 0,-6-2 0,0 6 0,0-3 0,1 4 0,-1 0 0,-4 0 0,3 0 0,-3 0 0,5 0 0,4 0 0,-4 0 0,5 0 0,-1 0 0,-4 0 0,0 0 0,-1 0 0,-8 0 0,3 0 0,-5 0 0,1 0 0,0 0 0,4 0 0,6 0 0,0 0 0,9 0 0,3 0 0,-1-5 0,6 0 0,-7 0 0,0-3 0,-4 3 0,3-5 0,-8 2 0,8-2 0,-9 5 0,10-3 0,-5 3 0,6-5 0,5 5 0,-4-4 0,4 4 0,0 0 0,-4-4 0,-1 4 0,-2 0 0,-3-3 0,4 7 0,-9-6 0,2 6 0,-9-3 0,1 4 0,-2 0 0,-3 0 0,0-3 0,-1 2 0,5-3 0,1 4 0,9 0 0,2 0 0,4 0 0,0 0 0,1 0 0,-1 0 0,1 0 0,-6 0 0,0 0 0,-6 0 0,0 0 0,0 0 0,6 0 0,0 0 0,5 0 0,1 0 0,5 0 0,-4 0 0,4 0 0,-6 0 0,1 0 0,-1 5 0,6-4 0,2 3 0,5-4 0,0 0 0,1 0 0,-1 4 0,0-2 0,1 2 0,-2-4 0,-4 0 0,4 5 0,-11-4 0,6 4 0,-7-5 0,6 4 0,-4-3 0,16 4 0,5-5 0,-5 0 0,13 0 0,-15 0 0,11 5 0,1-4 0,-1 4 0,-5-5 0,4 0 0,-11 4 0,4-2 0,-5 2 0,-1-4 0,0 0 0,1 0 0,5 0 0,-4 0 0,5 0 0,-7 0 0,1 0 0,5 0 0,-4 0 0,11 0 0,11 0 0,-12 0 0,16 0 0,-19 0 0,12 0 0,-4 0 0,-2 0 0,-8 0 0,-7 0 0,1 0 0,-1 0 0,-6 0 0,0 4 0,-7-3 0,0 8 0,1-8 0,-6 7 0,0-3 0,-6 3 0,-4 1 0,5-5 0,6 0 0,3-4 0,12 0 0,-9 0 0,17 0 0,3 0 0,8 0 0,5 0 0,-14 0 0,6-5 0,-6 4 0,0-4 0,5 0 0,-11 4 0,11-4 0,-11 0 0,5 4 0,-7-4 0,0 5 0,1 0 0,-1 0 0,-6 0 0,5-4 0,-10 3 0,4-4 0,1 0 0,-6 4 0,11-8 0,-10 8 0,4-4 0,-5 1 0,-1 3 0,-4-3 0,3 4 0,-9 0 0,5 0 0,-1 0 0,1 0 0,1 0 0,3 0 0,-8 0 0,8 0 0,-4 0 0,1 0 0,3 0 0,-9 0 0,10 0 0,-10 0 0,9 0 0,-3 0 0,4 0 0,1 0 0,-1 0 0,1 0 0,-1 0 0,0 0 0,1 0 0,-6 0 0,4 0 0,-8 0 0,8 4 0,-8-3 0,3 3 0,-5-4 0,1 0 0,4 0 0,-4 0 0,9 0 0,-8 0 0,3 0 0,-4 0 0,4 0 0,-8 0 0,7 0 0,-12 0 0,7 4 0,-7-3 0,7 3 0,-7-4 0,7 0 0,-7 0 0,7 0 0,-7 0 0,7 0 0,-3 0 0,5 0 0,-5 3 0,3-2 0,-3 3 0,0-4 0,3 0 0,-3 0 0,1 3 0,2-2 0,-3 3 0,4-1 0,0-2 0,-3 7 0,2-4 0,-7 4 0,3-3 0,-5 2 0,1-6 0,0 6 0,0-6 0,3 5 0,-2-5 0,6 7 0,-6-7 0,3 2 0,-4-3 0,0 4 0,-1-3 0,1 2 0,0-3 0,0 0 0,-1 0 0,1 0 0,0 0 0,3 0 0,2 0 0,5 0 0,-1 0 0,0 0 0,-4-3 0,3 2 0,-2-6 0,-1 6 0,-1-3 0,-5 0 0,1 3 0,0-2 0,0 3 0,-4 0 0,-1 0 0</inkml:trace>
+</inkml:ink>
+</file>
+
+<file path=ppt/ink/ink104.xml><?xml version="1.0" encoding="utf-8"?>
+<inkml:ink xmlns:inkml="http://www.w3.org/2003/InkML">
+  <inkml:definitions>
+    <inkml:context xml:id="ctx0">
+      <inkml:inkSource xml:id="inkSrc0">
+        <inkml:traceFormat>
+          <inkml:channel name="X" type="integer" min="-2.14748E9" max="2.14748E9" units="cm"/>
+          <inkml:channel name="Y" type="integer" min="-2.14748E9" max="2.14748E9" units="cm"/>
+          <inkml:channel name="F" type="integer" max="32767" units="dev"/>
+        </inkml:traceFormat>
+        <inkml:channelProperties>
+          <inkml:channelProperty channel="X" name="resolution" value="1000" units="1/cm"/>
+          <inkml:channelProperty channel="Y" name="resolution" value="1000" units="1/cm"/>
+          <inkml:channelProperty channel="F" name="resolution" value="0" units="1/dev"/>
+        </inkml:channelProperties>
+      </inkml:inkSource>
+      <inkml:timestamp xml:id="ts0" timeString="2022-09-14T17:47:33.420"/>
+    </inkml:context>
+    <inkml:brush xml:id="br0">
+      <inkml:brushProperty name="width" value="0.1" units="cm"/>
+      <inkml:brushProperty name="height" value="0.1" units="cm"/>
+    </inkml:brush>
+  </inkml:definitions>
+  <inkml:trace contextRef="#ctx0" brushRef="#br0">157 1 24575,'0'23'0,"0"12"0,0-14 0,0 13 0,0-6 0,0 1 0,0 5 0,0-4 0,0 9 0,5-3 0,1 12 0,0-5 0,-1 11 0,-5-5 0,0 7 0,0 0 0,0 0 0,0-7 0,0-1 0,0-13 0,0 5 0,0-10 0,0 4 0,0-5 0,0-1 0,4 6 0,2 2 0,0 5 0,-2 7 0,-4 1 0,0 7 0,0-1 0,0 8 0,0-5 0,0-2 0,0-2 0,0-11 0,0 11 0,0-11 0,0 5 0,0 0 0,0 1 0,0 0 0,-4 5 0,2 10 0,-7-10 0,8 18 0,-9-22 0,9 17 0,-4-9 0,5 5 0,0-8 0,0 1 0,0 0 0,0-7 0,0 6 0,-5-6 0,-1 0 0,-10 5 0,4-4 0,-13 24 0,7-20 0,2 12 0,2-25 0,13 1 0,-4-7 0,5-1 0,0-5 0,0 5 0,0-4 0,0 10 0,0-5 0,0 6 0,-4 0 0,2 7 0,-7-5 0,8 4 0,-8-6 0,8 1 0,-4-1 0,5 0 0,0 1 0,0 17 0,0-19 0,0 19 0,-4-29 0,3 9 0,-3-9 0,4 4 0,-4-10 0,3 3 0,-3-8 0,4 8 0,0-9 0,0 9 0,0-8 0,0 8 0,0-4 0,0 1 0,0 3 0,0-4 0,0 6 0,0-6 0,0 4 0,4-3 0,2 10 0,8 14 0,-2 3 0,2 4 0,-3 0 0,0-13 0,0 6 0,-6-12 0,4-7 0,-8-7 0,6-9 0,-6-1 0,2-4 0,-3 21 0,0 5 0,0 22 0,0-7 0,0 5 0,-4-11 0,3 5 0,-4 15 0,0-3 0,3 20 0,-3-15 0,5-2 0,0-7 0,0-7 0,0 5 0,0-11 0,0 5 0,0-7 0,0-5 0,0 4 0,0-10 0,0 4 0,0-11 0,0 4 0,0-8 0,0 8 0,0-10 0,0 9 0,0-3 0,5 23 0,0-14 0,6 20 0,-1-17 0,-4 7 0,3-7 0,-8 5 0,3-10 0,-4 4 0,4-10 0,1 8 0,4-7 0,-3 9 0,3 0 0,-3 2 0,-1 5 0,4 1 0,-7-1 0,6-6 0,-7-6 0,4-6 0,-5-6 0,0-4 0,3-1 0,-2-4 0,6 0 0,-6 4 0,2 1 0,1 4 0,-3 5 0,3 2 0,-4 4 0,0 1 0,0-1 0,0-4 0,0 3 0,0-9 0,4 12 0,-3-11 0,6 2 0,-6-5 0,6-3 0,-2 5 0,0-1 0,2 0 0,-6 5 0,7-3 0,-7 8 0,3-8 0,-4 8 0,4-9 0,-3 9 0,2-3 0,1-1 0,-3 4 0,7-8 0,-7 8 0,3-9 0,-4 5 0,4-6 0,-3 0 0,2-4 0,-3 4 0,0-9 0,0 4 0,0-4 0,0 0 0,0-1 0,0 1 0,0 3 0,0 3 0,0 3 0,0 5 0,0-8 0,0 8 0,0-14 0,0 4 0,0-4 0,0 0 0,0 0 0,0-4 0,0 0 0</inkml:trace>
+</inkml:ink>
+</file>
+
+<file path=ppt/ink/ink105.xml><?xml version="1.0" encoding="utf-8"?>
+<inkml:ink xmlns:inkml="http://www.w3.org/2003/InkML">
+  <inkml:definitions>
+    <inkml:context xml:id="ctx0">
+      <inkml:inkSource xml:id="inkSrc0">
+        <inkml:traceFormat>
+          <inkml:channel name="X" type="integer" min="-2.14748E9" max="2.14748E9" units="cm"/>
+          <inkml:channel name="Y" type="integer" min="-2.14748E9" max="2.14748E9" units="cm"/>
+          <inkml:channel name="F" type="integer" max="32767" units="dev"/>
+        </inkml:traceFormat>
+        <inkml:channelProperties>
+          <inkml:channelProperty channel="X" name="resolution" value="1000" units="1/cm"/>
+          <inkml:channelProperty channel="Y" name="resolution" value="1000" units="1/cm"/>
+          <inkml:channelProperty channel="F" name="resolution" value="0" units="1/dev"/>
+        </inkml:channelProperties>
+      </inkml:inkSource>
+      <inkml:timestamp xml:id="ts0" timeString="2022-09-14T17:47:51.527"/>
+    </inkml:context>
+    <inkml:brush xml:id="br0">
+      <inkml:brushProperty name="width" value="0.1" units="cm"/>
+      <inkml:brushProperty name="height" value="0.1" units="cm"/>
+    </inkml:brush>
+  </inkml:definitions>
+  <inkml:trace contextRef="#ctx0" brushRef="#br0">0 155 24575,'23'0'0,"1"0"0,4 0 0,6 0 0,16 0 0,-12 0 0,16 0 0,-12 0 0,14 0 0,-4 0 0,9 0 0,4 0 0,-18 0 0,28 0 0,-36 0 0,22 0 0,-4 0 0,-6 0 0,18 0 0,-11 0 0,7 0 0,5 0 0,-5 0 0,0 0 0,-2 0 0,-7 0 0,-7 0 0,5 0 0,-4 0 0,-1 0 0,5 0 0,-5 0 0,1 0 0,4 0 0,11 0 0,-12 0 0,16-5 0,-20-1 0,1 0 0,4 1 0,-11 5 0,-1-4 0,-2 3 0,-10-4 0,9 5 0,-9 0 0,5 0 0,-7 0 0,0-4 0,1 3 0,-6-7 0,12 3 0,-14 0 0,9 2 0,-13 3 0,-4 0 0,3 0 0,-3 0 0,9 0 0,-3 0 0,8 0 0,-3 0 0,10 0 0,-4 0 0,4 0 0,-6 0 0,1 0 0,-1 0 0,1 0 0,-6 0 0,4 0 0,-3 0 0,-1 0 0,4 0 0,-3 0 0,12 0 0,-6 0 0,1 0 0,-4 0 0,-8 0 0,3 0 0,0 0 0,-7 0 0,11 0 0,-16 0 0,11 0 0,-8 0 0,9 0 0,-3 0 0,3 0 0,-5 0 0,6 0 0,-5 0 0,4 0 0,1 0 0,-5-4 0,9 3 0,-8-3 0,8 4 0,-1 0 0,3 0 0,-7 0 0,-1 0 0,-12 0 0,3 0 0,-4 0 0,0 0 0,0 0 0,0-4 0,-1 4 0,1-4 0,4 4 0,1 0 0,5 0 0,-1 0 0,0 0 0,-4 0 0,3 0 0,-7 0 0,8 0 0,-9-3 0,4 2 0,-4-3 0,0 4 0,0 0 0,0 0 0,-1 0 0,1 0 0,0 0 0,-1 0 0,1 0 0,-1 0 0,1 0 0,0 0 0,0 0 0,0 0 0,-1 0 0,1 0 0,-1 0 0,1 0 0,-1 0 0,1-7 0,3 5 0,2-6 0,3 8 0,1 0 0,0 0 0,1 0 0,4 0 0,-4 0 0,10 0 0,-5-4 0,5 3 0,-4-3 0,3 4 0,-8 0 0,3 0 0,0 0 0,-3-4 0,3 3 0,-5-3 0,0 0 0,1 3 0,-1-3 0,0 0 0,0 4 0,1-4 0,-1 4 0,0 0 0,1 0 0,-1 0 0,0 0 0,0 0 0,1 0 0,-1 0 0,0 0 0,1 0 0,7 0 0,-6 0 0,11 0 0,-12 0 0,4 0 0,1 0 0,-5 0 0,9 0 0,-8 0 0,8 0 0,-3 0 0,-1 0 0,4 0 0,-3 0 0,4 0 0,6 0 0,-5 0 0,5 0 0,-10 0 0,3 0 0,-4 0 0,1 0 0,3 0 0,-8 0 0,8 4 0,-9-3 0,17 3 0,-14 0 0,14-3 0,-17 3 0,9-4 0,-8 4 0,8-3 0,-3 2 0,4-3 0,-4 0 0,-2 0 0,0 0 0,-3 0 0,8 0 0,-9 0 0,5 0 0,-6 0 0,0 0 0,5 0 0,-3 0 0,11 0 0,-11 0 0,6 0 0,-8 0 0,0 0 0,-4 0 0,4 0 0,-8 0 0,7 0 0,-3 0 0,4 0 0,0 0 0,6 0 0,-5 0 0,4 0 0,-4 0 0,-1 0 0,0 0 0,-4 0 0,4 0 0,-9 0 0,9 0 0,-4 0 0,0 0 0,16 0 0,-13 0 0,14 0 0,-8 0 0,-3 0 0,3 0 0,-5 0 0,0 0 0,-4 0 0,-1 0 0,-4 0 0,0 0 0,0 0 0,-1 0 0,1 0 0,4 0 0,1 0 0,4 0 0,5 0 0,-3 0 0,3 0 0,-5 0 0,0 0 0,-3 0 0,2 0 0,-7 0 0,7 0 0,-7 0 0,7 0 0,-7 0 0,7 0 0,2 0 0,1 0 0,3 0 0,-5 0 0,5 0 0,-3 0 0,3 0 0,-5 0 0,6 0 0,0 0 0,6 0 0,-1 0 0,6 0 0,8 0 0,7 0 0,25 5 0,-20 1 0,12-1 0,-30 0 0,-7-1 0,-7-3 0,-4 3 0,-5-4 0,3 4 0,-7-3 0,3 2 0,-4-3 0,4 0 0,-4 0 0,4 4 0,-4-3 0,0 2 0,4-3 0,-3 0 0,3 0 0,0 0 0,-3 0 0,7 0 0,-7 0 0,7 0 0,-7 0 0,7 0 0,-3 0 0,0 0 0,4 0 0,-4 0 0,9 0 0,-4 0 0,10 0 0,-10 0 0,9 0 0,-3 0 0,-1 0 0,4 0 0,-8 0 0,8 0 0,-8 0 0,8 0 0,-9 0 0,10 0 0,-10 0 0,9 0 0,-8 0 0,3 0 0,-5 0 0,0 0 0,0 0 0,-4 0 0,-1 0 0,-4 0 0,-1 0 0,1 0 0,-4-3 0,3 2 0,-3-2 0,4 3 0,9-4 0,-3 3 0,13-8 0,-3 8 0,4-7 0,-4 7 0,3-8 0,-13 8 0,7-3 0,-12 1 0,3 2 0,-4-3 0,0 4 0,-1 0 0,-3-3 0,-1-1 0,1 0 0,4 0 0,5 4 0,5 0 0,-1-3 0,0 2 0,-4-3 0,3 4 0,-7 0 0,3 0 0,-4 0 0,-1-3 0,5 2 0,1-2 0,4 3 0,1-4 0,-1 3 0,-4-3 0,-1 4 0,-4 0 0,0 0 0,-1 0 0,-3 0 0,-1 0 0</inkml:trace>
+</inkml:ink>
+</file>
+
+<file path=ppt/ink/ink106.xml><?xml version="1.0" encoding="utf-8"?>
+<inkml:ink xmlns:inkml="http://www.w3.org/2003/InkML">
+  <inkml:definitions>
+    <inkml:context xml:id="ctx0">
+      <inkml:inkSource xml:id="inkSrc0">
+        <inkml:traceFormat>
+          <inkml:channel name="X" type="integer" min="-2.14748E9" max="2.14748E9" units="cm"/>
+          <inkml:channel name="Y" type="integer" min="-2.14748E9" max="2.14748E9" units="cm"/>
+          <inkml:channel name="F" type="integer" max="32767" units="dev"/>
+        </inkml:traceFormat>
+        <inkml:channelProperties>
+          <inkml:channelProperty channel="X" name="resolution" value="1000" units="1/cm"/>
+          <inkml:channelProperty channel="Y" name="resolution" value="1000" units="1/cm"/>
+          <inkml:channelProperty channel="F" name="resolution" value="0" units="1/dev"/>
+        </inkml:channelProperties>
+      </inkml:inkSource>
+      <inkml:timestamp xml:id="ts0" timeString="2022-09-14T17:55:48.359"/>
+    </inkml:context>
+    <inkml:brush xml:id="br0">
+      <inkml:brushProperty name="width" value="0.1" units="cm"/>
+      <inkml:brushProperty name="height" value="0.1" units="cm"/>
+    </inkml:brush>
+  </inkml:definitions>
+  <inkml:trace contextRef="#ctx0" brushRef="#br0">1 0 24575,'11'0'0,"0"0"0,-3 0 0,-1 0 0,5 0 0,1 0 0,0 0 0,3 0 0,-7 0 0,8 0 0,-9 0 0,4 0 0,0 0 0,-3 0 0,8 0 0,-4 0 0,4 0 0,0 0 0,0 0 0,1 0 0,-1 0 0,5 0 0,-3 0 0,8 0 0,-8 0 0,8 0 0,-9 4 0,5-3 0,-10 6 0,3-2 0,-7-1 0,7 0 0,-7 0 0,3-4 0,-4 4 0,-1-1 0,1-2 0,0 3 0,0-4 0,0 3 0,-1-2 0,1 3 0,0-1 0,0-2 0,0 2 0,-1 1 0,1-3 0,0 2 0,0-3 0,0 0 0,-1 0 0,1 0 0,4 0 0,-4 0 0,0 0 0,-5 0 0</inkml:trace>
+</inkml:ink>
+</file>
+
+<file path=ppt/ink/ink107.xml><?xml version="1.0" encoding="utf-8"?>
+<inkml:ink xmlns:inkml="http://www.w3.org/2003/InkML">
+  <inkml:definitions>
+    <inkml:context xml:id="ctx0">
+      <inkml:inkSource xml:id="inkSrc0">
+        <inkml:traceFormat>
+          <inkml:channel name="X" type="integer" min="-2.14748E9" max="2.14748E9" units="cm"/>
+          <inkml:channel name="Y" type="integer" min="-2.14748E9" max="2.14748E9" units="cm"/>
+          <inkml:channel name="F" type="integer" max="32767" units="dev"/>
+        </inkml:traceFormat>
+        <inkml:channelProperties>
+          <inkml:channelProperty channel="X" name="resolution" value="1000" units="1/cm"/>
+          <inkml:channelProperty channel="Y" name="resolution" value="1000" units="1/cm"/>
+          <inkml:channelProperty channel="F" name="resolution" value="0" units="1/dev"/>
+        </inkml:channelProperties>
+      </inkml:inkSource>
+      <inkml:timestamp xml:id="ts0" timeString="2022-09-14T17:55:56.651"/>
+    </inkml:context>
+    <inkml:brush xml:id="br0">
+      <inkml:brushProperty name="width" value="0.1" units="cm"/>
+      <inkml:brushProperty name="height" value="0.1" units="cm"/>
+    </inkml:brush>
+  </inkml:definitions>
+  <inkml:trace contextRef="#ctx0" brushRef="#br0">582 0 24575,'0'21'0,"0"1"0,0 6 0,0 0 0,0 1 0,0 5 0,0-4 0,0 10 0,0-5 0,0 7 0,0-1 0,0 7 0,0-6 0,0 13 0,0-6 0,0 7 0,0-7 0,0 5 0,5-11 0,-4 5 0,8-7 0,-3 1 0,0-1 0,-2-5 0,1 10 0,0-14 0,4 9 0,1-13 0,-5 1 0,4 5 0,-4-4 0,1 16 0,3-9 0,-8 18 0,4-6 0,-1 7 0,-2 0 0,3-1 0,-5 1 0,0-6 0,0 4 0,0-11 0,4 4 0,-3-5 0,4-1 0,-5 0 0,0 7 0,0-5 0,0 5 0,0-7 0,0 24 0,0-11 0,0 20 0,0-19 0,0 1 0,0-6 0,-5 4 0,4-11 0,-4-1 0,5-8 0,0-6 0,0 1 0,0-6 0,0-1 0,0-4 0,0 4 0,0 2 0,0 4 0,0 0 0,0 7 0,0 7 0,0 1 0,0 11 0,0-11 0,0 4 0,0-5 0,0-1 0,0-6 0,0-1 0,0-5 0,0 5 0,0-5 0,0 11 0,0-4 0,0 5 0,0 0 0,0 1 0,0-1 0,0 0 0,0-5 0,0-2 0,0-11 0,0 0 0,0-10 0,0-1 0,0-4 0,0-1 0,0 5 0,0 6 0,0 6 0,0 10 0,0 2 0,0 5 0,0 0 0,0-5 0,0 4 0,0-5 0,0 1 0,0 4 0,0-10 0,0 4 0,0-6 0,0-4 0,0 3 0,0-9 0,0 5 0,0-6 0,0-4 0,0-1 0,0-4 0,0-1 0,0 1 0,0 0 0,0 0 0,-4 9 0,3-3 0,-4 8 0,5-5 0,-3 1 0,2-5 0,-3-1 0,4 0 0,0 0 0,0 1 0,0-2 0,0 6 0,0 2 0,-4 9 0,3 7 0,-4-5 0,5 4 0,0-6 0,0 1 0,0-6 0,0-5 0,0-6 0,0-4 0,0 0 0,0-1 0,0 1 0,0-1 0,0 4 0,0 2 0,0 8 0,0-3 0,0 4 0,0-9 0,0 4 0,0-8 0,0 3 0,0-5 0,0 1 0,0 3 0,0 1 0,0 9 0,0 3 0,0-1 0,0 4 0,0-8 0,0 3 0,0-5 0,0 1 0,0-1 0,0 0 0,0 0 0,0-3 0,0 2 0,0-7 0,0 3 0,0-5 0,0 1 0,0 0 0,0-1 0,0 1 0,0-1 0,0 1 0,0 0 0,0 0 0,0-1 0,0 1 0,0 4 0,4-3 0,-3 3 0,2-4 0,-3 0 0,0 0 0,0-1 0,0 1 0,0 0 0,0 0 0,0 0 0,0 4 0,0 1 0,0 4 0,0 0 0,0 5 0,0-3 0,0 8 0,0-8 0,0 8 0,0-4 0,0 6 0,0-1 0,0 1 0,0-1 0,0 0 0,0-4 0,0 3 0,0-8 0,0-1 0,0-2 0,0-3 0,0 4 0,0-4 0,0 3 0,0-2 0,0 3 0,0 5 0,0 2 0,4 4 0,-3-5 0,8 5 0,-4-10 0,0 4 0,3-1 0,-7-7 0,2 2 0,-3-9 0,0 1 0,0 0 0,0 4 0,0 0 0,0 6 0,0-1 0,0 0 0,0 1 0,0-1 0,0-4 0,0-1 0,0-4 0,0 0 0,0-1 0,0 1 0,0 0 0,0-1 0,0 10 0,0-3 0,0 14 0,0-5 0,0 6 0,0-1 0,0 6 0,0-4 0,0 4 0,0-5 0,-3-6 0,2 4 0,-3-8 0,0 3 0,3-5 0,-3 1 0,4-1 0,0 0 0,0 0 0,0 1 0,0-1 0,0 5 0,0-3 0,0 3 0,0-9 0,0 3 0,0-7 0,-3 3 0,2-4 0,-3 0 0,4 0 0,0-1 0,0 1 0,0-1 0,0 1 0,0 3 0,0 3 0,0 3 0,0 0 0,0 5 0,0-3 0,0 8 0,0-8 0,0 8 0,0-9 0,0 5 0,0-6 0,0 0 0,0-4 0,0-1 0,0-4 0,0 0 0,0-1 0,0 1 0,0 4 0,0 6 0,0 5 0,0 11 0,0 8 0,0 1 0,0 5 0,0-12 0,0 3 0,0-14 0,0 3 0,0-10 0,0-5 0,0-1 0,0-5 0,0 1 0,0 0 0,0-1 0,0 0 0,0 0 0,-6-3 0,1 3 0,-6-6 0,3 2 0,1-3 0,-1 0 0,0 0 0,1 0 0,-1 0 0,-4 0 0,3 0 0,-7 0 0,3 0 0,-4 0 0,-1 0 0,1 0 0,0 0 0,0 0 0,4 0 0,-4 0 0,8 0 0,-7 0 0,7 0 0,-3 0 0,5 0 0,-1 0 0,1 0 0,0 0 0,-1 0 0,1 0 0,0 0 0,-5 0 0,3 0 0,-3 0 0,4 0 0,0 0 0,1 0 0,0 0 0,-1 0 0,-2 0 0,2 0 0,-2 0 0,2 0 0,-2 0 0,2 0 0,-3 0 0,3 0 0,1 0 0,-1 4 0,0-3 0,0 5 0,1-5 0,-1 2 0,1-3 0,-1 0 0,0 0 0,1 0 0,0 0 0,-5 0 0,-1 0 0,-4 0 0,0 0 0,4 0 0,-4 0 0,9 0 0,-4 0 0,4 0 0,3 0 0,2 0 0</inkml:trace>
+</inkml:ink>
+</file>
+
+<file path=ppt/ink/ink108.xml><?xml version="1.0" encoding="utf-8"?>
+<inkml:ink xmlns:inkml="http://www.w3.org/2003/InkML">
+  <inkml:definitions>
+    <inkml:context xml:id="ctx0">
+      <inkml:inkSource xml:id="inkSrc0">
+        <inkml:traceFormat>
+          <inkml:channel name="X" type="integer" min="-2.14748E9" max="2.14748E9" units="cm"/>
+          <inkml:channel name="Y" type="integer" min="-2.14748E9" max="2.14748E9" units="cm"/>
+          <inkml:channel name="F" type="integer" max="32767" units="dev"/>
+        </inkml:traceFormat>
+        <inkml:channelProperties>
+          <inkml:channelProperty channel="X" name="resolution" value="1000" units="1/cm"/>
+          <inkml:channelProperty channel="Y" name="resolution" value="1000" units="1/cm"/>
+          <inkml:channelProperty channel="F" name="resolution" value="0" units="1/dev"/>
+        </inkml:channelProperties>
+      </inkml:inkSource>
+      <inkml:timestamp xml:id="ts0" timeString="2022-09-14T17:56:05.559"/>
+    </inkml:context>
+    <inkml:brush xml:id="br0">
+      <inkml:brushProperty name="width" value="0.1" units="cm"/>
+      <inkml:brushProperty name="height" value="0.1" units="cm"/>
+    </inkml:brush>
+  </inkml:definitions>
+  <inkml:trace contextRef="#ctx0" brushRef="#br0">1 0 24575,'11'0'0,"0"0"0,-3 0 0,0 0 0,0 0 0,0 0 0,-1 0 0,1 0 0,0 0 0,0 0 0,0 0 0,4 0 0,-4 0 0,4 0 0,-4 0 0,0 0 0,0 0 0,0 0 0,-1 0 0,1 0 0,-1 0 0,1 0 0,0 0 0,0 0 0,4 0 0,-3 0 0,3 0 0,0 0 0,-3 0 0,3 0 0,-5 0 0,1 0 0,0 0 0,0 0 0,-1 0 0,1 0 0,-1 0 0,1 0 0,0 0 0,-1 0 0,5 0 0,-3 0 0,3 0 0,-4 0 0,0 0 0,0 0 0,-1 0 0,1 0 0,-1 0 0,1 0 0,4 0 0,1 0 0,0 0 0,3 0 0,-7 0 0,3 0 0,-4 0 0,0 0 0,0 0 0,0 0 0,-1 0 0,1 0 0,-1 0 0,1 0 0,-1 0 0,1 0 0,-1 0 0,0 0 0,1 0 0,-1 0 0,-3 3 0,-1 2 0,-3 2 0,0 1 0,0 0 0,4 4 0,-3-4 0,3 9 0,-4-4 0,3 0 0,-2 3 0,3-3 0,-4 4 0,0 1 0,0-1 0,0 5 0,0-3 0,0 8 0,0-9 0,0 9 0,0-8 0,0 8 0,0-8 0,0 8 0,0-9 0,0 5 0,0-1 0,0-4 0,0 5 0,0-1 0,0 1 0,0 13 0,0-5 0,0 11 0,0-12 0,0 4 0,0-6 0,0 1 0,0-1 0,0 0 0,0 1 0,0-1 0,0-4 0,0 3 0,0-8 0,0 3 0,0-5 0,0 5 0,0-3 0,0 3 0,0-5 0,0 5 0,0-3 0,0 8 0,0-9 0,0 17 0,0-10 0,0 12 0,0-9 0,0-5 0,0 5 0,0-10 0,0 9 0,0-8 0,0 8 0,0-8 0,0 3 0,0 0 0,0-3 0,4 3 0,-3-5 0,6 0 0,-6-4 0,3-1 0,-4-4 0,0 0 0,3-4 0,-2 3 0,2-3 0,1 4 0,-3-1 0,6 5 0,-6 1 0,3 0 0,-4 0 0,3-6 0,-2 1 0,3 0 0,-4 0 0,0-1 0,0 1 0,0-1 0,0 1 0,0-1 0,0 5 0,0 1 0,0 5 0,0-1 0,4 0 0,-4 1 0,4-5 0,-4-1 0,0-5 0,0 1 0,0 0 0,-3-4 0,-5 0 0,-1-4 0,-7 0 0,7 0 0,-7 0 0,7 0 0,-3 0 0,4 0 0,0 0 0,1 0 0,-1 0 0,1 0 0,-1 0 0,-4 0 0,-1 0 0,-5 0 0,1 0 0,0 0 0,0 0 0,3 0 0,-2 0 0,7 0 0,-3 0 0,5 0 0,-1 0 0,0 0 0,-4 0 0,-1 0 0,0 0 0,-3 0 0,7 0 0,-3 0 0,0 0 0,3 0 0,-3 0 0,4 0 0,1 0 0,0 0 0,-1 0 0,0 0 0,1 0 0,-1 0 0,1 0 0,-1 0 0,0 0 0,0 0 0,1 0 0,3 3 0,0-2 0,4 2 0</inkml:trace>
+</inkml:ink>
+</file>
+
+<file path=ppt/ink/ink109.xml><?xml version="1.0" encoding="utf-8"?>
+<inkml:ink xmlns:inkml="http://www.w3.org/2003/InkML">
+  <inkml:definitions>
+    <inkml:context xml:id="ctx0">
+      <inkml:inkSource xml:id="inkSrc0">
+        <inkml:traceFormat>
+          <inkml:channel name="X" type="integer" min="-2.14748E9" max="2.14748E9" units="cm"/>
+          <inkml:channel name="Y" type="integer" min="-2.14748E9" max="2.14748E9" units="cm"/>
+          <inkml:channel name="F" type="integer" max="32767" units="dev"/>
+        </inkml:traceFormat>
+        <inkml:channelProperties>
+          <inkml:channelProperty channel="X" name="resolution" value="1000" units="1/cm"/>
+          <inkml:channelProperty channel="Y" name="resolution" value="1000" units="1/cm"/>
+          <inkml:channelProperty channel="F" name="resolution" value="0" units="1/dev"/>
+        </inkml:channelProperties>
+      </inkml:inkSource>
+      <inkml:timestamp xml:id="ts0" timeString="2022-09-14T17:56:41.599"/>
+    </inkml:context>
+    <inkml:brush xml:id="br0">
+      <inkml:brushProperty name="width" value="0.1" units="cm"/>
+      <inkml:brushProperty name="height" value="0.1" units="cm"/>
+    </inkml:brush>
+  </inkml:definitions>
+  <inkml:trace contextRef="#ctx0" brushRef="#br0">1 17 24575,'16'0'0,"9"0"0,-11 0 0,13 0 0,-3 0 0,-5 0 0,2 0 0,-8 0 0,5 0 0,-1 0 0,-4-4 0,-1 3 0,0-2 0,-3 3 0,3 0 0,-4 0 0,4 0 0,-3 0 0,7 0 0,0 0 0,2 0 0,-1 0 0,-5 0 0,-4 0 0,0 0 0,4 0 0,-4 0 0,9 0 0,-4 0 0,4 0 0,0 0 0,-4 0 0,4 0 0,-4 0 0,4 0 0,0 0 0,0 0 0,1 0 0,4 0 0,-4 0 0,10 0 0,-5 0 0,6 0 0,-1 0 0,0 0 0,1 0 0,-6-4 0,0 3 0,-6-3 0,0 4 0,-4 0 0,4 0 0,-9 0 0,4 0 0,0 0 0,-3 0 0,3 0 0,-4 0 0,0 0 0,0 0 0,-1 0 0,1 0 0,-1 0 0,5 0 0,-3 0 0,3 0 0,-4 0 0,-1 0 0,1 0 0,-4 6 0,0 9 0,-4 7 0,0 6 0,0 0 0,0-4 0,0 3 0,0-9 0,0 9 0,0-8 0,0 3 0,0-4 0,0-1 0,0 5 0,0-4 0,0 10 0,0-5 0,0 6 0,0-1 0,0-4 0,0 3 0,0-9 0,0 5 0,0-6 0,0-4 0,0 3 0,0-3 0,0 0 0,0 3 0,0-2 0,4 3 0,1 0 0,-1 0 0,0 1 0,-4-1 0,0 0 0,0 0 0,0 1 0,0-1 0,0 0 0,0-4 0,0-1 0,0-4 0,0 4 0,0-3 0,0 3 0,0 0 0,0 1 0,0 4 0,0 1 0,0-1 0,0 5 0,0-3 0,0 8 0,0-8 0,0 3 0,0 0 0,0-3 0,0 3 0,0-5 0,0-4 0,0 3 0,0-3 0,0 5 0,0-1 0,0 0 0,0 1 0,0-5 0,0 3 0,0-3 0,0 4 0,0-4 0,0 4 0,0-9 0,0 4 0,0-4 0,0 0 0,0 0 0,-3-1 0,-2 5 0,1 1 0,-4 5 0,7-1 0,-6-4 0,6 3 0,-3-7 0,4 3 0,0-4 0,0 5 0,0 6 0,0 1 0,0 7 0,0-3 0,0 4 0,0 1 0,0 5 0,0-4 0,0 10 0,0-5 0,0 0 0,0 5 0,0-10 0,0 4 0,0-10 0,0-2 0,0-5 0,0 1 0,0-5 0,0 3 0,0-3 0,0 4 0,0 0 0,0 6 0,0 0 0,0 0 0,-4 5 0,3-5 0,-7 1 0,7 3 0,-7-9 0,7 0 0,-2-1 0,3-9 0,0 4 0,0 0 0,0-3 0,0 7 0,0-7 0,0 8 0,0-4 0,0 4 0,0 0 0,0 1 0,0 4 0,0-4 0,0 5 0,0-10 0,0 3 0,0-7 0,0 3 0,0-5 0,0 1 0,0 4 0,0-3 0,0 15 0,0-4 0,0 6 0,0 1 0,0-3 0,0 4 0,0 0 0,0-4 0,0 3 0,0-8 0,0 3 0,0 0 0,0-3 0,0 3 0,0 0 0,0-3 0,0 8 0,0-9 0,0 5 0,0-6 0,0 0 0,0 1 0,0 6 0,0-4 0,0 0 0,0-3 0,0 1 0,0 0 0,0 9 0,0-3 0,0 10 0,0-4 0,0 4 0,-5-6 0,4 1 0,-3-6 0,4 4 0,0-3 0,0-1 0,0 4 0,0-3 0,0 4 0,0 1 0,0-6 0,0 4 0,0-8 0,0 8 0,0-13 0,0 15 0,0-14 0,0 10 0,0-8 0,0 1 0,0-1 0,0 0 0,0 1 0,0-1 0,0 0 0,0 0 0,0 1 0,0-5 0,0-1 0,0 0 0,0-4 0,0 9 0,0-8 0,0 3 0,0 0 0,0-4 0,0 4 0,0-4 0,0 0 0,0 0 0,0 0 0,0-1 0,0 1 0,0 0 0,0 3 0,0 2 0,0 9 0,0 2 0,0 4 0,0 1 0,0 5 0,0-4 0,0 4 0,0-6 0,0-5 0,0 5 0,0-10 0,0 0 0,0-2 0,0-3 0,0 5 0,0-1 0,0-4 0,0 3 0,0-3 0,0 4 0,0 5 0,0-4 0,0 10 0,0-10 0,0 9 0,0-3 0,0-1 0,0 5 0,0-10 0,0 4 0,0-4 0,0-1 0,0-4 0,0 3 0,0-3 0,0 10 0,0-9 0,0 7 0,0 0 0,0-2 0,0 2 0,0-9 0,0 0 0,0-3 0,0 3 0,0-4 0,0-1 0,0 1 0,0 3 0,0 7 0,0 6 0,0 4 0,0 6 0,0 2 0,0 5 0,0 0 0,0 1 0,0-7 0,0-1 0,0-10 0,0-2 0,0-9 0,0-1 0,0-4 0,0 0 0,0 0 0,0 4 0,4 1 0,1 9 0,4 2 0,-4 4 0,0 0 0,-1 1 0,-3-6 0,7-1 0,-7-9 0,3-1 0,-4-4 0,0 0 0,3 0 0,-2-1 0,6 1 0,-3 0 0,4 0 0,0-1 0,0 1 0,0 4 0,-4-3 0,4 3 0,-7-4 0,5 0 0,-5-1 0,3 1 0,-4-1 0,0 1 0,0-1 0,0 5 0,0 1 0,-4 0 0,3 3 0,-2-7 0,3 3 0,0-4 0,0 0 0,0-1 0,-3-2 0,2 1 0,-2-1 0,-1 2 0,3 5 0,-6 1 0,6 4 0,-7 1 0,7-5 0,-2-1 0,-1-4 0,3-1 0,-2 1 0,3 0 0,0-1 0,-3-3 0,2 3 0,-2-3 0,3 3 0,0 1 0,0 0 0,0 0 0,0 0 0,-3-4 0,-2-1 0,-2-3 0,-1 0 0,0 0 0,4 4 0,-3-3 0,3 2 0,-3-3 0,-1 0 0,-4 0 0,-1 0 0,-4 0 0,0 0 0,-1 0 0,1 0 0,0 0 0,-1 0 0,1 0 0,0 0 0,4 0 0,1 0 0,0 0 0,3 0 0,-7 0 0,3 0 0,0 0 0,-4 0 0,4 0 0,-4 0 0,0 0 0,4 0 0,-3 0 0,7 0 0,-7-3 0,8 2 0,-7-3 0,6 4 0,-6 0 0,6 0 0,-7 0 0,3 0 0,0 0 0,-3 0 0,3 0 0,0 0 0,-4 0 0,9 0 0,-4 0 0,4 0 0,0 0 0,1 0 0,-1 0 0,1 0 0,0 0 0,-5 0 0,4 0 0,-9 0 0,4 0 0,0 4 0,-3-3 0,3 2 0,0-3 0,-3 0 0,7 4 0,-3-3 0,4 2 0,0-3 0,4 0 0,1 0 0</inkml:trace>
+</inkml:ink>
+</file>
+
 <file path=ppt/ink/ink11.xml><?xml version="1.0" encoding="utf-8"?>
 <inkml:ink xmlns:inkml="http://www.w3.org/2003/InkML">
   <inkml:definitions>
@@ -185,6 +465,90 @@
     </inkml:brush>
   </inkml:definitions>
   <inkml:trace contextRef="#ctx0" brushRef="#br0">108 21 24575,'-12'0'0,"-2"0"0,0 0 0,-4 0 0,8 0 0,-3 0 0,4 0 0,0 0 0,4 3 0,1 2 0,4 4 0,0-1 0,0 1 0,0 0 0,0 0 0,0 0 0,0 0 0,0 0 0,4 0 0,1 0 0,4 0 0,0 0 0,0 0 0,0-4 0,0-1 0,0-4 0,0 0 0,0 0 0,0 0 0,0 0 0,0 0 0,0 0 0,0 0 0,0-9 0,-3 3 0,2-13 0,-2 4 0,-1-5 0,4 0 0,-4 5 0,1 1 0,-2 5 0,-4 0 0,0 1 0,-4 3 0,-1 1 0,-3 4 0,-1 0 0,0 0 0,0 0 0,0 0 0,0 0 0,0 0 0,0 0 0,0 0 0,0 0 0,0 0 0,0 0 0,1 0 0,4 4 0,0 1 0,0 3 0,3 6 0,-3-4 0,4 9 0,0-9 0,0 4 0,0-5 0,0 0 0,0 0 0,0 0 0,4-4 0,1 2 0,3-6 0,1 3 0,-5 0 0,0-3 0,-4 3 0</inkml:trace>
+</inkml:ink>
+</file>
+
+<file path=ppt/ink/ink110.xml><?xml version="1.0" encoding="utf-8"?>
+<inkml:ink xmlns:inkml="http://www.w3.org/2003/InkML">
+  <inkml:definitions>
+    <inkml:context xml:id="ctx0">
+      <inkml:inkSource xml:id="inkSrc0">
+        <inkml:traceFormat>
+          <inkml:channel name="X" type="integer" min="-2.14748E9" max="2.14748E9" units="cm"/>
+          <inkml:channel name="Y" type="integer" min="-2.14748E9" max="2.14748E9" units="cm"/>
+          <inkml:channel name="F" type="integer" max="32767" units="dev"/>
+        </inkml:traceFormat>
+        <inkml:channelProperties>
+          <inkml:channelProperty channel="X" name="resolution" value="1000" units="1/cm"/>
+          <inkml:channelProperty channel="Y" name="resolution" value="1000" units="1/cm"/>
+          <inkml:channelProperty channel="F" name="resolution" value="0" units="1/dev"/>
+        </inkml:channelProperties>
+      </inkml:inkSource>
+      <inkml:timestamp xml:id="ts0" timeString="2022-09-14T18:03:31.728"/>
+    </inkml:context>
+    <inkml:brush xml:id="br0">
+      <inkml:brushProperty name="width" value="0.1" units="cm"/>
+      <inkml:brushProperty name="height" value="0.1" units="cm"/>
+      <inkml:brushProperty name="color" value="#A9A9A9"/>
+    </inkml:brush>
+  </inkml:definitions>
+  <inkml:trace contextRef="#ctx0" brushRef="#br0">2306 0 24575,'-26'32'0,"-7"2"0,-2 15 0,-3-3 0,10 2 0,-4 1 0,10-6 0,-3-1 0,4-2 0,6-5 0,0 1 0,1-2 0,3 0 0,-2-4 0,2 10 0,2-4 0,-6 5 0,-2 7 0,-4-6 0,-1 13 0,0-6 0,0 7 0,-10 24 0,12-24 0,-5 16 0,14-24 0,1-5 0,-1-1 0,1-2 0,-4-5 0,2 6 0,-3 1 0,5-1 0,0-5 0,-5 3 0,4-3 0,-8 5 0,-3 2 0,0-2 0,-10 4 0,10-4 0,-10 3 0,4-1 0,-5 2 0,-1 0 0,1-1 0,-10 19 0,7-14 0,-1 13 0,6-18 0,8 4 0,-4-4 0,-2 26 0,1-17 0,-9 25 0,-4-18 0,4 10 0,-3-15 0,6 6 0,0-10 0,-4-1 0,3 0 0,2-7 0,1 1 0,5-1 0,0-5 0,-5 4 0,0-4 0,-9 13 0,-11-3 0,-10 18 0,12-17 0,-7 10 0,24-21 0,-4-1 0,12-12 0,1-2 0,6 0 0,1-5 0,3 0 0,2-1 0,0-4 0,-2 4 0,1 0 0,-4 0 0,8 1 0,-8-1 0,4-4 0,0 4 0,0-8 0,5 3 0,4-4 0,-3-1 0,6-5 0,-2-3 0,7-7 0,0-4 0,5-1 0,-5 0 0,4 1 0,-8 4 0,4 1 0,-4-1 0,0-4 0,0 0 0,0-6 0,0 2 0,-8-2 0,2-4 0,-10 4 0,5-9 0,-1 8 0,3 1 0,4 6 0,2 4 0,3 1 0,0-5 0,0 4 0,0-3 0,0 3 0,0 1 0,0 6 0,0 13 0,0 3 0,0 10 0,0-3 0,0-3 0,0 3 0,0-5 0,0 1 0,0-5 0,0-1 0,0-5 0,0 1 0,0 0 0,0 0 0,0-1 0,3-3 0,1 3 0,4-7 0,0 7 0,-1-6 0,1 3 0,0-4 0,-1 0 0,1 3 0,-1-2 0,1 3 0,4-4 0,1 0 0,5 0 0,-1 0 0,0 0 0,0 0 0,0 0 0,-3 0 0,2 0 0,-3 0 0,4 0 0,0 0 0,6 0 0,0 0 0,1 0 0,3 0 0,-4 0 0,6 0 0,-6 0 0,-1 0 0,-4 0 0,-5 0 0,-1 0 0,-4 0 0,-4 0 0,-1 0 0</inkml:trace>
+</inkml:ink>
+</file>
+
+<file path=ppt/ink/ink111.xml><?xml version="1.0" encoding="utf-8"?>
+<inkml:ink xmlns:inkml="http://www.w3.org/2003/InkML">
+  <inkml:definitions>
+    <inkml:context xml:id="ctx0">
+      <inkml:inkSource xml:id="inkSrc0">
+        <inkml:traceFormat>
+          <inkml:channel name="X" type="integer" min="-2.14748E9" max="2.14748E9" units="cm"/>
+          <inkml:channel name="Y" type="integer" min="-2.14748E9" max="2.14748E9" units="cm"/>
+          <inkml:channel name="F" type="integer" max="32767" units="dev"/>
+        </inkml:traceFormat>
+        <inkml:channelProperties>
+          <inkml:channelProperty channel="X" name="resolution" value="1000" units="1/cm"/>
+          <inkml:channelProperty channel="Y" name="resolution" value="1000" units="1/cm"/>
+          <inkml:channelProperty channel="F" name="resolution" value="0" units="1/dev"/>
+        </inkml:channelProperties>
+      </inkml:inkSource>
+      <inkml:timestamp xml:id="ts0" timeString="2022-09-14T18:03:35.823"/>
+    </inkml:context>
+    <inkml:brush xml:id="br0">
+      <inkml:brushProperty name="width" value="0.1" units="cm"/>
+      <inkml:brushProperty name="height" value="0.1" units="cm"/>
+      <inkml:brushProperty name="color" value="#A9A9A9"/>
+    </inkml:brush>
+  </inkml:definitions>
+  <inkml:trace contextRef="#ctx0" brushRef="#br0">1 0 24575,'0'16'0,"0"2"0,0-5 0,0 4 0,0 0 0,0-1 0,0-3 0,0-1 0,0-4 0,0 9 0,4-2 0,4 7 0,2-9 0,2 3 0,-8-3 0,5 9 0,-4 2 0,0-1 0,4 10 0,-8-8 0,4 9 0,-5 0 0,3-9 0,-2 14 0,3-14 0,1 14 0,0-14 0,5 14 0,-1-15 0,1 10 0,3-5 0,-2-1 0,3 1 0,-1-1 0,-2 6 0,7-4 0,-3 4 0,5 0 0,-1-4 0,2 10 0,-2-10 0,6 5 0,1-5 0,4 1 0,6-5 0,1 0 0,-2-7 0,12 3 0,-10-2 0,11-3 0,-7 2 0,0-3 0,-5 0 0,3-1 0,4 2 0,-6-5 0,-1 6 0,-14-9 0,-4-1 0,-5 1 0,-1-1 0,-5-4 0,1 0 0,0-4 0,0 0 0,4 0 0,1 0 0,9 0 0,2 0 0,4 0 0,0 0 0,1 0 0,-6 0 0,0 0 0,-10 0 0,-1 0 0,-4 0 0,-1 0 0,1 0 0,-1 0 0,1 0 0,4 0 0,1 0 0,4 0 0,0 0 0,-4 0 0,-1 0 0,-4 0 0,0 0 0,0 0 0,-1 0 0,-3 3 0,-4-2 0,-8-6 0,-5-9 0,-5-5 0,-1-8 0,1 3 0,-1-4 0,1 4 0,4 2 0,2 9 0,3 1 0,5 4 0,-3 4 0,6-3 0,-2 9 0,7 12 0,1 1 0,13 11 0,-4-9 0,9 1 0,-6 0 0,0-1 0,0 0 0,1 1 0,-5-1 0,4-4 0,-8-1 0,7-3 0,-7-1 0,3 0 0,-4 0 0,-1 0 0,1-4 0,0-1 0,-1-3 0,1 0 0,-1 0 0,1 0 0,0 0 0,0 0 0,-1 0 0,1 4 0,0-3 0,-4 5 0,3-5 0,-7 6 0,7-6 0,-6 6 0,2-3 0,-3 3 0,0 1 0,0-1 0,0 0 0,0 1 0,-7 0 0,-3 0 0,-7 1 0,-6 0 0,5 4 0,-4-3 0,-1 7 0,5-8 0,-4 5 0,9-6 0,1 0 0,4 0 0,0-4 0,4 0 0,1-4 0</inkml:trace>
+</inkml:ink>
+</file>
+
+<file path=ppt/ink/ink112.xml><?xml version="1.0" encoding="utf-8"?>
+<inkml:ink xmlns:inkml="http://www.w3.org/2003/InkML">
+  <inkml:definitions>
+    <inkml:context xml:id="ctx0">
+      <inkml:inkSource xml:id="inkSrc0">
+        <inkml:traceFormat>
+          <inkml:channel name="X" type="integer" min="-2.14748E9" max="2.14748E9" units="cm"/>
+          <inkml:channel name="Y" type="integer" min="-2.14748E9" max="2.14748E9" units="cm"/>
+          <inkml:channel name="F" type="integer" max="32767" units="dev"/>
+        </inkml:traceFormat>
+        <inkml:channelProperties>
+          <inkml:channelProperty channel="X" name="resolution" value="1000" units="1/cm"/>
+          <inkml:channelProperty channel="Y" name="resolution" value="1000" units="1/cm"/>
+          <inkml:channelProperty channel="F" name="resolution" value="0" units="1/dev"/>
+        </inkml:channelProperties>
+      </inkml:inkSource>
+      <inkml:timestamp xml:id="ts0" timeString="2022-09-14T18:03:39.694"/>
+    </inkml:context>
+    <inkml:brush xml:id="br0">
+      <inkml:brushProperty name="width" value="0.1" units="cm"/>
+      <inkml:brushProperty name="height" value="0.1" units="cm"/>
+      <inkml:brushProperty name="color" value="#A9A9A9"/>
+    </inkml:brush>
+  </inkml:definitions>
+  <inkml:trace contextRef="#ctx0" brushRef="#br0">1058 0 24575,'-9'38'0,"7"-10"0,-17 11 0,17-14 0,-17 21 0,6 5 0,-10 32 0,5-14 0,-3 11 0,2 0 0,1-18 0,-5 11 0,5-11 0,-4-11 0,4 19 0,-3-12 0,3 4 0,1-6 0,-4-1 0,9 1 0,-14 17 0,13-19 0,-13 19 0,15-30 0,-5 11 0,5-11 0,0 11 0,1-11 0,4 5 0,-3-7 0,3 0 0,-4 1 0,-1-1 0,5 0 0,-7 0 0,6 1 0,-8-1 0,5 0 0,-1 0 0,-4 7 0,3-6 0,1 6 0,2-1 0,7-4 0,-7 43 0,2-29 0,1 31 0,-4-32 0,4-7 0,-5 6 0,6-6 0,-5 0 0,4-1 0,1-13 0,-5 5 0,5-10 0,-1 4 0,-2-5 0,7-6 0,-7-1 0,7 0 0,-3-8 0,4 7 0,-4-8 0,3 0 0,-6 3 0,6-7 0,-3 3 0,0 0 0,3-3 0,-3 6 0,4-6 0,-3-1 0,2-1 0,-3-3 0,4 3 0,0 1 0,-3 0 0,2-1 0,-2 1 0,-1-4 0,0-1 0,-3-3 0,-4 0 0,2 0 0,-6 0 0,6 0 0,-7-4 0,3-4 0,-1-11 0,-3 1 0,8-5 0,-4 6 0,1 4 0,6-4 0,-5 8 0,6-3 0,-2 5 0,2-1 0,-1 4 0,2-3 0,-4 3 0,1-3 0,-1-1 0,-4 0 0,3 0 0,-3-1 0,4 2 0,0-1 0,0 4 0,4-3 0,-3 2 0,7-2 0,3 3 0,2 4 0,10 5 0,-2 3 0,9 5 0,-4 1 0,5 4 0,-10-1 0,3-3 0,-6 2 0,2-7 0,-4 3 0,0-4 0,-4 0 0,0 0 0,-1-4 0,-2 3 0,6-7 0,-6 7 0,6-2 0,-3 2 0,4-2 0,-4 2 0,3-7 0,-3 7 0,1-3 0,1 0 0,-1 3 0,2-6 0,1 6 0,0-3 0,0 0 0,0 0 0,-1-1 0,1-2 0,0 3 0,-4-1 0,0 1 0,-4 3 0,3-3 0,1-1 0,8-3 0,1-3 0,9-7 0,2-4 0,10-6 0,-4 1 0,4-1 0,-6 1 0,-4 1 0,-6 4 0,-6 2 0,0 4 0,-3 4 0,3-4 0,-5 4 0,1 0 0,4-4 0,1 4 0,10-10 0,-5 8 0,4-6 0,-9 8 0,3-5 0,-7 5 0,3 0 0,-7 4 0,-2 0 0</inkml:trace>
 </inkml:ink>
 </file>
 
@@ -1783,6 +2147,115 @@
 </inkml:ink>
 </file>
 
+<file path=ppt/ink/ink66.xml><?xml version="1.0" encoding="utf-8"?>
+<inkml:ink xmlns:inkml="http://www.w3.org/2003/InkML">
+  <inkml:definitions>
+    <inkml:context xml:id="ctx0">
+      <inkml:inkSource xml:id="inkSrc0">
+        <inkml:traceFormat>
+          <inkml:channel name="X" type="integer" min="-2.14748E9" max="2.14748E9" units="cm"/>
+          <inkml:channel name="Y" type="integer" min="-2.14748E9" max="2.14748E9" units="cm"/>
+          <inkml:channel name="F" type="integer" max="32767" units="dev"/>
+        </inkml:traceFormat>
+        <inkml:channelProperties>
+          <inkml:channelProperty channel="X" name="resolution" value="1000" units="1/cm"/>
+          <inkml:channelProperty channel="Y" name="resolution" value="1000" units="1/cm"/>
+          <inkml:channelProperty channel="F" name="resolution" value="0" units="1/dev"/>
+        </inkml:channelProperties>
+      </inkml:inkSource>
+      <inkml:timestamp xml:id="ts0" timeString="2022-09-14T18:23:01.369"/>
+    </inkml:context>
+    <inkml:brush xml:id="br0">
+      <inkml:brushProperty name="width" value="0.1" units="cm"/>
+      <inkml:brushProperty name="height" value="0.1" units="cm"/>
+    </inkml:brush>
+  </inkml:definitions>
+  <inkml:trace contextRef="#ctx0" brushRef="#br0">86 1 24575,'0'32'0,"0"-1"0,0 17 0,0-1 0,0-4 0,0 5 0,0 0 0,0-5 0,0 11 0,0-11 0,0 5 0,0-13 0,0 5 0,0-5 0,0 1 0,0 4 0,0-10 0,0 4 0,0-6 0,0 1 0,0-1 0,0-4 0,0 3 0,0-8 0,-4 8 0,3-4 0,-3 1 0,4 3 0,-5-4 0,4 1 0,-7 3 0,3-9 0,0 5 0,1-6 0,0 5 0,3-3 0,-4 3 0,5-5 0,0 5 0,0-3 0,0 3 0,0 0 0,0 2 0,0 4 0,0 1 0,0-1 0,0 6 0,0-4 0,0 10 0,0-10 0,0 4 0,0 0 0,0-4 0,0 4 0,0-5 0,0-1 0,0 6 0,0-4 0,0 4 0,0 0 0,0 2 0,0 0 0,0 3 0,0 15 0,0-8 0,0 8 0,0-14 0,0-4 0,0-1 0,0 5 0,0-4 0,0-1 0,0 5 0,0-4 0,0-1 0,0-1 0,0 0 0,0-4 0,0 4 0,0 0 0,0-4 0,0 10 0,0-10 0,0 10 0,0-4 0,0 5 0,0-6 0,0 5 0,0-4 0,0-1 0,0 5 0,0-10 0,0 10 0,0-10 0,0 4 0,0-6 0,0 1 0,0-1 0,0 1 0,0-6 0,0-1 0,0-9 0,0-1 0,0-4 0,0 0 0,0 0 0,0 0 0,0-1 0,0 1 0,-6-1 0,4 1 0,-5-1 0,3-2 0,3 1 0,-2-1 0,3 2 0,0 1 0,0 0 0,-3 0 0,2-1 0,-6 1 0,6 0 0,-3 0 0,4 0 0,0-1 0,0 1 0,0-1 0,0 3 0,0 2 0,4 0 0,1 4 0,2-7 0,-2 3 0,-1-4 0,-1 0 0,-2 0 0,2-7 0,-3-11 0,10 4 0,10-7 0,13 13 0,2 0 0,5 0 0,-4 0 0,-1 0 0,5 0 0,-10 0 0,-1 0 0,-2 0 0,-8 0 0,3 0 0,-5 0 0,-3 0 0,2 0 0,-3 0 0,4 0 0,0 4 0,1-3 0,-5 3 0,3-1 0,-3-2 0,0 7 0,3-7 0,-3 6 0,0-6 0,4 7 0,-4-8 0,4 4 0,5-4 0,-3 4 0,8-3 0,-4 3 0,1-4 0,3 0 0,-8 4 0,15-3 0,-13 3 0,9-4 0,-13 0 0,-4 0 0,3 3 0,-3-2 0,5 3 0,-5-4 0,3 4 0,-3-3 0,4 3 0,1-4 0,-1 4 0,0-3 0,1 2 0,4 2 0,-4-4 0,5 3 0,-1 0 0,-4-3 0,5 3 0,-1 1 0,-4-4 0,9 3 0,-3-4 0,17 0 0,-4 0 0,6 0 0,-3 0 0,-5 0 0,7 0 0,-1 0 0,0 0 0,-5 0 0,4 0 0,-11 0 0,6 0 0,-7 0 0,1 0 0,-6 0 0,4 0 0,-8 0 0,8 0 0,-9 0 0,5 0 0,-6 0 0,0 0 0,0 0 0,-4 0 0,-2 0 0,-3 0 0,-1 0 0,1 0 0,-1 0 0,10 0 0,2 0 0,15 0 0,8 0 0,1-5 0,5 4 0,0-3 0,-5 4 0,11-5 0,-11 3 0,-1-3 0,-8 5 0,-5 0 0,-1 0 0,0 0 0,-4 0 0,-2 0 0,-5 0 0,1 0 0,-1 0 0,0 0 0,1 0 0,4 0 0,-4 0 0,9-4 0,-3 3 0,10-3 0,-4 0 0,9 3 0,-9-4 0,4 5 0,-5 0 0,-1 0 0,-4-3 0,3 2 0,-9-3 0,9 4 0,-8-4 0,8 3 0,2-7 0,1 6 0,4-6 0,0 2 0,-4-4 0,10 5 0,-10-4 0,4 8 0,-5-7 0,-1 7 0,-5-7 0,0 7 0,-6-3 0,0 4 0,-4 0 0,4 0 0,-1-3 0,2 2 0,-1-3 0,4 0 0,-7 3 0,8-7 0,1 3 0,-5 0 0,4-3 0,1 7 0,-9-3 0,7 0 0,-12 3 0,3-3 0,-4 4 0,0 0 0,-1-3 0,1 2 0,3-2 0,1 3 0,9 0 0,9 0 0,-1 0 0,11 0 0,-10 0 0,10 0 0,-10 0 0,4 0 0,-10 0 0,-2 0 0,-5 0 0,0 0 0,1 0 0,4 0 0,-4 0 0,10 0 0,-5 0 0,6 0 0,5 0 0,-5 0 0,6 0 0,-2 0 0,-3 0 0,4 0 0,-5 0 0,-1 0 0,1 0 0,-1 0 0,1 0 0,-1 0 0,-5 0 0,5 0 0,-10 0 0,9 0 0,-8 0 0,3 0 0,-5 0 0,1 0 0,-1 0 0,0 0 0,-4 0 0,3 0 0,-7 0 0,3 0 0,-4 0 0,0 0 0,-1 0 0,0 0 0,4-4 0,7 3 0,0-6 0,4 6 0,-5-7 0,1 7 0,-5-3 0,-1 4 0,-5-3 0,1 2 0,0-2 0,0 3 0,8-5 0,-2 4 0,14-7 0,-10 7 0,4-3 0,-9 0 0,14 3 0,-6-2 0,13 3 0,-10 0 0,-2 0 0,-5 0 0,-4-4 0,3 4 0,3-4 0,-1 4 0,4 0 0,-5 0 0,1 0 0,-5 0 0,-1 0 0,0 0 0,-3 0 0,3 0 0,-5 0 0,1 0 0,3 0 0,2 0 0,0 0 0,4 0 0,-9 0 0,4 0 0,-4 0 0,0 0 0,0 0 0,-1 0 0,1 0 0,-1 0 0,1 0 0,4 0 0,-3 0 0,3 0 0,-5 0 0,1 0 0,0 0 0,0 0 0,-1 0 0,0 0 0,5 0 0,1 0 0,4 0 0,0 0 0,-4 0 0,-1 0 0,0 0 0,-3 0 0,3 0 0,-1 0 0,1 0 0,9 0 0,-2 0 0,3 0 0,-9 0 0,3 0 0,-7 0 0,3 0 0,-4 0 0,-4 0 0,0 0 0</inkml:trace>
+</inkml:ink>
+</file>
+
+<file path=ppt/ink/ink67.xml><?xml version="1.0" encoding="utf-8"?>
+<inkml:ink xmlns:inkml="http://www.w3.org/2003/InkML">
+  <inkml:definitions>
+    <inkml:context xml:id="ctx0">
+      <inkml:inkSource xml:id="inkSrc0">
+        <inkml:traceFormat>
+          <inkml:channel name="X" type="integer" min="-2.14748E9" max="2.14748E9" units="cm"/>
+          <inkml:channel name="Y" type="integer" min="-2.14748E9" max="2.14748E9" units="cm"/>
+          <inkml:channel name="F" type="integer" max="32767" units="dev"/>
+        </inkml:traceFormat>
+        <inkml:channelProperties>
+          <inkml:channelProperty channel="X" name="resolution" value="1000" units="1/cm"/>
+          <inkml:channelProperty channel="Y" name="resolution" value="1000" units="1/cm"/>
+          <inkml:channelProperty channel="F" name="resolution" value="0" units="1/dev"/>
+        </inkml:channelProperties>
+      </inkml:inkSource>
+      <inkml:timestamp xml:id="ts0" timeString="2022-09-14T18:23:06.702"/>
+    </inkml:context>
+    <inkml:brush xml:id="br0">
+      <inkml:brushProperty name="width" value="0.1" units="cm"/>
+      <inkml:brushProperty name="height" value="0.1" units="cm"/>
+    </inkml:brush>
+  </inkml:definitions>
+  <inkml:trace contextRef="#ctx0" brushRef="#br0">86 1 24575,'0'32'0,"0"-1"0,0 17 0,0-1 0,0-4 0,0 5 0,0 0 0,0-5 0,0 11 0,0-11 0,0 5 0,0-13 0,0 5 0,0-5 0,0 1 0,0 4 0,0-10 0,0 4 0,0-6 0,0 1 0,0-1 0,0-4 0,0 3 0,0-8 0,-4 8 0,3-4 0,-3 1 0,4 3 0,-5-4 0,4 1 0,-7 3 0,3-9 0,0 5 0,1-6 0,0 5 0,3-3 0,-4 3 0,5-5 0,0 5 0,0-3 0,0 3 0,0 0 0,0 2 0,0 4 0,0 1 0,0-1 0,0 6 0,0-4 0,0 10 0,0-10 0,0 4 0,0 0 0,0-4 0,0 4 0,0-5 0,0-1 0,0 6 0,0-4 0,0 4 0,0 0 0,0 2 0,0 0 0,0 3 0,0 15 0,0-8 0,0 8 0,0-14 0,0-4 0,0-1 0,0 5 0,0-4 0,0-1 0,0 5 0,0-4 0,0-1 0,0-1 0,0 0 0,0-4 0,0 4 0,0 0 0,0-4 0,0 10 0,0-10 0,0 10 0,0-4 0,0 5 0,0-6 0,0 5 0,0-4 0,0-1 0,0 5 0,0-10 0,0 10 0,0-10 0,0 4 0,0-6 0,0 1 0,0-1 0,0 1 0,0-6 0,0-1 0,0-9 0,0-1 0,0-4 0,0 0 0,0 0 0,0 0 0,0-1 0,0 1 0,-6-1 0,4 1 0,-5-1 0,3-2 0,3 1 0,-2-1 0,3 2 0,0 1 0,0 0 0,-3 0 0,2-1 0,-6 1 0,6 0 0,-3 0 0,4 0 0,0-1 0,0 1 0,0-1 0,0 3 0,0 2 0,4 0 0,1 4 0,2-7 0,-2 3 0,-1-4 0,-1 0 0,-2 0 0,2-7 0,-3-11 0,10 4 0,10-7 0,13 13 0,2 0 0,5 0 0,-4 0 0,-1 0 0,5 0 0,-10 0 0,-1 0 0,-2 0 0,-8 0 0,3 0 0,-5 0 0,-3 0 0,2 0 0,-3 0 0,4 0 0,0 4 0,1-3 0,-5 3 0,3-1 0,-3-2 0,0 7 0,3-7 0,-3 6 0,0-6 0,4 7 0,-4-8 0,4 4 0,5-4 0,-3 4 0,8-3 0,-4 3 0,1-4 0,3 0 0,-8 4 0,15-3 0,-13 3 0,9-4 0,-13 0 0,-4 0 0,3 3 0,-3-2 0,5 3 0,-5-4 0,3 4 0,-3-3 0,4 3 0,1-4 0,-1 4 0,0-3 0,1 2 0,4 2 0,-4-4 0,5 3 0,-1 0 0,-4-3 0,5 3 0,-1 1 0,-4-4 0,9 3 0,-3-4 0,17 0 0,-4 0 0,6 0 0,-3 0 0,-5 0 0,7 0 0,-1 0 0,0 0 0,-5 0 0,4 0 0,-11 0 0,6 0 0,-7 0 0,1 0 0,-6 0 0,4 0 0,-8 0 0,8 0 0,-9 0 0,5 0 0,-6 0 0,0 0 0,0 0 0,-4 0 0,-2 0 0,-3 0 0,-1 0 0,1 0 0,-1 0 0,10 0 0,2 0 0,15 0 0,8 0 0,1-5 0,5 4 0,0-3 0,-5 4 0,11-5 0,-11 3 0,-1-3 0,-8 5 0,-5 0 0,-1 0 0,0 0 0,-4 0 0,-2 0 0,-5 0 0,1 0 0,-1 0 0,0 0 0,1 0 0,4 0 0,-4 0 0,9-4 0,-3 3 0,10-3 0,-4 0 0,9 3 0,-9-4 0,4 5 0,-5 0 0,-1 0 0,-4-3 0,3 2 0,-9-3 0,9 4 0,-8-4 0,8 3 0,2-7 0,1 6 0,4-6 0,0 2 0,-4-4 0,10 5 0,-10-4 0,4 8 0,-5-7 0,-1 7 0,-5-7 0,0 7 0,-6-3 0,0 4 0,-4 0 0,4 0 0,-1-3 0,2 2 0,-1-3 0,4 0 0,-7 3 0,8-7 0,1 3 0,-5 0 0,4-3 0,1 7 0,-9-3 0,7 0 0,-12 3 0,3-3 0,-4 4 0,0 0 0,-1-3 0,1 2 0,3-2 0,1 3 0,9 0 0,9 0 0,-1 0 0,11 0 0,-10 0 0,10 0 0,-10 0 0,4 0 0,-10 0 0,-2 0 0,-5 0 0,0 0 0,1 0 0,4 0 0,-4 0 0,10 0 0,-5 0 0,6 0 0,5 0 0,-5 0 0,6 0 0,-2 0 0,-3 0 0,4 0 0,-5 0 0,-1 0 0,1 0 0,-1 0 0,1 0 0,-1 0 0,-5 0 0,5 0 0,-10 0 0,9 0 0,-8 0 0,3 0 0,-5 0 0,1 0 0,-1 0 0,0 0 0,-4 0 0,3 0 0,-7 0 0,3 0 0,-4 0 0,0 0 0,-1 0 0,0 0 0,4-4 0,7 3 0,0-6 0,4 6 0,-5-7 0,1 7 0,-5-3 0,-1 4 0,-5-3 0,1 2 0,0-2 0,0 3 0,8-5 0,-2 4 0,14-7 0,-10 7 0,4-3 0,-9 0 0,14 3 0,-6-2 0,13 3 0,-10 0 0,-2 0 0,-5 0 0,-4-4 0,3 4 0,3-4 0,-1 4 0,4 0 0,-5 0 0,1 0 0,-5 0 0,-1 0 0,0 0 0,-3 0 0,3 0 0,-5 0 0,1 0 0,3 0 0,2 0 0,0 0 0,4 0 0,-9 0 0,4 0 0,-4 0 0,0 0 0,0 0 0,-1 0 0,1 0 0,-1 0 0,1 0 0,4 0 0,-3 0 0,3 0 0,-5 0 0,1 0 0,0 0 0,0 0 0,-1 0 0,0 0 0,5 0 0,1 0 0,4 0 0,0 0 0,-4 0 0,-1 0 0,0 0 0,-3 0 0,3 0 0,-1 0 0,1 0 0,9 0 0,-2 0 0,3 0 0,-9 0 0,3 0 0,-7 0 0,3 0 0,-4 0 0,-4 0 0,0 0 0</inkml:trace>
+</inkml:ink>
+</file>
+
+<file path=ppt/ink/ink68.xml><?xml version="1.0" encoding="utf-8"?>
+<inkml:ink xmlns:inkml="http://www.w3.org/2003/InkML">
+  <inkml:definitions>
+    <inkml:context xml:id="ctx0">
+      <inkml:inkSource xml:id="inkSrc0">
+        <inkml:traceFormat>
+          <inkml:channel name="X" type="integer" min="-2.14748E9" max="2.14748E9" units="cm"/>
+          <inkml:channel name="Y" type="integer" min="-2.14748E9" max="2.14748E9" units="cm"/>
+          <inkml:channel name="F" type="integer" max="32767" units="dev"/>
+        </inkml:traceFormat>
+        <inkml:channelProperties>
+          <inkml:channelProperty channel="X" name="resolution" value="1000" units="1/cm"/>
+          <inkml:channelProperty channel="Y" name="resolution" value="1000" units="1/cm"/>
+          <inkml:channelProperty channel="F" name="resolution" value="0" units="1/dev"/>
+        </inkml:channelProperties>
+      </inkml:inkSource>
+      <inkml:timestamp xml:id="ts0" timeString="2022-09-14T18:23:12.157"/>
+    </inkml:context>
+    <inkml:brush xml:id="br0">
+      <inkml:brushProperty name="width" value="0.1" units="cm"/>
+      <inkml:brushProperty name="height" value="0.1" units="cm"/>
+    </inkml:brush>
+  </inkml:definitions>
+  <inkml:trace contextRef="#ctx0" brushRef="#br0">86 1 24575,'0'32'0,"0"-1"0,0 17 0,0-1 0,0-4 0,0 5 0,0 0 0,0-5 0,0 11 0,0-11 0,0 5 0,0-13 0,0 5 0,0-5 0,0 1 0,0 4 0,0-10 0,0 4 0,0-6 0,0 1 0,0-1 0,0-4 0,0 3 0,0-8 0,-4 8 0,3-4 0,-3 1 0,4 3 0,-5-4 0,4 1 0,-7 3 0,3-9 0,0 5 0,1-6 0,0 5 0,3-3 0,-4 3 0,5-5 0,0 5 0,0-3 0,0 3 0,0 0 0,0 2 0,0 4 0,0 1 0,0-1 0,0 6 0,0-4 0,0 10 0,0-10 0,0 4 0,0 0 0,0-4 0,0 4 0,0-5 0,0-1 0,0 6 0,0-4 0,0 4 0,0 0 0,0 2 0,0 0 0,0 3 0,0 15 0,0-8 0,0 8 0,0-14 0,0-4 0,0-1 0,0 5 0,0-4 0,0-1 0,0 5 0,0-4 0,0-1 0,0-1 0,0 0 0,0-4 0,0 4 0,0 0 0,0-4 0,0 10 0,0-10 0,0 10 0,0-4 0,0 5 0,0-6 0,0 5 0,0-4 0,0-1 0,0 5 0,0-10 0,0 10 0,0-10 0,0 4 0,0-6 0,0 1 0,0-1 0,0 1 0,0-6 0,0-1 0,0-9 0,0-1 0,0-4 0,0 0 0,0 0 0,0 0 0,0-1 0,0 1 0,-6-1 0,4 1 0,-5-1 0,3-2 0,3 1 0,-2-1 0,3 2 0,0 1 0,0 0 0,-3 0 0,2-1 0,-6 1 0,6 0 0,-3 0 0,4 0 0,0-1 0,0 1 0,0-1 0,0 3 0,0 2 0,4 0 0,1 4 0,2-7 0,-2 3 0,-1-4 0,-1 0 0,-2 0 0,2-7 0,-3-11 0,10 4 0,10-7 0,13 13 0,2 0 0,5 0 0,-4 0 0,-1 0 0,5 0 0,-10 0 0,-1 0 0,-2 0 0,-8 0 0,3 0 0,-5 0 0,-3 0 0,2 0 0,-3 0 0,4 0 0,0 4 0,1-3 0,-5 3 0,3-1 0,-3-2 0,0 7 0,3-7 0,-3 6 0,0-6 0,4 7 0,-4-8 0,4 4 0,5-4 0,-3 4 0,8-3 0,-4 3 0,1-4 0,3 0 0,-8 4 0,15-3 0,-13 3 0,9-4 0,-13 0 0,-4 0 0,3 3 0,-3-2 0,5 3 0,-5-4 0,3 4 0,-3-3 0,4 3 0,1-4 0,-1 4 0,0-3 0,1 2 0,4 2 0,-4-4 0,5 3 0,-1 0 0,-4-3 0,5 3 0,-1 1 0,-4-4 0,9 3 0,-3-4 0,17 0 0,-4 0 0,6 0 0,-3 0 0,-5 0 0,7 0 0,-1 0 0,0 0 0,-5 0 0,4 0 0,-11 0 0,6 0 0,-7 0 0,1 0 0,-6 0 0,4 0 0,-8 0 0,8 0 0,-9 0 0,5 0 0,-6 0 0,0 0 0,0 0 0,-4 0 0,-2 0 0,-3 0 0,-1 0 0,1 0 0,-1 0 0,10 0 0,2 0 0,15 0 0,8 0 0,1-5 0,5 4 0,0-3 0,-5 4 0,11-5 0,-11 3 0,-1-3 0,-8 5 0,-5 0 0,-1 0 0,0 0 0,-4 0 0,-2 0 0,-5 0 0,1 0 0,-1 0 0,0 0 0,1 0 0,4 0 0,-4 0 0,9-4 0,-3 3 0,10-3 0,-4 0 0,9 3 0,-9-4 0,4 5 0,-5 0 0,-1 0 0,-4-3 0,3 2 0,-9-3 0,9 4 0,-8-4 0,8 3 0,2-7 0,1 6 0,4-6 0,0 2 0,-4-4 0,10 5 0,-10-4 0,4 8 0,-5-7 0,-1 7 0,-5-7 0,0 7 0,-6-3 0,0 4 0,-4 0 0,4 0 0,-1-3 0,2 2 0,-1-3 0,4 0 0,-7 3 0,8-7 0,1 3 0,-5 0 0,4-3 0,1 7 0,-9-3 0,7 0 0,-12 3 0,3-3 0,-4 4 0,0 0 0,-1-3 0,1 2 0,3-2 0,1 3 0,9 0 0,9 0 0,-1 0 0,11 0 0,-10 0 0,10 0 0,-10 0 0,4 0 0,-10 0 0,-2 0 0,-5 0 0,0 0 0,1 0 0,4 0 0,-4 0 0,10 0 0,-5 0 0,6 0 0,5 0 0,-5 0 0,6 0 0,-2 0 0,-3 0 0,4 0 0,-5 0 0,-1 0 0,1 0 0,-1 0 0,1 0 0,-1 0 0,-5 0 0,5 0 0,-10 0 0,9 0 0,-8 0 0,3 0 0,-5 0 0,1 0 0,-1 0 0,0 0 0,-4 0 0,3 0 0,-7 0 0,3 0 0,-4 0 0,0 0 0,-1 0 0,0 0 0,4-4 0,7 3 0,0-6 0,4 6 0,-5-7 0,1 7 0,-5-3 0,-1 4 0,-5-3 0,1 2 0,0-2 0,0 3 0,8-5 0,-2 4 0,14-7 0,-10 7 0,4-3 0,-9 0 0,14 3 0,-6-2 0,13 3 0,-10 0 0,-2 0 0,-5 0 0,-4-4 0,3 4 0,3-4 0,-1 4 0,4 0 0,-5 0 0,1 0 0,-5 0 0,-1 0 0,0 0 0,-3 0 0,3 0 0,-5 0 0,1 0 0,3 0 0,2 0 0,0 0 0,4 0 0,-9 0 0,4 0 0,-4 0 0,0 0 0,0 0 0,-1 0 0,1 0 0,-1 0 0,1 0 0,4 0 0,-3 0 0,3 0 0,-5 0 0,1 0 0,0 0 0,0 0 0,-1 0 0,0 0 0,5 0 0,1 0 0,4 0 0,0 0 0,-4 0 0,-1 0 0,0 0 0,-3 0 0,3 0 0,-1 0 0,1 0 0,9 0 0,-2 0 0,3 0 0,-9 0 0,3 0 0,-7 0 0,3 0 0,-4 0 0,-4 0 0,0 0 0</inkml:trace>
+</inkml:ink>
+</file>
+
+<file path=ppt/ink/ink69.xml><?xml version="1.0" encoding="utf-8"?>
+<inkml:ink xmlns:inkml="http://www.w3.org/2003/InkML">
+  <inkml:definitions>
+    <inkml:context xml:id="ctx0">
+      <inkml:inkSource xml:id="inkSrc0">
+        <inkml:traceFormat>
+          <inkml:channel name="X" type="integer" min="-2.14748E9" max="2.14748E9" units="cm"/>
+          <inkml:channel name="Y" type="integer" min="-2.14748E9" max="2.14748E9" units="cm"/>
+          <inkml:channel name="F" type="integer" max="32767" units="dev"/>
+        </inkml:traceFormat>
+        <inkml:channelProperties>
+          <inkml:channelProperty channel="X" name="resolution" value="1000" units="1/cm"/>
+          <inkml:channelProperty channel="Y" name="resolution" value="1000" units="1/cm"/>
+          <inkml:channelProperty channel="F" name="resolution" value="0" units="1/dev"/>
+        </inkml:channelProperties>
+      </inkml:inkSource>
+      <inkml:timestamp xml:id="ts0" timeString="2022-09-14T18:23:53.578"/>
+    </inkml:context>
+    <inkml:brush xml:id="br0">
+      <inkml:brushProperty name="width" value="0.1" units="cm"/>
+      <inkml:brushProperty name="height" value="0.1" units="cm"/>
+      <inkml:brushProperty name="color" value="#A9A9A9"/>
+    </inkml:brush>
+  </inkml:definitions>
+  <inkml:trace contextRef="#ctx0" brushRef="#br0">1 1 24575,'0'21'0,"0"-1"0,0 3 0,0 0 0,0 0 0,0 0 0,0-1 0,0-8 0,0 7 0,0-12 0,0 7 0,0-7 0,0 3 0,0-4 0,0 0 0,0-1 0,0 1 0,0-1 0,0 0 0,0 1 0,0 0 0,0 4 0,0-3 0,0 7 0,0-7 0,0 3 0,0-5 0,0 1 0,0 0 0,0 0 0,0-1 0,0 0 0,0 0 0,0 0 0,0 1 0,0-1 0,0 0 0,0 0 0,0 1 0,0-1 0,0 1 0,0 0 0,0-1 0,0 1 0,0-1 0,0 1 0,0 0 0,0-1 0,0 0 0,0-3 0,0 0 0</inkml:trace>
+</inkml:ink>
+</file>
+
 <file path=ppt/ink/ink7.xml><?xml version="1.0" encoding="utf-8"?>
 <inkml:ink xmlns:inkml="http://www.w3.org/2003/InkML">
   <inkml:definitions>
@@ -1807,6 +2280,286 @@
     </inkml:brush>
   </inkml:definitions>
   <inkml:trace contextRef="#ctx0" brushRef="#br0">352 1 24575,'-9'0'0,"1"0"0,-1 0 0,-5 0 0,4 0 0,-9 0 0,9 0 0,-4 0 0,-8 0 0,6 0 0,-6 0 0,4 0 0,12 4 0,-12-3 0,12 7 0,-4-3 0,2 4 0,7 0 0,-12 0 0,11 0 0,-7 1 0,9-1 0,-4 0 0,3 0 0,-3-1 0,0 1 0,3 0 0,-3 0 0,0 0 0,3 0 0,-7 0 0,7 0 0,-7 0 0,7 0 0,-7 0 0,7 5 0,-3-4 0,0 4 0,3-5 0,-6 0 0,6 0 0,-7 0 0,7 0 0,-3 0 0,0 0 0,3-1 0,-3 1 0,0-4 0,3 3 0,-3-3 0,4 4 0,-4-4 0,3 3 0,-3-3 0,4 4 0,0 0 0,0 0 0,0 0 0,0 0 0,0 0 0,0 0 0,0 0 0,3 0 0,2 0 0,4-4 0,0-1 0,0 0 0,11 2 0,-4-1 0,10 4 0,-1-8 0,20 8 0,-14-3 0,12 4 0,-28-4 0,4-2 0,-9 0 0,8-3 0,-8 3 0,3-4 0,-4 0 0,0 0 0,0 0 0,0 0 0,5 0 0,-4 0 0,4 0 0,0 0 0,-4 0 0,4-4 0,-5 3 0,0-7 0,0 3 0,0 0 0,0-3 0,0 7 0,-4-3 0,-1 4 0</inkml:trace>
+</inkml:ink>
+</file>
+
+<file path=ppt/ink/ink70.xml><?xml version="1.0" encoding="utf-8"?>
+<inkml:ink xmlns:inkml="http://www.w3.org/2003/InkML">
+  <inkml:definitions>
+    <inkml:context xml:id="ctx0">
+      <inkml:inkSource xml:id="inkSrc0">
+        <inkml:traceFormat>
+          <inkml:channel name="X" type="integer" min="-2.14748E9" max="2.14748E9" units="cm"/>
+          <inkml:channel name="Y" type="integer" min="-2.14748E9" max="2.14748E9" units="cm"/>
+          <inkml:channel name="F" type="integer" max="32767" units="dev"/>
+        </inkml:traceFormat>
+        <inkml:channelProperties>
+          <inkml:channelProperty channel="X" name="resolution" value="1000" units="1/cm"/>
+          <inkml:channelProperty channel="Y" name="resolution" value="1000" units="1/cm"/>
+          <inkml:channelProperty channel="F" name="resolution" value="0" units="1/dev"/>
+        </inkml:channelProperties>
+      </inkml:inkSource>
+      <inkml:timestamp xml:id="ts0" timeString="2022-09-14T18:23:56.887"/>
+    </inkml:context>
+    <inkml:brush xml:id="br0">
+      <inkml:brushProperty name="width" value="0.1" units="cm"/>
+      <inkml:brushProperty name="height" value="0.1" units="cm"/>
+      <inkml:brushProperty name="color" value="#A9A9A9"/>
+    </inkml:brush>
+  </inkml:definitions>
+  <inkml:trace contextRef="#ctx0" brushRef="#br0">1 0 24575,'0'26'0,"0"-4"0,0 5 0,0-3 0,0 4 0,0 1 0,0-6 0,0-1 0,0-4 0,0-5 0,0-1 0,0-4 0,0-1 0,0 1 0,0 0 0,0-1 0,0 0 0,0 0 0,0 1 0,0-1 0,0 0 0,0 0 0,0 0 0,0 1 0,0 4 0,0-4 0,0 9 0,4-4 0,-3 0 0,2-1 0,-3-4 0,0-1 0,0 1 0,0 0 0,0 0 0,0-1 0,0 0 0,0-3 0,0 0 0</inkml:trace>
+</inkml:ink>
+</file>
+
+<file path=ppt/ink/ink71.xml><?xml version="1.0" encoding="utf-8"?>
+<inkml:ink xmlns:inkml="http://www.w3.org/2003/InkML">
+  <inkml:definitions>
+    <inkml:context xml:id="ctx0">
+      <inkml:inkSource xml:id="inkSrc0">
+        <inkml:traceFormat>
+          <inkml:channel name="X" type="integer" min="-2.14748E9" max="2.14748E9" units="cm"/>
+          <inkml:channel name="Y" type="integer" min="-2.14748E9" max="2.14748E9" units="cm"/>
+          <inkml:channel name="F" type="integer" max="32767" units="dev"/>
+        </inkml:traceFormat>
+        <inkml:channelProperties>
+          <inkml:channelProperty channel="X" name="resolution" value="1000" units="1/cm"/>
+          <inkml:channelProperty channel="Y" name="resolution" value="1000" units="1/cm"/>
+          <inkml:channelProperty channel="F" name="resolution" value="0" units="1/dev"/>
+        </inkml:channelProperties>
+      </inkml:inkSource>
+      <inkml:timestamp xml:id="ts0" timeString="2022-09-14T18:24:01.608"/>
+    </inkml:context>
+    <inkml:brush xml:id="br0">
+      <inkml:brushProperty name="width" value="0.1" units="cm"/>
+      <inkml:brushProperty name="height" value="0.1" units="cm"/>
+      <inkml:brushProperty name="color" value="#A9A9A9"/>
+    </inkml:brush>
+  </inkml:definitions>
+  <inkml:trace contextRef="#ctx0" brushRef="#br0">0 0 24575,'0'27'0,"0"-6"0,0 1 0,0 1 0,0-5 0,0 9 0,0 5 0,0-2 0,0 1 0,0-9 0,0-9 0,0 4 0,0-9 0,0 4 0,0-4 0,0 0 0,0 0 0,0-1 0,0 1 0,0-1 0,0 0 0,0 1 0,0-1 0,0 1 0,0 0 0,0-1 0,0 1 0,0 0 0,0-1 0,0 1 0,0-1 0,0 1 0,0-1 0,0 1 0,0-1 0,0 1 0,0-1 0,0 1 0,0-1 0,0 0 0,0 0 0,0 1 0,0-1 0,0 0 0,0 0 0,0 1 0,0-1 0,0 0 0,0 0 0,0 0 0,0 0 0,0 1 0,0-1 0,0 0 0,0 0 0,0 0 0,0-3 0,0-1 0</inkml:trace>
+</inkml:ink>
+</file>
+
+<file path=ppt/ink/ink72.xml><?xml version="1.0" encoding="utf-8"?>
+<inkml:ink xmlns:inkml="http://www.w3.org/2003/InkML">
+  <inkml:definitions>
+    <inkml:context xml:id="ctx0">
+      <inkml:inkSource xml:id="inkSrc0">
+        <inkml:traceFormat>
+          <inkml:channel name="X" type="integer" min="-2.14748E9" max="2.14748E9" units="cm"/>
+          <inkml:channel name="Y" type="integer" min="-2.14748E9" max="2.14748E9" units="cm"/>
+          <inkml:channel name="F" type="integer" max="32767" units="dev"/>
+        </inkml:traceFormat>
+        <inkml:channelProperties>
+          <inkml:channelProperty channel="X" name="resolution" value="1000" units="1/cm"/>
+          <inkml:channelProperty channel="Y" name="resolution" value="1000" units="1/cm"/>
+          <inkml:channelProperty channel="F" name="resolution" value="0" units="1/dev"/>
+        </inkml:channelProperties>
+      </inkml:inkSource>
+      <inkml:timestamp xml:id="ts0" timeString="2022-09-14T18:24:05.579"/>
+    </inkml:context>
+    <inkml:brush xml:id="br0">
+      <inkml:brushProperty name="width" value="0.1" units="cm"/>
+      <inkml:brushProperty name="height" value="0.1" units="cm"/>
+      <inkml:brushProperty name="color" value="#A9A9A9"/>
+    </inkml:brush>
+  </inkml:definitions>
+  <inkml:trace contextRef="#ctx0" brushRef="#br0">9 1 24575,'0'12'0,"0"0"0,0-5 0,0 6 0,0-5 0,0 4 0,0 0 0,0-3 0,0 3 0,0 0 0,0-3 0,0 7 0,0-7 0,0 7 0,0-3 0,0 0 0,0-1 0,0-4 0,0 0 0,0 0 0,0 0 0,0-1 0,0 1 0,0-1 0,0 0 0,0 1 0,0-1 0,0 1 0,0 0 0,0-1 0,0 5 0,0-3 0,0 3 0,0 0 0,0-3 0,0 3 0,0-4 0,0 0 0,0 0 0,0-1 0,0 1 0,0-1 0,0 1 0,0 0 0,-4 0 0,3-1 0,-2 1 0,3-1 0,0-3 0,0-1 0</inkml:trace>
+</inkml:ink>
+</file>
+
+<file path=ppt/ink/ink73.xml><?xml version="1.0" encoding="utf-8"?>
+<inkml:ink xmlns:inkml="http://www.w3.org/2003/InkML">
+  <inkml:definitions>
+    <inkml:context xml:id="ctx0">
+      <inkml:inkSource xml:id="inkSrc0">
+        <inkml:traceFormat>
+          <inkml:channel name="X" type="integer" min="-2.14748E9" max="2.14748E9" units="cm"/>
+          <inkml:channel name="Y" type="integer" min="-2.14748E9" max="2.14748E9" units="cm"/>
+          <inkml:channel name="F" type="integer" max="32767" units="dev"/>
+        </inkml:traceFormat>
+        <inkml:channelProperties>
+          <inkml:channelProperty channel="X" name="resolution" value="1000" units="1/cm"/>
+          <inkml:channelProperty channel="Y" name="resolution" value="1000" units="1/cm"/>
+          <inkml:channelProperty channel="F" name="resolution" value="0" units="1/dev"/>
+        </inkml:channelProperties>
+      </inkml:inkSource>
+      <inkml:timestamp xml:id="ts0" timeString="2022-09-14T18:24:09.793"/>
+    </inkml:context>
+    <inkml:brush xml:id="br0">
+      <inkml:brushProperty name="width" value="0.1" units="cm"/>
+      <inkml:brushProperty name="height" value="0.1" units="cm"/>
+      <inkml:brushProperty name="color" value="#A9A9A9"/>
+    </inkml:brush>
+  </inkml:definitions>
+  <inkml:trace contextRef="#ctx0" brushRef="#br0">0 0 24575,'0'15'0,"0"3"0,0-9 0,0 7 0,0-2 0,0-1 0,0 3 0,0 5 0,0-2 0,0 11 0,0-16 0,0 12 0,0-11 0,0 7 0,0-9 0,0-1 0,0 0 0,0-3 0,0 3 0,0-4 0,0-1 0,0 1 0,0 0 0,0-1 0,0 1 0,0 0 0,0 0 0,0 0 0,0-1 0,0 1 0,0 0 0,0 0 0,0-1 0,0 0 0,0 1 0,0-1 0,0 1 0,0 0 0,0 0 0,0-1 0,0 1 0,0 0 0,0 0 0,0 0 0,0-1 0,0 1 0,0 0 0,0 0 0,0-1 0,0 1 0,0-1 0,0 0 0,0 0 0,0 0 0,0 0 0,0 0 0,0-3 0,0 0 0</inkml:trace>
+</inkml:ink>
+</file>
+
+<file path=ppt/ink/ink74.xml><?xml version="1.0" encoding="utf-8"?>
+<inkml:ink xmlns:inkml="http://www.w3.org/2003/InkML">
+  <inkml:definitions>
+    <inkml:context xml:id="ctx0">
+      <inkml:inkSource xml:id="inkSrc0">
+        <inkml:traceFormat>
+          <inkml:channel name="X" type="integer" min="-2.14748E9" max="2.14748E9" units="cm"/>
+          <inkml:channel name="Y" type="integer" min="-2.14748E9" max="2.14748E9" units="cm"/>
+          <inkml:channel name="F" type="integer" max="32767" units="dev"/>
+        </inkml:traceFormat>
+        <inkml:channelProperties>
+          <inkml:channelProperty channel="X" name="resolution" value="1000" units="1/cm"/>
+          <inkml:channelProperty channel="Y" name="resolution" value="1000" units="1/cm"/>
+          <inkml:channelProperty channel="F" name="resolution" value="0" units="1/dev"/>
+        </inkml:channelProperties>
+      </inkml:inkSource>
+      <inkml:timestamp xml:id="ts0" timeString="2022-09-14T18:24:15.080"/>
+    </inkml:context>
+    <inkml:brush xml:id="br0">
+      <inkml:brushProperty name="width" value="0.1" units="cm"/>
+      <inkml:brushProperty name="height" value="0.1" units="cm"/>
+      <inkml:brushProperty name="color" value="#A9A9A9"/>
+    </inkml:brush>
+  </inkml:definitions>
+  <inkml:trace contextRef="#ctx0" brushRef="#br0">1 0 24575,'0'21'0,"0"0"0,0-4 0,0 5 0,0-3 0,0 3 0,0 0 0,0-3 0,0 3 0,0-5 0,0-4 0,3 4 0,-2-9 0,3 4 0,-4 0 0,0-3 0,0 3 0,0 0 0,0-3 0,0 3 0,0-4 0,0 4 0,0-3 0,4 3 0,-3-4 0,2 0 0,-3-1 0,0 1 0,0-1 0,0 1 0,0 0 0,0 0 0,0-1 0,0 1 0,0 0 0,0 0 0,3-4 0,-2 2 0,2-2 0,-3 4 0,0-1 0,0-6 0,0-2 0</inkml:trace>
+</inkml:ink>
+</file>
+
+<file path=ppt/ink/ink75.xml><?xml version="1.0" encoding="utf-8"?>
+<inkml:ink xmlns:inkml="http://www.w3.org/2003/InkML">
+  <inkml:definitions>
+    <inkml:context xml:id="ctx0">
+      <inkml:inkSource xml:id="inkSrc0">
+        <inkml:traceFormat>
+          <inkml:channel name="X" type="integer" min="-2.14748E9" max="2.14748E9" units="cm"/>
+          <inkml:channel name="Y" type="integer" min="-2.14748E9" max="2.14748E9" units="cm"/>
+          <inkml:channel name="F" type="integer" max="32767" units="dev"/>
+        </inkml:traceFormat>
+        <inkml:channelProperties>
+          <inkml:channelProperty channel="X" name="resolution" value="1000" units="1/cm"/>
+          <inkml:channelProperty channel="Y" name="resolution" value="1000" units="1/cm"/>
+          <inkml:channelProperty channel="F" name="resolution" value="0" units="1/dev"/>
+        </inkml:channelProperties>
+      </inkml:inkSource>
+      <inkml:timestamp xml:id="ts0" timeString="2022-09-14T18:24:18.700"/>
+    </inkml:context>
+    <inkml:brush xml:id="br0">
+      <inkml:brushProperty name="width" value="0.1" units="cm"/>
+      <inkml:brushProperty name="height" value="0.1" units="cm"/>
+      <inkml:brushProperty name="color" value="#A9A9A9"/>
+    </inkml:brush>
+  </inkml:definitions>
+  <inkml:trace contextRef="#ctx0" brushRef="#br0">1 1 24575,'0'15'0,"0"1"0,0 6 0,0 2 0,0-1 0,0 4 0,0-3 0,0 4 0,0 1 0,0-6 0,0 4 0,0-3 0,0-1 0,0 0 0,0-6 0,0-4 0,0-1 0,0-4 0,0 0 0,0-1 0,0 1 0,0 0 0,0-1 0,0 0 0,0 0 0,0 1 0,0-1 0,0 0 0,0 0 0,0 0 0,0 1 0,0-1 0,0 0 0,0 1 0,0-4 0,0-1 0</inkml:trace>
+</inkml:ink>
+</file>
+
+<file path=ppt/ink/ink76.xml><?xml version="1.0" encoding="utf-8"?>
+<inkml:ink xmlns:inkml="http://www.w3.org/2003/InkML">
+  <inkml:definitions>
+    <inkml:context xml:id="ctx0">
+      <inkml:inkSource xml:id="inkSrc0">
+        <inkml:traceFormat>
+          <inkml:channel name="X" type="integer" min="-2.14748E9" max="2.14748E9" units="cm"/>
+          <inkml:channel name="Y" type="integer" min="-2.14748E9" max="2.14748E9" units="cm"/>
+          <inkml:channel name="F" type="integer" max="32767" units="dev"/>
+        </inkml:traceFormat>
+        <inkml:channelProperties>
+          <inkml:channelProperty channel="X" name="resolution" value="1000" units="1/cm"/>
+          <inkml:channelProperty channel="Y" name="resolution" value="1000" units="1/cm"/>
+          <inkml:channelProperty channel="F" name="resolution" value="0" units="1/dev"/>
+        </inkml:channelProperties>
+      </inkml:inkSource>
+      <inkml:timestamp xml:id="ts0" timeString="2022-09-14T18:24:22.532"/>
+    </inkml:context>
+    <inkml:brush xml:id="br0">
+      <inkml:brushProperty name="width" value="0.1" units="cm"/>
+      <inkml:brushProperty name="height" value="0.1" units="cm"/>
+      <inkml:brushProperty name="color" value="#A9A9A9"/>
+    </inkml:brush>
+  </inkml:definitions>
+  <inkml:trace contextRef="#ctx0" brushRef="#br0">0 1 24575,'0'16'0,"0"0"0,0 6 0,0-8 0,0 3 0,0-5 0,0-3 0,0 7 0,0-7 0,0 3 0,0 0 0,0-3 0,0 7 0,0-2 0,0-1 0,0-1 0,0-5 0,0 1 0,0 0 0,0 0 0,0 0 0,0-1 0,0 1 0,0-1 0,0 1 0,0-1 0,0 1 0,0 0 0,0-1 0,0 0 0,0 1 0,0-1 0,0 1 0,0 0 0,0 0 0,0-1 0,0 1 0,0 0 0,0 0 0,0 0 0,0-1 0,0 1 0,0 0 0,0-1 0,0 1 0,0-1 0,0 0 0,4-3 0,-3 3 0,5-6 0,-5 5 0,2-2 0,-3 3 0,0-3 0,0-1 0</inkml:trace>
+</inkml:ink>
+</file>
+
+<file path=ppt/ink/ink77.xml><?xml version="1.0" encoding="utf-8"?>
+<inkml:ink xmlns:inkml="http://www.w3.org/2003/InkML">
+  <inkml:definitions>
+    <inkml:context xml:id="ctx0">
+      <inkml:inkSource xml:id="inkSrc0">
+        <inkml:traceFormat>
+          <inkml:channel name="X" type="integer" min="-2.14748E9" max="2.14748E9" units="cm"/>
+          <inkml:channel name="Y" type="integer" min="-2.14748E9" max="2.14748E9" units="cm"/>
+          <inkml:channel name="F" type="integer" max="32767" units="dev"/>
+        </inkml:traceFormat>
+        <inkml:channelProperties>
+          <inkml:channelProperty channel="X" name="resolution" value="1000" units="1/cm"/>
+          <inkml:channelProperty channel="Y" name="resolution" value="1000" units="1/cm"/>
+          <inkml:channelProperty channel="F" name="resolution" value="0" units="1/dev"/>
+        </inkml:channelProperties>
+      </inkml:inkSource>
+      <inkml:timestamp xml:id="ts0" timeString="2022-09-14T18:24:29.752"/>
+    </inkml:context>
+    <inkml:brush xml:id="br0">
+      <inkml:brushProperty name="width" value="0.1" units="cm"/>
+      <inkml:brushProperty name="height" value="0.1" units="cm"/>
+      <inkml:brushProperty name="color" value="#A9A9A9"/>
+    </inkml:brush>
+  </inkml:definitions>
+  <inkml:trace contextRef="#ctx0" brushRef="#br0">1 0 24575,'0'16'0,"0"-5"0,0 5 0,0-2 0,0 3 0,0 0 0,0-4 0,0 8 0,0-10 0,0 5 0,0-4 0,0-3 0,0 7 0,0-7 0,0 3 0,0-5 0,0 5 0,0-3 0,0 3 0,0-4 0,0 0 0,0-1 0,0 1 0,0-1 0,0 1 0,0 0 0,0 0 0,0 4 0,0-4 0,0 4 0,0-4 0,0 0 0,0 0 0,0 0 0,0-1 0,0 1 0,0 0 0,0 0 0,0 0 0,0-1 0,0 1 0,0 0 0,0 0 0,0-1 0,0 1 0,0-1 0,0 0 0,0 0 0,0 1 0,0-1 0,0 0 0,0 0 0,0 0 0,0 0 0,3-3 0,-2 2 0,3-5 0,-4 2 0</inkml:trace>
+</inkml:ink>
+</file>
+
+<file path=ppt/ink/ink78.xml><?xml version="1.0" encoding="utf-8"?>
+<inkml:ink xmlns:inkml="http://www.w3.org/2003/InkML">
+  <inkml:definitions>
+    <inkml:context xml:id="ctx0">
+      <inkml:inkSource xml:id="inkSrc0">
+        <inkml:traceFormat>
+          <inkml:channel name="X" type="integer" min="-2.14748E9" max="2.14748E9" units="cm"/>
+          <inkml:channel name="Y" type="integer" min="-2.14748E9" max="2.14748E9" units="cm"/>
+          <inkml:channel name="F" type="integer" max="32767" units="dev"/>
+        </inkml:traceFormat>
+        <inkml:channelProperties>
+          <inkml:channelProperty channel="X" name="resolution" value="1000" units="1/cm"/>
+          <inkml:channelProperty channel="Y" name="resolution" value="1000" units="1/cm"/>
+          <inkml:channelProperty channel="F" name="resolution" value="0" units="1/dev"/>
+        </inkml:channelProperties>
+      </inkml:inkSource>
+      <inkml:timestamp xml:id="ts0" timeString="2022-09-14T18:24:35.870"/>
+    </inkml:context>
+    <inkml:brush xml:id="br0">
+      <inkml:brushProperty name="width" value="0.1" units="cm"/>
+      <inkml:brushProperty name="height" value="0.1" units="cm"/>
+      <inkml:brushProperty name="color" value="#A9A9A9"/>
+    </inkml:brush>
+  </inkml:definitions>
+  <inkml:trace contextRef="#ctx0" brushRef="#br0">0 0 24575,'0'21'0,"0"-4"0,0 4 0,0-7 0,0 4 0,0-2 0,0-7 0,0 7 0,0-3 0,0 0 0,0 0 0,0-1 0,0-4 0,0 4 0,0 0 0,0 2 0,0-1 0,0-1 0,0-5 0,0 1 0,0 0 0,0 0 0,0 0 0,0-1 0,0 1 0,0 0 0,0 0 0,0 4 0,0-3 0,0 3 0,0-5 0,0 1 0,0 0 0,0 0 0,0-1 0,0 0 0,0 1 0,0-1 0,0 1 0,0-1 0,0 1 0,0 0 0,0 0 0,0-1 0,0 1 0,0 0 0,0-1 0,0-3 0,0 0 0</inkml:trace>
+</inkml:ink>
+</file>
+
+<file path=ppt/ink/ink79.xml><?xml version="1.0" encoding="utf-8"?>
+<inkml:ink xmlns:inkml="http://www.w3.org/2003/InkML">
+  <inkml:definitions>
+    <inkml:context xml:id="ctx0">
+      <inkml:inkSource xml:id="inkSrc0">
+        <inkml:traceFormat>
+          <inkml:channel name="X" type="integer" min="-2.14748E9" max="2.14748E9" units="cm"/>
+          <inkml:channel name="Y" type="integer" min="-2.14748E9" max="2.14748E9" units="cm"/>
+          <inkml:channel name="F" type="integer" max="32767" units="dev"/>
+        </inkml:traceFormat>
+        <inkml:channelProperties>
+          <inkml:channelProperty channel="X" name="resolution" value="1000" units="1/cm"/>
+          <inkml:channelProperty channel="Y" name="resolution" value="1000" units="1/cm"/>
+          <inkml:channelProperty channel="F" name="resolution" value="0" units="1/dev"/>
+        </inkml:channelProperties>
+      </inkml:inkSource>
+      <inkml:timestamp xml:id="ts0" timeString="2022-09-14T18:26:17.672"/>
+    </inkml:context>
+    <inkml:brush xml:id="br0">
+      <inkml:brushProperty name="width" value="0.1" units="cm"/>
+      <inkml:brushProperty name="height" value="0.1" units="cm"/>
+      <inkml:brushProperty name="color" value="#A9A9A9"/>
+    </inkml:brush>
+  </inkml:definitions>
+  <inkml:trace contextRef="#ctx0" brushRef="#br0">1 17 24575,'26'0'0,"6"0"0,-2 0 0,10 0 0,-4 0 0,-1 0 0,7 0 0,-12 0 0,2 0 0,-10 0 0,-5 0 0,0 0 0,1 0 0,-1 0 0,0-7 0,-4 5 0,4-6 0,-9 8 0,4 0 0,-4 0 0,0 0 0,-4 0 0,0 0 0</inkml:trace>
 </inkml:ink>
 </file>
 
@@ -1837,6 +2590,286 @@
 </inkml:ink>
 </file>
 
+<file path=ppt/ink/ink80.xml><?xml version="1.0" encoding="utf-8"?>
+<inkml:ink xmlns:inkml="http://www.w3.org/2003/InkML">
+  <inkml:definitions>
+    <inkml:context xml:id="ctx0">
+      <inkml:inkSource xml:id="inkSrc0">
+        <inkml:traceFormat>
+          <inkml:channel name="X" type="integer" min="-2.14748E9" max="2.14748E9" units="cm"/>
+          <inkml:channel name="Y" type="integer" min="-2.14748E9" max="2.14748E9" units="cm"/>
+          <inkml:channel name="F" type="integer" max="32767" units="dev"/>
+        </inkml:traceFormat>
+        <inkml:channelProperties>
+          <inkml:channelProperty channel="X" name="resolution" value="1000" units="1/cm"/>
+          <inkml:channelProperty channel="Y" name="resolution" value="1000" units="1/cm"/>
+          <inkml:channelProperty channel="F" name="resolution" value="0" units="1/dev"/>
+        </inkml:channelProperties>
+      </inkml:inkSource>
+      <inkml:timestamp xml:id="ts0" timeString="2022-09-14T18:26:21.110"/>
+    </inkml:context>
+    <inkml:brush xml:id="br0">
+      <inkml:brushProperty name="width" value="0.1" units="cm"/>
+      <inkml:brushProperty name="height" value="0.1" units="cm"/>
+      <inkml:brushProperty name="color" value="#A9A9A9"/>
+    </inkml:brush>
+  </inkml:definitions>
+  <inkml:trace contextRef="#ctx0" brushRef="#br0">0 0 24575,'16'0'0,"4"0"0,4 0 0,-1 0 0,0 0 0,-6 0 0,5 0 0,-3 0 0,8 0 0,-13 0 0,7 0 0,-12 0 0,7 0 0,-7 0 0,3 0 0,-4 0 0,-1 0 0,1 0 0,0 0 0,-1 0 0,1 0 0,-1 0 0,1 0 0,4 0 0,-3 0 0,3 0 0,-4 0 0,0 0 0,0 0 0,-1 0 0,1 0 0,-1 0 0,1 0 0,0 0 0,0 0 0,-1 0 0,1 0 0,0 0 0,-1 0 0,-3 0 0,-1 0 0</inkml:trace>
+</inkml:ink>
+</file>
+
+<file path=ppt/ink/ink81.xml><?xml version="1.0" encoding="utf-8"?>
+<inkml:ink xmlns:inkml="http://www.w3.org/2003/InkML">
+  <inkml:definitions>
+    <inkml:context xml:id="ctx0">
+      <inkml:inkSource xml:id="inkSrc0">
+        <inkml:traceFormat>
+          <inkml:channel name="X" type="integer" min="-2.14748E9" max="2.14748E9" units="cm"/>
+          <inkml:channel name="Y" type="integer" min="-2.14748E9" max="2.14748E9" units="cm"/>
+          <inkml:channel name="F" type="integer" max="32767" units="dev"/>
+        </inkml:traceFormat>
+        <inkml:channelProperties>
+          <inkml:channelProperty channel="X" name="resolution" value="1000" units="1/cm"/>
+          <inkml:channelProperty channel="Y" name="resolution" value="1000" units="1/cm"/>
+          <inkml:channelProperty channel="F" name="resolution" value="0" units="1/dev"/>
+        </inkml:channelProperties>
+      </inkml:inkSource>
+      <inkml:timestamp xml:id="ts0" timeString="2022-09-14T18:26:26.339"/>
+    </inkml:context>
+    <inkml:brush xml:id="br0">
+      <inkml:brushProperty name="width" value="0.1" units="cm"/>
+      <inkml:brushProperty name="height" value="0.1" units="cm"/>
+      <inkml:brushProperty name="color" value="#A9A9A9"/>
+    </inkml:brush>
+  </inkml:definitions>
+  <inkml:trace contextRef="#ctx0" brushRef="#br0">0 1 24575,'21'0'0,"0"0"0,-8 0 0,3 0 0,-3 0 0,9 0 0,0 0 0,12 0 0,-11 0 0,10 0 0,-14 0 0,8 0 0,-13 0 0,7 0 0,-8 0 0,0 0 0,-1 0 0,-4 0 0,-1 0 0,0 0 0,1 0 0,-1 0 0,1 0 0,0 0 0,0 0 0,-1 0 0,0 0 0,1 0 0,-1 0 0,1 0 0,0 0 0,-1 0 0,1 0 0,-4 0 0,-1 0 0</inkml:trace>
+</inkml:ink>
+</file>
+
+<file path=ppt/ink/ink82.xml><?xml version="1.0" encoding="utf-8"?>
+<inkml:ink xmlns:inkml="http://www.w3.org/2003/InkML">
+  <inkml:definitions>
+    <inkml:context xml:id="ctx0">
+      <inkml:inkSource xml:id="inkSrc0">
+        <inkml:traceFormat>
+          <inkml:channel name="X" type="integer" min="-2.14748E9" max="2.14748E9" units="cm"/>
+          <inkml:channel name="Y" type="integer" min="-2.14748E9" max="2.14748E9" units="cm"/>
+          <inkml:channel name="F" type="integer" max="32767" units="dev"/>
+        </inkml:traceFormat>
+        <inkml:channelProperties>
+          <inkml:channelProperty channel="X" name="resolution" value="1000" units="1/cm"/>
+          <inkml:channelProperty channel="Y" name="resolution" value="1000" units="1/cm"/>
+          <inkml:channelProperty channel="F" name="resolution" value="0" units="1/dev"/>
+        </inkml:channelProperties>
+      </inkml:inkSource>
+      <inkml:timestamp xml:id="ts0" timeString="2022-09-14T18:26:30.679"/>
+    </inkml:context>
+    <inkml:brush xml:id="br0">
+      <inkml:brushProperty name="width" value="0.1" units="cm"/>
+      <inkml:brushProperty name="height" value="0.1" units="cm"/>
+      <inkml:brushProperty name="color" value="#A9A9A9"/>
+    </inkml:brush>
+  </inkml:definitions>
+  <inkml:trace contextRef="#ctx0" brushRef="#br0">1 17 24575,'26'0'0,"6"0"0,-2 0 0,10 0 0,-4 0 0,-1 0 0,7 0 0,-12 0 0,2 0 0,-10 0 0,-5 0 0,0 0 0,1 0 0,-1 0 0,0-7 0,-4 5 0,4-6 0,-9 8 0,4 0 0,-4 0 0,0 0 0,-4 0 0,0 0 0</inkml:trace>
+</inkml:ink>
+</file>
+
+<file path=ppt/ink/ink83.xml><?xml version="1.0" encoding="utf-8"?>
+<inkml:ink xmlns:inkml="http://www.w3.org/2003/InkML">
+  <inkml:definitions>
+    <inkml:context xml:id="ctx0">
+      <inkml:inkSource xml:id="inkSrc0">
+        <inkml:traceFormat>
+          <inkml:channel name="X" type="integer" min="-2.14748E9" max="2.14748E9" units="cm"/>
+          <inkml:channel name="Y" type="integer" min="-2.14748E9" max="2.14748E9" units="cm"/>
+          <inkml:channel name="F" type="integer" max="32767" units="dev"/>
+        </inkml:traceFormat>
+        <inkml:channelProperties>
+          <inkml:channelProperty channel="X" name="resolution" value="1000" units="1/cm"/>
+          <inkml:channelProperty channel="Y" name="resolution" value="1000" units="1/cm"/>
+          <inkml:channelProperty channel="F" name="resolution" value="0" units="1/dev"/>
+        </inkml:channelProperties>
+      </inkml:inkSource>
+      <inkml:timestamp xml:id="ts0" timeString="2022-09-14T18:26:30.680"/>
+    </inkml:context>
+    <inkml:brush xml:id="br0">
+      <inkml:brushProperty name="width" value="0.1" units="cm"/>
+      <inkml:brushProperty name="height" value="0.1" units="cm"/>
+      <inkml:brushProperty name="color" value="#A9A9A9"/>
+    </inkml:brush>
+  </inkml:definitions>
+  <inkml:trace contextRef="#ctx0" brushRef="#br0">0 0 24575,'16'0'0,"4"0"0,4 0 0,-1 0 0,0 0 0,-6 0 0,5 0 0,-3 0 0,8 0 0,-13 0 0,7 0 0,-12 0 0,7 0 0,-7 0 0,3 0 0,-4 0 0,-1 0 0,1 0 0,0 0 0,-1 0 0,1 0 0,-1 0 0,1 0 0,4 0 0,-3 0 0,3 0 0,-4 0 0,0 0 0,0 0 0,-1 0 0,1 0 0,-1 0 0,1 0 0,0 0 0,0 0 0,-1 0 0,1 0 0,0 0 0,-1 0 0,-3 0 0,-1 0 0</inkml:trace>
+</inkml:ink>
+</file>
+
+<file path=ppt/ink/ink84.xml><?xml version="1.0" encoding="utf-8"?>
+<inkml:ink xmlns:inkml="http://www.w3.org/2003/InkML">
+  <inkml:definitions>
+    <inkml:context xml:id="ctx0">
+      <inkml:inkSource xml:id="inkSrc0">
+        <inkml:traceFormat>
+          <inkml:channel name="X" type="integer" min="-2.14748E9" max="2.14748E9" units="cm"/>
+          <inkml:channel name="Y" type="integer" min="-2.14748E9" max="2.14748E9" units="cm"/>
+          <inkml:channel name="F" type="integer" max="32767" units="dev"/>
+        </inkml:traceFormat>
+        <inkml:channelProperties>
+          <inkml:channelProperty channel="X" name="resolution" value="1000" units="1/cm"/>
+          <inkml:channelProperty channel="Y" name="resolution" value="1000" units="1/cm"/>
+          <inkml:channelProperty channel="F" name="resolution" value="0" units="1/dev"/>
+        </inkml:channelProperties>
+      </inkml:inkSource>
+      <inkml:timestamp xml:id="ts0" timeString="2022-09-14T18:26:30.681"/>
+    </inkml:context>
+    <inkml:brush xml:id="br0">
+      <inkml:brushProperty name="width" value="0.1" units="cm"/>
+      <inkml:brushProperty name="height" value="0.1" units="cm"/>
+      <inkml:brushProperty name="color" value="#A9A9A9"/>
+    </inkml:brush>
+  </inkml:definitions>
+  <inkml:trace contextRef="#ctx0" brushRef="#br0">0 1 24575,'21'0'0,"0"0"0,-8 0 0,3 0 0,-3 0 0,9 0 0,0 0 0,12 0 0,-11 0 0,10 0 0,-14 0 0,8 0 0,-13 0 0,7 0 0,-8 0 0,0 0 0,-1 0 0,-4 0 0,-1 0 0,0 0 0,1 0 0,-1 0 0,1 0 0,0 0 0,0 0 0,-1 0 0,0 0 0,1 0 0,-1 0 0,1 0 0,0 0 0,-1 0 0,1 0 0,-4 0 0,-1 0 0</inkml:trace>
+</inkml:ink>
+</file>
+
+<file path=ppt/ink/ink85.xml><?xml version="1.0" encoding="utf-8"?>
+<inkml:ink xmlns:inkml="http://www.w3.org/2003/InkML">
+  <inkml:definitions>
+    <inkml:context xml:id="ctx0">
+      <inkml:inkSource xml:id="inkSrc0">
+        <inkml:traceFormat>
+          <inkml:channel name="X" type="integer" min="-2.14748E9" max="2.14748E9" units="cm"/>
+          <inkml:channel name="Y" type="integer" min="-2.14748E9" max="2.14748E9" units="cm"/>
+          <inkml:channel name="F" type="integer" max="32767" units="dev"/>
+        </inkml:traceFormat>
+        <inkml:channelProperties>
+          <inkml:channelProperty channel="X" name="resolution" value="1000" units="1/cm"/>
+          <inkml:channelProperty channel="Y" name="resolution" value="1000" units="1/cm"/>
+          <inkml:channelProperty channel="F" name="resolution" value="0" units="1/dev"/>
+        </inkml:channelProperties>
+      </inkml:inkSource>
+      <inkml:timestamp xml:id="ts0" timeString="2022-09-14T18:26:35.291"/>
+    </inkml:context>
+    <inkml:brush xml:id="br0">
+      <inkml:brushProperty name="width" value="0.1" units="cm"/>
+      <inkml:brushProperty name="height" value="0.1" units="cm"/>
+      <inkml:brushProperty name="color" value="#A9A9A9"/>
+    </inkml:brush>
+  </inkml:definitions>
+  <inkml:trace contextRef="#ctx0" brushRef="#br0">1 17 24575,'26'0'0,"6"0"0,-2 0 0,10 0 0,-4 0 0,-1 0 0,7 0 0,-12 0 0,2 0 0,-10 0 0,-5 0 0,0 0 0,1 0 0,-1 0 0,0-7 0,-4 5 0,4-6 0,-9 8 0,4 0 0,-4 0 0,0 0 0,-4 0 0,0 0 0</inkml:trace>
+</inkml:ink>
+</file>
+
+<file path=ppt/ink/ink86.xml><?xml version="1.0" encoding="utf-8"?>
+<inkml:ink xmlns:inkml="http://www.w3.org/2003/InkML">
+  <inkml:definitions>
+    <inkml:context xml:id="ctx0">
+      <inkml:inkSource xml:id="inkSrc0">
+        <inkml:traceFormat>
+          <inkml:channel name="X" type="integer" min="-2.14748E9" max="2.14748E9" units="cm"/>
+          <inkml:channel name="Y" type="integer" min="-2.14748E9" max="2.14748E9" units="cm"/>
+          <inkml:channel name="F" type="integer" max="32767" units="dev"/>
+        </inkml:traceFormat>
+        <inkml:channelProperties>
+          <inkml:channelProperty channel="X" name="resolution" value="1000" units="1/cm"/>
+          <inkml:channelProperty channel="Y" name="resolution" value="1000" units="1/cm"/>
+          <inkml:channelProperty channel="F" name="resolution" value="0" units="1/dev"/>
+        </inkml:channelProperties>
+      </inkml:inkSource>
+      <inkml:timestamp xml:id="ts0" timeString="2022-09-14T18:26:35.292"/>
+    </inkml:context>
+    <inkml:brush xml:id="br0">
+      <inkml:brushProperty name="width" value="0.1" units="cm"/>
+      <inkml:brushProperty name="height" value="0.1" units="cm"/>
+      <inkml:brushProperty name="color" value="#A9A9A9"/>
+    </inkml:brush>
+  </inkml:definitions>
+  <inkml:trace contextRef="#ctx0" brushRef="#br0">0 0 24575,'16'0'0,"4"0"0,4 0 0,-1 0 0,0 0 0,-6 0 0,5 0 0,-3 0 0,8 0 0,-13 0 0,7 0 0,-12 0 0,7 0 0,-7 0 0,3 0 0,-4 0 0,-1 0 0,1 0 0,0 0 0,-1 0 0,1 0 0,-1 0 0,1 0 0,4 0 0,-3 0 0,3 0 0,-4 0 0,0 0 0,0 0 0,-1 0 0,1 0 0,-1 0 0,1 0 0,0 0 0,0 0 0,-1 0 0,1 0 0,0 0 0,-1 0 0,-3 0 0,-1 0 0</inkml:trace>
+</inkml:ink>
+</file>
+
+<file path=ppt/ink/ink87.xml><?xml version="1.0" encoding="utf-8"?>
+<inkml:ink xmlns:inkml="http://www.w3.org/2003/InkML">
+  <inkml:definitions>
+    <inkml:context xml:id="ctx0">
+      <inkml:inkSource xml:id="inkSrc0">
+        <inkml:traceFormat>
+          <inkml:channel name="X" type="integer" min="-2.14748E9" max="2.14748E9" units="cm"/>
+          <inkml:channel name="Y" type="integer" min="-2.14748E9" max="2.14748E9" units="cm"/>
+          <inkml:channel name="F" type="integer" max="32767" units="dev"/>
+        </inkml:traceFormat>
+        <inkml:channelProperties>
+          <inkml:channelProperty channel="X" name="resolution" value="1000" units="1/cm"/>
+          <inkml:channelProperty channel="Y" name="resolution" value="1000" units="1/cm"/>
+          <inkml:channelProperty channel="F" name="resolution" value="0" units="1/dev"/>
+        </inkml:channelProperties>
+      </inkml:inkSource>
+      <inkml:timestamp xml:id="ts0" timeString="2022-09-14T18:26:35.293"/>
+    </inkml:context>
+    <inkml:brush xml:id="br0">
+      <inkml:brushProperty name="width" value="0.1" units="cm"/>
+      <inkml:brushProperty name="height" value="0.1" units="cm"/>
+      <inkml:brushProperty name="color" value="#A9A9A9"/>
+    </inkml:brush>
+  </inkml:definitions>
+  <inkml:trace contextRef="#ctx0" brushRef="#br0">0 1 24575,'21'0'0,"0"0"0,-8 0 0,3 0 0,-3 0 0,9 0 0,0 0 0,12 0 0,-11 0 0,10 0 0,-14 0 0,8 0 0,-13 0 0,7 0 0,-8 0 0,0 0 0,-1 0 0,-4 0 0,-1 0 0,0 0 0,1 0 0,-1 0 0,1 0 0,0 0 0,0 0 0,-1 0 0,0 0 0,1 0 0,-1 0 0,1 0 0,0 0 0,-1 0 0,1 0 0,-4 0 0,-1 0 0</inkml:trace>
+</inkml:ink>
+</file>
+
+<file path=ppt/ink/ink88.xml><?xml version="1.0" encoding="utf-8"?>
+<inkml:ink xmlns:inkml="http://www.w3.org/2003/InkML">
+  <inkml:definitions>
+    <inkml:context xml:id="ctx0">
+      <inkml:inkSource xml:id="inkSrc0">
+        <inkml:traceFormat>
+          <inkml:channel name="X" type="integer" min="-2.14748E9" max="2.14748E9" units="cm"/>
+          <inkml:channel name="Y" type="integer" min="-2.14748E9" max="2.14748E9" units="cm"/>
+          <inkml:channel name="F" type="integer" max="32767" units="dev"/>
+        </inkml:traceFormat>
+        <inkml:channelProperties>
+          <inkml:channelProperty channel="X" name="resolution" value="1000" units="1/cm"/>
+          <inkml:channelProperty channel="Y" name="resolution" value="1000" units="1/cm"/>
+          <inkml:channelProperty channel="F" name="resolution" value="0" units="1/dev"/>
+        </inkml:channelProperties>
+      </inkml:inkSource>
+      <inkml:timestamp xml:id="ts0" timeString="2022-09-14T18:27:22.816"/>
+    </inkml:context>
+    <inkml:brush xml:id="br0">
+      <inkml:brushProperty name="width" value="0.35" units="cm"/>
+      <inkml:brushProperty name="height" value="0.35" units="cm"/>
+      <inkml:brushProperty name="color" value="#004F8B"/>
+    </inkml:brush>
+  </inkml:definitions>
+  <inkml:trace contextRef="#ctx0" brushRef="#br0">1 0 24575,'0'0'0</inkml:trace>
+</inkml:ink>
+</file>
+
+<file path=ppt/ink/ink89.xml><?xml version="1.0" encoding="utf-8"?>
+<inkml:ink xmlns:inkml="http://www.w3.org/2003/InkML">
+  <inkml:definitions>
+    <inkml:context xml:id="ctx0">
+      <inkml:inkSource xml:id="inkSrc0">
+        <inkml:traceFormat>
+          <inkml:channel name="X" type="integer" min="-2.14748E9" max="2.14748E9" units="cm"/>
+          <inkml:channel name="Y" type="integer" min="-2.14748E9" max="2.14748E9" units="cm"/>
+          <inkml:channel name="F" type="integer" max="32767" units="dev"/>
+        </inkml:traceFormat>
+        <inkml:channelProperties>
+          <inkml:channelProperty channel="X" name="resolution" value="1000" units="1/cm"/>
+          <inkml:channelProperty channel="Y" name="resolution" value="1000" units="1/cm"/>
+          <inkml:channelProperty channel="F" name="resolution" value="0" units="1/dev"/>
+        </inkml:channelProperties>
+      </inkml:inkSource>
+      <inkml:timestamp xml:id="ts0" timeString="2022-09-14T18:27:26.069"/>
+    </inkml:context>
+    <inkml:brush xml:id="br0">
+      <inkml:brushProperty name="width" value="0.35" units="cm"/>
+      <inkml:brushProperty name="height" value="0.35" units="cm"/>
+      <inkml:brushProperty name="color" value="#004F8B"/>
+    </inkml:brush>
+  </inkml:definitions>
+  <inkml:trace contextRef="#ctx0" brushRef="#br0">0 1 24575,'0'0'0</inkml:trace>
+</inkml:ink>
+</file>
+
 <file path=ppt/ink/ink9.xml><?xml version="1.0" encoding="utf-8"?>
 <inkml:ink xmlns:inkml="http://www.w3.org/2003/InkML">
   <inkml:definitions>
@@ -1861,6 +2894,286 @@
     </inkml:brush>
   </inkml:definitions>
   <inkml:trace contextRef="#ctx0" brushRef="#br0">0 44 24575,'19'0'0,"-3"0"0,10 0 0,-1 0 0,2 0 0,6 0 0,0 0 0,-1 0 0,19 0 0,-14 0 0,7 0 0,-18 0 0,8 0 0,-15 0 0,14 0 0,-18 0 0,0 0 0,4 0 0,-9 0 0,4 0 0,-5 0 0,5 0 0,1 0 0,0 0 0,-1 0 0,-5 0 0,0 0 0,0 0 0,0 0 0,-1 0 0,1 0 0,-1 0 0,1-4 0,-1 3 0,0-3 0,-3 0 0,3 3 0,-3-3 0,4 0 0,0 3 0,0-3 0,-4 1 0,-1-2 0,-4 0 0,0 1 0</inkml:trace>
+</inkml:ink>
+</file>
+
+<file path=ppt/ink/ink90.xml><?xml version="1.0" encoding="utf-8"?>
+<inkml:ink xmlns:inkml="http://www.w3.org/2003/InkML">
+  <inkml:definitions>
+    <inkml:context xml:id="ctx0">
+      <inkml:inkSource xml:id="inkSrc0">
+        <inkml:traceFormat>
+          <inkml:channel name="X" type="integer" min="-2.14748E9" max="2.14748E9" units="cm"/>
+          <inkml:channel name="Y" type="integer" min="-2.14748E9" max="2.14748E9" units="cm"/>
+          <inkml:channel name="F" type="integer" max="32767" units="dev"/>
+        </inkml:traceFormat>
+        <inkml:channelProperties>
+          <inkml:channelProperty channel="X" name="resolution" value="1000" units="1/cm"/>
+          <inkml:channelProperty channel="Y" name="resolution" value="1000" units="1/cm"/>
+          <inkml:channelProperty channel="F" name="resolution" value="0" units="1/dev"/>
+        </inkml:channelProperties>
+      </inkml:inkSource>
+      <inkml:timestamp xml:id="ts0" timeString="2022-09-14T18:27:30.051"/>
+    </inkml:context>
+    <inkml:brush xml:id="br0">
+      <inkml:brushProperty name="width" value="0.35" units="cm"/>
+      <inkml:brushProperty name="height" value="0.35" units="cm"/>
+      <inkml:brushProperty name="color" value="#004F8B"/>
+    </inkml:brush>
+  </inkml:definitions>
+  <inkml:trace contextRef="#ctx0" brushRef="#br0">0 0 24575,'0'0'0</inkml:trace>
+</inkml:ink>
+</file>
+
+<file path=ppt/ink/ink91.xml><?xml version="1.0" encoding="utf-8"?>
+<inkml:ink xmlns:inkml="http://www.w3.org/2003/InkML">
+  <inkml:definitions>
+    <inkml:context xml:id="ctx0">
+      <inkml:inkSource xml:id="inkSrc0">
+        <inkml:traceFormat>
+          <inkml:channel name="X" type="integer" min="-2.14748E9" max="2.14748E9" units="cm"/>
+          <inkml:channel name="Y" type="integer" min="-2.14748E9" max="2.14748E9" units="cm"/>
+          <inkml:channel name="F" type="integer" max="32767" units="dev"/>
+        </inkml:traceFormat>
+        <inkml:channelProperties>
+          <inkml:channelProperty channel="X" name="resolution" value="1000" units="1/cm"/>
+          <inkml:channelProperty channel="Y" name="resolution" value="1000" units="1/cm"/>
+          <inkml:channelProperty channel="F" name="resolution" value="0" units="1/dev"/>
+        </inkml:channelProperties>
+      </inkml:inkSource>
+      <inkml:timestamp xml:id="ts0" timeString="2022-09-14T18:27:31.868"/>
+    </inkml:context>
+    <inkml:brush xml:id="br0">
+      <inkml:brushProperty name="width" value="0.35" units="cm"/>
+      <inkml:brushProperty name="height" value="0.35" units="cm"/>
+      <inkml:brushProperty name="color" value="#004F8B"/>
+    </inkml:brush>
+  </inkml:definitions>
+  <inkml:trace contextRef="#ctx0" brushRef="#br0">1 1 24575,'0'0'0</inkml:trace>
+</inkml:ink>
+</file>
+
+<file path=ppt/ink/ink92.xml><?xml version="1.0" encoding="utf-8"?>
+<inkml:ink xmlns:inkml="http://www.w3.org/2003/InkML">
+  <inkml:definitions>
+    <inkml:context xml:id="ctx0">
+      <inkml:inkSource xml:id="inkSrc0">
+        <inkml:traceFormat>
+          <inkml:channel name="X" type="integer" min="-2.14748E9" max="2.14748E9" units="cm"/>
+          <inkml:channel name="Y" type="integer" min="-2.14748E9" max="2.14748E9" units="cm"/>
+          <inkml:channel name="F" type="integer" max="32767" units="dev"/>
+        </inkml:traceFormat>
+        <inkml:channelProperties>
+          <inkml:channelProperty channel="X" name="resolution" value="1000" units="1/cm"/>
+          <inkml:channelProperty channel="Y" name="resolution" value="1000" units="1/cm"/>
+          <inkml:channelProperty channel="F" name="resolution" value="0" units="1/dev"/>
+        </inkml:channelProperties>
+      </inkml:inkSource>
+      <inkml:timestamp xml:id="ts0" timeString="2022-09-14T18:27:36.231"/>
+    </inkml:context>
+    <inkml:brush xml:id="br0">
+      <inkml:brushProperty name="width" value="0.35" units="cm"/>
+      <inkml:brushProperty name="height" value="0.35" units="cm"/>
+      <inkml:brushProperty name="color" value="#004F8B"/>
+    </inkml:brush>
+  </inkml:definitions>
+  <inkml:trace contextRef="#ctx0" brushRef="#br0">1 0 24575,'0'0'0</inkml:trace>
+</inkml:ink>
+</file>
+
+<file path=ppt/ink/ink93.xml><?xml version="1.0" encoding="utf-8"?>
+<inkml:ink xmlns:inkml="http://www.w3.org/2003/InkML">
+  <inkml:definitions>
+    <inkml:context xml:id="ctx0">
+      <inkml:inkSource xml:id="inkSrc0">
+        <inkml:traceFormat>
+          <inkml:channel name="X" type="integer" min="-2.14748E9" max="2.14748E9" units="cm"/>
+          <inkml:channel name="Y" type="integer" min="-2.14748E9" max="2.14748E9" units="cm"/>
+          <inkml:channel name="F" type="integer" max="32767" units="dev"/>
+        </inkml:traceFormat>
+        <inkml:channelProperties>
+          <inkml:channelProperty channel="X" name="resolution" value="1000" units="1/cm"/>
+          <inkml:channelProperty channel="Y" name="resolution" value="1000" units="1/cm"/>
+          <inkml:channelProperty channel="F" name="resolution" value="0" units="1/dev"/>
+        </inkml:channelProperties>
+      </inkml:inkSource>
+      <inkml:timestamp xml:id="ts0" timeString="2022-09-14T18:27:41.493"/>
+    </inkml:context>
+    <inkml:brush xml:id="br0">
+      <inkml:brushProperty name="width" value="0.35" units="cm"/>
+      <inkml:brushProperty name="height" value="0.35" units="cm"/>
+      <inkml:brushProperty name="color" value="#004F8B"/>
+    </inkml:brush>
+  </inkml:definitions>
+  <inkml:trace contextRef="#ctx0" brushRef="#br0">1 1 24575,'0'0'0</inkml:trace>
+</inkml:ink>
+</file>
+
+<file path=ppt/ink/ink94.xml><?xml version="1.0" encoding="utf-8"?>
+<inkml:ink xmlns:inkml="http://www.w3.org/2003/InkML">
+  <inkml:definitions>
+    <inkml:context xml:id="ctx0">
+      <inkml:inkSource xml:id="inkSrc0">
+        <inkml:traceFormat>
+          <inkml:channel name="X" type="integer" min="-2.14748E9" max="2.14748E9" units="cm"/>
+          <inkml:channel name="Y" type="integer" min="-2.14748E9" max="2.14748E9" units="cm"/>
+          <inkml:channel name="F" type="integer" max="32767" units="dev"/>
+        </inkml:traceFormat>
+        <inkml:channelProperties>
+          <inkml:channelProperty channel="X" name="resolution" value="1000" units="1/cm"/>
+          <inkml:channelProperty channel="Y" name="resolution" value="1000" units="1/cm"/>
+          <inkml:channelProperty channel="F" name="resolution" value="0" units="1/dev"/>
+        </inkml:channelProperties>
+      </inkml:inkSource>
+      <inkml:timestamp xml:id="ts0" timeString="2022-09-14T18:28:01.443"/>
+    </inkml:context>
+    <inkml:brush xml:id="br0">
+      <inkml:brushProperty name="width" value="0.35" units="cm"/>
+      <inkml:brushProperty name="height" value="0.35" units="cm"/>
+      <inkml:brushProperty name="color" value="#004F8B"/>
+    </inkml:brush>
+  </inkml:definitions>
+  <inkml:trace contextRef="#ctx0" brushRef="#br0">1 0 24575,'0'0'0</inkml:trace>
+</inkml:ink>
+</file>
+
+<file path=ppt/ink/ink95.xml><?xml version="1.0" encoding="utf-8"?>
+<inkml:ink xmlns:inkml="http://www.w3.org/2003/InkML">
+  <inkml:definitions>
+    <inkml:context xml:id="ctx0">
+      <inkml:inkSource xml:id="inkSrc0">
+        <inkml:traceFormat>
+          <inkml:channel name="X" type="integer" min="-2.14748E9" max="2.14748E9" units="cm"/>
+          <inkml:channel name="Y" type="integer" min="-2.14748E9" max="2.14748E9" units="cm"/>
+          <inkml:channel name="F" type="integer" max="32767" units="dev"/>
+        </inkml:traceFormat>
+        <inkml:channelProperties>
+          <inkml:channelProperty channel="X" name="resolution" value="1000" units="1/cm"/>
+          <inkml:channelProperty channel="Y" name="resolution" value="1000" units="1/cm"/>
+          <inkml:channelProperty channel="F" name="resolution" value="0" units="1/dev"/>
+        </inkml:channelProperties>
+      </inkml:inkSource>
+      <inkml:timestamp xml:id="ts0" timeString="2022-09-14T18:27:49.353"/>
+    </inkml:context>
+    <inkml:brush xml:id="br0">
+      <inkml:brushProperty name="width" value="0.35" units="cm"/>
+      <inkml:brushProperty name="height" value="0.35" units="cm"/>
+      <inkml:brushProperty name="color" value="#004F8B"/>
+    </inkml:brush>
+  </inkml:definitions>
+  <inkml:trace contextRef="#ctx0" brushRef="#br0">1 1 24575,'0'0'0</inkml:trace>
+</inkml:ink>
+</file>
+
+<file path=ppt/ink/ink96.xml><?xml version="1.0" encoding="utf-8"?>
+<inkml:ink xmlns:inkml="http://www.w3.org/2003/InkML">
+  <inkml:definitions>
+    <inkml:context xml:id="ctx0">
+      <inkml:inkSource xml:id="inkSrc0">
+        <inkml:traceFormat>
+          <inkml:channel name="X" type="integer" min="-2.14748E9" max="2.14748E9" units="cm"/>
+          <inkml:channel name="Y" type="integer" min="-2.14748E9" max="2.14748E9" units="cm"/>
+          <inkml:channel name="F" type="integer" max="32767" units="dev"/>
+        </inkml:traceFormat>
+        <inkml:channelProperties>
+          <inkml:channelProperty channel="X" name="resolution" value="1000" units="1/cm"/>
+          <inkml:channelProperty channel="Y" name="resolution" value="1000" units="1/cm"/>
+          <inkml:channelProperty channel="F" name="resolution" value="0" units="1/dev"/>
+        </inkml:channelProperties>
+      </inkml:inkSource>
+      <inkml:timestamp xml:id="ts0" timeString="2022-09-14T18:27:44.604"/>
+    </inkml:context>
+    <inkml:brush xml:id="br0">
+      <inkml:brushProperty name="width" value="0.35" units="cm"/>
+      <inkml:brushProperty name="height" value="0.35" units="cm"/>
+      <inkml:brushProperty name="color" value="#004F8B"/>
+    </inkml:brush>
+  </inkml:definitions>
+  <inkml:trace contextRef="#ctx0" brushRef="#br0">1 1 24575,'0'0'0</inkml:trace>
+</inkml:ink>
+</file>
+
+<file path=ppt/ink/ink97.xml><?xml version="1.0" encoding="utf-8"?>
+<inkml:ink xmlns:inkml="http://www.w3.org/2003/InkML">
+  <inkml:definitions>
+    <inkml:context xml:id="ctx0">
+      <inkml:inkSource xml:id="inkSrc0">
+        <inkml:traceFormat>
+          <inkml:channel name="X" type="integer" min="-2.14748E9" max="2.14748E9" units="cm"/>
+          <inkml:channel name="Y" type="integer" min="-2.14748E9" max="2.14748E9" units="cm"/>
+          <inkml:channel name="F" type="integer" max="32767" units="dev"/>
+        </inkml:traceFormat>
+        <inkml:channelProperties>
+          <inkml:channelProperty channel="X" name="resolution" value="1000" units="1/cm"/>
+          <inkml:channelProperty channel="Y" name="resolution" value="1000" units="1/cm"/>
+          <inkml:channelProperty channel="F" name="resolution" value="0" units="1/dev"/>
+        </inkml:channelProperties>
+      </inkml:inkSource>
+      <inkml:timestamp xml:id="ts0" timeString="2022-09-14T18:27:46.419"/>
+    </inkml:context>
+    <inkml:brush xml:id="br0">
+      <inkml:brushProperty name="width" value="0.35" units="cm"/>
+      <inkml:brushProperty name="height" value="0.35" units="cm"/>
+      <inkml:brushProperty name="color" value="#004F8B"/>
+    </inkml:brush>
+  </inkml:definitions>
+  <inkml:trace contextRef="#ctx0" brushRef="#br0">0 1 24575,'0'0'0</inkml:trace>
+</inkml:ink>
+</file>
+
+<file path=ppt/ink/ink98.xml><?xml version="1.0" encoding="utf-8"?>
+<inkml:ink xmlns:inkml="http://www.w3.org/2003/InkML">
+  <inkml:definitions>
+    <inkml:context xml:id="ctx0">
+      <inkml:inkSource xml:id="inkSrc0">
+        <inkml:traceFormat>
+          <inkml:channel name="X" type="integer" min="-2.14748E9" max="2.14748E9" units="cm"/>
+          <inkml:channel name="Y" type="integer" min="-2.14748E9" max="2.14748E9" units="cm"/>
+          <inkml:channel name="F" type="integer" max="32767" units="dev"/>
+        </inkml:traceFormat>
+        <inkml:channelProperties>
+          <inkml:channelProperty channel="X" name="resolution" value="1000" units="1/cm"/>
+          <inkml:channelProperty channel="Y" name="resolution" value="1000" units="1/cm"/>
+          <inkml:channelProperty channel="F" name="resolution" value="0" units="1/dev"/>
+        </inkml:channelProperties>
+      </inkml:inkSource>
+      <inkml:timestamp xml:id="ts0" timeString="2022-09-14T18:31:11.430"/>
+    </inkml:context>
+    <inkml:brush xml:id="br0">
+      <inkml:brushProperty name="width" value="0.1" units="cm"/>
+      <inkml:brushProperty name="height" value="0.1" units="cm"/>
+      <inkml:brushProperty name="color" value="#004F8B"/>
+    </inkml:brush>
+  </inkml:definitions>
+  <inkml:trace contextRef="#ctx0" brushRef="#br0">1 160 24575,'16'0'0,"0"0"0,-3 0 0,3 0 0,-4 0 0,1 0 0,-2 0 0,-3 0 0,4 0 0,0 0 0,1 0 0,-2 0 0,1 0 0,-3 0 0,4-7 0,-1 5 0,-3-6 0,3 8 0,-4 0 0,-1 0 0,1 0 0,0 0 0,0-3 0,4 2 0,-3-6 0,7 6 0,-3-6 0,4 6 0,1-7 0,7 7 0,-5-7 0,5 7 0,-7-6 0,-5 6 0,3-7 0,-7 4 0,7-1 0,-3-2 0,4 2 0,1-4 0,-1 4 0,0-2 0,1 2 0,4 0 0,-4-3 0,5 8 0,-6-4 0,0 0 0,-4 3 0,4-3 0,-9 1 0,9 2 0,-9-3 0,8 4 0,-7-3 0,2 2 0,-4-3 0,1 4 0,0 0 0,0 0 0,-1 0 0,0 0 0,-3 0 0,0 0 0</inkml:trace>
+</inkml:ink>
+</file>
+
+<file path=ppt/ink/ink99.xml><?xml version="1.0" encoding="utf-8"?>
+<inkml:ink xmlns:inkml="http://www.w3.org/2003/InkML">
+  <inkml:definitions>
+    <inkml:context xml:id="ctx0">
+      <inkml:inkSource xml:id="inkSrc0">
+        <inkml:traceFormat>
+          <inkml:channel name="X" type="integer" min="-2.14748E9" max="2.14748E9" units="cm"/>
+          <inkml:channel name="Y" type="integer" min="-2.14748E9" max="2.14748E9" units="cm"/>
+          <inkml:channel name="F" type="integer" max="32767" units="dev"/>
+        </inkml:traceFormat>
+        <inkml:channelProperties>
+          <inkml:channelProperty channel="X" name="resolution" value="1000" units="1/cm"/>
+          <inkml:channelProperty channel="Y" name="resolution" value="1000" units="1/cm"/>
+          <inkml:channelProperty channel="F" name="resolution" value="0" units="1/dev"/>
+        </inkml:channelProperties>
+      </inkml:inkSource>
+      <inkml:timestamp xml:id="ts0" timeString="2022-09-14T18:31:13.757"/>
+    </inkml:context>
+    <inkml:brush xml:id="br0">
+      <inkml:brushProperty name="width" value="0.1" units="cm"/>
+      <inkml:brushProperty name="height" value="0.1" units="cm"/>
+      <inkml:brushProperty name="color" value="#004F8B"/>
+    </inkml:brush>
+  </inkml:definitions>
+  <inkml:trace contextRef="#ctx0" brushRef="#br0">0 827 24575,'0'-11'0,"0"0"0,0 4 0,0-1 0,0 0 0,0 0 0,0-3 0,0 3 0,4-3 0,-3 3 0,10 4 0,-9-8 0,9 11 0,-3-11 0,-2 8 0,5-5 0,-7 5 0,1-3 0,6 2 0,-6-3 0,7 0 0,-4 1 0,4-2 0,-3 1 0,3 0 0,-4 0 0,-1 1 0,5-5 0,-3 6 0,3-5 0,-4 7 0,-3-4 0,1 4 0,-1-3 0,2 3 0,1-8 0,0 3 0,0-3 0,0 4 0,0 0 0,0-4 0,0 3 0,0-3 0,0 5 0,0-1 0,0 0 0,-1 4 0,-2-3 0,2 6 0,-3-6 0,4 3 0,-1-4 0,5 0 0,1-4 0,4-1 0,1-1 0,-1 2 0,-4 3 0,-1 1 0,0 0 0,1-4 0,5-1 0,-1-1 0,0-2 0,0 6 0,6-7 0,-5 3 0,9 0 0,-8-3 0,8 7 0,-8-2 0,3 3 0,-9 0 0,3 1 0,-7 0 0,3 3 0,-4-2 0,0 6 0,-1-2 0,1 0 0,0-2 0,-1 1 0,1-3 0,0 6 0,0-5 0,-1 5 0,-2-6 0,2 6 0,-3-3 0,3 1 0,0-1 0,1-3 0,0-5 0,0 3 0,0 0 0,0 2 0,0 6 0,-4-6 0,3 7 0,-3-10 0,3 5 0,1-2 0,0 0 0,-1 2 0,-2 1 0,-2 1 0</inkml:trace>
 </inkml:ink>
 </file>
 
@@ -2011,7 +3324,7 @@
           <a:p>
             <a:fld id="{E3A95CAB-516E-DD48-872C-BA867ABD2C8B}" type="datetimeFigureOut">
               <a:rPr lang="en-US" smtClean="0"/>
-              <a:t>12/15/21</a:t>
+              <a:t>9/14/22</a:t>
             </a:fld>
             <a:endParaRPr lang="en-US"/>
           </a:p>
@@ -2209,7 +3522,7 @@
           <a:p>
             <a:fld id="{E3A95CAB-516E-DD48-872C-BA867ABD2C8B}" type="datetimeFigureOut">
               <a:rPr lang="en-US" smtClean="0"/>
-              <a:t>12/15/21</a:t>
+              <a:t>9/14/22</a:t>
             </a:fld>
             <a:endParaRPr lang="en-US"/>
           </a:p>
@@ -2417,7 +3730,7 @@
           <a:p>
             <a:fld id="{E3A95CAB-516E-DD48-872C-BA867ABD2C8B}" type="datetimeFigureOut">
               <a:rPr lang="en-US" smtClean="0"/>
-              <a:t>12/15/21</a:t>
+              <a:t>9/14/22</a:t>
             </a:fld>
             <a:endParaRPr lang="en-US"/>
           </a:p>
@@ -2615,7 +3928,7 @@
           <a:p>
             <a:fld id="{E3A95CAB-516E-DD48-872C-BA867ABD2C8B}" type="datetimeFigureOut">
               <a:rPr lang="en-US" smtClean="0"/>
-              <a:t>12/15/21</a:t>
+              <a:t>9/14/22</a:t>
             </a:fld>
             <a:endParaRPr lang="en-US"/>
           </a:p>
@@ -2890,7 +4203,7 @@
           <a:p>
             <a:fld id="{E3A95CAB-516E-DD48-872C-BA867ABD2C8B}" type="datetimeFigureOut">
               <a:rPr lang="en-US" smtClean="0"/>
-              <a:t>12/15/21</a:t>
+              <a:t>9/14/22</a:t>
             </a:fld>
             <a:endParaRPr lang="en-US"/>
           </a:p>
@@ -3155,7 +4468,7 @@
           <a:p>
             <a:fld id="{E3A95CAB-516E-DD48-872C-BA867ABD2C8B}" type="datetimeFigureOut">
               <a:rPr lang="en-US" smtClean="0"/>
-              <a:t>12/15/21</a:t>
+              <a:t>9/14/22</a:t>
             </a:fld>
             <a:endParaRPr lang="en-US"/>
           </a:p>
@@ -3567,7 +4880,7 @@
           <a:p>
             <a:fld id="{E3A95CAB-516E-DD48-872C-BA867ABD2C8B}" type="datetimeFigureOut">
               <a:rPr lang="en-US" smtClean="0"/>
-              <a:t>12/15/21</a:t>
+              <a:t>9/14/22</a:t>
             </a:fld>
             <a:endParaRPr lang="en-US"/>
           </a:p>
@@ -3708,7 +5021,7 @@
           <a:p>
             <a:fld id="{E3A95CAB-516E-DD48-872C-BA867ABD2C8B}" type="datetimeFigureOut">
               <a:rPr lang="en-US" smtClean="0"/>
-              <a:t>12/15/21</a:t>
+              <a:t>9/14/22</a:t>
             </a:fld>
             <a:endParaRPr lang="en-US"/>
           </a:p>
@@ -3821,7 +5134,7 @@
           <a:p>
             <a:fld id="{E3A95CAB-516E-DD48-872C-BA867ABD2C8B}" type="datetimeFigureOut">
               <a:rPr lang="en-US" smtClean="0"/>
-              <a:t>12/15/21</a:t>
+              <a:t>9/14/22</a:t>
             </a:fld>
             <a:endParaRPr lang="en-US"/>
           </a:p>
@@ -4132,7 +5445,7 @@
           <a:p>
             <a:fld id="{E3A95CAB-516E-DD48-872C-BA867ABD2C8B}" type="datetimeFigureOut">
               <a:rPr lang="en-US" smtClean="0"/>
-              <a:t>12/15/21</a:t>
+              <a:t>9/14/22</a:t>
             </a:fld>
             <a:endParaRPr lang="en-US"/>
           </a:p>
@@ -4420,7 +5733,7 @@
           <a:p>
             <a:fld id="{E3A95CAB-516E-DD48-872C-BA867ABD2C8B}" type="datetimeFigureOut">
               <a:rPr lang="en-US" smtClean="0"/>
-              <a:t>12/15/21</a:t>
+              <a:t>9/14/22</a:t>
             </a:fld>
             <a:endParaRPr lang="en-US"/>
           </a:p>
@@ -4661,7 +5974,7 @@
           <a:p>
             <a:fld id="{E3A95CAB-516E-DD48-872C-BA867ABD2C8B}" type="datetimeFigureOut">
               <a:rPr lang="en-US" smtClean="0"/>
-              <a:t>12/15/21</a:t>
+              <a:t>9/14/22</a:t>
             </a:fld>
             <a:endParaRPr lang="en-US"/>
           </a:p>
@@ -5078,8 +6391,8 @@
           <a:chExt cx="0" cy="0"/>
         </a:xfrm>
       </p:grpSpPr>
-      <mc:AlternateContent xmlns:mc="http://schemas.openxmlformats.org/markup-compatibility/2006">
-        <mc:Choice xmlns:p14="http://schemas.microsoft.com/office/powerpoint/2010/main" Requires="p14">
+      <mc:AlternateContent xmlns:mc="http://schemas.openxmlformats.org/markup-compatibility/2006" xmlns:p14="http://schemas.microsoft.com/office/powerpoint/2010/main">
+        <mc:Choice Requires="p14">
           <p:contentPart p14:bwMode="auto" r:id="rId2">
             <p14:nvContentPartPr>
               <p14:cNvPr id="4" name="Ink 3">
@@ -5098,7 +6411,7 @@
             </p14:xfrm>
           </p:contentPart>
         </mc:Choice>
-        <mc:Fallback>
+        <mc:Fallback xmlns="">
           <p:pic>
             <p:nvPicPr>
               <p:cNvPr id="4" name="Ink 3">
@@ -5129,8 +6442,8 @@
           </p:pic>
         </mc:Fallback>
       </mc:AlternateContent>
-      <mc:AlternateContent xmlns:mc="http://schemas.openxmlformats.org/markup-compatibility/2006">
-        <mc:Choice xmlns:p14="http://schemas.microsoft.com/office/powerpoint/2010/main" Requires="p14">
+      <mc:AlternateContent xmlns:mc="http://schemas.openxmlformats.org/markup-compatibility/2006" xmlns:p14="http://schemas.microsoft.com/office/powerpoint/2010/main">
+        <mc:Choice Requires="p14">
           <p:contentPart p14:bwMode="auto" r:id="rId4">
             <p14:nvContentPartPr>
               <p14:cNvPr id="9" name="Ink 8">
@@ -5149,7 +6462,7 @@
             </p14:xfrm>
           </p:contentPart>
         </mc:Choice>
-        <mc:Fallback>
+        <mc:Fallback xmlns="">
           <p:pic>
             <p:nvPicPr>
               <p:cNvPr id="9" name="Ink 8">
@@ -5180,8 +6493,8 @@
           </p:pic>
         </mc:Fallback>
       </mc:AlternateContent>
-      <mc:AlternateContent xmlns:mc="http://schemas.openxmlformats.org/markup-compatibility/2006">
-        <mc:Choice xmlns:p14="http://schemas.microsoft.com/office/powerpoint/2010/main" Requires="p14">
+      <mc:AlternateContent xmlns:mc="http://schemas.openxmlformats.org/markup-compatibility/2006" xmlns:p14="http://schemas.microsoft.com/office/powerpoint/2010/main">
+        <mc:Choice Requires="p14">
           <p:contentPart p14:bwMode="auto" r:id="rId6">
             <p14:nvContentPartPr>
               <p14:cNvPr id="12" name="Ink 11">
@@ -5200,7 +6513,7 @@
             </p14:xfrm>
           </p:contentPart>
         </mc:Choice>
-        <mc:Fallback>
+        <mc:Fallback xmlns="">
           <p:pic>
             <p:nvPicPr>
               <p:cNvPr id="12" name="Ink 11">
@@ -5231,8 +6544,8 @@
           </p:pic>
         </mc:Fallback>
       </mc:AlternateContent>
-      <mc:AlternateContent xmlns:mc="http://schemas.openxmlformats.org/markup-compatibility/2006">
-        <mc:Choice xmlns:p14="http://schemas.microsoft.com/office/powerpoint/2010/main" Requires="p14">
+      <mc:AlternateContent xmlns:mc="http://schemas.openxmlformats.org/markup-compatibility/2006" xmlns:p14="http://schemas.microsoft.com/office/powerpoint/2010/main">
+        <mc:Choice Requires="p14">
           <p:contentPart p14:bwMode="auto" r:id="rId8">
             <p14:nvContentPartPr>
               <p14:cNvPr id="13" name="Ink 12">
@@ -5251,7 +6564,7 @@
             </p14:xfrm>
           </p:contentPart>
         </mc:Choice>
-        <mc:Fallback>
+        <mc:Fallback xmlns="">
           <p:pic>
             <p:nvPicPr>
               <p:cNvPr id="13" name="Ink 12">
@@ -5282,8 +6595,8 @@
           </p:pic>
         </mc:Fallback>
       </mc:AlternateContent>
-      <mc:AlternateContent xmlns:mc="http://schemas.openxmlformats.org/markup-compatibility/2006">
-        <mc:Choice xmlns:p14="http://schemas.microsoft.com/office/powerpoint/2010/main" Requires="p14">
+      <mc:AlternateContent xmlns:mc="http://schemas.openxmlformats.org/markup-compatibility/2006" xmlns:p14="http://schemas.microsoft.com/office/powerpoint/2010/main">
+        <mc:Choice Requires="p14">
           <p:contentPart p14:bwMode="auto" r:id="rId10">
             <p14:nvContentPartPr>
               <p14:cNvPr id="14" name="Ink 13">
@@ -5302,7 +6615,7 @@
             </p14:xfrm>
           </p:contentPart>
         </mc:Choice>
-        <mc:Fallback>
+        <mc:Fallback xmlns="">
           <p:pic>
             <p:nvPicPr>
               <p:cNvPr id="14" name="Ink 13">
@@ -5333,8 +6646,8 @@
           </p:pic>
         </mc:Fallback>
       </mc:AlternateContent>
-      <mc:AlternateContent xmlns:mc="http://schemas.openxmlformats.org/markup-compatibility/2006">
-        <mc:Choice xmlns:p14="http://schemas.microsoft.com/office/powerpoint/2010/main" Requires="p14">
+      <mc:AlternateContent xmlns:mc="http://schemas.openxmlformats.org/markup-compatibility/2006" xmlns:p14="http://schemas.microsoft.com/office/powerpoint/2010/main">
+        <mc:Choice Requires="p14">
           <p:contentPart p14:bwMode="auto" r:id="rId12">
             <p14:nvContentPartPr>
               <p14:cNvPr id="15" name="Ink 14">
@@ -5353,7 +6666,7 @@
             </p14:xfrm>
           </p:contentPart>
         </mc:Choice>
-        <mc:Fallback>
+        <mc:Fallback xmlns="">
           <p:pic>
             <p:nvPicPr>
               <p:cNvPr id="15" name="Ink 14">
@@ -5384,8 +6697,8 @@
           </p:pic>
         </mc:Fallback>
       </mc:AlternateContent>
-      <mc:AlternateContent xmlns:mc="http://schemas.openxmlformats.org/markup-compatibility/2006">
-        <mc:Choice xmlns:p14="http://schemas.microsoft.com/office/powerpoint/2010/main" Requires="p14">
+      <mc:AlternateContent xmlns:mc="http://schemas.openxmlformats.org/markup-compatibility/2006" xmlns:p14="http://schemas.microsoft.com/office/powerpoint/2010/main">
+        <mc:Choice Requires="p14">
           <p:contentPart p14:bwMode="auto" r:id="rId14">
             <p14:nvContentPartPr>
               <p14:cNvPr id="18" name="Ink 17">
@@ -5404,7 +6717,7 @@
             </p14:xfrm>
           </p:contentPart>
         </mc:Choice>
-        <mc:Fallback>
+        <mc:Fallback xmlns="">
           <p:pic>
             <p:nvPicPr>
               <p:cNvPr id="18" name="Ink 17">
@@ -5455,8 +6768,8 @@
             <a:chExt cx="264960" cy="498600"/>
           </a:xfrm>
         </p:grpSpPr>
-        <mc:AlternateContent xmlns:mc="http://schemas.openxmlformats.org/markup-compatibility/2006">
-          <mc:Choice xmlns:p14="http://schemas.microsoft.com/office/powerpoint/2010/main" Requires="p14">
+        <mc:AlternateContent xmlns:mc="http://schemas.openxmlformats.org/markup-compatibility/2006" xmlns:p14="http://schemas.microsoft.com/office/powerpoint/2010/main">
+          <mc:Choice Requires="p14">
             <p:contentPart p14:bwMode="auto" r:id="rId16">
               <p14:nvContentPartPr>
                 <p14:cNvPr id="19" name="Ink 18">
@@ -5475,7 +6788,7 @@
               </p14:xfrm>
             </p:contentPart>
           </mc:Choice>
-          <mc:Fallback>
+          <mc:Fallback xmlns="">
             <p:pic>
               <p:nvPicPr>
                 <p:cNvPr id="19" name="Ink 18">
@@ -5506,8 +6819,8 @@
             </p:pic>
           </mc:Fallback>
         </mc:AlternateContent>
-        <mc:AlternateContent xmlns:mc="http://schemas.openxmlformats.org/markup-compatibility/2006">
-          <mc:Choice xmlns:p14="http://schemas.microsoft.com/office/powerpoint/2010/main" Requires="p14">
+        <mc:AlternateContent xmlns:mc="http://schemas.openxmlformats.org/markup-compatibility/2006" xmlns:p14="http://schemas.microsoft.com/office/powerpoint/2010/main">
+          <mc:Choice Requires="p14">
             <p:contentPart p14:bwMode="auto" r:id="rId18">
               <p14:nvContentPartPr>
                 <p14:cNvPr id="20" name="Ink 19">
@@ -5526,7 +6839,7 @@
               </p14:xfrm>
             </p:contentPart>
           </mc:Choice>
-          <mc:Fallback>
+          <mc:Fallback xmlns="">
             <p:pic>
               <p:nvPicPr>
                 <p:cNvPr id="20" name="Ink 19">
@@ -5557,8 +6870,8 @@
             </p:pic>
           </mc:Fallback>
         </mc:AlternateContent>
-        <mc:AlternateContent xmlns:mc="http://schemas.openxmlformats.org/markup-compatibility/2006">
-          <mc:Choice xmlns:p14="http://schemas.microsoft.com/office/powerpoint/2010/main" Requires="p14">
+        <mc:AlternateContent xmlns:mc="http://schemas.openxmlformats.org/markup-compatibility/2006" xmlns:p14="http://schemas.microsoft.com/office/powerpoint/2010/main">
+          <mc:Choice Requires="p14">
             <p:contentPart p14:bwMode="auto" r:id="rId20">
               <p14:nvContentPartPr>
                 <p14:cNvPr id="22" name="Ink 21">
@@ -5577,7 +6890,7 @@
               </p14:xfrm>
             </p:contentPart>
           </mc:Choice>
-          <mc:Fallback>
+          <mc:Fallback xmlns="">
             <p:pic>
               <p:nvPicPr>
                 <p:cNvPr id="22" name="Ink 21">
@@ -5629,8 +6942,8 @@
             <a:chExt cx="66240" cy="235080"/>
           </a:xfrm>
         </p:grpSpPr>
-        <mc:AlternateContent xmlns:mc="http://schemas.openxmlformats.org/markup-compatibility/2006">
-          <mc:Choice xmlns:p14="http://schemas.microsoft.com/office/powerpoint/2010/main" Requires="p14">
+        <mc:AlternateContent xmlns:mc="http://schemas.openxmlformats.org/markup-compatibility/2006" xmlns:p14="http://schemas.microsoft.com/office/powerpoint/2010/main">
+          <mc:Choice Requires="p14">
             <p:contentPart p14:bwMode="auto" r:id="rId22">
               <p14:nvContentPartPr>
                 <p14:cNvPr id="24" name="Ink 23">
@@ -5649,7 +6962,7 @@
               </p14:xfrm>
             </p:contentPart>
           </mc:Choice>
-          <mc:Fallback>
+          <mc:Fallback xmlns="">
             <p:pic>
               <p:nvPicPr>
                 <p:cNvPr id="24" name="Ink 23">
@@ -5680,8 +6993,8 @@
             </p:pic>
           </mc:Fallback>
         </mc:AlternateContent>
-        <mc:AlternateContent xmlns:mc="http://schemas.openxmlformats.org/markup-compatibility/2006">
-          <mc:Choice xmlns:p14="http://schemas.microsoft.com/office/powerpoint/2010/main" Requires="p14">
+        <mc:AlternateContent xmlns:mc="http://schemas.openxmlformats.org/markup-compatibility/2006" xmlns:p14="http://schemas.microsoft.com/office/powerpoint/2010/main">
+          <mc:Choice Requires="p14">
             <p:contentPart p14:bwMode="auto" r:id="rId24">
               <p14:nvContentPartPr>
                 <p14:cNvPr id="25" name="Ink 24">
@@ -5700,7 +7013,7 @@
               </p14:xfrm>
             </p:contentPart>
           </mc:Choice>
-          <mc:Fallback>
+          <mc:Fallback xmlns="">
             <p:pic>
               <p:nvPicPr>
                 <p:cNvPr id="25" name="Ink 24">
@@ -5752,8 +7065,8 @@
             <a:chExt cx="86040" cy="242280"/>
           </a:xfrm>
         </p:grpSpPr>
-        <mc:AlternateContent xmlns:mc="http://schemas.openxmlformats.org/markup-compatibility/2006">
-          <mc:Choice xmlns:p14="http://schemas.microsoft.com/office/powerpoint/2010/main" Requires="p14">
+        <mc:AlternateContent xmlns:mc="http://schemas.openxmlformats.org/markup-compatibility/2006" xmlns:p14="http://schemas.microsoft.com/office/powerpoint/2010/main">
+          <mc:Choice Requires="p14">
             <p:contentPart p14:bwMode="auto" r:id="rId26">
               <p14:nvContentPartPr>
                 <p14:cNvPr id="27" name="Ink 26">
@@ -5772,7 +7085,7 @@
               </p14:xfrm>
             </p:contentPart>
           </mc:Choice>
-          <mc:Fallback>
+          <mc:Fallback xmlns="">
             <p:pic>
               <p:nvPicPr>
                 <p:cNvPr id="27" name="Ink 26">
@@ -5803,8 +7116,8 @@
             </p:pic>
           </mc:Fallback>
         </mc:AlternateContent>
-        <mc:AlternateContent xmlns:mc="http://schemas.openxmlformats.org/markup-compatibility/2006">
-          <mc:Choice xmlns:p14="http://schemas.microsoft.com/office/powerpoint/2010/main" Requires="p14">
+        <mc:AlternateContent xmlns:mc="http://schemas.openxmlformats.org/markup-compatibility/2006" xmlns:p14="http://schemas.microsoft.com/office/powerpoint/2010/main">
+          <mc:Choice Requires="p14">
             <p:contentPart p14:bwMode="auto" r:id="rId28">
               <p14:nvContentPartPr>
                 <p14:cNvPr id="28" name="Ink 27">
@@ -5823,7 +7136,7 @@
               </p14:xfrm>
             </p:contentPart>
           </mc:Choice>
-          <mc:Fallback>
+          <mc:Fallback xmlns="">
             <p:pic>
               <p:nvPicPr>
                 <p:cNvPr id="28" name="Ink 27">
@@ -5855,8 +7168,8 @@
           </mc:Fallback>
         </mc:AlternateContent>
       </p:grpSp>
-      <mc:AlternateContent xmlns:mc="http://schemas.openxmlformats.org/markup-compatibility/2006">
-        <mc:Choice xmlns:p14="http://schemas.microsoft.com/office/powerpoint/2010/main" Requires="p14">
+      <mc:AlternateContent xmlns:mc="http://schemas.openxmlformats.org/markup-compatibility/2006" xmlns:p14="http://schemas.microsoft.com/office/powerpoint/2010/main">
+        <mc:Choice Requires="p14">
           <p:contentPart p14:bwMode="auto" r:id="rId30">
             <p14:nvContentPartPr>
               <p14:cNvPr id="72" name="Ink 71">
@@ -5875,7 +7188,7 @@
             </p14:xfrm>
           </p:contentPart>
         </mc:Choice>
-        <mc:Fallback>
+        <mc:Fallback xmlns="">
           <p:pic>
             <p:nvPicPr>
               <p:cNvPr id="72" name="Ink 71">
@@ -5906,8 +7219,8 @@
           </p:pic>
         </mc:Fallback>
       </mc:AlternateContent>
-      <mc:AlternateContent xmlns:mc="http://schemas.openxmlformats.org/markup-compatibility/2006">
-        <mc:Choice xmlns:p14="http://schemas.microsoft.com/office/powerpoint/2010/main" Requires="p14">
+      <mc:AlternateContent xmlns:mc="http://schemas.openxmlformats.org/markup-compatibility/2006" xmlns:p14="http://schemas.microsoft.com/office/powerpoint/2010/main">
+        <mc:Choice Requires="p14">
           <p:contentPart p14:bwMode="auto" r:id="rId31">
             <p14:nvContentPartPr>
               <p14:cNvPr id="73" name="Ink 72">
@@ -5926,7 +7239,7 @@
             </p14:xfrm>
           </p:contentPart>
         </mc:Choice>
-        <mc:Fallback>
+        <mc:Fallback xmlns="">
           <p:pic>
             <p:nvPicPr>
               <p:cNvPr id="73" name="Ink 72">
@@ -5957,8 +7270,8 @@
           </p:pic>
         </mc:Fallback>
       </mc:AlternateContent>
-      <mc:AlternateContent xmlns:mc="http://schemas.openxmlformats.org/markup-compatibility/2006">
-        <mc:Choice xmlns:p14="http://schemas.microsoft.com/office/powerpoint/2010/main" Requires="p14">
+      <mc:AlternateContent xmlns:mc="http://schemas.openxmlformats.org/markup-compatibility/2006" xmlns:p14="http://schemas.microsoft.com/office/powerpoint/2010/main">
+        <mc:Choice Requires="p14">
           <p:contentPart p14:bwMode="auto" r:id="rId32">
             <p14:nvContentPartPr>
               <p14:cNvPr id="74" name="Ink 73">
@@ -5977,7 +7290,7 @@
             </p14:xfrm>
           </p:contentPart>
         </mc:Choice>
-        <mc:Fallback>
+        <mc:Fallback xmlns="">
           <p:pic>
             <p:nvPicPr>
               <p:cNvPr id="74" name="Ink 73">
@@ -6008,8 +7321,8 @@
           </p:pic>
         </mc:Fallback>
       </mc:AlternateContent>
-      <mc:AlternateContent xmlns:mc="http://schemas.openxmlformats.org/markup-compatibility/2006">
-        <mc:Choice xmlns:p14="http://schemas.microsoft.com/office/powerpoint/2010/main" Requires="p14">
+      <mc:AlternateContent xmlns:mc="http://schemas.openxmlformats.org/markup-compatibility/2006" xmlns:p14="http://schemas.microsoft.com/office/powerpoint/2010/main">
+        <mc:Choice Requires="p14">
           <p:contentPart p14:bwMode="auto" r:id="rId33">
             <p14:nvContentPartPr>
               <p14:cNvPr id="75" name="Ink 74">
@@ -6028,7 +7341,7 @@
             </p14:xfrm>
           </p:contentPart>
         </mc:Choice>
-        <mc:Fallback>
+        <mc:Fallback xmlns="">
           <p:pic>
             <p:nvPicPr>
               <p:cNvPr id="75" name="Ink 74">
@@ -6059,8 +7372,8 @@
           </p:pic>
         </mc:Fallback>
       </mc:AlternateContent>
-      <mc:AlternateContent xmlns:mc="http://schemas.openxmlformats.org/markup-compatibility/2006">
-        <mc:Choice xmlns:p14="http://schemas.microsoft.com/office/powerpoint/2010/main" Requires="p14">
+      <mc:AlternateContent xmlns:mc="http://schemas.openxmlformats.org/markup-compatibility/2006" xmlns:p14="http://schemas.microsoft.com/office/powerpoint/2010/main">
+        <mc:Choice Requires="p14">
           <p:contentPart p14:bwMode="auto" r:id="rId34">
             <p14:nvContentPartPr>
               <p14:cNvPr id="76" name="Ink 75">
@@ -6079,7 +7392,7 @@
             </p14:xfrm>
           </p:contentPart>
         </mc:Choice>
-        <mc:Fallback>
+        <mc:Fallback xmlns="">
           <p:pic>
             <p:nvPicPr>
               <p:cNvPr id="76" name="Ink 75">
@@ -6110,8 +7423,8 @@
           </p:pic>
         </mc:Fallback>
       </mc:AlternateContent>
-      <mc:AlternateContent xmlns:mc="http://schemas.openxmlformats.org/markup-compatibility/2006">
-        <mc:Choice xmlns:p14="http://schemas.microsoft.com/office/powerpoint/2010/main" Requires="p14">
+      <mc:AlternateContent xmlns:mc="http://schemas.openxmlformats.org/markup-compatibility/2006" xmlns:p14="http://schemas.microsoft.com/office/powerpoint/2010/main">
+        <mc:Choice Requires="p14">
           <p:contentPart p14:bwMode="auto" r:id="rId35">
             <p14:nvContentPartPr>
               <p14:cNvPr id="77" name="Ink 76">
@@ -6130,7 +7443,7 @@
             </p14:xfrm>
           </p:contentPart>
         </mc:Choice>
-        <mc:Fallback>
+        <mc:Fallback xmlns="">
           <p:pic>
             <p:nvPicPr>
               <p:cNvPr id="77" name="Ink 76">
@@ -6161,8 +7474,8 @@
           </p:pic>
         </mc:Fallback>
       </mc:AlternateContent>
-      <mc:AlternateContent xmlns:mc="http://schemas.openxmlformats.org/markup-compatibility/2006">
-        <mc:Choice xmlns:p14="http://schemas.microsoft.com/office/powerpoint/2010/main" Requires="p14">
+      <mc:AlternateContent xmlns:mc="http://schemas.openxmlformats.org/markup-compatibility/2006" xmlns:p14="http://schemas.microsoft.com/office/powerpoint/2010/main">
+        <mc:Choice Requires="p14">
           <p:contentPart p14:bwMode="auto" r:id="rId36">
             <p14:nvContentPartPr>
               <p14:cNvPr id="78" name="Ink 77">
@@ -6181,7 +7494,7 @@
             </p14:xfrm>
           </p:contentPart>
         </mc:Choice>
-        <mc:Fallback>
+        <mc:Fallback xmlns="">
           <p:pic>
             <p:nvPicPr>
               <p:cNvPr id="78" name="Ink 77">
@@ -6232,8 +7545,8 @@
             <a:chExt cx="264960" cy="498600"/>
           </a:xfrm>
         </p:grpSpPr>
-        <mc:AlternateContent xmlns:mc="http://schemas.openxmlformats.org/markup-compatibility/2006">
-          <mc:Choice xmlns:p14="http://schemas.microsoft.com/office/powerpoint/2010/main" Requires="p14">
+        <mc:AlternateContent xmlns:mc="http://schemas.openxmlformats.org/markup-compatibility/2006" xmlns:p14="http://schemas.microsoft.com/office/powerpoint/2010/main">
+          <mc:Choice Requires="p14">
             <p:contentPart p14:bwMode="auto" r:id="rId37">
               <p14:nvContentPartPr>
                 <p14:cNvPr id="80" name="Ink 79">
@@ -6252,7 +7565,7 @@
               </p14:xfrm>
             </p:contentPart>
           </mc:Choice>
-          <mc:Fallback>
+          <mc:Fallback xmlns="">
             <p:pic>
               <p:nvPicPr>
                 <p:cNvPr id="80" name="Ink 79">
@@ -6283,8 +7596,8 @@
             </p:pic>
           </mc:Fallback>
         </mc:AlternateContent>
-        <mc:AlternateContent xmlns:mc="http://schemas.openxmlformats.org/markup-compatibility/2006">
-          <mc:Choice xmlns:p14="http://schemas.microsoft.com/office/powerpoint/2010/main" Requires="p14">
+        <mc:AlternateContent xmlns:mc="http://schemas.openxmlformats.org/markup-compatibility/2006" xmlns:p14="http://schemas.microsoft.com/office/powerpoint/2010/main">
+          <mc:Choice Requires="p14">
             <p:contentPart p14:bwMode="auto" r:id="rId38">
               <p14:nvContentPartPr>
                 <p14:cNvPr id="81" name="Ink 80">
@@ -6303,7 +7616,7 @@
               </p14:xfrm>
             </p:contentPart>
           </mc:Choice>
-          <mc:Fallback>
+          <mc:Fallback xmlns="">
             <p:pic>
               <p:nvPicPr>
                 <p:cNvPr id="81" name="Ink 80">
@@ -6334,8 +7647,8 @@
             </p:pic>
           </mc:Fallback>
         </mc:AlternateContent>
-        <mc:AlternateContent xmlns:mc="http://schemas.openxmlformats.org/markup-compatibility/2006">
-          <mc:Choice xmlns:p14="http://schemas.microsoft.com/office/powerpoint/2010/main" Requires="p14">
+        <mc:AlternateContent xmlns:mc="http://schemas.openxmlformats.org/markup-compatibility/2006" xmlns:p14="http://schemas.microsoft.com/office/powerpoint/2010/main">
+          <mc:Choice Requires="p14">
             <p:contentPart p14:bwMode="auto" r:id="rId39">
               <p14:nvContentPartPr>
                 <p14:cNvPr id="82" name="Ink 81">
@@ -6354,7 +7667,7 @@
               </p14:xfrm>
             </p:contentPart>
           </mc:Choice>
-          <mc:Fallback>
+          <mc:Fallback xmlns="">
             <p:pic>
               <p:nvPicPr>
                 <p:cNvPr id="82" name="Ink 81">
@@ -6406,8 +7719,8 @@
             <a:chExt cx="66240" cy="235080"/>
           </a:xfrm>
         </p:grpSpPr>
-        <mc:AlternateContent xmlns:mc="http://schemas.openxmlformats.org/markup-compatibility/2006">
-          <mc:Choice xmlns:p14="http://schemas.microsoft.com/office/powerpoint/2010/main" Requires="p14">
+        <mc:AlternateContent xmlns:mc="http://schemas.openxmlformats.org/markup-compatibility/2006" xmlns:p14="http://schemas.microsoft.com/office/powerpoint/2010/main">
+          <mc:Choice Requires="p14">
             <p:contentPart p14:bwMode="auto" r:id="rId40">
               <p14:nvContentPartPr>
                 <p14:cNvPr id="84" name="Ink 83">
@@ -6426,7 +7739,7 @@
               </p14:xfrm>
             </p:contentPart>
           </mc:Choice>
-          <mc:Fallback>
+          <mc:Fallback xmlns="">
             <p:pic>
               <p:nvPicPr>
                 <p:cNvPr id="84" name="Ink 83">
@@ -6457,8 +7770,8 @@
             </p:pic>
           </mc:Fallback>
         </mc:AlternateContent>
-        <mc:AlternateContent xmlns:mc="http://schemas.openxmlformats.org/markup-compatibility/2006">
-          <mc:Choice xmlns:p14="http://schemas.microsoft.com/office/powerpoint/2010/main" Requires="p14">
+        <mc:AlternateContent xmlns:mc="http://schemas.openxmlformats.org/markup-compatibility/2006" xmlns:p14="http://schemas.microsoft.com/office/powerpoint/2010/main">
+          <mc:Choice Requires="p14">
             <p:contentPart p14:bwMode="auto" r:id="rId41">
               <p14:nvContentPartPr>
                 <p14:cNvPr id="85" name="Ink 84">
@@ -6477,7 +7790,7 @@
               </p14:xfrm>
             </p:contentPart>
           </mc:Choice>
-          <mc:Fallback>
+          <mc:Fallback xmlns="">
             <p:pic>
               <p:nvPicPr>
                 <p:cNvPr id="85" name="Ink 84">
@@ -6529,8 +7842,8 @@
             <a:chExt cx="86040" cy="242280"/>
           </a:xfrm>
         </p:grpSpPr>
-        <mc:AlternateContent xmlns:mc="http://schemas.openxmlformats.org/markup-compatibility/2006">
-          <mc:Choice xmlns:p14="http://schemas.microsoft.com/office/powerpoint/2010/main" Requires="p14">
+        <mc:AlternateContent xmlns:mc="http://schemas.openxmlformats.org/markup-compatibility/2006" xmlns:p14="http://schemas.microsoft.com/office/powerpoint/2010/main">
+          <mc:Choice Requires="p14">
             <p:contentPart p14:bwMode="auto" r:id="rId42">
               <p14:nvContentPartPr>
                 <p14:cNvPr id="87" name="Ink 86">
@@ -6549,7 +7862,7 @@
               </p14:xfrm>
             </p:contentPart>
           </mc:Choice>
-          <mc:Fallback>
+          <mc:Fallback xmlns="">
             <p:pic>
               <p:nvPicPr>
                 <p:cNvPr id="87" name="Ink 86">
@@ -6580,8 +7893,8 @@
             </p:pic>
           </mc:Fallback>
         </mc:AlternateContent>
-        <mc:AlternateContent xmlns:mc="http://schemas.openxmlformats.org/markup-compatibility/2006">
-          <mc:Choice xmlns:p14="http://schemas.microsoft.com/office/powerpoint/2010/main" Requires="p14">
+        <mc:AlternateContent xmlns:mc="http://schemas.openxmlformats.org/markup-compatibility/2006" xmlns:p14="http://schemas.microsoft.com/office/powerpoint/2010/main">
+          <mc:Choice Requires="p14">
             <p:contentPart p14:bwMode="auto" r:id="rId43">
               <p14:nvContentPartPr>
                 <p14:cNvPr id="88" name="Ink 87">
@@ -6600,7 +7913,7 @@
               </p14:xfrm>
             </p:contentPart>
           </mc:Choice>
-          <mc:Fallback>
+          <mc:Fallback xmlns="">
             <p:pic>
               <p:nvPicPr>
                 <p:cNvPr id="88" name="Ink 87">
@@ -6632,8 +7945,8 @@
           </mc:Fallback>
         </mc:AlternateContent>
       </p:grpSp>
-      <mc:AlternateContent xmlns:mc="http://schemas.openxmlformats.org/markup-compatibility/2006">
-        <mc:Choice xmlns:p14="http://schemas.microsoft.com/office/powerpoint/2010/main" Requires="p14">
+      <mc:AlternateContent xmlns:mc="http://schemas.openxmlformats.org/markup-compatibility/2006" xmlns:p14="http://schemas.microsoft.com/office/powerpoint/2010/main">
+        <mc:Choice Requires="p14">
           <p:contentPart p14:bwMode="auto" r:id="rId44">
             <p14:nvContentPartPr>
               <p14:cNvPr id="158" name="Ink 157">
@@ -6652,7 +7965,7 @@
             </p14:xfrm>
           </p:contentPart>
         </mc:Choice>
-        <mc:Fallback>
+        <mc:Fallback xmlns="">
           <p:pic>
             <p:nvPicPr>
               <p:cNvPr id="158" name="Ink 157">
@@ -6683,8 +7996,8 @@
           </p:pic>
         </mc:Fallback>
       </mc:AlternateContent>
-      <mc:AlternateContent xmlns:mc="http://schemas.openxmlformats.org/markup-compatibility/2006">
-        <mc:Choice xmlns:p14="http://schemas.microsoft.com/office/powerpoint/2010/main" Requires="p14">
+      <mc:AlternateContent xmlns:mc="http://schemas.openxmlformats.org/markup-compatibility/2006" xmlns:p14="http://schemas.microsoft.com/office/powerpoint/2010/main">
+        <mc:Choice Requires="p14">
           <p:contentPart p14:bwMode="auto" r:id="rId45">
             <p14:nvContentPartPr>
               <p14:cNvPr id="159" name="Ink 158">
@@ -6703,7 +8016,7 @@
             </p14:xfrm>
           </p:contentPart>
         </mc:Choice>
-        <mc:Fallback>
+        <mc:Fallback xmlns="">
           <p:pic>
             <p:nvPicPr>
               <p:cNvPr id="159" name="Ink 158">
@@ -6734,8 +8047,8 @@
           </p:pic>
         </mc:Fallback>
       </mc:AlternateContent>
-      <mc:AlternateContent xmlns:mc="http://schemas.openxmlformats.org/markup-compatibility/2006">
-        <mc:Choice xmlns:p14="http://schemas.microsoft.com/office/powerpoint/2010/main" Requires="p14">
+      <mc:AlternateContent xmlns:mc="http://schemas.openxmlformats.org/markup-compatibility/2006" xmlns:p14="http://schemas.microsoft.com/office/powerpoint/2010/main">
+        <mc:Choice Requires="p14">
           <p:contentPart p14:bwMode="auto" r:id="rId46">
             <p14:nvContentPartPr>
               <p14:cNvPr id="160" name="Ink 159">
@@ -6754,7 +8067,7 @@
             </p14:xfrm>
           </p:contentPart>
         </mc:Choice>
-        <mc:Fallback>
+        <mc:Fallback xmlns="">
           <p:pic>
             <p:nvPicPr>
               <p:cNvPr id="160" name="Ink 159">
@@ -6785,8 +8098,8 @@
           </p:pic>
         </mc:Fallback>
       </mc:AlternateContent>
-      <mc:AlternateContent xmlns:mc="http://schemas.openxmlformats.org/markup-compatibility/2006">
-        <mc:Choice xmlns:p14="http://schemas.microsoft.com/office/powerpoint/2010/main" Requires="p14">
+      <mc:AlternateContent xmlns:mc="http://schemas.openxmlformats.org/markup-compatibility/2006" xmlns:p14="http://schemas.microsoft.com/office/powerpoint/2010/main">
+        <mc:Choice Requires="p14">
           <p:contentPart p14:bwMode="auto" r:id="rId47">
             <p14:nvContentPartPr>
               <p14:cNvPr id="161" name="Ink 160">
@@ -6805,7 +8118,7 @@
             </p14:xfrm>
           </p:contentPart>
         </mc:Choice>
-        <mc:Fallback>
+        <mc:Fallback xmlns="">
           <p:pic>
             <p:nvPicPr>
               <p:cNvPr id="161" name="Ink 160">
@@ -6836,8 +8149,8 @@
           </p:pic>
         </mc:Fallback>
       </mc:AlternateContent>
-      <mc:AlternateContent xmlns:mc="http://schemas.openxmlformats.org/markup-compatibility/2006">
-        <mc:Choice xmlns:p14="http://schemas.microsoft.com/office/powerpoint/2010/main" Requires="p14">
+      <mc:AlternateContent xmlns:mc="http://schemas.openxmlformats.org/markup-compatibility/2006" xmlns:p14="http://schemas.microsoft.com/office/powerpoint/2010/main">
+        <mc:Choice Requires="p14">
           <p:contentPart p14:bwMode="auto" r:id="rId48">
             <p14:nvContentPartPr>
               <p14:cNvPr id="162" name="Ink 161">
@@ -6856,7 +8169,7 @@
             </p14:xfrm>
           </p:contentPart>
         </mc:Choice>
-        <mc:Fallback>
+        <mc:Fallback xmlns="">
           <p:pic>
             <p:nvPicPr>
               <p:cNvPr id="162" name="Ink 161">
@@ -6887,8 +8200,8 @@
           </p:pic>
         </mc:Fallback>
       </mc:AlternateContent>
-      <mc:AlternateContent xmlns:mc="http://schemas.openxmlformats.org/markup-compatibility/2006">
-        <mc:Choice xmlns:p14="http://schemas.microsoft.com/office/powerpoint/2010/main" Requires="p14">
+      <mc:AlternateContent xmlns:mc="http://schemas.openxmlformats.org/markup-compatibility/2006" xmlns:p14="http://schemas.microsoft.com/office/powerpoint/2010/main">
+        <mc:Choice Requires="p14">
           <p:contentPart p14:bwMode="auto" r:id="rId49">
             <p14:nvContentPartPr>
               <p14:cNvPr id="163" name="Ink 162">
@@ -6907,7 +8220,7 @@
             </p14:xfrm>
           </p:contentPart>
         </mc:Choice>
-        <mc:Fallback>
+        <mc:Fallback xmlns="">
           <p:pic>
             <p:nvPicPr>
               <p:cNvPr id="163" name="Ink 162">
@@ -6958,8 +8271,8 @@
             <a:chExt cx="66240" cy="235080"/>
           </a:xfrm>
         </p:grpSpPr>
-        <mc:AlternateContent xmlns:mc="http://schemas.openxmlformats.org/markup-compatibility/2006">
-          <mc:Choice xmlns:p14="http://schemas.microsoft.com/office/powerpoint/2010/main" Requires="p14">
+        <mc:AlternateContent xmlns:mc="http://schemas.openxmlformats.org/markup-compatibility/2006" xmlns:p14="http://schemas.microsoft.com/office/powerpoint/2010/main">
+          <mc:Choice Requires="p14">
             <p:contentPart p14:bwMode="auto" r:id="rId50">
               <p14:nvContentPartPr>
                 <p14:cNvPr id="170" name="Ink 169">
@@ -6978,7 +8291,7 @@
               </p14:xfrm>
             </p:contentPart>
           </mc:Choice>
-          <mc:Fallback>
+          <mc:Fallback xmlns="">
             <p:pic>
               <p:nvPicPr>
                 <p:cNvPr id="170" name="Ink 169">
@@ -7009,8 +8322,8 @@
             </p:pic>
           </mc:Fallback>
         </mc:AlternateContent>
-        <mc:AlternateContent xmlns:mc="http://schemas.openxmlformats.org/markup-compatibility/2006">
-          <mc:Choice xmlns:p14="http://schemas.microsoft.com/office/powerpoint/2010/main" Requires="p14">
+        <mc:AlternateContent xmlns:mc="http://schemas.openxmlformats.org/markup-compatibility/2006" xmlns:p14="http://schemas.microsoft.com/office/powerpoint/2010/main">
+          <mc:Choice Requires="p14">
             <p:contentPart p14:bwMode="auto" r:id="rId51">
               <p14:nvContentPartPr>
                 <p14:cNvPr id="171" name="Ink 170">
@@ -7029,7 +8342,7 @@
               </p14:xfrm>
             </p:contentPart>
           </mc:Choice>
-          <mc:Fallback>
+          <mc:Fallback xmlns="">
             <p:pic>
               <p:nvPicPr>
                 <p:cNvPr id="171" name="Ink 170">
@@ -7081,8 +8394,8 @@
             <a:chExt cx="86040" cy="242280"/>
           </a:xfrm>
         </p:grpSpPr>
-        <mc:AlternateContent xmlns:mc="http://schemas.openxmlformats.org/markup-compatibility/2006">
-          <mc:Choice xmlns:p14="http://schemas.microsoft.com/office/powerpoint/2010/main" Requires="p14">
+        <mc:AlternateContent xmlns:mc="http://schemas.openxmlformats.org/markup-compatibility/2006" xmlns:p14="http://schemas.microsoft.com/office/powerpoint/2010/main">
+          <mc:Choice Requires="p14">
             <p:contentPart p14:bwMode="auto" r:id="rId52">
               <p14:nvContentPartPr>
                 <p14:cNvPr id="173" name="Ink 172">
@@ -7101,7 +8414,7 @@
               </p14:xfrm>
             </p:contentPart>
           </mc:Choice>
-          <mc:Fallback>
+          <mc:Fallback xmlns="">
             <p:pic>
               <p:nvPicPr>
                 <p:cNvPr id="173" name="Ink 172">
@@ -7132,8 +8445,8 @@
             </p:pic>
           </mc:Fallback>
         </mc:AlternateContent>
-        <mc:AlternateContent xmlns:mc="http://schemas.openxmlformats.org/markup-compatibility/2006">
-          <mc:Choice xmlns:p14="http://schemas.microsoft.com/office/powerpoint/2010/main" Requires="p14">
+        <mc:AlternateContent xmlns:mc="http://schemas.openxmlformats.org/markup-compatibility/2006" xmlns:p14="http://schemas.microsoft.com/office/powerpoint/2010/main">
+          <mc:Choice Requires="p14">
             <p:contentPart p14:bwMode="auto" r:id="rId53">
               <p14:nvContentPartPr>
                 <p14:cNvPr id="174" name="Ink 173">
@@ -7152,7 +8465,7 @@
               </p14:xfrm>
             </p:contentPart>
           </mc:Choice>
-          <mc:Fallback>
+          <mc:Fallback xmlns="">
             <p:pic>
               <p:nvPicPr>
                 <p:cNvPr id="174" name="Ink 173">
@@ -7204,8 +8517,8 @@
             <a:chExt cx="86040" cy="242280"/>
           </a:xfrm>
         </p:grpSpPr>
-        <mc:AlternateContent xmlns:mc="http://schemas.openxmlformats.org/markup-compatibility/2006">
-          <mc:Choice xmlns:p14="http://schemas.microsoft.com/office/powerpoint/2010/main" Requires="p14">
+        <mc:AlternateContent xmlns:mc="http://schemas.openxmlformats.org/markup-compatibility/2006" xmlns:p14="http://schemas.microsoft.com/office/powerpoint/2010/main">
+          <mc:Choice Requires="p14">
             <p:contentPart p14:bwMode="auto" r:id="rId54">
               <p14:nvContentPartPr>
                 <p14:cNvPr id="176" name="Ink 175">
@@ -7224,7 +8537,7 @@
               </p14:xfrm>
             </p:contentPart>
           </mc:Choice>
-          <mc:Fallback>
+          <mc:Fallback xmlns="">
             <p:pic>
               <p:nvPicPr>
                 <p:cNvPr id="176" name="Ink 175">
@@ -7255,8 +8568,8 @@
             </p:pic>
           </mc:Fallback>
         </mc:AlternateContent>
-        <mc:AlternateContent xmlns:mc="http://schemas.openxmlformats.org/markup-compatibility/2006">
-          <mc:Choice xmlns:p14="http://schemas.microsoft.com/office/powerpoint/2010/main" Requires="p14">
+        <mc:AlternateContent xmlns:mc="http://schemas.openxmlformats.org/markup-compatibility/2006" xmlns:p14="http://schemas.microsoft.com/office/powerpoint/2010/main">
+          <mc:Choice Requires="p14">
             <p:contentPart p14:bwMode="auto" r:id="rId55">
               <p14:nvContentPartPr>
                 <p14:cNvPr id="177" name="Ink 176">
@@ -7275,7 +8588,7 @@
               </p14:xfrm>
             </p:contentPart>
           </mc:Choice>
-          <mc:Fallback>
+          <mc:Fallback xmlns="">
             <p:pic>
               <p:nvPicPr>
                 <p:cNvPr id="177" name="Ink 176">
@@ -7339,8 +8652,8 @@
           </a:p>
         </p:txBody>
       </p:sp>
-      <mc:AlternateContent xmlns:mc="http://schemas.openxmlformats.org/markup-compatibility/2006">
-        <mc:Choice xmlns:p14="http://schemas.microsoft.com/office/powerpoint/2010/main" Requires="p14">
+      <mc:AlternateContent xmlns:mc="http://schemas.openxmlformats.org/markup-compatibility/2006" xmlns:p14="http://schemas.microsoft.com/office/powerpoint/2010/main">
+        <mc:Choice Requires="p14">
           <p:contentPart p14:bwMode="auto" r:id="rId56">
             <p14:nvContentPartPr>
               <p14:cNvPr id="179" name="Ink 178">
@@ -7359,7 +8672,7 @@
             </p14:xfrm>
           </p:contentPart>
         </mc:Choice>
-        <mc:Fallback>
+        <mc:Fallback xmlns="">
           <p:pic>
             <p:nvPicPr>
               <p:cNvPr id="179" name="Ink 178">
@@ -7410,8 +8723,8 @@
             <a:chExt cx="210240" cy="215280"/>
           </a:xfrm>
         </p:grpSpPr>
-        <mc:AlternateContent xmlns:mc="http://schemas.openxmlformats.org/markup-compatibility/2006">
-          <mc:Choice xmlns:p14="http://schemas.microsoft.com/office/powerpoint/2010/main" Requires="p14">
+        <mc:AlternateContent xmlns:mc="http://schemas.openxmlformats.org/markup-compatibility/2006" xmlns:p14="http://schemas.microsoft.com/office/powerpoint/2010/main">
+          <mc:Choice Requires="p14">
             <p:contentPart p14:bwMode="auto" r:id="rId58">
               <p14:nvContentPartPr>
                 <p14:cNvPr id="180" name="Ink 179">
@@ -7430,7 +8743,7 @@
               </p14:xfrm>
             </p:contentPart>
           </mc:Choice>
-          <mc:Fallback>
+          <mc:Fallback xmlns="">
             <p:pic>
               <p:nvPicPr>
                 <p:cNvPr id="180" name="Ink 179">
@@ -7461,8 +8774,8 @@
             </p:pic>
           </mc:Fallback>
         </mc:AlternateContent>
-        <mc:AlternateContent xmlns:mc="http://schemas.openxmlformats.org/markup-compatibility/2006">
-          <mc:Choice xmlns:p14="http://schemas.microsoft.com/office/powerpoint/2010/main" Requires="p14">
+        <mc:AlternateContent xmlns:mc="http://schemas.openxmlformats.org/markup-compatibility/2006" xmlns:p14="http://schemas.microsoft.com/office/powerpoint/2010/main">
+          <mc:Choice Requires="p14">
             <p:contentPart p14:bwMode="auto" r:id="rId60">
               <p14:nvContentPartPr>
                 <p14:cNvPr id="181" name="Ink 180">
@@ -7481,7 +8794,7 @@
               </p14:xfrm>
             </p:contentPart>
           </mc:Choice>
-          <mc:Fallback>
+          <mc:Fallback xmlns="">
             <p:pic>
               <p:nvPicPr>
                 <p:cNvPr id="181" name="Ink 180">
@@ -7513,8 +8826,8 @@
           </mc:Fallback>
         </mc:AlternateContent>
       </p:grpSp>
-      <mc:AlternateContent xmlns:mc="http://schemas.openxmlformats.org/markup-compatibility/2006">
-        <mc:Choice xmlns:p14="http://schemas.microsoft.com/office/powerpoint/2010/main" Requires="p14">
+      <mc:AlternateContent xmlns:mc="http://schemas.openxmlformats.org/markup-compatibility/2006" xmlns:p14="http://schemas.microsoft.com/office/powerpoint/2010/main">
+        <mc:Choice Requires="p14">
           <p:contentPart p14:bwMode="auto" r:id="rId62">
             <p14:nvContentPartPr>
               <p14:cNvPr id="183" name="Ink 182">
@@ -7533,7 +8846,7 @@
             </p14:xfrm>
           </p:contentPart>
         </mc:Choice>
-        <mc:Fallback>
+        <mc:Fallback xmlns="">
           <p:pic>
             <p:nvPicPr>
               <p:cNvPr id="183" name="Ink 182">
@@ -7564,8 +8877,8 @@
           </p:pic>
         </mc:Fallback>
       </mc:AlternateContent>
-      <mc:AlternateContent xmlns:mc="http://schemas.openxmlformats.org/markup-compatibility/2006">
-        <mc:Choice xmlns:p14="http://schemas.microsoft.com/office/powerpoint/2010/main" Requires="p14">
+      <mc:AlternateContent xmlns:mc="http://schemas.openxmlformats.org/markup-compatibility/2006" xmlns:p14="http://schemas.microsoft.com/office/powerpoint/2010/main">
+        <mc:Choice Requires="p14">
           <p:contentPart p14:bwMode="auto" r:id="rId64">
             <p14:nvContentPartPr>
               <p14:cNvPr id="184" name="Ink 183">
@@ -7584,7 +8897,7 @@
             </p14:xfrm>
           </p:contentPart>
         </mc:Choice>
-        <mc:Fallback>
+        <mc:Fallback xmlns="">
           <p:pic>
             <p:nvPicPr>
               <p:cNvPr id="184" name="Ink 183">
@@ -7615,8 +8928,8 @@
           </p:pic>
         </mc:Fallback>
       </mc:AlternateContent>
-      <mc:AlternateContent xmlns:mc="http://schemas.openxmlformats.org/markup-compatibility/2006">
-        <mc:Choice xmlns:p14="http://schemas.microsoft.com/office/powerpoint/2010/main" Requires="p14">
+      <mc:AlternateContent xmlns:mc="http://schemas.openxmlformats.org/markup-compatibility/2006" xmlns:p14="http://schemas.microsoft.com/office/powerpoint/2010/main">
+        <mc:Choice Requires="p14">
           <p:contentPart p14:bwMode="auto" r:id="rId66">
             <p14:nvContentPartPr>
               <p14:cNvPr id="185" name="Ink 184">
@@ -7635,7 +8948,7 @@
             </p14:xfrm>
           </p:contentPart>
         </mc:Choice>
-        <mc:Fallback>
+        <mc:Fallback xmlns="">
           <p:pic>
             <p:nvPicPr>
               <p:cNvPr id="185" name="Ink 184">
@@ -7666,8 +8979,8 @@
           </p:pic>
         </mc:Fallback>
       </mc:AlternateContent>
-      <mc:AlternateContent xmlns:mc="http://schemas.openxmlformats.org/markup-compatibility/2006">
-        <mc:Choice xmlns:p14="http://schemas.microsoft.com/office/powerpoint/2010/main" Requires="p14">
+      <mc:AlternateContent xmlns:mc="http://schemas.openxmlformats.org/markup-compatibility/2006" xmlns:p14="http://schemas.microsoft.com/office/powerpoint/2010/main">
+        <mc:Choice Requires="p14">
           <p:contentPart p14:bwMode="auto" r:id="rId68">
             <p14:nvContentPartPr>
               <p14:cNvPr id="186" name="Ink 185">
@@ -7686,7 +8999,7 @@
             </p14:xfrm>
           </p:contentPart>
         </mc:Choice>
-        <mc:Fallback>
+        <mc:Fallback xmlns="">
           <p:pic>
             <p:nvPicPr>
               <p:cNvPr id="186" name="Ink 185">
@@ -7717,8 +9030,8 @@
           </p:pic>
         </mc:Fallback>
       </mc:AlternateContent>
-      <mc:AlternateContent xmlns:mc="http://schemas.openxmlformats.org/markup-compatibility/2006">
-        <mc:Choice xmlns:p14="http://schemas.microsoft.com/office/powerpoint/2010/main" Requires="p14">
+      <mc:AlternateContent xmlns:mc="http://schemas.openxmlformats.org/markup-compatibility/2006" xmlns:p14="http://schemas.microsoft.com/office/powerpoint/2010/main">
+        <mc:Choice Requires="p14">
           <p:contentPart p14:bwMode="auto" r:id="rId70">
             <p14:nvContentPartPr>
               <p14:cNvPr id="187" name="Ink 186">
@@ -7737,7 +9050,7 @@
             </p14:xfrm>
           </p:contentPart>
         </mc:Choice>
-        <mc:Fallback>
+        <mc:Fallback xmlns="">
           <p:pic>
             <p:nvPicPr>
               <p:cNvPr id="187" name="Ink 186">
@@ -7768,8 +9081,8 @@
           </p:pic>
         </mc:Fallback>
       </mc:AlternateContent>
-      <mc:AlternateContent xmlns:mc="http://schemas.openxmlformats.org/markup-compatibility/2006">
-        <mc:Choice xmlns:p14="http://schemas.microsoft.com/office/powerpoint/2010/main" Requires="p14">
+      <mc:AlternateContent xmlns:mc="http://schemas.openxmlformats.org/markup-compatibility/2006" xmlns:p14="http://schemas.microsoft.com/office/powerpoint/2010/main">
+        <mc:Choice Requires="p14">
           <p:contentPart p14:bwMode="auto" r:id="rId72">
             <p14:nvContentPartPr>
               <p14:cNvPr id="188" name="Ink 187">
@@ -7788,7 +9101,7 @@
             </p14:xfrm>
           </p:contentPart>
         </mc:Choice>
-        <mc:Fallback>
+        <mc:Fallback xmlns="">
           <p:pic>
             <p:nvPicPr>
               <p:cNvPr id="188" name="Ink 187">
@@ -7819,8 +9132,8 @@
           </p:pic>
         </mc:Fallback>
       </mc:AlternateContent>
-      <mc:AlternateContent xmlns:mc="http://schemas.openxmlformats.org/markup-compatibility/2006">
-        <mc:Choice xmlns:p14="http://schemas.microsoft.com/office/powerpoint/2010/main" Requires="p14">
+      <mc:AlternateContent xmlns:mc="http://schemas.openxmlformats.org/markup-compatibility/2006" xmlns:p14="http://schemas.microsoft.com/office/powerpoint/2010/main">
+        <mc:Choice Requires="p14">
           <p:contentPart p14:bwMode="auto" r:id="rId74">
             <p14:nvContentPartPr>
               <p14:cNvPr id="189" name="Ink 188">
@@ -7839,7 +9152,7 @@
             </p14:xfrm>
           </p:contentPart>
         </mc:Choice>
-        <mc:Fallback>
+        <mc:Fallback xmlns="">
           <p:pic>
             <p:nvPicPr>
               <p:cNvPr id="189" name="Ink 188">
@@ -7870,8 +9183,8 @@
           </p:pic>
         </mc:Fallback>
       </mc:AlternateContent>
-      <mc:AlternateContent xmlns:mc="http://schemas.openxmlformats.org/markup-compatibility/2006">
-        <mc:Choice xmlns:p14="http://schemas.microsoft.com/office/powerpoint/2010/main" Requires="p14">
+      <mc:AlternateContent xmlns:mc="http://schemas.openxmlformats.org/markup-compatibility/2006" xmlns:p14="http://schemas.microsoft.com/office/powerpoint/2010/main">
+        <mc:Choice Requires="p14">
           <p:contentPart p14:bwMode="auto" r:id="rId76">
             <p14:nvContentPartPr>
               <p14:cNvPr id="190" name="Ink 189">
@@ -7890,7 +9203,7 @@
             </p14:xfrm>
           </p:contentPart>
         </mc:Choice>
-        <mc:Fallback>
+        <mc:Fallback xmlns="">
           <p:pic>
             <p:nvPicPr>
               <p:cNvPr id="190" name="Ink 189">
@@ -7921,8 +9234,8 @@
           </p:pic>
         </mc:Fallback>
       </mc:AlternateContent>
-      <mc:AlternateContent xmlns:mc="http://schemas.openxmlformats.org/markup-compatibility/2006">
-        <mc:Choice xmlns:p14="http://schemas.microsoft.com/office/powerpoint/2010/main" Requires="p14">
+      <mc:AlternateContent xmlns:mc="http://schemas.openxmlformats.org/markup-compatibility/2006" xmlns:p14="http://schemas.microsoft.com/office/powerpoint/2010/main">
+        <mc:Choice Requires="p14">
           <p:contentPart p14:bwMode="auto" r:id="rId78">
             <p14:nvContentPartPr>
               <p14:cNvPr id="191" name="Ink 190">
@@ -7941,7 +9254,7 @@
             </p14:xfrm>
           </p:contentPart>
         </mc:Choice>
-        <mc:Fallback>
+        <mc:Fallback xmlns="">
           <p:pic>
             <p:nvPicPr>
               <p:cNvPr id="191" name="Ink 190">
@@ -7972,8 +9285,8 @@
           </p:pic>
         </mc:Fallback>
       </mc:AlternateContent>
-      <mc:AlternateContent xmlns:mc="http://schemas.openxmlformats.org/markup-compatibility/2006">
-        <mc:Choice xmlns:p14="http://schemas.microsoft.com/office/powerpoint/2010/main" Requires="p14">
+      <mc:AlternateContent xmlns:mc="http://schemas.openxmlformats.org/markup-compatibility/2006" xmlns:p14="http://schemas.microsoft.com/office/powerpoint/2010/main">
+        <mc:Choice Requires="p14">
           <p:contentPart p14:bwMode="auto" r:id="rId80">
             <p14:nvContentPartPr>
               <p14:cNvPr id="192" name="Ink 191">
@@ -7992,7 +9305,7 @@
             </p14:xfrm>
           </p:contentPart>
         </mc:Choice>
-        <mc:Fallback>
+        <mc:Fallback xmlns="">
           <p:pic>
             <p:nvPicPr>
               <p:cNvPr id="192" name="Ink 191">
@@ -8023,8 +9336,8 @@
           </p:pic>
         </mc:Fallback>
       </mc:AlternateContent>
-      <mc:AlternateContent xmlns:mc="http://schemas.openxmlformats.org/markup-compatibility/2006">
-        <mc:Choice xmlns:p14="http://schemas.microsoft.com/office/powerpoint/2010/main" Requires="p14">
+      <mc:AlternateContent xmlns:mc="http://schemas.openxmlformats.org/markup-compatibility/2006" xmlns:p14="http://schemas.microsoft.com/office/powerpoint/2010/main">
+        <mc:Choice Requires="p14">
           <p:contentPart p14:bwMode="auto" r:id="rId82">
             <p14:nvContentPartPr>
               <p14:cNvPr id="193" name="Ink 192">
@@ -8043,7 +9356,7 @@
             </p14:xfrm>
           </p:contentPart>
         </mc:Choice>
-        <mc:Fallback>
+        <mc:Fallback xmlns="">
           <p:pic>
             <p:nvPicPr>
               <p:cNvPr id="193" name="Ink 192">
@@ -8094,8 +9407,8 @@
             <a:chExt cx="389520" cy="372240"/>
           </a:xfrm>
         </p:grpSpPr>
-        <mc:AlternateContent xmlns:mc="http://schemas.openxmlformats.org/markup-compatibility/2006">
-          <mc:Choice xmlns:p14="http://schemas.microsoft.com/office/powerpoint/2010/main" Requires="p14">
+        <mc:AlternateContent xmlns:mc="http://schemas.openxmlformats.org/markup-compatibility/2006" xmlns:p14="http://schemas.microsoft.com/office/powerpoint/2010/main">
+          <mc:Choice Requires="p14">
             <p:contentPart p14:bwMode="auto" r:id="rId84">
               <p14:nvContentPartPr>
                 <p14:cNvPr id="229" name="Ink 228">
@@ -8114,7 +9427,7 @@
               </p14:xfrm>
             </p:contentPart>
           </mc:Choice>
-          <mc:Fallback>
+          <mc:Fallback xmlns="">
             <p:pic>
               <p:nvPicPr>
                 <p:cNvPr id="229" name="Ink 228">
@@ -8145,8 +9458,8 @@
             </p:pic>
           </mc:Fallback>
         </mc:AlternateContent>
-        <mc:AlternateContent xmlns:mc="http://schemas.openxmlformats.org/markup-compatibility/2006">
-          <mc:Choice xmlns:p14="http://schemas.microsoft.com/office/powerpoint/2010/main" Requires="p14">
+        <mc:AlternateContent xmlns:mc="http://schemas.openxmlformats.org/markup-compatibility/2006" xmlns:p14="http://schemas.microsoft.com/office/powerpoint/2010/main">
+          <mc:Choice Requires="p14">
             <p:contentPart p14:bwMode="auto" r:id="rId86">
               <p14:nvContentPartPr>
                 <p14:cNvPr id="230" name="Ink 229">
@@ -8165,7 +9478,7 @@
               </p14:xfrm>
             </p:contentPart>
           </mc:Choice>
-          <mc:Fallback>
+          <mc:Fallback xmlns="">
             <p:pic>
               <p:nvPicPr>
                 <p:cNvPr id="230" name="Ink 229">
@@ -8196,8 +9509,8 @@
             </p:pic>
           </mc:Fallback>
         </mc:AlternateContent>
-        <mc:AlternateContent xmlns:mc="http://schemas.openxmlformats.org/markup-compatibility/2006">
-          <mc:Choice xmlns:p14="http://schemas.microsoft.com/office/powerpoint/2010/main" Requires="p14">
+        <mc:AlternateContent xmlns:mc="http://schemas.openxmlformats.org/markup-compatibility/2006" xmlns:p14="http://schemas.microsoft.com/office/powerpoint/2010/main">
+          <mc:Choice Requires="p14">
             <p:contentPart p14:bwMode="auto" r:id="rId88">
               <p14:nvContentPartPr>
                 <p14:cNvPr id="231" name="Ink 230">
@@ -8216,7 +9529,7 @@
               </p14:xfrm>
             </p:contentPart>
           </mc:Choice>
-          <mc:Fallback>
+          <mc:Fallback xmlns="">
             <p:pic>
               <p:nvPicPr>
                 <p:cNvPr id="231" name="Ink 230">
@@ -8248,8 +9561,8 @@
           </mc:Fallback>
         </mc:AlternateContent>
       </p:grpSp>
-      <mc:AlternateContent xmlns:mc="http://schemas.openxmlformats.org/markup-compatibility/2006">
-        <mc:Choice xmlns:p14="http://schemas.microsoft.com/office/powerpoint/2010/main" Requires="p14">
+      <mc:AlternateContent xmlns:mc="http://schemas.openxmlformats.org/markup-compatibility/2006" xmlns:p14="http://schemas.microsoft.com/office/powerpoint/2010/main">
+        <mc:Choice Requires="p14">
           <p:contentPart p14:bwMode="auto" r:id="rId90">
             <p14:nvContentPartPr>
               <p14:cNvPr id="233" name="Ink 232">
@@ -8268,7 +9581,7 @@
             </p14:xfrm>
           </p:contentPart>
         </mc:Choice>
-        <mc:Fallback>
+        <mc:Fallback xmlns="">
           <p:pic>
             <p:nvPicPr>
               <p:cNvPr id="233" name="Ink 232">
@@ -8299,8 +9612,8 @@
           </p:pic>
         </mc:Fallback>
       </mc:AlternateContent>
-      <mc:AlternateContent xmlns:mc="http://schemas.openxmlformats.org/markup-compatibility/2006">
-        <mc:Choice xmlns:p14="http://schemas.microsoft.com/office/powerpoint/2010/main" Requires="p14">
+      <mc:AlternateContent xmlns:mc="http://schemas.openxmlformats.org/markup-compatibility/2006" xmlns:p14="http://schemas.microsoft.com/office/powerpoint/2010/main">
+        <mc:Choice Requires="p14">
           <p:contentPart p14:bwMode="auto" r:id="rId92">
             <p14:nvContentPartPr>
               <p14:cNvPr id="234" name="Ink 233">
@@ -8319,7 +9632,7 @@
             </p14:xfrm>
           </p:contentPart>
         </mc:Choice>
-        <mc:Fallback>
+        <mc:Fallback xmlns="">
           <p:pic>
             <p:nvPicPr>
               <p:cNvPr id="234" name="Ink 233">
@@ -8370,8 +9683,8 @@
             <a:chExt cx="88920" cy="272520"/>
           </a:xfrm>
         </p:grpSpPr>
-        <mc:AlternateContent xmlns:mc="http://schemas.openxmlformats.org/markup-compatibility/2006">
-          <mc:Choice xmlns:p14="http://schemas.microsoft.com/office/powerpoint/2010/main" Requires="p14">
+        <mc:AlternateContent xmlns:mc="http://schemas.openxmlformats.org/markup-compatibility/2006" xmlns:p14="http://schemas.microsoft.com/office/powerpoint/2010/main">
+          <mc:Choice Requires="p14">
             <p:contentPart p14:bwMode="auto" r:id="rId94">
               <p14:nvContentPartPr>
                 <p14:cNvPr id="235" name="Ink 234">
@@ -8390,7 +9703,7 @@
               </p14:xfrm>
             </p:contentPart>
           </mc:Choice>
-          <mc:Fallback>
+          <mc:Fallback xmlns="">
             <p:pic>
               <p:nvPicPr>
                 <p:cNvPr id="235" name="Ink 234">
@@ -8421,8 +9734,8 @@
             </p:pic>
           </mc:Fallback>
         </mc:AlternateContent>
-        <mc:AlternateContent xmlns:mc="http://schemas.openxmlformats.org/markup-compatibility/2006">
-          <mc:Choice xmlns:p14="http://schemas.microsoft.com/office/powerpoint/2010/main" Requires="p14">
+        <mc:AlternateContent xmlns:mc="http://schemas.openxmlformats.org/markup-compatibility/2006" xmlns:p14="http://schemas.microsoft.com/office/powerpoint/2010/main">
+          <mc:Choice Requires="p14">
             <p:contentPart p14:bwMode="auto" r:id="rId96">
               <p14:nvContentPartPr>
                 <p14:cNvPr id="236" name="Ink 235">
@@ -8441,7 +9754,7 @@
               </p14:xfrm>
             </p:contentPart>
           </mc:Choice>
-          <mc:Fallback>
+          <mc:Fallback xmlns="">
             <p:pic>
               <p:nvPicPr>
                 <p:cNvPr id="236" name="Ink 235">
@@ -8473,8 +9786,8 @@
           </mc:Fallback>
         </mc:AlternateContent>
       </p:grpSp>
-      <mc:AlternateContent xmlns:mc="http://schemas.openxmlformats.org/markup-compatibility/2006">
-        <mc:Choice xmlns:p14="http://schemas.microsoft.com/office/powerpoint/2010/main" Requires="p14">
+      <mc:AlternateContent xmlns:mc="http://schemas.openxmlformats.org/markup-compatibility/2006" xmlns:p14="http://schemas.microsoft.com/office/powerpoint/2010/main">
+        <mc:Choice Requires="p14">
           <p:contentPart p14:bwMode="auto" r:id="rId98">
             <p14:nvContentPartPr>
               <p14:cNvPr id="241" name="Ink 240">
@@ -8493,7 +9806,7 @@
             </p14:xfrm>
           </p:contentPart>
         </mc:Choice>
-        <mc:Fallback>
+        <mc:Fallback xmlns="">
           <p:pic>
             <p:nvPicPr>
               <p:cNvPr id="241" name="Ink 240">
@@ -8524,8 +9837,8 @@
           </p:pic>
         </mc:Fallback>
       </mc:AlternateContent>
-      <mc:AlternateContent xmlns:mc="http://schemas.openxmlformats.org/markup-compatibility/2006">
-        <mc:Choice xmlns:p14="http://schemas.microsoft.com/office/powerpoint/2010/main" Requires="p14">
+      <mc:AlternateContent xmlns:mc="http://schemas.openxmlformats.org/markup-compatibility/2006" xmlns:p14="http://schemas.microsoft.com/office/powerpoint/2010/main">
+        <mc:Choice Requires="p14">
           <p:contentPart p14:bwMode="auto" r:id="rId100">
             <p14:nvContentPartPr>
               <p14:cNvPr id="242" name="Ink 241">
@@ -8544,7 +9857,7 @@
             </p14:xfrm>
           </p:contentPart>
         </mc:Choice>
-        <mc:Fallback>
+        <mc:Fallback xmlns="">
           <p:pic>
             <p:nvPicPr>
               <p:cNvPr id="242" name="Ink 241">
@@ -8595,8 +9908,8 @@
             <a:chExt cx="245160" cy="222840"/>
           </a:xfrm>
         </p:grpSpPr>
-        <mc:AlternateContent xmlns:mc="http://schemas.openxmlformats.org/markup-compatibility/2006">
-          <mc:Choice xmlns:p14="http://schemas.microsoft.com/office/powerpoint/2010/main" Requires="p14">
+        <mc:AlternateContent xmlns:mc="http://schemas.openxmlformats.org/markup-compatibility/2006" xmlns:p14="http://schemas.microsoft.com/office/powerpoint/2010/main">
+          <mc:Choice Requires="p14">
             <p:contentPart p14:bwMode="auto" r:id="rId102">
               <p14:nvContentPartPr>
                 <p14:cNvPr id="243" name="Ink 242">
@@ -8615,7 +9928,7 @@
               </p14:xfrm>
             </p:contentPart>
           </mc:Choice>
-          <mc:Fallback>
+          <mc:Fallback xmlns="">
             <p:pic>
               <p:nvPicPr>
                 <p:cNvPr id="243" name="Ink 242">
@@ -8646,8 +9959,8 @@
             </p:pic>
           </mc:Fallback>
         </mc:AlternateContent>
-        <mc:AlternateContent xmlns:mc="http://schemas.openxmlformats.org/markup-compatibility/2006">
-          <mc:Choice xmlns:p14="http://schemas.microsoft.com/office/powerpoint/2010/main" Requires="p14">
+        <mc:AlternateContent xmlns:mc="http://schemas.openxmlformats.org/markup-compatibility/2006" xmlns:p14="http://schemas.microsoft.com/office/powerpoint/2010/main">
+          <mc:Choice Requires="p14">
             <p:contentPart p14:bwMode="auto" r:id="rId104">
               <p14:nvContentPartPr>
                 <p14:cNvPr id="244" name="Ink 243">
@@ -8666,7 +9979,7 @@
               </p14:xfrm>
             </p:contentPart>
           </mc:Choice>
-          <mc:Fallback>
+          <mc:Fallback xmlns="">
             <p:pic>
               <p:nvPicPr>
                 <p:cNvPr id="244" name="Ink 243">
@@ -8698,10 +10011,4251 @@
           </mc:Fallback>
         </mc:AlternateContent>
       </p:grpSp>
+      <mc:AlternateContent xmlns:mc="http://schemas.openxmlformats.org/markup-compatibility/2006">
+        <mc:Choice xmlns:p14="http://schemas.microsoft.com/office/powerpoint/2010/main" Requires="p14">
+          <p:contentPart p14:bwMode="auto" r:id="rId106">
+            <p14:nvContentPartPr>
+              <p14:cNvPr id="2" name="Ink 1">
+                <a:extLst>
+                  <a:ext uri="{FF2B5EF4-FFF2-40B4-BE49-F238E27FC236}">
+                    <a16:creationId xmlns:a16="http://schemas.microsoft.com/office/drawing/2014/main" id="{16ED482C-FAB9-EB7E-7FC3-B4D744311611}"/>
+                  </a:ext>
+                </a:extLst>
+              </p14:cNvPr>
+              <p14:cNvContentPartPr/>
+              <p14:nvPr/>
+            </p14:nvContentPartPr>
+            <p14:xfrm>
+              <a:off x="2068379" y="4323083"/>
+              <a:ext cx="2223360" cy="1330560"/>
+            </p14:xfrm>
+          </p:contentPart>
+        </mc:Choice>
+        <mc:Fallback>
+          <p:pic>
+            <p:nvPicPr>
+              <p:cNvPr id="2" name="Ink 1">
+                <a:extLst>
+                  <a:ext uri="{FF2B5EF4-FFF2-40B4-BE49-F238E27FC236}">
+                    <a16:creationId xmlns:a16="http://schemas.microsoft.com/office/drawing/2014/main" id="{16ED482C-FAB9-EB7E-7FC3-B4D744311611}"/>
+                  </a:ext>
+                </a:extLst>
+              </p:cNvPr>
+              <p:cNvPicPr/>
+              <p:nvPr/>
+            </p:nvPicPr>
+            <p:blipFill>
+              <a:blip r:embed="rId107"/>
+              <a:stretch>
+                <a:fillRect/>
+              </a:stretch>
+            </p:blipFill>
+            <p:spPr>
+              <a:xfrm>
+                <a:off x="2050379" y="4305443"/>
+                <a:ext cx="2259000" cy="1366200"/>
+              </a:xfrm>
+              <a:prstGeom prst="rect">
+                <a:avLst/>
+              </a:prstGeom>
+            </p:spPr>
+          </p:pic>
+        </mc:Fallback>
+      </mc:AlternateContent>
+      <mc:AlternateContent xmlns:mc="http://schemas.openxmlformats.org/markup-compatibility/2006">
+        <mc:Choice xmlns:p14="http://schemas.microsoft.com/office/powerpoint/2010/main" Requires="p14">
+          <p:contentPart p14:bwMode="auto" r:id="rId108">
+            <p14:nvContentPartPr>
+              <p14:cNvPr id="5" name="Ink 4">
+                <a:extLst>
+                  <a:ext uri="{FF2B5EF4-FFF2-40B4-BE49-F238E27FC236}">
+                    <a16:creationId xmlns:a16="http://schemas.microsoft.com/office/drawing/2014/main" id="{EAFDA1DA-6518-917B-E2FF-20B8AA066C44}"/>
+                  </a:ext>
+                </a:extLst>
+              </p14:cNvPr>
+              <p14:cNvContentPartPr/>
+              <p14:nvPr/>
+            </p14:nvContentPartPr>
+            <p14:xfrm>
+              <a:off x="4924346" y="4338203"/>
+              <a:ext cx="2223360" cy="1330560"/>
+            </p14:xfrm>
+          </p:contentPart>
+        </mc:Choice>
+        <mc:Fallback>
+          <p:pic>
+            <p:nvPicPr>
+              <p:cNvPr id="5" name="Ink 4">
+                <a:extLst>
+                  <a:ext uri="{FF2B5EF4-FFF2-40B4-BE49-F238E27FC236}">
+                    <a16:creationId xmlns:a16="http://schemas.microsoft.com/office/drawing/2014/main" id="{EAFDA1DA-6518-917B-E2FF-20B8AA066C44}"/>
+                  </a:ext>
+                </a:extLst>
+              </p:cNvPr>
+              <p:cNvPicPr/>
+              <p:nvPr/>
+            </p:nvPicPr>
+            <p:blipFill>
+              <a:blip r:embed="rId107"/>
+              <a:stretch>
+                <a:fillRect/>
+              </a:stretch>
+            </p:blipFill>
+            <p:spPr>
+              <a:xfrm>
+                <a:off x="4906346" y="4320563"/>
+                <a:ext cx="2259000" cy="1366200"/>
+              </a:xfrm>
+              <a:prstGeom prst="rect">
+                <a:avLst/>
+              </a:prstGeom>
+            </p:spPr>
+          </p:pic>
+        </mc:Fallback>
+      </mc:AlternateContent>
+      <mc:AlternateContent xmlns:mc="http://schemas.openxmlformats.org/markup-compatibility/2006">
+        <mc:Choice xmlns:p14="http://schemas.microsoft.com/office/powerpoint/2010/main" Requires="p14">
+          <p:contentPart p14:bwMode="auto" r:id="rId109">
+            <p14:nvContentPartPr>
+              <p14:cNvPr id="6" name="Ink 5">
+                <a:extLst>
+                  <a:ext uri="{FF2B5EF4-FFF2-40B4-BE49-F238E27FC236}">
+                    <a16:creationId xmlns:a16="http://schemas.microsoft.com/office/drawing/2014/main" id="{B31384D1-A86F-DCD1-3130-1D37B2050AEB}"/>
+                  </a:ext>
+                </a:extLst>
+              </p14:cNvPr>
+              <p14:cNvContentPartPr/>
+              <p14:nvPr/>
+            </p14:nvContentPartPr>
+            <p14:xfrm>
+              <a:off x="7728620" y="4323083"/>
+              <a:ext cx="2223360" cy="1330560"/>
+            </p14:xfrm>
+          </p:contentPart>
+        </mc:Choice>
+        <mc:Fallback>
+          <p:pic>
+            <p:nvPicPr>
+              <p:cNvPr id="6" name="Ink 5">
+                <a:extLst>
+                  <a:ext uri="{FF2B5EF4-FFF2-40B4-BE49-F238E27FC236}">
+                    <a16:creationId xmlns:a16="http://schemas.microsoft.com/office/drawing/2014/main" id="{B31384D1-A86F-DCD1-3130-1D37B2050AEB}"/>
+                  </a:ext>
+                </a:extLst>
+              </p:cNvPr>
+              <p:cNvPicPr/>
+              <p:nvPr/>
+            </p:nvPicPr>
+            <p:blipFill>
+              <a:blip r:embed="rId107"/>
+              <a:stretch>
+                <a:fillRect/>
+              </a:stretch>
+            </p:blipFill>
+            <p:spPr>
+              <a:xfrm>
+                <a:off x="7710620" y="4305443"/>
+                <a:ext cx="2259000" cy="1366200"/>
+              </a:xfrm>
+              <a:prstGeom prst="rect">
+                <a:avLst/>
+              </a:prstGeom>
+            </p:spPr>
+          </p:pic>
+        </mc:Fallback>
+      </mc:AlternateContent>
+      <p:sp>
+        <p:nvSpPr>
+          <p:cNvPr id="7" name="TextBox 6">
+            <a:extLst>
+              <a:ext uri="{FF2B5EF4-FFF2-40B4-BE49-F238E27FC236}">
+                <a16:creationId xmlns:a16="http://schemas.microsoft.com/office/drawing/2014/main" id="{6C076B78-F923-FA26-13CD-008BB12D4078}"/>
+              </a:ext>
+            </a:extLst>
+          </p:cNvPr>
+          <p:cNvSpPr txBox="1"/>
+          <p:nvPr/>
+        </p:nvSpPr>
+        <p:spPr>
+          <a:xfrm>
+            <a:off x="1920840" y="3891168"/>
+            <a:ext cx="2618666" cy="369332"/>
+          </a:xfrm>
+          <a:prstGeom prst="rect">
+            <a:avLst/>
+          </a:prstGeom>
+          <a:noFill/>
+        </p:spPr>
+        <p:txBody>
+          <a:bodyPr wrap="none" rtlCol="0">
+            <a:spAutoFit/>
+          </a:bodyPr>
+          <a:lstStyle/>
+          <a:p>
+            <a:pPr algn="ctr"/>
+            <a:r>
+              <a:rPr lang="en-US" b="1" dirty="0"/>
+              <a:t>Discrete, two-level design</a:t>
+            </a:r>
+          </a:p>
+        </p:txBody>
+      </p:sp>
+      <mc:AlternateContent xmlns:mc="http://schemas.openxmlformats.org/markup-compatibility/2006">
+        <mc:Choice xmlns:p14="http://schemas.microsoft.com/office/powerpoint/2010/main" Requires="p14">
+          <p:contentPart p14:bwMode="auto" r:id="rId110">
+            <p14:nvContentPartPr>
+              <p14:cNvPr id="11" name="Ink 10">
+                <a:extLst>
+                  <a:ext uri="{FF2B5EF4-FFF2-40B4-BE49-F238E27FC236}">
+                    <a16:creationId xmlns:a16="http://schemas.microsoft.com/office/drawing/2014/main" id="{56173BE6-B620-1417-D6DA-2ADC0AB53B05}"/>
+                  </a:ext>
+                </a:extLst>
+              </p14:cNvPr>
+              <p14:cNvContentPartPr/>
+              <p14:nvPr/>
+            </p14:nvContentPartPr>
+            <p14:xfrm>
+              <a:off x="2545739" y="5542763"/>
+              <a:ext cx="360" cy="192600"/>
+            </p14:xfrm>
+          </p:contentPart>
+        </mc:Choice>
+        <mc:Fallback>
+          <p:pic>
+            <p:nvPicPr>
+              <p:cNvPr id="11" name="Ink 10">
+                <a:extLst>
+                  <a:ext uri="{FF2B5EF4-FFF2-40B4-BE49-F238E27FC236}">
+                    <a16:creationId xmlns:a16="http://schemas.microsoft.com/office/drawing/2014/main" id="{56173BE6-B620-1417-D6DA-2ADC0AB53B05}"/>
+                  </a:ext>
+                </a:extLst>
+              </p:cNvPr>
+              <p:cNvPicPr/>
+              <p:nvPr/>
+            </p:nvPicPr>
+            <p:blipFill>
+              <a:blip r:embed="rId111"/>
+              <a:stretch>
+                <a:fillRect/>
+              </a:stretch>
+            </p:blipFill>
+            <p:spPr>
+              <a:xfrm>
+                <a:off x="2528099" y="5525123"/>
+                <a:ext cx="36000" cy="228240"/>
+              </a:xfrm>
+              <a:prstGeom prst="rect">
+                <a:avLst/>
+              </a:prstGeom>
+            </p:spPr>
+          </p:pic>
+        </mc:Fallback>
+      </mc:AlternateContent>
+      <mc:AlternateContent xmlns:mc="http://schemas.openxmlformats.org/markup-compatibility/2006">
+        <mc:Choice xmlns:p14="http://schemas.microsoft.com/office/powerpoint/2010/main" Requires="p14">
+          <p:contentPart p14:bwMode="auto" r:id="rId112">
+            <p14:nvContentPartPr>
+              <p14:cNvPr id="16" name="Ink 15">
+                <a:extLst>
+                  <a:ext uri="{FF2B5EF4-FFF2-40B4-BE49-F238E27FC236}">
+                    <a16:creationId xmlns:a16="http://schemas.microsoft.com/office/drawing/2014/main" id="{5D5C0ED6-B8B7-B32E-04EF-D94BFDA628BF}"/>
+                  </a:ext>
+                </a:extLst>
+              </p14:cNvPr>
+              <p14:cNvContentPartPr/>
+              <p14:nvPr/>
+            </p14:nvContentPartPr>
+            <p14:xfrm>
+              <a:off x="3979979" y="5497403"/>
+              <a:ext cx="3600" cy="171360"/>
+            </p14:xfrm>
+          </p:contentPart>
+        </mc:Choice>
+        <mc:Fallback>
+          <p:pic>
+            <p:nvPicPr>
+              <p:cNvPr id="16" name="Ink 15">
+                <a:extLst>
+                  <a:ext uri="{FF2B5EF4-FFF2-40B4-BE49-F238E27FC236}">
+                    <a16:creationId xmlns:a16="http://schemas.microsoft.com/office/drawing/2014/main" id="{5D5C0ED6-B8B7-B32E-04EF-D94BFDA628BF}"/>
+                  </a:ext>
+                </a:extLst>
+              </p:cNvPr>
+              <p:cNvPicPr/>
+              <p:nvPr/>
+            </p:nvPicPr>
+            <p:blipFill>
+              <a:blip r:embed="rId113"/>
+              <a:stretch>
+                <a:fillRect/>
+              </a:stretch>
+            </p:blipFill>
+            <p:spPr>
+              <a:xfrm>
+                <a:off x="3962339" y="5479403"/>
+                <a:ext cx="39240" cy="207000"/>
+              </a:xfrm>
+              <a:prstGeom prst="rect">
+                <a:avLst/>
+              </a:prstGeom>
+            </p:spPr>
+          </p:pic>
+        </mc:Fallback>
+      </mc:AlternateContent>
+      <mc:AlternateContent xmlns:mc="http://schemas.openxmlformats.org/markup-compatibility/2006">
+        <mc:Choice xmlns:p14="http://schemas.microsoft.com/office/powerpoint/2010/main" Requires="p14">
+          <p:contentPart p14:bwMode="auto" r:id="rId114">
+            <p14:nvContentPartPr>
+              <p14:cNvPr id="17" name="Ink 16">
+                <a:extLst>
+                  <a:ext uri="{FF2B5EF4-FFF2-40B4-BE49-F238E27FC236}">
+                    <a16:creationId xmlns:a16="http://schemas.microsoft.com/office/drawing/2014/main" id="{F1189EEB-AAE9-7767-9D3A-CE56974072A8}"/>
+                  </a:ext>
+                </a:extLst>
+              </p14:cNvPr>
+              <p14:cNvContentPartPr/>
+              <p14:nvPr/>
+            </p14:nvContentPartPr>
+            <p14:xfrm>
+              <a:off x="5413688" y="5550323"/>
+              <a:ext cx="360" cy="223560"/>
+            </p14:xfrm>
+          </p:contentPart>
+        </mc:Choice>
+        <mc:Fallback>
+          <p:pic>
+            <p:nvPicPr>
+              <p:cNvPr id="17" name="Ink 16">
+                <a:extLst>
+                  <a:ext uri="{FF2B5EF4-FFF2-40B4-BE49-F238E27FC236}">
+                    <a16:creationId xmlns:a16="http://schemas.microsoft.com/office/drawing/2014/main" id="{F1189EEB-AAE9-7767-9D3A-CE56974072A8}"/>
+                  </a:ext>
+                </a:extLst>
+              </p:cNvPr>
+              <p:cNvPicPr/>
+              <p:nvPr/>
+            </p:nvPicPr>
+            <p:blipFill>
+              <a:blip r:embed="rId115"/>
+              <a:stretch>
+                <a:fillRect/>
+              </a:stretch>
+            </p:blipFill>
+            <p:spPr>
+              <a:xfrm>
+                <a:off x="5395688" y="5532323"/>
+                <a:ext cx="36000" cy="259200"/>
+              </a:xfrm>
+              <a:prstGeom prst="rect">
+                <a:avLst/>
+              </a:prstGeom>
+            </p:spPr>
+          </p:pic>
+        </mc:Fallback>
+      </mc:AlternateContent>
+      <mc:AlternateContent xmlns:mc="http://schemas.openxmlformats.org/markup-compatibility/2006">
+        <mc:Choice xmlns:p14="http://schemas.microsoft.com/office/powerpoint/2010/main" Requires="p14">
+          <p:contentPart p14:bwMode="auto" r:id="rId116">
+            <p14:nvContentPartPr>
+              <p14:cNvPr id="21" name="Ink 20">
+                <a:extLst>
+                  <a:ext uri="{FF2B5EF4-FFF2-40B4-BE49-F238E27FC236}">
+                    <a16:creationId xmlns:a16="http://schemas.microsoft.com/office/drawing/2014/main" id="{32ADC569-97DF-6FC3-FBA3-609DC5C790A1}"/>
+                  </a:ext>
+                </a:extLst>
+              </p14:cNvPr>
+              <p14:cNvContentPartPr/>
+              <p14:nvPr/>
+            </p14:nvContentPartPr>
+            <p14:xfrm>
+              <a:off x="6137648" y="5556803"/>
+              <a:ext cx="3240" cy="166680"/>
+            </p14:xfrm>
+          </p:contentPart>
+        </mc:Choice>
+        <mc:Fallback>
+          <p:pic>
+            <p:nvPicPr>
+              <p:cNvPr id="21" name="Ink 20">
+                <a:extLst>
+                  <a:ext uri="{FF2B5EF4-FFF2-40B4-BE49-F238E27FC236}">
+                    <a16:creationId xmlns:a16="http://schemas.microsoft.com/office/drawing/2014/main" id="{32ADC569-97DF-6FC3-FBA3-609DC5C790A1}"/>
+                  </a:ext>
+                </a:extLst>
+              </p:cNvPr>
+              <p:cNvPicPr/>
+              <p:nvPr/>
+            </p:nvPicPr>
+            <p:blipFill>
+              <a:blip r:embed="rId117"/>
+              <a:stretch>
+                <a:fillRect/>
+              </a:stretch>
+            </p:blipFill>
+            <p:spPr>
+              <a:xfrm>
+                <a:off x="6120008" y="5539163"/>
+                <a:ext cx="38880" cy="202320"/>
+              </a:xfrm>
+              <a:prstGeom prst="rect">
+                <a:avLst/>
+              </a:prstGeom>
+            </p:spPr>
+          </p:pic>
+        </mc:Fallback>
+      </mc:AlternateContent>
+      <mc:AlternateContent xmlns:mc="http://schemas.openxmlformats.org/markup-compatibility/2006">
+        <mc:Choice xmlns:p14="http://schemas.microsoft.com/office/powerpoint/2010/main" Requires="p14">
+          <p:contentPart p14:bwMode="auto" r:id="rId118">
+            <p14:nvContentPartPr>
+              <p14:cNvPr id="30" name="Ink 29">
+                <a:extLst>
+                  <a:ext uri="{FF2B5EF4-FFF2-40B4-BE49-F238E27FC236}">
+                    <a16:creationId xmlns:a16="http://schemas.microsoft.com/office/drawing/2014/main" id="{CCE04878-9E60-DB50-1B7A-4F10B8182210}"/>
+                  </a:ext>
+                </a:extLst>
+              </p14:cNvPr>
+              <p14:cNvContentPartPr/>
+              <p14:nvPr/>
+            </p14:nvContentPartPr>
+            <p14:xfrm>
+              <a:off x="6845048" y="5512523"/>
+              <a:ext cx="360" cy="214200"/>
+            </p14:xfrm>
+          </p:contentPart>
+        </mc:Choice>
+        <mc:Fallback>
+          <p:pic>
+            <p:nvPicPr>
+              <p:cNvPr id="30" name="Ink 29">
+                <a:extLst>
+                  <a:ext uri="{FF2B5EF4-FFF2-40B4-BE49-F238E27FC236}">
+                    <a16:creationId xmlns:a16="http://schemas.microsoft.com/office/drawing/2014/main" id="{CCE04878-9E60-DB50-1B7A-4F10B8182210}"/>
+                  </a:ext>
+                </a:extLst>
+              </p:cNvPr>
+              <p:cNvPicPr/>
+              <p:nvPr/>
+            </p:nvPicPr>
+            <p:blipFill>
+              <a:blip r:embed="rId119"/>
+              <a:stretch>
+                <a:fillRect/>
+              </a:stretch>
+            </p:blipFill>
+            <p:spPr>
+              <a:xfrm>
+                <a:off x="6827048" y="5494523"/>
+                <a:ext cx="36000" cy="249840"/>
+              </a:xfrm>
+              <a:prstGeom prst="rect">
+                <a:avLst/>
+              </a:prstGeom>
+            </p:spPr>
+          </p:pic>
+        </mc:Fallback>
+      </mc:AlternateContent>
+      <mc:AlternateContent xmlns:mc="http://schemas.openxmlformats.org/markup-compatibility/2006">
+        <mc:Choice xmlns:p14="http://schemas.microsoft.com/office/powerpoint/2010/main" Requires="p14">
+          <p:contentPart p14:bwMode="auto" r:id="rId120">
+            <p14:nvContentPartPr>
+              <p14:cNvPr id="31" name="Ink 30">
+                <a:extLst>
+                  <a:ext uri="{FF2B5EF4-FFF2-40B4-BE49-F238E27FC236}">
+                    <a16:creationId xmlns:a16="http://schemas.microsoft.com/office/drawing/2014/main" id="{7A8110DF-C463-2384-4AD3-EE475BEEF590}"/>
+                  </a:ext>
+                </a:extLst>
+              </p14:cNvPr>
+              <p14:cNvContentPartPr/>
+              <p14:nvPr/>
+            </p14:nvContentPartPr>
+            <p14:xfrm>
+              <a:off x="8093504" y="5540603"/>
+              <a:ext cx="9000" cy="173520"/>
+            </p14:xfrm>
+          </p:contentPart>
+        </mc:Choice>
+        <mc:Fallback>
+          <p:pic>
+            <p:nvPicPr>
+              <p:cNvPr id="31" name="Ink 30">
+                <a:extLst>
+                  <a:ext uri="{FF2B5EF4-FFF2-40B4-BE49-F238E27FC236}">
+                    <a16:creationId xmlns:a16="http://schemas.microsoft.com/office/drawing/2014/main" id="{7A8110DF-C463-2384-4AD3-EE475BEEF590}"/>
+                  </a:ext>
+                </a:extLst>
+              </p:cNvPr>
+              <p:cNvPicPr/>
+              <p:nvPr/>
+            </p:nvPicPr>
+            <p:blipFill>
+              <a:blip r:embed="rId121"/>
+              <a:stretch>
+                <a:fillRect/>
+              </a:stretch>
+            </p:blipFill>
+            <p:spPr>
+              <a:xfrm>
+                <a:off x="8075864" y="5522603"/>
+                <a:ext cx="44640" cy="209160"/>
+              </a:xfrm>
+              <a:prstGeom prst="rect">
+                <a:avLst/>
+              </a:prstGeom>
+            </p:spPr>
+          </p:pic>
+        </mc:Fallback>
+      </mc:AlternateContent>
+      <mc:AlternateContent xmlns:mc="http://schemas.openxmlformats.org/markup-compatibility/2006">
+        <mc:Choice xmlns:p14="http://schemas.microsoft.com/office/powerpoint/2010/main" Requires="p14">
+          <p:contentPart p14:bwMode="auto" r:id="rId122">
+            <p14:nvContentPartPr>
+              <p14:cNvPr id="32" name="Ink 31">
+                <a:extLst>
+                  <a:ext uri="{FF2B5EF4-FFF2-40B4-BE49-F238E27FC236}">
+                    <a16:creationId xmlns:a16="http://schemas.microsoft.com/office/drawing/2014/main" id="{39C13566-A248-CDD6-6FAE-F3E89C723759}"/>
+                  </a:ext>
+                </a:extLst>
+              </p14:cNvPr>
+              <p14:cNvContentPartPr/>
+              <p14:nvPr/>
+            </p14:nvContentPartPr>
+            <p14:xfrm>
+              <a:off x="8527304" y="5551403"/>
+              <a:ext cx="360" cy="181440"/>
+            </p14:xfrm>
+          </p:contentPart>
+        </mc:Choice>
+        <mc:Fallback>
+          <p:pic>
+            <p:nvPicPr>
+              <p:cNvPr id="32" name="Ink 31">
+                <a:extLst>
+                  <a:ext uri="{FF2B5EF4-FFF2-40B4-BE49-F238E27FC236}">
+                    <a16:creationId xmlns:a16="http://schemas.microsoft.com/office/drawing/2014/main" id="{39C13566-A248-CDD6-6FAE-F3E89C723759}"/>
+                  </a:ext>
+                </a:extLst>
+              </p:cNvPr>
+              <p:cNvPicPr/>
+              <p:nvPr/>
+            </p:nvPicPr>
+            <p:blipFill>
+              <a:blip r:embed="rId123"/>
+              <a:stretch>
+                <a:fillRect/>
+              </a:stretch>
+            </p:blipFill>
+            <p:spPr>
+              <a:xfrm>
+                <a:off x="8509664" y="5533763"/>
+                <a:ext cx="36000" cy="217080"/>
+              </a:xfrm>
+              <a:prstGeom prst="rect">
+                <a:avLst/>
+              </a:prstGeom>
+            </p:spPr>
+          </p:pic>
+        </mc:Fallback>
+      </mc:AlternateContent>
+      <mc:AlternateContent xmlns:mc="http://schemas.openxmlformats.org/markup-compatibility/2006">
+        <mc:Choice xmlns:p14="http://schemas.microsoft.com/office/powerpoint/2010/main" Requires="p14">
+          <p:contentPart p14:bwMode="auto" r:id="rId124">
+            <p14:nvContentPartPr>
+              <p14:cNvPr id="33" name="Ink 32">
+                <a:extLst>
+                  <a:ext uri="{FF2B5EF4-FFF2-40B4-BE49-F238E27FC236}">
+                    <a16:creationId xmlns:a16="http://schemas.microsoft.com/office/drawing/2014/main" id="{7F0F4C93-4561-2DB9-A177-BE994637CEE2}"/>
+                  </a:ext>
+                </a:extLst>
+              </p14:cNvPr>
+              <p14:cNvContentPartPr/>
+              <p14:nvPr/>
+            </p14:nvContentPartPr>
+            <p14:xfrm>
+              <a:off x="8955344" y="5530523"/>
+              <a:ext cx="5760" cy="177480"/>
+            </p14:xfrm>
+          </p:contentPart>
+        </mc:Choice>
+        <mc:Fallback>
+          <p:pic>
+            <p:nvPicPr>
+              <p:cNvPr id="33" name="Ink 32">
+                <a:extLst>
+                  <a:ext uri="{FF2B5EF4-FFF2-40B4-BE49-F238E27FC236}">
+                    <a16:creationId xmlns:a16="http://schemas.microsoft.com/office/drawing/2014/main" id="{7F0F4C93-4561-2DB9-A177-BE994637CEE2}"/>
+                  </a:ext>
+                </a:extLst>
+              </p:cNvPr>
+              <p:cNvPicPr/>
+              <p:nvPr/>
+            </p:nvPicPr>
+            <p:blipFill>
+              <a:blip r:embed="rId125"/>
+              <a:stretch>
+                <a:fillRect/>
+              </a:stretch>
+            </p:blipFill>
+            <p:spPr>
+              <a:xfrm>
+                <a:off x="8937344" y="5512883"/>
+                <a:ext cx="41400" cy="213120"/>
+              </a:xfrm>
+              <a:prstGeom prst="rect">
+                <a:avLst/>
+              </a:prstGeom>
+            </p:spPr>
+          </p:pic>
+        </mc:Fallback>
+      </mc:AlternateContent>
+      <mc:AlternateContent xmlns:mc="http://schemas.openxmlformats.org/markup-compatibility/2006">
+        <mc:Choice xmlns:p14="http://schemas.microsoft.com/office/powerpoint/2010/main" Requires="p14">
+          <p:contentPart p14:bwMode="auto" r:id="rId126">
+            <p14:nvContentPartPr>
+              <p14:cNvPr id="35" name="Ink 34">
+                <a:extLst>
+                  <a:ext uri="{FF2B5EF4-FFF2-40B4-BE49-F238E27FC236}">
+                    <a16:creationId xmlns:a16="http://schemas.microsoft.com/office/drawing/2014/main" id="{348F99B5-05F8-0693-E4C2-671D4813A359}"/>
+                  </a:ext>
+                </a:extLst>
+              </p14:cNvPr>
+              <p14:cNvContentPartPr/>
+              <p14:nvPr/>
+            </p14:nvContentPartPr>
+            <p14:xfrm>
+              <a:off x="9365744" y="5498123"/>
+              <a:ext cx="3240" cy="194400"/>
+            </p14:xfrm>
+          </p:contentPart>
+        </mc:Choice>
+        <mc:Fallback>
+          <p:pic>
+            <p:nvPicPr>
+              <p:cNvPr id="35" name="Ink 34">
+                <a:extLst>
+                  <a:ext uri="{FF2B5EF4-FFF2-40B4-BE49-F238E27FC236}">
+                    <a16:creationId xmlns:a16="http://schemas.microsoft.com/office/drawing/2014/main" id="{348F99B5-05F8-0693-E4C2-671D4813A359}"/>
+                  </a:ext>
+                </a:extLst>
+              </p:cNvPr>
+              <p:cNvPicPr/>
+              <p:nvPr/>
+            </p:nvPicPr>
+            <p:blipFill>
+              <a:blip r:embed="rId127"/>
+              <a:stretch>
+                <a:fillRect/>
+              </a:stretch>
+            </p:blipFill>
+            <p:spPr>
+              <a:xfrm>
+                <a:off x="9348104" y="5480123"/>
+                <a:ext cx="38880" cy="230040"/>
+              </a:xfrm>
+              <a:prstGeom prst="rect">
+                <a:avLst/>
+              </a:prstGeom>
+            </p:spPr>
+          </p:pic>
+        </mc:Fallback>
+      </mc:AlternateContent>
+      <mc:AlternateContent xmlns:mc="http://schemas.openxmlformats.org/markup-compatibility/2006">
+        <mc:Choice xmlns:p14="http://schemas.microsoft.com/office/powerpoint/2010/main" Requires="p14">
+          <p:contentPart p14:bwMode="auto" r:id="rId128">
+            <p14:nvContentPartPr>
+              <p14:cNvPr id="36" name="Ink 35">
+                <a:extLst>
+                  <a:ext uri="{FF2B5EF4-FFF2-40B4-BE49-F238E27FC236}">
+                    <a16:creationId xmlns:a16="http://schemas.microsoft.com/office/drawing/2014/main" id="{F546E833-BD85-79B1-A762-57EB5C832509}"/>
+                  </a:ext>
+                </a:extLst>
+              </p14:cNvPr>
+              <p14:cNvContentPartPr/>
+              <p14:nvPr/>
+            </p14:nvContentPartPr>
+            <p14:xfrm>
+              <a:off x="9753824" y="5472203"/>
+              <a:ext cx="360" cy="177840"/>
+            </p14:xfrm>
+          </p:contentPart>
+        </mc:Choice>
+        <mc:Fallback>
+          <p:pic>
+            <p:nvPicPr>
+              <p:cNvPr id="36" name="Ink 35">
+                <a:extLst>
+                  <a:ext uri="{FF2B5EF4-FFF2-40B4-BE49-F238E27FC236}">
+                    <a16:creationId xmlns:a16="http://schemas.microsoft.com/office/drawing/2014/main" id="{F546E833-BD85-79B1-A762-57EB5C832509}"/>
+                  </a:ext>
+                </a:extLst>
+              </p:cNvPr>
+              <p:cNvPicPr/>
+              <p:nvPr/>
+            </p:nvPicPr>
+            <p:blipFill>
+              <a:blip r:embed="rId129"/>
+              <a:stretch>
+                <a:fillRect/>
+              </a:stretch>
+            </p:blipFill>
+            <p:spPr>
+              <a:xfrm>
+                <a:off x="9735824" y="5454203"/>
+                <a:ext cx="36000" cy="213480"/>
+              </a:xfrm>
+              <a:prstGeom prst="rect">
+                <a:avLst/>
+              </a:prstGeom>
+            </p:spPr>
+          </p:pic>
+        </mc:Fallback>
+      </mc:AlternateContent>
+      <p:sp>
+        <p:nvSpPr>
+          <p:cNvPr id="37" name="TextBox 36">
+            <a:extLst>
+              <a:ext uri="{FF2B5EF4-FFF2-40B4-BE49-F238E27FC236}">
+                <a16:creationId xmlns:a16="http://schemas.microsoft.com/office/drawing/2014/main" id="{EF4E1A43-BD9E-7139-BC02-2274692479BD}"/>
+              </a:ext>
+            </a:extLst>
+          </p:cNvPr>
+          <p:cNvSpPr txBox="1"/>
+          <p:nvPr/>
+        </p:nvSpPr>
+        <p:spPr>
+          <a:xfrm>
+            <a:off x="4742522" y="3896229"/>
+            <a:ext cx="2759089" cy="369332"/>
+          </a:xfrm>
+          <a:prstGeom prst="rect">
+            <a:avLst/>
+          </a:prstGeom>
+          <a:noFill/>
+        </p:spPr>
+        <p:txBody>
+          <a:bodyPr wrap="none" rtlCol="0">
+            <a:spAutoFit/>
+          </a:bodyPr>
+          <a:lstStyle/>
+          <a:p>
+            <a:pPr algn="ctr"/>
+            <a:r>
+              <a:rPr lang="en-US" b="1" dirty="0"/>
+              <a:t>Discrete, three-level design</a:t>
+            </a:r>
+          </a:p>
+        </p:txBody>
+      </p:sp>
+      <p:sp>
+        <p:nvSpPr>
+          <p:cNvPr id="38" name="TextBox 37">
+            <a:extLst>
+              <a:ext uri="{FF2B5EF4-FFF2-40B4-BE49-F238E27FC236}">
+                <a16:creationId xmlns:a16="http://schemas.microsoft.com/office/drawing/2014/main" id="{789C8D04-70E6-5CAB-8B4F-63C379580C0A}"/>
+              </a:ext>
+            </a:extLst>
+          </p:cNvPr>
+          <p:cNvSpPr txBox="1"/>
+          <p:nvPr/>
+        </p:nvSpPr>
+        <p:spPr>
+          <a:xfrm>
+            <a:off x="7854169" y="3891168"/>
+            <a:ext cx="1944251" cy="369332"/>
+          </a:xfrm>
+          <a:prstGeom prst="rect">
+            <a:avLst/>
+          </a:prstGeom>
+          <a:noFill/>
+        </p:spPr>
+        <p:txBody>
+          <a:bodyPr wrap="none" rtlCol="0">
+            <a:spAutoFit/>
+          </a:bodyPr>
+          <a:lstStyle/>
+          <a:p>
+            <a:pPr algn="ctr"/>
+            <a:r>
+              <a:rPr lang="en-US" b="1" dirty="0"/>
+              <a:t>Continuous design</a:t>
+            </a:r>
+          </a:p>
+        </p:txBody>
+      </p:sp>
+      <mc:AlternateContent xmlns:mc="http://schemas.openxmlformats.org/markup-compatibility/2006">
+        <mc:Choice xmlns:p14="http://schemas.microsoft.com/office/powerpoint/2010/main" Requires="p14">
+          <p:contentPart p14:bwMode="auto" r:id="rId130">
+            <p14:nvContentPartPr>
+              <p14:cNvPr id="40" name="Ink 39">
+                <a:extLst>
+                  <a:ext uri="{FF2B5EF4-FFF2-40B4-BE49-F238E27FC236}">
+                    <a16:creationId xmlns:a16="http://schemas.microsoft.com/office/drawing/2014/main" id="{1AE25923-7718-8D0C-7D5C-3F1C55832FDC}"/>
+                  </a:ext>
+                </a:extLst>
+              </p14:cNvPr>
+              <p14:cNvContentPartPr/>
+              <p14:nvPr/>
+            </p14:nvContentPartPr>
+            <p14:xfrm>
+              <a:off x="2031034" y="5387091"/>
+              <a:ext cx="174960" cy="6480"/>
+            </p14:xfrm>
+          </p:contentPart>
+        </mc:Choice>
+        <mc:Fallback>
+          <p:pic>
+            <p:nvPicPr>
+              <p:cNvPr id="40" name="Ink 39">
+                <a:extLst>
+                  <a:ext uri="{FF2B5EF4-FFF2-40B4-BE49-F238E27FC236}">
+                    <a16:creationId xmlns:a16="http://schemas.microsoft.com/office/drawing/2014/main" id="{1AE25923-7718-8D0C-7D5C-3F1C55832FDC}"/>
+                  </a:ext>
+                </a:extLst>
+              </p:cNvPr>
+              <p:cNvPicPr/>
+              <p:nvPr/>
+            </p:nvPicPr>
+            <p:blipFill>
+              <a:blip r:embed="rId131"/>
+              <a:stretch>
+                <a:fillRect/>
+              </a:stretch>
+            </p:blipFill>
+            <p:spPr>
+              <a:xfrm>
+                <a:off x="2013394" y="5369091"/>
+                <a:ext cx="210600" cy="42120"/>
+              </a:xfrm>
+              <a:prstGeom prst="rect">
+                <a:avLst/>
+              </a:prstGeom>
+            </p:spPr>
+          </p:pic>
+        </mc:Fallback>
+      </mc:AlternateContent>
+      <mc:AlternateContent xmlns:mc="http://schemas.openxmlformats.org/markup-compatibility/2006">
+        <mc:Choice xmlns:p14="http://schemas.microsoft.com/office/powerpoint/2010/main" Requires="p14">
+          <p:contentPart p14:bwMode="auto" r:id="rId132">
+            <p14:nvContentPartPr>
+              <p14:cNvPr id="41" name="Ink 40">
+                <a:extLst>
+                  <a:ext uri="{FF2B5EF4-FFF2-40B4-BE49-F238E27FC236}">
+                    <a16:creationId xmlns:a16="http://schemas.microsoft.com/office/drawing/2014/main" id="{CA72CC0C-6EB8-1743-5AD3-91FCB7548E26}"/>
+                  </a:ext>
+                </a:extLst>
+              </p14:cNvPr>
+              <p14:cNvContentPartPr/>
+              <p14:nvPr/>
+            </p14:nvContentPartPr>
+            <p14:xfrm>
+              <a:off x="2016994" y="4901091"/>
+              <a:ext cx="170640" cy="360"/>
+            </p14:xfrm>
+          </p:contentPart>
+        </mc:Choice>
+        <mc:Fallback>
+          <p:pic>
+            <p:nvPicPr>
+              <p:cNvPr id="41" name="Ink 40">
+                <a:extLst>
+                  <a:ext uri="{FF2B5EF4-FFF2-40B4-BE49-F238E27FC236}">
+                    <a16:creationId xmlns:a16="http://schemas.microsoft.com/office/drawing/2014/main" id="{CA72CC0C-6EB8-1743-5AD3-91FCB7548E26}"/>
+                  </a:ext>
+                </a:extLst>
+              </p:cNvPr>
+              <p:cNvPicPr/>
+              <p:nvPr/>
+            </p:nvPicPr>
+            <p:blipFill>
+              <a:blip r:embed="rId133"/>
+              <a:stretch>
+                <a:fillRect/>
+              </a:stretch>
+            </p:blipFill>
+            <p:spPr>
+              <a:xfrm>
+                <a:off x="1998994" y="4883091"/>
+                <a:ext cx="206280" cy="36000"/>
+              </a:xfrm>
+              <a:prstGeom prst="rect">
+                <a:avLst/>
+              </a:prstGeom>
+            </p:spPr>
+          </p:pic>
+        </mc:Fallback>
+      </mc:AlternateContent>
+      <mc:AlternateContent xmlns:mc="http://schemas.openxmlformats.org/markup-compatibility/2006">
+        <mc:Choice xmlns:p14="http://schemas.microsoft.com/office/powerpoint/2010/main" Requires="p14">
+          <p:contentPart p14:bwMode="auto" r:id="rId134">
+            <p14:nvContentPartPr>
+              <p14:cNvPr id="43" name="Ink 42">
+                <a:extLst>
+                  <a:ext uri="{FF2B5EF4-FFF2-40B4-BE49-F238E27FC236}">
+                    <a16:creationId xmlns:a16="http://schemas.microsoft.com/office/drawing/2014/main" id="{0788DF4E-8ED6-2457-086D-8D870AC1DFA3}"/>
+                  </a:ext>
+                </a:extLst>
+              </p14:cNvPr>
+              <p14:cNvContentPartPr/>
+              <p14:nvPr/>
+            </p14:nvContentPartPr>
+            <p14:xfrm>
+              <a:off x="2015554" y="4452531"/>
+              <a:ext cx="167760" cy="360"/>
+            </p14:xfrm>
+          </p:contentPart>
+        </mc:Choice>
+        <mc:Fallback>
+          <p:pic>
+            <p:nvPicPr>
+              <p:cNvPr id="43" name="Ink 42">
+                <a:extLst>
+                  <a:ext uri="{FF2B5EF4-FFF2-40B4-BE49-F238E27FC236}">
+                    <a16:creationId xmlns:a16="http://schemas.microsoft.com/office/drawing/2014/main" id="{0788DF4E-8ED6-2457-086D-8D870AC1DFA3}"/>
+                  </a:ext>
+                </a:extLst>
+              </p:cNvPr>
+              <p:cNvPicPr/>
+              <p:nvPr/>
+            </p:nvPicPr>
+            <p:blipFill>
+              <a:blip r:embed="rId135"/>
+              <a:stretch>
+                <a:fillRect/>
+              </a:stretch>
+            </p:blipFill>
+            <p:spPr>
+              <a:xfrm>
+                <a:off x="1997554" y="4434891"/>
+                <a:ext cx="203400" cy="36000"/>
+              </a:xfrm>
+              <a:prstGeom prst="rect">
+                <a:avLst/>
+              </a:prstGeom>
+            </p:spPr>
+          </p:pic>
+        </mc:Fallback>
+      </mc:AlternateContent>
+      <mc:AlternateContent xmlns:mc="http://schemas.openxmlformats.org/markup-compatibility/2006">
+        <mc:Choice xmlns:p14="http://schemas.microsoft.com/office/powerpoint/2010/main" Requires="p14">
+          <p:contentPart p14:bwMode="auto" r:id="rId136">
+            <p14:nvContentPartPr>
+              <p14:cNvPr id="44" name="Ink 43">
+                <a:extLst>
+                  <a:ext uri="{FF2B5EF4-FFF2-40B4-BE49-F238E27FC236}">
+                    <a16:creationId xmlns:a16="http://schemas.microsoft.com/office/drawing/2014/main" id="{41BB66FA-FDA1-A780-7A31-8585E1F0DBF9}"/>
+                  </a:ext>
+                </a:extLst>
+              </p14:cNvPr>
+              <p14:cNvContentPartPr/>
+              <p14:nvPr/>
+            </p14:nvContentPartPr>
+            <p14:xfrm>
+              <a:off x="4884181" y="5387091"/>
+              <a:ext cx="174960" cy="6480"/>
+            </p14:xfrm>
+          </p:contentPart>
+        </mc:Choice>
+        <mc:Fallback>
+          <p:pic>
+            <p:nvPicPr>
+              <p:cNvPr id="44" name="Ink 43">
+                <a:extLst>
+                  <a:ext uri="{FF2B5EF4-FFF2-40B4-BE49-F238E27FC236}">
+                    <a16:creationId xmlns:a16="http://schemas.microsoft.com/office/drawing/2014/main" id="{41BB66FA-FDA1-A780-7A31-8585E1F0DBF9}"/>
+                  </a:ext>
+                </a:extLst>
+              </p:cNvPr>
+              <p:cNvPicPr/>
+              <p:nvPr/>
+            </p:nvPicPr>
+            <p:blipFill>
+              <a:blip r:embed="rId131"/>
+              <a:stretch>
+                <a:fillRect/>
+              </a:stretch>
+            </p:blipFill>
+            <p:spPr>
+              <a:xfrm>
+                <a:off x="4866541" y="5369091"/>
+                <a:ext cx="210600" cy="42120"/>
+              </a:xfrm>
+              <a:prstGeom prst="rect">
+                <a:avLst/>
+              </a:prstGeom>
+            </p:spPr>
+          </p:pic>
+        </mc:Fallback>
+      </mc:AlternateContent>
+      <mc:AlternateContent xmlns:mc="http://schemas.openxmlformats.org/markup-compatibility/2006">
+        <mc:Choice xmlns:p14="http://schemas.microsoft.com/office/powerpoint/2010/main" Requires="p14">
+          <p:contentPart p14:bwMode="auto" r:id="rId137">
+            <p14:nvContentPartPr>
+              <p14:cNvPr id="45" name="Ink 44">
+                <a:extLst>
+                  <a:ext uri="{FF2B5EF4-FFF2-40B4-BE49-F238E27FC236}">
+                    <a16:creationId xmlns:a16="http://schemas.microsoft.com/office/drawing/2014/main" id="{18CD798A-4F1A-8CE0-ECCF-45847EED5017}"/>
+                  </a:ext>
+                </a:extLst>
+              </p14:cNvPr>
+              <p14:cNvContentPartPr/>
+              <p14:nvPr/>
+            </p14:nvContentPartPr>
+            <p14:xfrm>
+              <a:off x="4870141" y="4901091"/>
+              <a:ext cx="170640" cy="360"/>
+            </p14:xfrm>
+          </p:contentPart>
+        </mc:Choice>
+        <mc:Fallback>
+          <p:pic>
+            <p:nvPicPr>
+              <p:cNvPr id="45" name="Ink 44">
+                <a:extLst>
+                  <a:ext uri="{FF2B5EF4-FFF2-40B4-BE49-F238E27FC236}">
+                    <a16:creationId xmlns:a16="http://schemas.microsoft.com/office/drawing/2014/main" id="{18CD798A-4F1A-8CE0-ECCF-45847EED5017}"/>
+                  </a:ext>
+                </a:extLst>
+              </p:cNvPr>
+              <p:cNvPicPr/>
+              <p:nvPr/>
+            </p:nvPicPr>
+            <p:blipFill>
+              <a:blip r:embed="rId133"/>
+              <a:stretch>
+                <a:fillRect/>
+              </a:stretch>
+            </p:blipFill>
+            <p:spPr>
+              <a:xfrm>
+                <a:off x="4852141" y="4883091"/>
+                <a:ext cx="206280" cy="36000"/>
+              </a:xfrm>
+              <a:prstGeom prst="rect">
+                <a:avLst/>
+              </a:prstGeom>
+            </p:spPr>
+          </p:pic>
+        </mc:Fallback>
+      </mc:AlternateContent>
+      <mc:AlternateContent xmlns:mc="http://schemas.openxmlformats.org/markup-compatibility/2006">
+        <mc:Choice xmlns:p14="http://schemas.microsoft.com/office/powerpoint/2010/main" Requires="p14">
+          <p:contentPart p14:bwMode="auto" r:id="rId138">
+            <p14:nvContentPartPr>
+              <p14:cNvPr id="46" name="Ink 45">
+                <a:extLst>
+                  <a:ext uri="{FF2B5EF4-FFF2-40B4-BE49-F238E27FC236}">
+                    <a16:creationId xmlns:a16="http://schemas.microsoft.com/office/drawing/2014/main" id="{3BABE234-2CBA-32E2-6FE6-2F3CF56895EC}"/>
+                  </a:ext>
+                </a:extLst>
+              </p14:cNvPr>
+              <p14:cNvContentPartPr/>
+              <p14:nvPr/>
+            </p14:nvContentPartPr>
+            <p14:xfrm>
+              <a:off x="4868701" y="4452531"/>
+              <a:ext cx="167760" cy="360"/>
+            </p14:xfrm>
+          </p:contentPart>
+        </mc:Choice>
+        <mc:Fallback>
+          <p:pic>
+            <p:nvPicPr>
+              <p:cNvPr id="46" name="Ink 45">
+                <a:extLst>
+                  <a:ext uri="{FF2B5EF4-FFF2-40B4-BE49-F238E27FC236}">
+                    <a16:creationId xmlns:a16="http://schemas.microsoft.com/office/drawing/2014/main" id="{3BABE234-2CBA-32E2-6FE6-2F3CF56895EC}"/>
+                  </a:ext>
+                </a:extLst>
+              </p:cNvPr>
+              <p:cNvPicPr/>
+              <p:nvPr/>
+            </p:nvPicPr>
+            <p:blipFill>
+              <a:blip r:embed="rId135"/>
+              <a:stretch>
+                <a:fillRect/>
+              </a:stretch>
+            </p:blipFill>
+            <p:spPr>
+              <a:xfrm>
+                <a:off x="4850701" y="4434891"/>
+                <a:ext cx="203400" cy="36000"/>
+              </a:xfrm>
+              <a:prstGeom prst="rect">
+                <a:avLst/>
+              </a:prstGeom>
+            </p:spPr>
+          </p:pic>
+        </mc:Fallback>
+      </mc:AlternateContent>
+      <mc:AlternateContent xmlns:mc="http://schemas.openxmlformats.org/markup-compatibility/2006">
+        <mc:Choice xmlns:p14="http://schemas.microsoft.com/office/powerpoint/2010/main" Requires="p14">
+          <p:contentPart p14:bwMode="auto" r:id="rId139">
+            <p14:nvContentPartPr>
+              <p14:cNvPr id="47" name="Ink 46">
+                <a:extLst>
+                  <a:ext uri="{FF2B5EF4-FFF2-40B4-BE49-F238E27FC236}">
+                    <a16:creationId xmlns:a16="http://schemas.microsoft.com/office/drawing/2014/main" id="{78506119-1503-4361-11C1-0B94F9238DF0}"/>
+                  </a:ext>
+                </a:extLst>
+              </p14:cNvPr>
+              <p14:cNvContentPartPr/>
+              <p14:nvPr/>
+            </p14:nvContentPartPr>
+            <p14:xfrm>
+              <a:off x="7657340" y="5387091"/>
+              <a:ext cx="174960" cy="6480"/>
+            </p14:xfrm>
+          </p:contentPart>
+        </mc:Choice>
+        <mc:Fallback>
+          <p:pic>
+            <p:nvPicPr>
+              <p:cNvPr id="47" name="Ink 46">
+                <a:extLst>
+                  <a:ext uri="{FF2B5EF4-FFF2-40B4-BE49-F238E27FC236}">
+                    <a16:creationId xmlns:a16="http://schemas.microsoft.com/office/drawing/2014/main" id="{78506119-1503-4361-11C1-0B94F9238DF0}"/>
+                  </a:ext>
+                </a:extLst>
+              </p:cNvPr>
+              <p:cNvPicPr/>
+              <p:nvPr/>
+            </p:nvPicPr>
+            <p:blipFill>
+              <a:blip r:embed="rId131"/>
+              <a:stretch>
+                <a:fillRect/>
+              </a:stretch>
+            </p:blipFill>
+            <p:spPr>
+              <a:xfrm>
+                <a:off x="7639700" y="5369091"/>
+                <a:ext cx="210600" cy="42120"/>
+              </a:xfrm>
+              <a:prstGeom prst="rect">
+                <a:avLst/>
+              </a:prstGeom>
+            </p:spPr>
+          </p:pic>
+        </mc:Fallback>
+      </mc:AlternateContent>
+      <mc:AlternateContent xmlns:mc="http://schemas.openxmlformats.org/markup-compatibility/2006">
+        <mc:Choice xmlns:p14="http://schemas.microsoft.com/office/powerpoint/2010/main" Requires="p14">
+          <p:contentPart p14:bwMode="auto" r:id="rId140">
+            <p14:nvContentPartPr>
+              <p14:cNvPr id="48" name="Ink 47">
+                <a:extLst>
+                  <a:ext uri="{FF2B5EF4-FFF2-40B4-BE49-F238E27FC236}">
+                    <a16:creationId xmlns:a16="http://schemas.microsoft.com/office/drawing/2014/main" id="{13CAEF42-FF50-4380-551A-ABDC26A1CBFA}"/>
+                  </a:ext>
+                </a:extLst>
+              </p14:cNvPr>
+              <p14:cNvContentPartPr/>
+              <p14:nvPr/>
+            </p14:nvContentPartPr>
+            <p14:xfrm>
+              <a:off x="7643300" y="4901091"/>
+              <a:ext cx="170640" cy="360"/>
+            </p14:xfrm>
+          </p:contentPart>
+        </mc:Choice>
+        <mc:Fallback>
+          <p:pic>
+            <p:nvPicPr>
+              <p:cNvPr id="48" name="Ink 47">
+                <a:extLst>
+                  <a:ext uri="{FF2B5EF4-FFF2-40B4-BE49-F238E27FC236}">
+                    <a16:creationId xmlns:a16="http://schemas.microsoft.com/office/drawing/2014/main" id="{13CAEF42-FF50-4380-551A-ABDC26A1CBFA}"/>
+                  </a:ext>
+                </a:extLst>
+              </p:cNvPr>
+              <p:cNvPicPr/>
+              <p:nvPr/>
+            </p:nvPicPr>
+            <p:blipFill>
+              <a:blip r:embed="rId133"/>
+              <a:stretch>
+                <a:fillRect/>
+              </a:stretch>
+            </p:blipFill>
+            <p:spPr>
+              <a:xfrm>
+                <a:off x="7625300" y="4883091"/>
+                <a:ext cx="206280" cy="36000"/>
+              </a:xfrm>
+              <a:prstGeom prst="rect">
+                <a:avLst/>
+              </a:prstGeom>
+            </p:spPr>
+          </p:pic>
+        </mc:Fallback>
+      </mc:AlternateContent>
+      <mc:AlternateContent xmlns:mc="http://schemas.openxmlformats.org/markup-compatibility/2006">
+        <mc:Choice xmlns:p14="http://schemas.microsoft.com/office/powerpoint/2010/main" Requires="p14">
+          <p:contentPart p14:bwMode="auto" r:id="rId141">
+            <p14:nvContentPartPr>
+              <p14:cNvPr id="49" name="Ink 48">
+                <a:extLst>
+                  <a:ext uri="{FF2B5EF4-FFF2-40B4-BE49-F238E27FC236}">
+                    <a16:creationId xmlns:a16="http://schemas.microsoft.com/office/drawing/2014/main" id="{78453D8C-19A9-171E-30C9-2947CD5C7C61}"/>
+                  </a:ext>
+                </a:extLst>
+              </p14:cNvPr>
+              <p14:cNvContentPartPr/>
+              <p14:nvPr/>
+            </p14:nvContentPartPr>
+            <p14:xfrm>
+              <a:off x="7641860" y="4452531"/>
+              <a:ext cx="167760" cy="360"/>
+            </p14:xfrm>
+          </p:contentPart>
+        </mc:Choice>
+        <mc:Fallback>
+          <p:pic>
+            <p:nvPicPr>
+              <p:cNvPr id="49" name="Ink 48">
+                <a:extLst>
+                  <a:ext uri="{FF2B5EF4-FFF2-40B4-BE49-F238E27FC236}">
+                    <a16:creationId xmlns:a16="http://schemas.microsoft.com/office/drawing/2014/main" id="{78453D8C-19A9-171E-30C9-2947CD5C7C61}"/>
+                  </a:ext>
+                </a:extLst>
+              </p:cNvPr>
+              <p:cNvPicPr/>
+              <p:nvPr/>
+            </p:nvPicPr>
+            <p:blipFill>
+              <a:blip r:embed="rId135"/>
+              <a:stretch>
+                <a:fillRect/>
+              </a:stretch>
+            </p:blipFill>
+            <p:spPr>
+              <a:xfrm>
+                <a:off x="7623860" y="4434891"/>
+                <a:ext cx="203400" cy="36000"/>
+              </a:xfrm>
+              <a:prstGeom prst="rect">
+                <a:avLst/>
+              </a:prstGeom>
+            </p:spPr>
+          </p:pic>
+        </mc:Fallback>
+      </mc:AlternateContent>
+      <mc:AlternateContent xmlns:mc="http://schemas.openxmlformats.org/markup-compatibility/2006">
+        <mc:Choice xmlns:p14="http://schemas.microsoft.com/office/powerpoint/2010/main" Requires="p14">
+          <p:contentPart p14:bwMode="auto" r:id="rId142">
+            <p14:nvContentPartPr>
+              <p14:cNvPr id="55" name="Ink 54">
+                <a:extLst>
+                  <a:ext uri="{FF2B5EF4-FFF2-40B4-BE49-F238E27FC236}">
+                    <a16:creationId xmlns:a16="http://schemas.microsoft.com/office/drawing/2014/main" id="{3A2CD601-8CE0-942C-F75B-ED2BDF1371F0}"/>
+                  </a:ext>
+                </a:extLst>
+              </p14:cNvPr>
+              <p14:cNvContentPartPr/>
+              <p14:nvPr/>
+            </p14:nvContentPartPr>
+            <p14:xfrm>
+              <a:off x="2541154" y="5359371"/>
+              <a:ext cx="360" cy="360"/>
+            </p14:xfrm>
+          </p:contentPart>
+        </mc:Choice>
+        <mc:Fallback>
+          <p:pic>
+            <p:nvPicPr>
+              <p:cNvPr id="55" name="Ink 54">
+                <a:extLst>
+                  <a:ext uri="{FF2B5EF4-FFF2-40B4-BE49-F238E27FC236}">
+                    <a16:creationId xmlns:a16="http://schemas.microsoft.com/office/drawing/2014/main" id="{3A2CD601-8CE0-942C-F75B-ED2BDF1371F0}"/>
+                  </a:ext>
+                </a:extLst>
+              </p:cNvPr>
+              <p:cNvPicPr/>
+              <p:nvPr/>
+            </p:nvPicPr>
+            <p:blipFill>
+              <a:blip r:embed="rId143"/>
+              <a:stretch>
+                <a:fillRect/>
+              </a:stretch>
+            </p:blipFill>
+            <p:spPr>
+              <a:xfrm>
+                <a:off x="2478514" y="5296371"/>
+                <a:ext cx="126000" cy="126000"/>
+              </a:xfrm>
+              <a:prstGeom prst="rect">
+                <a:avLst/>
+              </a:prstGeom>
+            </p:spPr>
+          </p:pic>
+        </mc:Fallback>
+      </mc:AlternateContent>
+      <mc:AlternateContent xmlns:mc="http://schemas.openxmlformats.org/markup-compatibility/2006">
+        <mc:Choice xmlns:p14="http://schemas.microsoft.com/office/powerpoint/2010/main" Requires="p14">
+          <p:contentPart p14:bwMode="auto" r:id="rId144">
+            <p14:nvContentPartPr>
+              <p14:cNvPr id="56" name="Ink 55">
+                <a:extLst>
+                  <a:ext uri="{FF2B5EF4-FFF2-40B4-BE49-F238E27FC236}">
+                    <a16:creationId xmlns:a16="http://schemas.microsoft.com/office/drawing/2014/main" id="{18AEE69D-3E76-A4FD-AA1F-99854A7944AA}"/>
+                  </a:ext>
+                </a:extLst>
+              </p14:cNvPr>
+              <p14:cNvContentPartPr/>
+              <p14:nvPr/>
+            </p14:nvContentPartPr>
+            <p14:xfrm>
+              <a:off x="5418634" y="5357211"/>
+              <a:ext cx="360" cy="360"/>
+            </p14:xfrm>
+          </p:contentPart>
+        </mc:Choice>
+        <mc:Fallback>
+          <p:pic>
+            <p:nvPicPr>
+              <p:cNvPr id="56" name="Ink 55">
+                <a:extLst>
+                  <a:ext uri="{FF2B5EF4-FFF2-40B4-BE49-F238E27FC236}">
+                    <a16:creationId xmlns:a16="http://schemas.microsoft.com/office/drawing/2014/main" id="{18AEE69D-3E76-A4FD-AA1F-99854A7944AA}"/>
+                  </a:ext>
+                </a:extLst>
+              </p:cNvPr>
+              <p:cNvPicPr/>
+              <p:nvPr/>
+            </p:nvPicPr>
+            <p:blipFill>
+              <a:blip r:embed="rId143"/>
+              <a:stretch>
+                <a:fillRect/>
+              </a:stretch>
+            </p:blipFill>
+            <p:spPr>
+              <a:xfrm>
+                <a:off x="5355634" y="5294571"/>
+                <a:ext cx="126000" cy="126000"/>
+              </a:xfrm>
+              <a:prstGeom prst="rect">
+                <a:avLst/>
+              </a:prstGeom>
+            </p:spPr>
+          </p:pic>
+        </mc:Fallback>
+      </mc:AlternateContent>
+      <mc:AlternateContent xmlns:mc="http://schemas.openxmlformats.org/markup-compatibility/2006">
+        <mc:Choice xmlns:p14="http://schemas.microsoft.com/office/powerpoint/2010/main" Requires="p14">
+          <p:contentPart p14:bwMode="auto" r:id="rId145">
+            <p14:nvContentPartPr>
+              <p14:cNvPr id="57" name="Ink 56">
+                <a:extLst>
+                  <a:ext uri="{FF2B5EF4-FFF2-40B4-BE49-F238E27FC236}">
+                    <a16:creationId xmlns:a16="http://schemas.microsoft.com/office/drawing/2014/main" id="{7B72245E-AB1A-75AF-0F13-DED15317A2AF}"/>
+                  </a:ext>
+                </a:extLst>
+              </p14:cNvPr>
+              <p14:cNvContentPartPr/>
+              <p14:nvPr/>
+            </p14:nvContentPartPr>
+            <p14:xfrm>
+              <a:off x="6133594" y="5155971"/>
+              <a:ext cx="360" cy="360"/>
+            </p14:xfrm>
+          </p:contentPart>
+        </mc:Choice>
+        <mc:Fallback>
+          <p:pic>
+            <p:nvPicPr>
+              <p:cNvPr id="57" name="Ink 56">
+                <a:extLst>
+                  <a:ext uri="{FF2B5EF4-FFF2-40B4-BE49-F238E27FC236}">
+                    <a16:creationId xmlns:a16="http://schemas.microsoft.com/office/drawing/2014/main" id="{7B72245E-AB1A-75AF-0F13-DED15317A2AF}"/>
+                  </a:ext>
+                </a:extLst>
+              </p:cNvPr>
+              <p:cNvPicPr/>
+              <p:nvPr/>
+            </p:nvPicPr>
+            <p:blipFill>
+              <a:blip r:embed="rId143"/>
+              <a:stretch>
+                <a:fillRect/>
+              </a:stretch>
+            </p:blipFill>
+            <p:spPr>
+              <a:xfrm>
+                <a:off x="6070594" y="5092971"/>
+                <a:ext cx="126000" cy="126000"/>
+              </a:xfrm>
+              <a:prstGeom prst="rect">
+                <a:avLst/>
+              </a:prstGeom>
+            </p:spPr>
+          </p:pic>
+        </mc:Fallback>
+      </mc:AlternateContent>
+      <mc:AlternateContent xmlns:mc="http://schemas.openxmlformats.org/markup-compatibility/2006">
+        <mc:Choice xmlns:p14="http://schemas.microsoft.com/office/powerpoint/2010/main" Requires="p14">
+          <p:contentPart p14:bwMode="auto" r:id="rId146">
+            <p14:nvContentPartPr>
+              <p14:cNvPr id="58" name="Ink 57">
+                <a:extLst>
+                  <a:ext uri="{FF2B5EF4-FFF2-40B4-BE49-F238E27FC236}">
+                    <a16:creationId xmlns:a16="http://schemas.microsoft.com/office/drawing/2014/main" id="{20C748B4-D73E-61B9-1FE4-592662FB287A}"/>
+                  </a:ext>
+                </a:extLst>
+              </p14:cNvPr>
+              <p14:cNvContentPartPr/>
+              <p14:nvPr/>
+            </p14:nvContentPartPr>
+            <p14:xfrm>
+              <a:off x="6855034" y="4523451"/>
+              <a:ext cx="360" cy="360"/>
+            </p14:xfrm>
+          </p:contentPart>
+        </mc:Choice>
+        <mc:Fallback>
+          <p:pic>
+            <p:nvPicPr>
+              <p:cNvPr id="58" name="Ink 57">
+                <a:extLst>
+                  <a:ext uri="{FF2B5EF4-FFF2-40B4-BE49-F238E27FC236}">
+                    <a16:creationId xmlns:a16="http://schemas.microsoft.com/office/drawing/2014/main" id="{20C748B4-D73E-61B9-1FE4-592662FB287A}"/>
+                  </a:ext>
+                </a:extLst>
+              </p:cNvPr>
+              <p:cNvPicPr/>
+              <p:nvPr/>
+            </p:nvPicPr>
+            <p:blipFill>
+              <a:blip r:embed="rId143"/>
+              <a:stretch>
+                <a:fillRect/>
+              </a:stretch>
+            </p:blipFill>
+            <p:spPr>
+              <a:xfrm>
+                <a:off x="6792394" y="4460811"/>
+                <a:ext cx="126000" cy="126000"/>
+              </a:xfrm>
+              <a:prstGeom prst="rect">
+                <a:avLst/>
+              </a:prstGeom>
+            </p:spPr>
+          </p:pic>
+        </mc:Fallback>
+      </mc:AlternateContent>
+      <mc:AlternateContent xmlns:mc="http://schemas.openxmlformats.org/markup-compatibility/2006">
+        <mc:Choice xmlns:p14="http://schemas.microsoft.com/office/powerpoint/2010/main" Requires="p14">
+          <p:contentPart p14:bwMode="auto" r:id="rId147">
+            <p14:nvContentPartPr>
+              <p14:cNvPr id="59" name="Ink 58">
+                <a:extLst>
+                  <a:ext uri="{FF2B5EF4-FFF2-40B4-BE49-F238E27FC236}">
+                    <a16:creationId xmlns:a16="http://schemas.microsoft.com/office/drawing/2014/main" id="{89DD1740-4DBA-16B6-A12D-654001ADE3C9}"/>
+                  </a:ext>
+                </a:extLst>
+              </p14:cNvPr>
+              <p14:cNvContentPartPr/>
+              <p14:nvPr/>
+            </p14:nvContentPartPr>
+            <p14:xfrm>
+              <a:off x="8098114" y="5342091"/>
+              <a:ext cx="360" cy="360"/>
+            </p14:xfrm>
+          </p:contentPart>
+        </mc:Choice>
+        <mc:Fallback>
+          <p:pic>
+            <p:nvPicPr>
+              <p:cNvPr id="59" name="Ink 58">
+                <a:extLst>
+                  <a:ext uri="{FF2B5EF4-FFF2-40B4-BE49-F238E27FC236}">
+                    <a16:creationId xmlns:a16="http://schemas.microsoft.com/office/drawing/2014/main" id="{89DD1740-4DBA-16B6-A12D-654001ADE3C9}"/>
+                  </a:ext>
+                </a:extLst>
+              </p:cNvPr>
+              <p:cNvPicPr/>
+              <p:nvPr/>
+            </p:nvPicPr>
+            <p:blipFill>
+              <a:blip r:embed="rId143"/>
+              <a:stretch>
+                <a:fillRect/>
+              </a:stretch>
+            </p:blipFill>
+            <p:spPr>
+              <a:xfrm>
+                <a:off x="8035474" y="5279091"/>
+                <a:ext cx="126000" cy="126000"/>
+              </a:xfrm>
+              <a:prstGeom prst="rect">
+                <a:avLst/>
+              </a:prstGeom>
+            </p:spPr>
+          </p:pic>
+        </mc:Fallback>
+      </mc:AlternateContent>
+      <mc:AlternateContent xmlns:mc="http://schemas.openxmlformats.org/markup-compatibility/2006">
+        <mc:Choice xmlns:p14="http://schemas.microsoft.com/office/powerpoint/2010/main" Requires="p14">
+          <p:contentPart p14:bwMode="auto" r:id="rId148">
+            <p14:nvContentPartPr>
+              <p14:cNvPr id="60" name="Ink 59">
+                <a:extLst>
+                  <a:ext uri="{FF2B5EF4-FFF2-40B4-BE49-F238E27FC236}">
+                    <a16:creationId xmlns:a16="http://schemas.microsoft.com/office/drawing/2014/main" id="{E760AB97-DAFB-9AA6-1D98-7FF5840F94D5}"/>
+                  </a:ext>
+                </a:extLst>
+              </p14:cNvPr>
+              <p14:cNvContentPartPr/>
+              <p14:nvPr/>
+            </p14:nvContentPartPr>
+            <p14:xfrm>
+              <a:off x="8525794" y="5231915"/>
+              <a:ext cx="360" cy="360"/>
+            </p14:xfrm>
+          </p:contentPart>
+        </mc:Choice>
+        <mc:Fallback>
+          <p:pic>
+            <p:nvPicPr>
+              <p:cNvPr id="60" name="Ink 59">
+                <a:extLst>
+                  <a:ext uri="{FF2B5EF4-FFF2-40B4-BE49-F238E27FC236}">
+                    <a16:creationId xmlns:a16="http://schemas.microsoft.com/office/drawing/2014/main" id="{E760AB97-DAFB-9AA6-1D98-7FF5840F94D5}"/>
+                  </a:ext>
+                </a:extLst>
+              </p:cNvPr>
+              <p:cNvPicPr/>
+              <p:nvPr/>
+            </p:nvPicPr>
+            <p:blipFill>
+              <a:blip r:embed="rId143"/>
+              <a:stretch>
+                <a:fillRect/>
+              </a:stretch>
+            </p:blipFill>
+            <p:spPr>
+              <a:xfrm>
+                <a:off x="8463154" y="5169275"/>
+                <a:ext cx="126000" cy="126000"/>
+              </a:xfrm>
+              <a:prstGeom prst="rect">
+                <a:avLst/>
+              </a:prstGeom>
+            </p:spPr>
+          </p:pic>
+        </mc:Fallback>
+      </mc:AlternateContent>
+      <mc:AlternateContent xmlns:mc="http://schemas.openxmlformats.org/markup-compatibility/2006">
+        <mc:Choice xmlns:p14="http://schemas.microsoft.com/office/powerpoint/2010/main" Requires="p14">
+          <p:contentPart p14:bwMode="auto" r:id="rId149">
+            <p14:nvContentPartPr>
+              <p14:cNvPr id="67" name="Ink 66">
+                <a:extLst>
+                  <a:ext uri="{FF2B5EF4-FFF2-40B4-BE49-F238E27FC236}">
+                    <a16:creationId xmlns:a16="http://schemas.microsoft.com/office/drawing/2014/main" id="{38734A98-195F-E1BE-E742-1D4390D85E2A}"/>
+                  </a:ext>
+                </a:extLst>
+              </p14:cNvPr>
+              <p14:cNvContentPartPr/>
+              <p14:nvPr/>
+            </p14:nvContentPartPr>
+            <p14:xfrm>
+              <a:off x="3970586" y="4760657"/>
+              <a:ext cx="360" cy="360"/>
+            </p14:xfrm>
+          </p:contentPart>
+        </mc:Choice>
+        <mc:Fallback>
+          <p:pic>
+            <p:nvPicPr>
+              <p:cNvPr id="67" name="Ink 66">
+                <a:extLst>
+                  <a:ext uri="{FF2B5EF4-FFF2-40B4-BE49-F238E27FC236}">
+                    <a16:creationId xmlns:a16="http://schemas.microsoft.com/office/drawing/2014/main" id="{38734A98-195F-E1BE-E742-1D4390D85E2A}"/>
+                  </a:ext>
+                </a:extLst>
+              </p:cNvPr>
+              <p:cNvPicPr/>
+              <p:nvPr/>
+            </p:nvPicPr>
+            <p:blipFill>
+              <a:blip r:embed="rId143"/>
+              <a:stretch>
+                <a:fillRect/>
+              </a:stretch>
+            </p:blipFill>
+            <p:spPr>
+              <a:xfrm>
+                <a:off x="3907946" y="4697657"/>
+                <a:ext cx="126000" cy="126000"/>
+              </a:xfrm>
+              <a:prstGeom prst="rect">
+                <a:avLst/>
+              </a:prstGeom>
+            </p:spPr>
+          </p:pic>
+        </mc:Fallback>
+      </mc:AlternateContent>
+      <p:sp>
+        <p:nvSpPr>
+          <p:cNvPr id="68" name="TextBox 67">
+            <a:extLst>
+              <a:ext uri="{FF2B5EF4-FFF2-40B4-BE49-F238E27FC236}">
+                <a16:creationId xmlns:a16="http://schemas.microsoft.com/office/drawing/2014/main" id="{55544FA8-10D9-8C48-2688-4F87116E80CC}"/>
+              </a:ext>
+            </a:extLst>
+          </p:cNvPr>
+          <p:cNvSpPr txBox="1"/>
+          <p:nvPr/>
+        </p:nvSpPr>
+        <p:spPr>
+          <a:xfrm>
+            <a:off x="2068379" y="5780793"/>
+            <a:ext cx="877741" cy="369332"/>
+          </a:xfrm>
+          <a:prstGeom prst="rect">
+            <a:avLst/>
+          </a:prstGeom>
+          <a:noFill/>
+        </p:spPr>
+        <p:txBody>
+          <a:bodyPr wrap="none" rtlCol="0">
+            <a:spAutoFit/>
+          </a:bodyPr>
+          <a:lstStyle/>
+          <a:p>
+            <a:r>
+              <a:rPr lang="en-US" dirty="0"/>
+              <a:t>Control</a:t>
+            </a:r>
+          </a:p>
+        </p:txBody>
+      </p:sp>
+      <p:sp>
+        <p:nvSpPr>
+          <p:cNvPr id="69" name="TextBox 68">
+            <a:extLst>
+              <a:ext uri="{FF2B5EF4-FFF2-40B4-BE49-F238E27FC236}">
+                <a16:creationId xmlns:a16="http://schemas.microsoft.com/office/drawing/2014/main" id="{4662DA04-7240-D8DA-0CFD-B6926B7A84FF}"/>
+              </a:ext>
+            </a:extLst>
+          </p:cNvPr>
+          <p:cNvSpPr txBox="1"/>
+          <p:nvPr/>
+        </p:nvSpPr>
+        <p:spPr>
+          <a:xfrm>
+            <a:off x="3382523" y="5780793"/>
+            <a:ext cx="1156983" cy="369332"/>
+          </a:xfrm>
+          <a:prstGeom prst="rect">
+            <a:avLst/>
+          </a:prstGeom>
+          <a:noFill/>
+        </p:spPr>
+        <p:txBody>
+          <a:bodyPr wrap="none" rtlCol="0">
+            <a:spAutoFit/>
+          </a:bodyPr>
+          <a:lstStyle/>
+          <a:p>
+            <a:r>
+              <a:rPr lang="en-US" dirty="0"/>
+              <a:t>Treatment</a:t>
+            </a:r>
+          </a:p>
+        </p:txBody>
+      </p:sp>
+      <p:sp>
+        <p:nvSpPr>
+          <p:cNvPr id="70" name="TextBox 69">
+            <a:extLst>
+              <a:ext uri="{FF2B5EF4-FFF2-40B4-BE49-F238E27FC236}">
+                <a16:creationId xmlns:a16="http://schemas.microsoft.com/office/drawing/2014/main" id="{C476B4E6-BE30-6E0B-2BE6-EA8C73FDE473}"/>
+              </a:ext>
+            </a:extLst>
+          </p:cNvPr>
+          <p:cNvSpPr txBox="1"/>
+          <p:nvPr/>
+        </p:nvSpPr>
+        <p:spPr>
+          <a:xfrm>
+            <a:off x="4924346" y="5780793"/>
+            <a:ext cx="2182585" cy="369332"/>
+          </a:xfrm>
+          <a:prstGeom prst="rect">
+            <a:avLst/>
+          </a:prstGeom>
+          <a:noFill/>
+        </p:spPr>
+        <p:txBody>
+          <a:bodyPr wrap="none" rtlCol="0">
+            <a:spAutoFit/>
+          </a:bodyPr>
+          <a:lstStyle/>
+          <a:p>
+            <a:r>
+              <a:rPr lang="en-US" dirty="0"/>
+              <a:t>Control      T1          T2</a:t>
+            </a:r>
+          </a:p>
+        </p:txBody>
+      </p:sp>
+      <p:sp>
+        <p:nvSpPr>
+          <p:cNvPr id="89" name="TextBox 88">
+            <a:extLst>
+              <a:ext uri="{FF2B5EF4-FFF2-40B4-BE49-F238E27FC236}">
+                <a16:creationId xmlns:a16="http://schemas.microsoft.com/office/drawing/2014/main" id="{4DE5BBC1-E39F-C3CB-7848-4923442FA8C1}"/>
+              </a:ext>
+            </a:extLst>
+          </p:cNvPr>
+          <p:cNvSpPr txBox="1"/>
+          <p:nvPr/>
+        </p:nvSpPr>
+        <p:spPr>
+          <a:xfrm>
+            <a:off x="8027592" y="6127041"/>
+            <a:ext cx="1876411" cy="369332"/>
+          </a:xfrm>
+          <a:prstGeom prst="rect">
+            <a:avLst/>
+          </a:prstGeom>
+          <a:noFill/>
+        </p:spPr>
+        <p:txBody>
+          <a:bodyPr wrap="none" rtlCol="0">
+            <a:spAutoFit/>
+          </a:bodyPr>
+          <a:lstStyle/>
+          <a:p>
+            <a:r>
+              <a:rPr lang="en-US" dirty="0"/>
+              <a:t>Treatment dosage</a:t>
+            </a:r>
+          </a:p>
+        </p:txBody>
+      </p:sp>
+      <p:sp>
+        <p:nvSpPr>
+          <p:cNvPr id="90" name="TextBox 89">
+            <a:extLst>
+              <a:ext uri="{FF2B5EF4-FFF2-40B4-BE49-F238E27FC236}">
+                <a16:creationId xmlns:a16="http://schemas.microsoft.com/office/drawing/2014/main" id="{DBCD9437-AF04-D5C5-A1D6-804C7D06171F}"/>
+              </a:ext>
+            </a:extLst>
+          </p:cNvPr>
+          <p:cNvSpPr txBox="1"/>
+          <p:nvPr/>
+        </p:nvSpPr>
+        <p:spPr>
+          <a:xfrm>
+            <a:off x="7791522" y="5780793"/>
+            <a:ext cx="2145139" cy="369332"/>
+          </a:xfrm>
+          <a:prstGeom prst="rect">
+            <a:avLst/>
+          </a:prstGeom>
+          <a:noFill/>
+        </p:spPr>
+        <p:txBody>
+          <a:bodyPr wrap="none" rtlCol="0">
+            <a:spAutoFit/>
+          </a:bodyPr>
+          <a:lstStyle/>
+          <a:p>
+            <a:r>
+              <a:rPr lang="en-US" dirty="0"/>
+              <a:t>   0      1      2      3     4</a:t>
+            </a:r>
+          </a:p>
+        </p:txBody>
+      </p:sp>
+      <p:sp>
+        <p:nvSpPr>
+          <p:cNvPr id="91" name="TextBox 90">
+            <a:extLst>
+              <a:ext uri="{FF2B5EF4-FFF2-40B4-BE49-F238E27FC236}">
+                <a16:creationId xmlns:a16="http://schemas.microsoft.com/office/drawing/2014/main" id="{08579909-F6B9-B88C-A876-DB5D565C2C6D}"/>
+              </a:ext>
+            </a:extLst>
+          </p:cNvPr>
+          <p:cNvSpPr txBox="1"/>
+          <p:nvPr/>
+        </p:nvSpPr>
+        <p:spPr>
+          <a:xfrm>
+            <a:off x="5580622" y="6127041"/>
+            <a:ext cx="1099981" cy="369332"/>
+          </a:xfrm>
+          <a:prstGeom prst="rect">
+            <a:avLst/>
+          </a:prstGeom>
+          <a:noFill/>
+        </p:spPr>
+        <p:txBody>
+          <a:bodyPr wrap="none" rtlCol="0">
+            <a:spAutoFit/>
+          </a:bodyPr>
+          <a:lstStyle/>
+          <a:p>
+            <a:pPr algn="ctr"/>
+            <a:r>
+              <a:rPr lang="en-US" dirty="0"/>
+              <a:t>Condition</a:t>
+            </a:r>
+          </a:p>
+        </p:txBody>
+      </p:sp>
+      <p:sp>
+        <p:nvSpPr>
+          <p:cNvPr id="92" name="TextBox 91">
+            <a:extLst>
+              <a:ext uri="{FF2B5EF4-FFF2-40B4-BE49-F238E27FC236}">
+                <a16:creationId xmlns:a16="http://schemas.microsoft.com/office/drawing/2014/main" id="{8074ABD6-7EAE-52EA-1AA1-B0DA1851A0A2}"/>
+              </a:ext>
+            </a:extLst>
+          </p:cNvPr>
+          <p:cNvSpPr txBox="1"/>
+          <p:nvPr/>
+        </p:nvSpPr>
+        <p:spPr>
+          <a:xfrm rot="16200000">
+            <a:off x="965566" y="4716425"/>
+            <a:ext cx="1050352" cy="369332"/>
+          </a:xfrm>
+          <a:prstGeom prst="rect">
+            <a:avLst/>
+          </a:prstGeom>
+          <a:noFill/>
+        </p:spPr>
+        <p:txBody>
+          <a:bodyPr wrap="none" rtlCol="0">
+            <a:spAutoFit/>
+          </a:bodyPr>
+          <a:lstStyle/>
+          <a:p>
+            <a:pPr algn="ctr"/>
+            <a:r>
+              <a:rPr lang="en-US" dirty="0"/>
+              <a:t>Outcome</a:t>
+            </a:r>
+          </a:p>
+        </p:txBody>
+      </p:sp>
+      <p:sp>
+        <p:nvSpPr>
+          <p:cNvPr id="94" name="TextBox 93">
+            <a:extLst>
+              <a:ext uri="{FF2B5EF4-FFF2-40B4-BE49-F238E27FC236}">
+                <a16:creationId xmlns:a16="http://schemas.microsoft.com/office/drawing/2014/main" id="{9D638C4D-79C4-1E59-F3E0-1099CE399930}"/>
+              </a:ext>
+            </a:extLst>
+          </p:cNvPr>
+          <p:cNvSpPr txBox="1"/>
+          <p:nvPr/>
+        </p:nvSpPr>
+        <p:spPr>
+          <a:xfrm rot="16200000">
+            <a:off x="1162634" y="4728705"/>
+            <a:ext cx="1265091" cy="369332"/>
+          </a:xfrm>
+          <a:prstGeom prst="rect">
+            <a:avLst/>
+          </a:prstGeom>
+          <a:noFill/>
+        </p:spPr>
+        <p:txBody>
+          <a:bodyPr wrap="none" rtlCol="0">
+            <a:spAutoFit/>
+          </a:bodyPr>
+          <a:lstStyle/>
+          <a:p>
+            <a:pPr algn="ctr"/>
+            <a:r>
+              <a:rPr lang="en-US" dirty="0"/>
+              <a:t>0                1</a:t>
+            </a:r>
+          </a:p>
+        </p:txBody>
+      </p:sp>
+      <p:sp>
+        <p:nvSpPr>
+          <p:cNvPr id="95" name="TextBox 94">
+            <a:extLst>
+              <a:ext uri="{FF2B5EF4-FFF2-40B4-BE49-F238E27FC236}">
+                <a16:creationId xmlns:a16="http://schemas.microsoft.com/office/drawing/2014/main" id="{BD24AE4E-D703-9489-59DE-655FA4D7F481}"/>
+              </a:ext>
+            </a:extLst>
+          </p:cNvPr>
+          <p:cNvSpPr txBox="1"/>
+          <p:nvPr/>
+        </p:nvSpPr>
+        <p:spPr>
+          <a:xfrm>
+            <a:off x="2680182" y="6127041"/>
+            <a:ext cx="1099981" cy="369332"/>
+          </a:xfrm>
+          <a:prstGeom prst="rect">
+            <a:avLst/>
+          </a:prstGeom>
+          <a:noFill/>
+        </p:spPr>
+        <p:txBody>
+          <a:bodyPr wrap="none" rtlCol="0">
+            <a:spAutoFit/>
+          </a:bodyPr>
+          <a:lstStyle/>
+          <a:p>
+            <a:pPr algn="ctr"/>
+            <a:r>
+              <a:rPr lang="en-US" dirty="0"/>
+              <a:t>Condition</a:t>
+            </a:r>
+          </a:p>
+        </p:txBody>
+      </p:sp>
+      <p:grpSp>
+        <p:nvGrpSpPr>
+          <p:cNvPr id="103" name="Group 102">
+            <a:extLst>
+              <a:ext uri="{FF2B5EF4-FFF2-40B4-BE49-F238E27FC236}">
+                <a16:creationId xmlns:a16="http://schemas.microsoft.com/office/drawing/2014/main" id="{1B3DEEA3-6E37-0DFA-4775-A20A764D49D5}"/>
+              </a:ext>
+            </a:extLst>
+          </p:cNvPr>
+          <p:cNvGrpSpPr/>
+          <p:nvPr/>
+        </p:nvGrpSpPr>
+        <p:grpSpPr>
+          <a:xfrm>
+            <a:off x="8152834" y="4392411"/>
+            <a:ext cx="1595520" cy="927360"/>
+            <a:chOff x="8152834" y="4392411"/>
+            <a:chExt cx="1595520" cy="927360"/>
+          </a:xfrm>
+        </p:grpSpPr>
+        <mc:AlternateContent xmlns:mc="http://schemas.openxmlformats.org/markup-compatibility/2006">
+          <mc:Choice xmlns:p14="http://schemas.microsoft.com/office/powerpoint/2010/main" Requires="p14">
+            <p:contentPart p14:bwMode="auto" r:id="rId150">
+              <p14:nvContentPartPr>
+                <p14:cNvPr id="63" name="Ink 62">
+                  <a:extLst>
+                    <a:ext uri="{FF2B5EF4-FFF2-40B4-BE49-F238E27FC236}">
+                      <a16:creationId xmlns:a16="http://schemas.microsoft.com/office/drawing/2014/main" id="{00584468-F5A3-E92A-B422-91E7F6802FC2}"/>
+                    </a:ext>
+                  </a:extLst>
+                </p14:cNvPr>
+                <p14:cNvContentPartPr/>
+                <p14:nvPr/>
+              </p14:nvContentPartPr>
+              <p14:xfrm>
+                <a:off x="9747994" y="4392411"/>
+                <a:ext cx="360" cy="360"/>
+              </p14:xfrm>
+            </p:contentPart>
+          </mc:Choice>
+          <mc:Fallback>
+            <p:pic>
+              <p:nvPicPr>
+                <p:cNvPr id="63" name="Ink 62">
+                  <a:extLst>
+                    <a:ext uri="{FF2B5EF4-FFF2-40B4-BE49-F238E27FC236}">
+                      <a16:creationId xmlns:a16="http://schemas.microsoft.com/office/drawing/2014/main" id="{00584468-F5A3-E92A-B422-91E7F6802FC2}"/>
+                    </a:ext>
+                  </a:extLst>
+                </p:cNvPr>
+                <p:cNvPicPr/>
+                <p:nvPr/>
+              </p:nvPicPr>
+              <p:blipFill>
+                <a:blip r:embed="rId143"/>
+                <a:stretch>
+                  <a:fillRect/>
+                </a:stretch>
+              </p:blipFill>
+              <p:spPr>
+                <a:xfrm>
+                  <a:off x="9685354" y="4329771"/>
+                  <a:ext cx="126000" cy="126000"/>
+                </a:xfrm>
+                <a:prstGeom prst="rect">
+                  <a:avLst/>
+                </a:prstGeom>
+              </p:spPr>
+            </p:pic>
+          </mc:Fallback>
+        </mc:AlternateContent>
+        <mc:AlternateContent xmlns:mc="http://schemas.openxmlformats.org/markup-compatibility/2006">
+          <mc:Choice xmlns:p14="http://schemas.microsoft.com/office/powerpoint/2010/main" Requires="p14">
+            <p:contentPart p14:bwMode="auto" r:id="rId151">
+              <p14:nvContentPartPr>
+                <p14:cNvPr id="61" name="Ink 60">
+                  <a:extLst>
+                    <a:ext uri="{FF2B5EF4-FFF2-40B4-BE49-F238E27FC236}">
+                      <a16:creationId xmlns:a16="http://schemas.microsoft.com/office/drawing/2014/main" id="{2AA36501-9052-E6E6-0A6C-8D7036EF7945}"/>
+                    </a:ext>
+                  </a:extLst>
+                </p14:cNvPr>
+                <p14:cNvContentPartPr/>
+                <p14:nvPr/>
+              </p14:nvContentPartPr>
+              <p14:xfrm>
+                <a:off x="8958514" y="4881291"/>
+                <a:ext cx="360" cy="360"/>
+              </p14:xfrm>
+            </p:contentPart>
+          </mc:Choice>
+          <mc:Fallback>
+            <p:pic>
+              <p:nvPicPr>
+                <p:cNvPr id="61" name="Ink 60">
+                  <a:extLst>
+                    <a:ext uri="{FF2B5EF4-FFF2-40B4-BE49-F238E27FC236}">
+                      <a16:creationId xmlns:a16="http://schemas.microsoft.com/office/drawing/2014/main" id="{2AA36501-9052-E6E6-0A6C-8D7036EF7945}"/>
+                    </a:ext>
+                  </a:extLst>
+                </p:cNvPr>
+                <p:cNvPicPr/>
+                <p:nvPr/>
+              </p:nvPicPr>
+              <p:blipFill>
+                <a:blip r:embed="rId143"/>
+                <a:stretch>
+                  <a:fillRect/>
+                </a:stretch>
+              </p:blipFill>
+              <p:spPr>
+                <a:xfrm>
+                  <a:off x="8895874" y="4818651"/>
+                  <a:ext cx="126000" cy="126000"/>
+                </a:xfrm>
+                <a:prstGeom prst="rect">
+                  <a:avLst/>
+                </a:prstGeom>
+              </p:spPr>
+            </p:pic>
+          </mc:Fallback>
+        </mc:AlternateContent>
+        <mc:AlternateContent xmlns:mc="http://schemas.openxmlformats.org/markup-compatibility/2006">
+          <mc:Choice xmlns:p14="http://schemas.microsoft.com/office/powerpoint/2010/main" Requires="p14">
+            <p:contentPart p14:bwMode="auto" r:id="rId152">
+              <p14:nvContentPartPr>
+                <p14:cNvPr id="62" name="Ink 61">
+                  <a:extLst>
+                    <a:ext uri="{FF2B5EF4-FFF2-40B4-BE49-F238E27FC236}">
+                      <a16:creationId xmlns:a16="http://schemas.microsoft.com/office/drawing/2014/main" id="{644AA3FD-3360-A4F5-3071-FAFDF3088448}"/>
+                    </a:ext>
+                  </a:extLst>
+                </p14:cNvPr>
+                <p14:cNvContentPartPr/>
+                <p14:nvPr/>
+              </p14:nvContentPartPr>
+              <p14:xfrm>
+                <a:off x="9362434" y="4509787"/>
+                <a:ext cx="360" cy="360"/>
+              </p14:xfrm>
+            </p:contentPart>
+          </mc:Choice>
+          <mc:Fallback>
+            <p:pic>
+              <p:nvPicPr>
+                <p:cNvPr id="62" name="Ink 61">
+                  <a:extLst>
+                    <a:ext uri="{FF2B5EF4-FFF2-40B4-BE49-F238E27FC236}">
+                      <a16:creationId xmlns:a16="http://schemas.microsoft.com/office/drawing/2014/main" id="{644AA3FD-3360-A4F5-3071-FAFDF3088448}"/>
+                    </a:ext>
+                  </a:extLst>
+                </p:cNvPr>
+                <p:cNvPicPr/>
+                <p:nvPr/>
+              </p:nvPicPr>
+              <p:blipFill>
+                <a:blip r:embed="rId143"/>
+                <a:stretch>
+                  <a:fillRect/>
+                </a:stretch>
+              </p:blipFill>
+              <p:spPr>
+                <a:xfrm>
+                  <a:off x="9299434" y="4447147"/>
+                  <a:ext cx="126000" cy="126000"/>
+                </a:xfrm>
+                <a:prstGeom prst="rect">
+                  <a:avLst/>
+                </a:prstGeom>
+              </p:spPr>
+            </p:pic>
+          </mc:Fallback>
+        </mc:AlternateContent>
+        <mc:AlternateContent xmlns:mc="http://schemas.openxmlformats.org/markup-compatibility/2006">
+          <mc:Choice xmlns:p14="http://schemas.microsoft.com/office/powerpoint/2010/main" Requires="p14">
+            <p:contentPart p14:bwMode="auto" r:id="rId153">
+              <p14:nvContentPartPr>
+                <p14:cNvPr id="97" name="Ink 96">
+                  <a:extLst>
+                    <a:ext uri="{FF2B5EF4-FFF2-40B4-BE49-F238E27FC236}">
+                      <a16:creationId xmlns:a16="http://schemas.microsoft.com/office/drawing/2014/main" id="{1ED60780-1A2B-4FF1-09AE-14D633CD1202}"/>
+                    </a:ext>
+                  </a:extLst>
+                </p14:cNvPr>
+                <p14:cNvContentPartPr/>
+                <p14:nvPr/>
+              </p14:nvContentPartPr>
+              <p14:xfrm>
+                <a:off x="8152834" y="5261811"/>
+                <a:ext cx="300960" cy="57960"/>
+              </p14:xfrm>
+            </p:contentPart>
+          </mc:Choice>
+          <mc:Fallback>
+            <p:pic>
+              <p:nvPicPr>
+                <p:cNvPr id="97" name="Ink 96">
+                  <a:extLst>
+                    <a:ext uri="{FF2B5EF4-FFF2-40B4-BE49-F238E27FC236}">
+                      <a16:creationId xmlns:a16="http://schemas.microsoft.com/office/drawing/2014/main" id="{1ED60780-1A2B-4FF1-09AE-14D633CD1202}"/>
+                    </a:ext>
+                  </a:extLst>
+                </p:cNvPr>
+                <p:cNvPicPr/>
+                <p:nvPr/>
+              </p:nvPicPr>
+              <p:blipFill>
+                <a:blip r:embed="rId154"/>
+                <a:stretch>
+                  <a:fillRect/>
+                </a:stretch>
+              </p:blipFill>
+              <p:spPr>
+                <a:xfrm>
+                  <a:off x="8135194" y="5243811"/>
+                  <a:ext cx="336600" cy="93600"/>
+                </a:xfrm>
+                <a:prstGeom prst="rect">
+                  <a:avLst/>
+                </a:prstGeom>
+              </p:spPr>
+            </p:pic>
+          </mc:Fallback>
+        </mc:AlternateContent>
+        <mc:AlternateContent xmlns:mc="http://schemas.openxmlformats.org/markup-compatibility/2006">
+          <mc:Choice xmlns:p14="http://schemas.microsoft.com/office/powerpoint/2010/main" Requires="p14">
+            <p:contentPart p14:bwMode="auto" r:id="rId155">
+              <p14:nvContentPartPr>
+                <p14:cNvPr id="98" name="Ink 97">
+                  <a:extLst>
+                    <a:ext uri="{FF2B5EF4-FFF2-40B4-BE49-F238E27FC236}">
+                      <a16:creationId xmlns:a16="http://schemas.microsoft.com/office/drawing/2014/main" id="{47DB7B49-A071-7320-B564-FEB0A1676EFB}"/>
+                    </a:ext>
+                  </a:extLst>
+                </p14:cNvPr>
+                <p14:cNvContentPartPr/>
+                <p14:nvPr/>
+              </p14:nvContentPartPr>
+              <p14:xfrm>
+                <a:off x="8559274" y="4925931"/>
+                <a:ext cx="340920" cy="297720"/>
+              </p14:xfrm>
+            </p:contentPart>
+          </mc:Choice>
+          <mc:Fallback>
+            <p:pic>
+              <p:nvPicPr>
+                <p:cNvPr id="98" name="Ink 97">
+                  <a:extLst>
+                    <a:ext uri="{FF2B5EF4-FFF2-40B4-BE49-F238E27FC236}">
+                      <a16:creationId xmlns:a16="http://schemas.microsoft.com/office/drawing/2014/main" id="{47DB7B49-A071-7320-B564-FEB0A1676EFB}"/>
+                    </a:ext>
+                  </a:extLst>
+                </p:cNvPr>
+                <p:cNvPicPr/>
+                <p:nvPr/>
+              </p:nvPicPr>
+              <p:blipFill>
+                <a:blip r:embed="rId156"/>
+                <a:stretch>
+                  <a:fillRect/>
+                </a:stretch>
+              </p:blipFill>
+              <p:spPr>
+                <a:xfrm>
+                  <a:off x="8541274" y="4908291"/>
+                  <a:ext cx="376560" cy="333360"/>
+                </a:xfrm>
+                <a:prstGeom prst="rect">
+                  <a:avLst/>
+                </a:prstGeom>
+              </p:spPr>
+            </p:pic>
+          </mc:Fallback>
+        </mc:AlternateContent>
+        <mc:AlternateContent xmlns:mc="http://schemas.openxmlformats.org/markup-compatibility/2006">
+          <mc:Choice xmlns:p14="http://schemas.microsoft.com/office/powerpoint/2010/main" Requires="p14">
+            <p:contentPart p14:bwMode="auto" r:id="rId157">
+              <p14:nvContentPartPr>
+                <p14:cNvPr id="100" name="Ink 99">
+                  <a:extLst>
+                    <a:ext uri="{FF2B5EF4-FFF2-40B4-BE49-F238E27FC236}">
+                      <a16:creationId xmlns:a16="http://schemas.microsoft.com/office/drawing/2014/main" id="{B48CF672-1F83-CE55-E1FA-3FE45498D8AD}"/>
+                    </a:ext>
+                  </a:extLst>
+                </p14:cNvPr>
+                <p14:cNvContentPartPr/>
+                <p14:nvPr/>
+              </p14:nvContentPartPr>
+              <p14:xfrm>
+                <a:off x="8989834" y="4555131"/>
+                <a:ext cx="335520" cy="316800"/>
+              </p14:xfrm>
+            </p:contentPart>
+          </mc:Choice>
+          <mc:Fallback>
+            <p:pic>
+              <p:nvPicPr>
+                <p:cNvPr id="100" name="Ink 99">
+                  <a:extLst>
+                    <a:ext uri="{FF2B5EF4-FFF2-40B4-BE49-F238E27FC236}">
+                      <a16:creationId xmlns:a16="http://schemas.microsoft.com/office/drawing/2014/main" id="{B48CF672-1F83-CE55-E1FA-3FE45498D8AD}"/>
+                    </a:ext>
+                  </a:extLst>
+                </p:cNvPr>
+                <p:cNvPicPr/>
+                <p:nvPr/>
+              </p:nvPicPr>
+              <p:blipFill>
+                <a:blip r:embed="rId158"/>
+                <a:stretch>
+                  <a:fillRect/>
+                </a:stretch>
+              </p:blipFill>
+              <p:spPr>
+                <a:xfrm>
+                  <a:off x="8971834" y="4537491"/>
+                  <a:ext cx="371160" cy="352440"/>
+                </a:xfrm>
+                <a:prstGeom prst="rect">
+                  <a:avLst/>
+                </a:prstGeom>
+              </p:spPr>
+            </p:pic>
+          </mc:Fallback>
+        </mc:AlternateContent>
+        <mc:AlternateContent xmlns:mc="http://schemas.openxmlformats.org/markup-compatibility/2006">
+          <mc:Choice xmlns:p14="http://schemas.microsoft.com/office/powerpoint/2010/main" Requires="p14">
+            <p:contentPart p14:bwMode="auto" r:id="rId159">
+              <p14:nvContentPartPr>
+                <p14:cNvPr id="102" name="Ink 101">
+                  <a:extLst>
+                    <a:ext uri="{FF2B5EF4-FFF2-40B4-BE49-F238E27FC236}">
+                      <a16:creationId xmlns:a16="http://schemas.microsoft.com/office/drawing/2014/main" id="{D96489B3-61BB-4454-A9E3-BE01C40D3074}"/>
+                    </a:ext>
+                  </a:extLst>
+                </p14:cNvPr>
+                <p14:cNvContentPartPr/>
+                <p14:nvPr/>
+              </p14:nvContentPartPr>
+              <p14:xfrm>
+                <a:off x="9423994" y="4392411"/>
+                <a:ext cx="291600" cy="104400"/>
+              </p14:xfrm>
+            </p:contentPart>
+          </mc:Choice>
+          <mc:Fallback>
+            <p:pic>
+              <p:nvPicPr>
+                <p:cNvPr id="102" name="Ink 101">
+                  <a:extLst>
+                    <a:ext uri="{FF2B5EF4-FFF2-40B4-BE49-F238E27FC236}">
+                      <a16:creationId xmlns:a16="http://schemas.microsoft.com/office/drawing/2014/main" id="{D96489B3-61BB-4454-A9E3-BE01C40D3074}"/>
+                    </a:ext>
+                  </a:extLst>
+                </p:cNvPr>
+                <p:cNvPicPr/>
+                <p:nvPr/>
+              </p:nvPicPr>
+              <p:blipFill>
+                <a:blip r:embed="rId160"/>
+                <a:stretch>
+                  <a:fillRect/>
+                </a:stretch>
+              </p:blipFill>
+              <p:spPr>
+                <a:xfrm>
+                  <a:off x="9406354" y="4374411"/>
+                  <a:ext cx="327240" cy="140040"/>
+                </a:xfrm>
+                <a:prstGeom prst="rect">
+                  <a:avLst/>
+                </a:prstGeom>
+              </p:spPr>
+            </p:pic>
+          </mc:Fallback>
+        </mc:AlternateContent>
+      </p:grpSp>
     </p:spTree>
     <p:extLst>
       <p:ext uri="{BB962C8B-B14F-4D97-AF65-F5344CB8AC3E}">
         <p14:creationId xmlns:p14="http://schemas.microsoft.com/office/powerpoint/2010/main" val="4216377617"/>
+      </p:ext>
+    </p:extLst>
+  </p:cSld>
+  <p:clrMapOvr>
+    <a:masterClrMapping/>
+  </p:clrMapOvr>
+</p:sld>
+</file>
+
+<file path=ppt/slides/slide2.xml><?xml version="1.0" encoding="utf-8"?>
+<p:sld xmlns:a="http://schemas.openxmlformats.org/drawingml/2006/main" xmlns:r="http://schemas.openxmlformats.org/officeDocument/2006/relationships" xmlns:p="http://schemas.openxmlformats.org/presentationml/2006/main">
+  <p:cSld>
+    <p:spTree>
+      <p:nvGrpSpPr>
+        <p:cNvPr id="1" name=""/>
+        <p:cNvGrpSpPr/>
+        <p:nvPr/>
+      </p:nvGrpSpPr>
+      <p:grpSpPr>
+        <a:xfrm>
+          <a:off x="0" y="0"/>
+          <a:ext cx="0" cy="0"/>
+          <a:chOff x="0" y="0"/>
+          <a:chExt cx="0" cy="0"/>
+        </a:xfrm>
+      </p:grpSpPr>
+      <p:pic>
+        <p:nvPicPr>
+          <p:cNvPr id="5" name="Picture 4" descr="Diagram, table&#10;&#10;Description automatically generated">
+            <a:extLst>
+              <a:ext uri="{FF2B5EF4-FFF2-40B4-BE49-F238E27FC236}">
+                <a16:creationId xmlns:a16="http://schemas.microsoft.com/office/drawing/2014/main" id="{A0E491A9-5A6F-61D1-47DB-E9C030779B58}"/>
+              </a:ext>
+            </a:extLst>
+          </p:cNvPr>
+          <p:cNvPicPr>
+            <a:picLocks noChangeAspect="1"/>
+          </p:cNvPicPr>
+          <p:nvPr/>
+        </p:nvPicPr>
+        <p:blipFill>
+          <a:blip r:embed="rId2"/>
+          <a:stretch>
+            <a:fillRect/>
+          </a:stretch>
+        </p:blipFill>
+        <p:spPr>
+          <a:xfrm>
+            <a:off x="439227" y="1418660"/>
+            <a:ext cx="4429256" cy="3579091"/>
+          </a:xfrm>
+          <a:prstGeom prst="rect">
+            <a:avLst/>
+          </a:prstGeom>
+        </p:spPr>
+      </p:pic>
+      <mc:AlternateContent xmlns:mc="http://schemas.openxmlformats.org/markup-compatibility/2006">
+        <mc:Choice xmlns:p14="http://schemas.microsoft.com/office/powerpoint/2010/main" Requires="p14">
+          <p:contentPart p14:bwMode="auto" r:id="rId3">
+            <p14:nvContentPartPr>
+              <p14:cNvPr id="6" name="Ink 5">
+                <a:extLst>
+                  <a:ext uri="{FF2B5EF4-FFF2-40B4-BE49-F238E27FC236}">
+                    <a16:creationId xmlns:a16="http://schemas.microsoft.com/office/drawing/2014/main" id="{16B5BCDD-5CAA-5B59-DE2A-7D14B7627714}"/>
+                  </a:ext>
+                </a:extLst>
+              </p14:cNvPr>
+              <p14:cNvContentPartPr/>
+              <p14:nvPr/>
+            </p14:nvContentPartPr>
+            <p14:xfrm>
+              <a:off x="6735154" y="1887891"/>
+              <a:ext cx="3386160" cy="2918520"/>
+            </p14:xfrm>
+          </p:contentPart>
+        </mc:Choice>
+        <mc:Fallback>
+          <p:pic>
+            <p:nvPicPr>
+              <p:cNvPr id="6" name="Ink 5">
+                <a:extLst>
+                  <a:ext uri="{FF2B5EF4-FFF2-40B4-BE49-F238E27FC236}">
+                    <a16:creationId xmlns:a16="http://schemas.microsoft.com/office/drawing/2014/main" id="{16B5BCDD-5CAA-5B59-DE2A-7D14B7627714}"/>
+                  </a:ext>
+                </a:extLst>
+              </p:cNvPr>
+              <p:cNvPicPr/>
+              <p:nvPr/>
+            </p:nvPicPr>
+            <p:blipFill>
+              <a:blip r:embed="rId4"/>
+              <a:stretch>
+                <a:fillRect/>
+              </a:stretch>
+            </p:blipFill>
+            <p:spPr>
+              <a:xfrm>
+                <a:off x="6717514" y="1870251"/>
+                <a:ext cx="3421800" cy="2954160"/>
+              </a:xfrm>
+              <a:prstGeom prst="rect">
+                <a:avLst/>
+              </a:prstGeom>
+            </p:spPr>
+          </p:pic>
+        </mc:Fallback>
+      </mc:AlternateContent>
+      <mc:AlternateContent xmlns:mc="http://schemas.openxmlformats.org/markup-compatibility/2006">
+        <mc:Choice xmlns:p14="http://schemas.microsoft.com/office/powerpoint/2010/main" Requires="p14">
+          <p:contentPart p14:bwMode="auto" r:id="rId5">
+            <p14:nvContentPartPr>
+              <p14:cNvPr id="7" name="Ink 6">
+                <a:extLst>
+                  <a:ext uri="{FF2B5EF4-FFF2-40B4-BE49-F238E27FC236}">
+                    <a16:creationId xmlns:a16="http://schemas.microsoft.com/office/drawing/2014/main" id="{632D6AF0-E46A-953C-00D2-FC389BFC9A29}"/>
+                  </a:ext>
+                </a:extLst>
+              </p14:cNvPr>
+              <p14:cNvContentPartPr/>
+              <p14:nvPr/>
+            </p14:nvContentPartPr>
+            <p14:xfrm>
+              <a:off x="6805714" y="1831371"/>
+              <a:ext cx="3192480" cy="120600"/>
+            </p14:xfrm>
+          </p:contentPart>
+        </mc:Choice>
+        <mc:Fallback>
+          <p:pic>
+            <p:nvPicPr>
+              <p:cNvPr id="7" name="Ink 6">
+                <a:extLst>
+                  <a:ext uri="{FF2B5EF4-FFF2-40B4-BE49-F238E27FC236}">
+                    <a16:creationId xmlns:a16="http://schemas.microsoft.com/office/drawing/2014/main" id="{632D6AF0-E46A-953C-00D2-FC389BFC9A29}"/>
+                  </a:ext>
+                </a:extLst>
+              </p:cNvPr>
+              <p:cNvPicPr/>
+              <p:nvPr/>
+            </p:nvPicPr>
+            <p:blipFill>
+              <a:blip r:embed="rId6"/>
+              <a:stretch>
+                <a:fillRect/>
+              </a:stretch>
+            </p:blipFill>
+            <p:spPr>
+              <a:xfrm>
+                <a:off x="6787714" y="1813371"/>
+                <a:ext cx="3228120" cy="156240"/>
+              </a:xfrm>
+              <a:prstGeom prst="rect">
+                <a:avLst/>
+              </a:prstGeom>
+            </p:spPr>
+          </p:pic>
+        </mc:Fallback>
+      </mc:AlternateContent>
+      <mc:AlternateContent xmlns:mc="http://schemas.openxmlformats.org/markup-compatibility/2006">
+        <mc:Choice xmlns:p14="http://schemas.microsoft.com/office/powerpoint/2010/main" Requires="p14">
+          <p:contentPart p14:bwMode="auto" r:id="rId7">
+            <p14:nvContentPartPr>
+              <p14:cNvPr id="8" name="Ink 7">
+                <a:extLst>
+                  <a:ext uri="{FF2B5EF4-FFF2-40B4-BE49-F238E27FC236}">
+                    <a16:creationId xmlns:a16="http://schemas.microsoft.com/office/drawing/2014/main" id="{F6168521-15BD-BAD2-9E39-F5C6E93F73F7}"/>
+                  </a:ext>
+                </a:extLst>
+              </p14:cNvPr>
+              <p14:cNvContentPartPr/>
+              <p14:nvPr/>
+            </p14:nvContentPartPr>
+            <p14:xfrm>
+              <a:off x="8365594" y="1882851"/>
+              <a:ext cx="114120" cy="2841840"/>
+            </p14:xfrm>
+          </p:contentPart>
+        </mc:Choice>
+        <mc:Fallback>
+          <p:pic>
+            <p:nvPicPr>
+              <p:cNvPr id="8" name="Ink 7">
+                <a:extLst>
+                  <a:ext uri="{FF2B5EF4-FFF2-40B4-BE49-F238E27FC236}">
+                    <a16:creationId xmlns:a16="http://schemas.microsoft.com/office/drawing/2014/main" id="{F6168521-15BD-BAD2-9E39-F5C6E93F73F7}"/>
+                  </a:ext>
+                </a:extLst>
+              </p:cNvPr>
+              <p:cNvPicPr/>
+              <p:nvPr/>
+            </p:nvPicPr>
+            <p:blipFill>
+              <a:blip r:embed="rId8"/>
+              <a:stretch>
+                <a:fillRect/>
+              </a:stretch>
+            </p:blipFill>
+            <p:spPr>
+              <a:xfrm>
+                <a:off x="8347594" y="1865211"/>
+                <a:ext cx="149760" cy="2877480"/>
+              </a:xfrm>
+              <a:prstGeom prst="rect">
+                <a:avLst/>
+              </a:prstGeom>
+            </p:spPr>
+          </p:pic>
+        </mc:Fallback>
+      </mc:AlternateContent>
+      <mc:AlternateContent xmlns:mc="http://schemas.openxmlformats.org/markup-compatibility/2006">
+        <mc:Choice xmlns:p14="http://schemas.microsoft.com/office/powerpoint/2010/main" Requires="p14">
+          <p:contentPart p14:bwMode="auto" r:id="rId9">
+            <p14:nvContentPartPr>
+              <p14:cNvPr id="12" name="Ink 11">
+                <a:extLst>
+                  <a:ext uri="{FF2B5EF4-FFF2-40B4-BE49-F238E27FC236}">
+                    <a16:creationId xmlns:a16="http://schemas.microsoft.com/office/drawing/2014/main" id="{E8B9E851-C314-1211-57FC-47E32A6078EB}"/>
+                  </a:ext>
+                </a:extLst>
+              </p14:cNvPr>
+              <p14:cNvContentPartPr/>
+              <p14:nvPr/>
+            </p14:nvContentPartPr>
+            <p14:xfrm>
+              <a:off x="6857194" y="3278931"/>
+              <a:ext cx="3150720" cy="56160"/>
+            </p14:xfrm>
+          </p:contentPart>
+        </mc:Choice>
+        <mc:Fallback>
+          <p:pic>
+            <p:nvPicPr>
+              <p:cNvPr id="12" name="Ink 11">
+                <a:extLst>
+                  <a:ext uri="{FF2B5EF4-FFF2-40B4-BE49-F238E27FC236}">
+                    <a16:creationId xmlns:a16="http://schemas.microsoft.com/office/drawing/2014/main" id="{E8B9E851-C314-1211-57FC-47E32A6078EB}"/>
+                  </a:ext>
+                </a:extLst>
+              </p:cNvPr>
+              <p:cNvPicPr/>
+              <p:nvPr/>
+            </p:nvPicPr>
+            <p:blipFill>
+              <a:blip r:embed="rId10"/>
+              <a:stretch>
+                <a:fillRect/>
+              </a:stretch>
+            </p:blipFill>
+            <p:spPr>
+              <a:xfrm>
+                <a:off x="6839194" y="3260931"/>
+                <a:ext cx="3186360" cy="91800"/>
+              </a:xfrm>
+              <a:prstGeom prst="rect">
+                <a:avLst/>
+              </a:prstGeom>
+            </p:spPr>
+          </p:pic>
+        </mc:Fallback>
+      </mc:AlternateContent>
+      <p:sp>
+        <p:nvSpPr>
+          <p:cNvPr id="13" name="TextBox 12">
+            <a:extLst>
+              <a:ext uri="{FF2B5EF4-FFF2-40B4-BE49-F238E27FC236}">
+                <a16:creationId xmlns:a16="http://schemas.microsoft.com/office/drawing/2014/main" id="{0EF33641-B85E-BC46-C842-CE17A422D176}"/>
+              </a:ext>
+            </a:extLst>
+          </p:cNvPr>
+          <p:cNvSpPr txBox="1"/>
+          <p:nvPr/>
+        </p:nvSpPr>
+        <p:spPr>
+          <a:xfrm>
+            <a:off x="7130144" y="1418660"/>
+            <a:ext cx="1009572" cy="369332"/>
+          </a:xfrm>
+          <a:prstGeom prst="rect">
+            <a:avLst/>
+          </a:prstGeom>
+          <a:noFill/>
+        </p:spPr>
+        <p:txBody>
+          <a:bodyPr wrap="none" rtlCol="0">
+            <a:spAutoFit/>
+          </a:bodyPr>
+          <a:lstStyle/>
+          <a:p>
+            <a:r>
+              <a:rPr lang="en-US" dirty="0"/>
+              <a:t>Negative</a:t>
+            </a:r>
+          </a:p>
+        </p:txBody>
+      </p:sp>
+      <p:sp>
+        <p:nvSpPr>
+          <p:cNvPr id="14" name="TextBox 13">
+            <a:extLst>
+              <a:ext uri="{FF2B5EF4-FFF2-40B4-BE49-F238E27FC236}">
+                <a16:creationId xmlns:a16="http://schemas.microsoft.com/office/drawing/2014/main" id="{D9BACAA1-B45F-68C1-1875-7E784181E882}"/>
+              </a:ext>
+            </a:extLst>
+          </p:cNvPr>
+          <p:cNvSpPr txBox="1"/>
+          <p:nvPr/>
+        </p:nvSpPr>
+        <p:spPr>
+          <a:xfrm>
+            <a:off x="8665030" y="1418660"/>
+            <a:ext cx="886846" cy="369332"/>
+          </a:xfrm>
+          <a:prstGeom prst="rect">
+            <a:avLst/>
+          </a:prstGeom>
+          <a:noFill/>
+        </p:spPr>
+        <p:txBody>
+          <a:bodyPr wrap="none" rtlCol="0">
+            <a:spAutoFit/>
+          </a:bodyPr>
+          <a:lstStyle/>
+          <a:p>
+            <a:r>
+              <a:rPr lang="en-US" dirty="0"/>
+              <a:t>Neutral</a:t>
+            </a:r>
+          </a:p>
+        </p:txBody>
+      </p:sp>
+      <p:sp>
+        <p:nvSpPr>
+          <p:cNvPr id="15" name="TextBox 14">
+            <a:extLst>
+              <a:ext uri="{FF2B5EF4-FFF2-40B4-BE49-F238E27FC236}">
+                <a16:creationId xmlns:a16="http://schemas.microsoft.com/office/drawing/2014/main" id="{37F2525D-F60A-306D-3174-36D1AD1A8FD3}"/>
+              </a:ext>
+            </a:extLst>
+          </p:cNvPr>
+          <p:cNvSpPr txBox="1"/>
+          <p:nvPr/>
+        </p:nvSpPr>
+        <p:spPr>
+          <a:xfrm>
+            <a:off x="7904334" y="1087131"/>
+            <a:ext cx="1062150" cy="369332"/>
+          </a:xfrm>
+          <a:prstGeom prst="rect">
+            <a:avLst/>
+          </a:prstGeom>
+          <a:noFill/>
+        </p:spPr>
+        <p:txBody>
+          <a:bodyPr wrap="none" rtlCol="0">
+            <a:spAutoFit/>
+          </a:bodyPr>
+          <a:lstStyle/>
+          <a:p>
+            <a:r>
+              <a:rPr lang="en-US" b="1" dirty="0"/>
+              <a:t>Outcome</a:t>
+            </a:r>
+          </a:p>
+        </p:txBody>
+      </p:sp>
+      <p:grpSp>
+        <p:nvGrpSpPr>
+          <p:cNvPr id="19" name="Group 18">
+            <a:extLst>
+              <a:ext uri="{FF2B5EF4-FFF2-40B4-BE49-F238E27FC236}">
+                <a16:creationId xmlns:a16="http://schemas.microsoft.com/office/drawing/2014/main" id="{807964C0-136B-C101-3ADC-D36424F95673}"/>
+              </a:ext>
+            </a:extLst>
+          </p:cNvPr>
+          <p:cNvGrpSpPr/>
+          <p:nvPr/>
+        </p:nvGrpSpPr>
+        <p:grpSpPr>
+          <a:xfrm rot="16200000">
+            <a:off x="5447195" y="3270233"/>
+            <a:ext cx="1750692" cy="722096"/>
+            <a:chOff x="7368192" y="1239530"/>
+            <a:chExt cx="1750692" cy="722096"/>
+          </a:xfrm>
+        </p:grpSpPr>
+        <p:sp>
+          <p:nvSpPr>
+            <p:cNvPr id="17" name="TextBox 16">
+              <a:extLst>
+                <a:ext uri="{FF2B5EF4-FFF2-40B4-BE49-F238E27FC236}">
+                  <a16:creationId xmlns:a16="http://schemas.microsoft.com/office/drawing/2014/main" id="{2923558D-7C19-9336-3CB1-5A3BA5E6CD0A}"/>
+                </a:ext>
+              </a:extLst>
+            </p:cNvPr>
+            <p:cNvSpPr txBox="1"/>
+            <p:nvPr/>
+          </p:nvSpPr>
+          <p:spPr>
+            <a:xfrm>
+              <a:off x="7368192" y="1592294"/>
+              <a:ext cx="886846" cy="369332"/>
+            </a:xfrm>
+            <a:prstGeom prst="rect">
+              <a:avLst/>
+            </a:prstGeom>
+            <a:noFill/>
+          </p:spPr>
+          <p:txBody>
+            <a:bodyPr wrap="none" rtlCol="0">
+              <a:spAutoFit/>
+            </a:bodyPr>
+            <a:lstStyle/>
+            <a:p>
+              <a:r>
+                <a:rPr lang="en-US" dirty="0"/>
+                <a:t>Neutral</a:t>
+              </a:r>
+            </a:p>
+          </p:txBody>
+        </p:sp>
+        <p:sp>
+          <p:nvSpPr>
+            <p:cNvPr id="18" name="TextBox 17">
+              <a:extLst>
+                <a:ext uri="{FF2B5EF4-FFF2-40B4-BE49-F238E27FC236}">
+                  <a16:creationId xmlns:a16="http://schemas.microsoft.com/office/drawing/2014/main" id="{89B15A9E-D64B-E6DE-AAA2-44BBB9E7A30E}"/>
+                </a:ext>
+              </a:extLst>
+            </p:cNvPr>
+            <p:cNvSpPr txBox="1"/>
+            <p:nvPr/>
+          </p:nvSpPr>
+          <p:spPr>
+            <a:xfrm>
+              <a:off x="8056734" y="1239530"/>
+              <a:ext cx="1062150" cy="369332"/>
+            </a:xfrm>
+            <a:prstGeom prst="rect">
+              <a:avLst/>
+            </a:prstGeom>
+            <a:noFill/>
+          </p:spPr>
+          <p:txBody>
+            <a:bodyPr wrap="none" rtlCol="0">
+              <a:spAutoFit/>
+            </a:bodyPr>
+            <a:lstStyle/>
+            <a:p>
+              <a:r>
+                <a:rPr lang="en-US" b="1" dirty="0"/>
+                <a:t>Outcome</a:t>
+              </a:r>
+            </a:p>
+          </p:txBody>
+        </p:sp>
+      </p:grpSp>
+      <p:sp>
+        <p:nvSpPr>
+          <p:cNvPr id="21" name="TextBox 20">
+            <a:extLst>
+              <a:ext uri="{FF2B5EF4-FFF2-40B4-BE49-F238E27FC236}">
+                <a16:creationId xmlns:a16="http://schemas.microsoft.com/office/drawing/2014/main" id="{62155EEF-33F1-87C9-F317-AD596AC8440C}"/>
+              </a:ext>
+            </a:extLst>
+          </p:cNvPr>
+          <p:cNvSpPr txBox="1"/>
+          <p:nvPr/>
+        </p:nvSpPr>
+        <p:spPr>
+          <a:xfrm rot="16200000">
+            <a:off x="5993142" y="2444616"/>
+            <a:ext cx="1009572" cy="369332"/>
+          </a:xfrm>
+          <a:prstGeom prst="rect">
+            <a:avLst/>
+          </a:prstGeom>
+          <a:noFill/>
+        </p:spPr>
+        <p:txBody>
+          <a:bodyPr wrap="none" rtlCol="0">
+            <a:spAutoFit/>
+          </a:bodyPr>
+          <a:lstStyle/>
+          <a:p>
+            <a:r>
+              <a:rPr lang="en-US" dirty="0"/>
+              <a:t>Negative</a:t>
+            </a:r>
+          </a:p>
+        </p:txBody>
+      </p:sp>
+      <p:sp>
+        <p:nvSpPr>
+          <p:cNvPr id="22" name="TextBox 21">
+            <a:extLst>
+              <a:ext uri="{FF2B5EF4-FFF2-40B4-BE49-F238E27FC236}">
+                <a16:creationId xmlns:a16="http://schemas.microsoft.com/office/drawing/2014/main" id="{D905D7AB-9B1D-8D45-C709-940B07D1EA95}"/>
+              </a:ext>
+            </a:extLst>
+          </p:cNvPr>
+          <p:cNvSpPr txBox="1"/>
+          <p:nvPr/>
+        </p:nvSpPr>
+        <p:spPr>
+          <a:xfrm>
+            <a:off x="6857194" y="2090672"/>
+            <a:ext cx="1533646" cy="1077218"/>
+          </a:xfrm>
+          <a:prstGeom prst="rect">
+            <a:avLst/>
+          </a:prstGeom>
+          <a:noFill/>
+        </p:spPr>
+        <p:txBody>
+          <a:bodyPr wrap="square" rtlCol="0">
+            <a:spAutoFit/>
+          </a:bodyPr>
+          <a:lstStyle/>
+          <a:p>
+            <a:pPr algn="ctr"/>
+            <a:r>
+              <a:rPr lang="en-US" sz="1600" dirty="0"/>
+              <a:t>Grace thinks the powder is </a:t>
+            </a:r>
+            <a:r>
+              <a:rPr lang="en-US" sz="1600" b="1" dirty="0"/>
+              <a:t>toxic</a:t>
+            </a:r>
+            <a:r>
+              <a:rPr lang="en-US" sz="1600" dirty="0"/>
+              <a:t>. It is </a:t>
+            </a:r>
+            <a:r>
+              <a:rPr lang="en-US" sz="1600" b="1" dirty="0"/>
+              <a:t>toxic</a:t>
+            </a:r>
+            <a:r>
+              <a:rPr lang="en-US" sz="1600" dirty="0"/>
+              <a:t>. Her friend </a:t>
+            </a:r>
+            <a:r>
+              <a:rPr lang="en-US" sz="1600" b="1" dirty="0"/>
+              <a:t>dies</a:t>
+            </a:r>
+            <a:r>
+              <a:rPr lang="en-US" sz="1600" dirty="0"/>
+              <a:t>.</a:t>
+            </a:r>
+          </a:p>
+        </p:txBody>
+      </p:sp>
+      <p:sp>
+        <p:nvSpPr>
+          <p:cNvPr id="23" name="TextBox 22">
+            <a:extLst>
+              <a:ext uri="{FF2B5EF4-FFF2-40B4-BE49-F238E27FC236}">
+                <a16:creationId xmlns:a16="http://schemas.microsoft.com/office/drawing/2014/main" id="{10CBA11D-9839-8EEE-2CAA-DA1CA83359CB}"/>
+              </a:ext>
+            </a:extLst>
+          </p:cNvPr>
+          <p:cNvSpPr txBox="1"/>
+          <p:nvPr/>
+        </p:nvSpPr>
+        <p:spPr>
+          <a:xfrm>
+            <a:off x="6826681" y="3484623"/>
+            <a:ext cx="1587489" cy="1077218"/>
+          </a:xfrm>
+          <a:prstGeom prst="rect">
+            <a:avLst/>
+          </a:prstGeom>
+          <a:noFill/>
+        </p:spPr>
+        <p:txBody>
+          <a:bodyPr wrap="square" rtlCol="0">
+            <a:spAutoFit/>
+          </a:bodyPr>
+          <a:lstStyle/>
+          <a:p>
+            <a:pPr algn="ctr"/>
+            <a:r>
+              <a:rPr lang="en-US" sz="1600" dirty="0"/>
+              <a:t>Grace thinks the powder is </a:t>
+            </a:r>
+            <a:r>
+              <a:rPr lang="en-US" sz="1600" b="1" dirty="0"/>
+              <a:t>sugar</a:t>
+            </a:r>
+            <a:r>
+              <a:rPr lang="en-US" sz="1600" dirty="0"/>
+              <a:t>. It is </a:t>
+            </a:r>
+            <a:r>
+              <a:rPr lang="en-US" sz="1600" b="1" dirty="0"/>
+              <a:t>toxic</a:t>
+            </a:r>
+            <a:r>
+              <a:rPr lang="en-US" sz="1600" dirty="0"/>
+              <a:t>. Her friend </a:t>
+            </a:r>
+            <a:r>
+              <a:rPr lang="en-US" sz="1600" b="1" dirty="0"/>
+              <a:t>dies</a:t>
+            </a:r>
+            <a:r>
+              <a:rPr lang="en-US" sz="1600" dirty="0"/>
+              <a:t>.</a:t>
+            </a:r>
+          </a:p>
+        </p:txBody>
+      </p:sp>
+      <p:sp>
+        <p:nvSpPr>
+          <p:cNvPr id="24" name="TextBox 23">
+            <a:extLst>
+              <a:ext uri="{FF2B5EF4-FFF2-40B4-BE49-F238E27FC236}">
+                <a16:creationId xmlns:a16="http://schemas.microsoft.com/office/drawing/2014/main" id="{B863517E-08E0-1A64-6B9A-1E4458CF054C}"/>
+              </a:ext>
+            </a:extLst>
+          </p:cNvPr>
+          <p:cNvSpPr txBox="1"/>
+          <p:nvPr/>
+        </p:nvSpPr>
+        <p:spPr>
+          <a:xfrm>
+            <a:off x="8447093" y="2090672"/>
+            <a:ext cx="1533646" cy="1077218"/>
+          </a:xfrm>
+          <a:prstGeom prst="rect">
+            <a:avLst/>
+          </a:prstGeom>
+          <a:noFill/>
+        </p:spPr>
+        <p:txBody>
+          <a:bodyPr wrap="square" rtlCol="0">
+            <a:spAutoFit/>
+          </a:bodyPr>
+          <a:lstStyle/>
+          <a:p>
+            <a:pPr algn="ctr"/>
+            <a:r>
+              <a:rPr lang="en-US" sz="1600" dirty="0"/>
+              <a:t>Grace thinks the powder is </a:t>
+            </a:r>
+            <a:r>
+              <a:rPr lang="en-US" sz="1600" b="1" dirty="0"/>
+              <a:t>toxic</a:t>
+            </a:r>
+            <a:r>
+              <a:rPr lang="en-US" sz="1600" dirty="0"/>
+              <a:t>. It is </a:t>
+            </a:r>
+            <a:r>
+              <a:rPr lang="en-US" sz="1600" b="1" dirty="0"/>
+              <a:t>sugar</a:t>
+            </a:r>
+            <a:r>
+              <a:rPr lang="en-US" sz="1600" dirty="0"/>
+              <a:t>. Her friend </a:t>
+            </a:r>
+            <a:r>
+              <a:rPr lang="en-US" sz="1600" b="1" dirty="0"/>
+              <a:t>is fine</a:t>
+            </a:r>
+            <a:r>
+              <a:rPr lang="en-US" sz="1600" dirty="0"/>
+              <a:t>.</a:t>
+            </a:r>
+          </a:p>
+        </p:txBody>
+      </p:sp>
+      <p:sp>
+        <p:nvSpPr>
+          <p:cNvPr id="25" name="TextBox 24">
+            <a:extLst>
+              <a:ext uri="{FF2B5EF4-FFF2-40B4-BE49-F238E27FC236}">
+                <a16:creationId xmlns:a16="http://schemas.microsoft.com/office/drawing/2014/main" id="{115F7ED7-7A23-43C6-3BDB-C66A13CD3D9D}"/>
+              </a:ext>
+            </a:extLst>
+          </p:cNvPr>
+          <p:cNvSpPr txBox="1"/>
+          <p:nvPr/>
+        </p:nvSpPr>
+        <p:spPr>
+          <a:xfrm>
+            <a:off x="8427292" y="3484623"/>
+            <a:ext cx="1612301" cy="1077218"/>
+          </a:xfrm>
+          <a:prstGeom prst="rect">
+            <a:avLst/>
+          </a:prstGeom>
+          <a:noFill/>
+        </p:spPr>
+        <p:txBody>
+          <a:bodyPr wrap="square" rtlCol="0">
+            <a:spAutoFit/>
+          </a:bodyPr>
+          <a:lstStyle/>
+          <a:p>
+            <a:pPr algn="ctr"/>
+            <a:r>
+              <a:rPr lang="en-US" sz="1600" dirty="0"/>
+              <a:t>Grace thinks the powder is </a:t>
+            </a:r>
+            <a:r>
+              <a:rPr lang="en-US" sz="1600" b="1" dirty="0"/>
+              <a:t>sugar</a:t>
+            </a:r>
+            <a:r>
+              <a:rPr lang="en-US" sz="1600" dirty="0"/>
+              <a:t>. It is </a:t>
+            </a:r>
+            <a:r>
+              <a:rPr lang="en-US" sz="1600" b="1" dirty="0"/>
+              <a:t>sugar</a:t>
+            </a:r>
+            <a:r>
+              <a:rPr lang="en-US" sz="1600" dirty="0"/>
+              <a:t>. Her friend </a:t>
+            </a:r>
+            <a:r>
+              <a:rPr lang="en-US" sz="1600" b="1" dirty="0"/>
+              <a:t>is fine</a:t>
+            </a:r>
+            <a:r>
+              <a:rPr lang="en-US" sz="1600" dirty="0"/>
+              <a:t>.</a:t>
+            </a:r>
+          </a:p>
+        </p:txBody>
+      </p:sp>
+    </p:spTree>
+    <p:extLst>
+      <p:ext uri="{BB962C8B-B14F-4D97-AF65-F5344CB8AC3E}">
+        <p14:creationId xmlns:p14="http://schemas.microsoft.com/office/powerpoint/2010/main" val="1113083254"/>
+      </p:ext>
+    </p:extLst>
+  </p:cSld>
+  <p:clrMapOvr>
+    <a:masterClrMapping/>
+  </p:clrMapOvr>
+</p:sld>
+</file>
+
+<file path=ppt/slides/slide3.xml><?xml version="1.0" encoding="utf-8"?>
+<p:sld xmlns:a="http://schemas.openxmlformats.org/drawingml/2006/main" xmlns:r="http://schemas.openxmlformats.org/officeDocument/2006/relationships" xmlns:p="http://schemas.openxmlformats.org/presentationml/2006/main">
+  <p:cSld>
+    <p:spTree>
+      <p:nvGrpSpPr>
+        <p:cNvPr id="1" name=""/>
+        <p:cNvGrpSpPr/>
+        <p:nvPr/>
+      </p:nvGrpSpPr>
+      <p:grpSpPr>
+        <a:xfrm>
+          <a:off x="0" y="0"/>
+          <a:ext cx="0" cy="0"/>
+          <a:chOff x="0" y="0"/>
+          <a:chExt cx="0" cy="0"/>
+        </a:xfrm>
+      </p:grpSpPr>
+      <p:pic>
+        <p:nvPicPr>
+          <p:cNvPr id="6" name="Picture 5" descr="Chart, waterfall chart&#10;&#10;Description automatically generated">
+            <a:extLst>
+              <a:ext uri="{FF2B5EF4-FFF2-40B4-BE49-F238E27FC236}">
+                <a16:creationId xmlns:a16="http://schemas.microsoft.com/office/drawing/2014/main" id="{0909F7DE-981A-8A67-BB8E-35FE30846021}"/>
+              </a:ext>
+            </a:extLst>
+          </p:cNvPr>
+          <p:cNvPicPr>
+            <a:picLocks noChangeAspect="1"/>
+          </p:cNvPicPr>
+          <p:nvPr/>
+        </p:nvPicPr>
+        <p:blipFill rotWithShape="1">
+          <a:blip r:embed="rId2"/>
+          <a:srcRect l="33693" r="35915" b="74437"/>
+          <a:stretch/>
+        </p:blipFill>
+        <p:spPr>
+          <a:xfrm>
+            <a:off x="4745418" y="5061975"/>
+            <a:ext cx="2362200" cy="990719"/>
+          </a:xfrm>
+          <a:prstGeom prst="rect">
+            <a:avLst/>
+          </a:prstGeom>
+        </p:spPr>
+      </p:pic>
+      <p:grpSp>
+        <p:nvGrpSpPr>
+          <p:cNvPr id="9" name="Group 8">
+            <a:extLst>
+              <a:ext uri="{FF2B5EF4-FFF2-40B4-BE49-F238E27FC236}">
+                <a16:creationId xmlns:a16="http://schemas.microsoft.com/office/drawing/2014/main" id="{286BAF4E-5319-6DE9-F5BB-7F7C650983CB}"/>
+              </a:ext>
+            </a:extLst>
+          </p:cNvPr>
+          <p:cNvGrpSpPr/>
+          <p:nvPr/>
+        </p:nvGrpSpPr>
+        <p:grpSpPr>
+          <a:xfrm>
+            <a:off x="2040318" y="1186423"/>
+            <a:ext cx="7772400" cy="3875552"/>
+            <a:chOff x="2040318" y="1186423"/>
+            <a:chExt cx="7772400" cy="3875552"/>
+          </a:xfrm>
+        </p:grpSpPr>
+        <p:pic>
+          <p:nvPicPr>
+            <p:cNvPr id="5" name="Picture 4" descr="Chart, waterfall chart&#10;&#10;Description automatically generated">
+              <a:extLst>
+                <a:ext uri="{FF2B5EF4-FFF2-40B4-BE49-F238E27FC236}">
+                  <a16:creationId xmlns:a16="http://schemas.microsoft.com/office/drawing/2014/main" id="{F80C49F6-B4C9-345E-04AD-879EA3E8C9AE}"/>
+                </a:ext>
+              </a:extLst>
+            </p:cNvPr>
+            <p:cNvPicPr>
+              <a:picLocks noChangeAspect="1"/>
+            </p:cNvPicPr>
+            <p:nvPr/>
+          </p:nvPicPr>
+          <p:blipFill>
+            <a:blip r:embed="rId2"/>
+            <a:stretch>
+              <a:fillRect/>
+            </a:stretch>
+          </p:blipFill>
+          <p:spPr>
+            <a:xfrm>
+              <a:off x="2040318" y="1186423"/>
+              <a:ext cx="7772400" cy="3875552"/>
+            </a:xfrm>
+            <a:prstGeom prst="rect">
+              <a:avLst/>
+            </a:prstGeom>
+          </p:spPr>
+        </p:pic>
+        <p:sp>
+          <p:nvSpPr>
+            <p:cNvPr id="8" name="Rectangle 7">
+              <a:extLst>
+                <a:ext uri="{FF2B5EF4-FFF2-40B4-BE49-F238E27FC236}">
+                  <a16:creationId xmlns:a16="http://schemas.microsoft.com/office/drawing/2014/main" id="{3F8C6D5B-8404-1AF4-FB61-2659517D88B4}"/>
+                </a:ext>
+              </a:extLst>
+            </p:cNvPr>
+            <p:cNvSpPr/>
+            <p:nvPr/>
+          </p:nvSpPr>
+          <p:spPr>
+            <a:xfrm>
+              <a:off x="4745418" y="1186423"/>
+              <a:ext cx="2199668" cy="990720"/>
+            </a:xfrm>
+            <a:prstGeom prst="rect">
+              <a:avLst/>
+            </a:prstGeom>
+            <a:solidFill>
+              <a:schemeClr val="bg1"/>
+            </a:solidFill>
+            <a:ln>
+              <a:noFill/>
+            </a:ln>
+          </p:spPr>
+          <p:style>
+            <a:lnRef idx="2">
+              <a:schemeClr val="accent1">
+                <a:shade val="50000"/>
+              </a:schemeClr>
+            </a:lnRef>
+            <a:fillRef idx="1">
+              <a:schemeClr val="accent1"/>
+            </a:fillRef>
+            <a:effectRef idx="0">
+              <a:schemeClr val="accent1"/>
+            </a:effectRef>
+            <a:fontRef idx="minor">
+              <a:schemeClr val="lt1"/>
+            </a:fontRef>
+          </p:style>
+          <p:txBody>
+            <a:bodyPr rtlCol="0" anchor="ctr"/>
+            <a:lstStyle/>
+            <a:p>
+              <a:pPr algn="ctr"/>
+              <a:endParaRPr lang="en-US"/>
+            </a:p>
+          </p:txBody>
+        </p:sp>
+      </p:grpSp>
+      <p:grpSp>
+        <p:nvGrpSpPr>
+          <p:cNvPr id="22" name="Group 21">
+            <a:extLst>
+              <a:ext uri="{FF2B5EF4-FFF2-40B4-BE49-F238E27FC236}">
+                <a16:creationId xmlns:a16="http://schemas.microsoft.com/office/drawing/2014/main" id="{DA9CEB70-62F2-3DFC-8767-AEDC2B613E1E}"/>
+              </a:ext>
+            </a:extLst>
+          </p:cNvPr>
+          <p:cNvGrpSpPr/>
+          <p:nvPr/>
+        </p:nvGrpSpPr>
+        <p:grpSpPr>
+          <a:xfrm>
+            <a:off x="5557922" y="1539051"/>
+            <a:ext cx="289080" cy="2874960"/>
+            <a:chOff x="5470834" y="1539051"/>
+            <a:chExt cx="289080" cy="2874960"/>
+          </a:xfrm>
+        </p:grpSpPr>
+        <mc:AlternateContent xmlns:mc="http://schemas.openxmlformats.org/markup-compatibility/2006">
+          <mc:Choice xmlns:p14="http://schemas.microsoft.com/office/powerpoint/2010/main" Requires="p14">
+            <p:contentPart p14:bwMode="auto" r:id="rId3">
+              <p14:nvContentPartPr>
+                <p14:cNvPr id="14" name="Ink 13">
+                  <a:extLst>
+                    <a:ext uri="{FF2B5EF4-FFF2-40B4-BE49-F238E27FC236}">
+                      <a16:creationId xmlns:a16="http://schemas.microsoft.com/office/drawing/2014/main" id="{4775771E-106A-65BC-D3E9-1DE809849120}"/>
+                    </a:ext>
+                  </a:extLst>
+                </p14:cNvPr>
+                <p14:cNvContentPartPr/>
+                <p14:nvPr/>
+              </p14:nvContentPartPr>
+              <p14:xfrm>
+                <a:off x="5470834" y="1539051"/>
+                <a:ext cx="243720" cy="23400"/>
+              </p14:xfrm>
+            </p:contentPart>
+          </mc:Choice>
+          <mc:Fallback>
+            <p:pic>
+              <p:nvPicPr>
+                <p:cNvPr id="14" name="Ink 13">
+                  <a:extLst>
+                    <a:ext uri="{FF2B5EF4-FFF2-40B4-BE49-F238E27FC236}">
+                      <a16:creationId xmlns:a16="http://schemas.microsoft.com/office/drawing/2014/main" id="{4775771E-106A-65BC-D3E9-1DE809849120}"/>
+                    </a:ext>
+                  </a:extLst>
+                </p:cNvPr>
+                <p:cNvPicPr/>
+                <p:nvPr/>
+              </p:nvPicPr>
+              <p:blipFill>
+                <a:blip r:embed="rId4"/>
+                <a:stretch>
+                  <a:fillRect/>
+                </a:stretch>
+              </p:blipFill>
+              <p:spPr>
+                <a:xfrm>
+                  <a:off x="5453194" y="1521051"/>
+                  <a:ext cx="279360" cy="59040"/>
+                </a:xfrm>
+                <a:prstGeom prst="rect">
+                  <a:avLst/>
+                </a:prstGeom>
+              </p:spPr>
+            </p:pic>
+          </mc:Fallback>
+        </mc:AlternateContent>
+        <mc:AlternateContent xmlns:mc="http://schemas.openxmlformats.org/markup-compatibility/2006">
+          <mc:Choice xmlns:p14="http://schemas.microsoft.com/office/powerpoint/2010/main" Requires="p14">
+            <p:contentPart p14:bwMode="auto" r:id="rId5">
+              <p14:nvContentPartPr>
+                <p14:cNvPr id="15" name="Ink 14">
+                  <a:extLst>
+                    <a:ext uri="{FF2B5EF4-FFF2-40B4-BE49-F238E27FC236}">
+                      <a16:creationId xmlns:a16="http://schemas.microsoft.com/office/drawing/2014/main" id="{D69C6FC3-049A-6418-BA6F-3159EE30B3CF}"/>
+                    </a:ext>
+                  </a:extLst>
+                </p14:cNvPr>
+                <p14:cNvContentPartPr/>
+                <p14:nvPr/>
+              </p14:nvContentPartPr>
+              <p14:xfrm>
+                <a:off x="5504674" y="1562091"/>
+                <a:ext cx="255240" cy="2851920"/>
+              </p14:xfrm>
+            </p:contentPart>
+          </mc:Choice>
+          <mc:Fallback>
+            <p:pic>
+              <p:nvPicPr>
+                <p:cNvPr id="15" name="Ink 14">
+                  <a:extLst>
+                    <a:ext uri="{FF2B5EF4-FFF2-40B4-BE49-F238E27FC236}">
+                      <a16:creationId xmlns:a16="http://schemas.microsoft.com/office/drawing/2014/main" id="{D69C6FC3-049A-6418-BA6F-3159EE30B3CF}"/>
+                    </a:ext>
+                  </a:extLst>
+                </p:cNvPr>
+                <p:cNvPicPr/>
+                <p:nvPr/>
+              </p:nvPicPr>
+              <p:blipFill>
+                <a:blip r:embed="rId6"/>
+                <a:stretch>
+                  <a:fillRect/>
+                </a:stretch>
+              </p:blipFill>
+              <p:spPr>
+                <a:xfrm>
+                  <a:off x="5486674" y="1544091"/>
+                  <a:ext cx="290880" cy="2887560"/>
+                </a:xfrm>
+                <a:prstGeom prst="rect">
+                  <a:avLst/>
+                </a:prstGeom>
+              </p:spPr>
+            </p:pic>
+          </mc:Fallback>
+        </mc:AlternateContent>
+      </p:grpSp>
+      <mc:AlternateContent xmlns:mc="http://schemas.openxmlformats.org/markup-compatibility/2006">
+        <mc:Choice xmlns:p14="http://schemas.microsoft.com/office/powerpoint/2010/main" Requires="p14">
+          <p:contentPart p14:bwMode="auto" r:id="rId7">
+            <p14:nvContentPartPr>
+              <p14:cNvPr id="16" name="Ink 15">
+                <a:extLst>
+                  <a:ext uri="{FF2B5EF4-FFF2-40B4-BE49-F238E27FC236}">
+                    <a16:creationId xmlns:a16="http://schemas.microsoft.com/office/drawing/2014/main" id="{08730676-AB66-099C-9FB0-EBD5658B544A}"/>
+                  </a:ext>
+                </a:extLst>
+              </p14:cNvPr>
+              <p14:cNvContentPartPr/>
+              <p14:nvPr/>
+            </p14:nvContentPartPr>
+            <p14:xfrm>
+              <a:off x="7940074" y="1543011"/>
+              <a:ext cx="250560" cy="684360"/>
+            </p14:xfrm>
+          </p:contentPart>
+        </mc:Choice>
+        <mc:Fallback>
+          <p:pic>
+            <p:nvPicPr>
+              <p:cNvPr id="16" name="Ink 15">
+                <a:extLst>
+                  <a:ext uri="{FF2B5EF4-FFF2-40B4-BE49-F238E27FC236}">
+                    <a16:creationId xmlns:a16="http://schemas.microsoft.com/office/drawing/2014/main" id="{08730676-AB66-099C-9FB0-EBD5658B544A}"/>
+                  </a:ext>
+                </a:extLst>
+              </p:cNvPr>
+              <p:cNvPicPr/>
+              <p:nvPr/>
+            </p:nvPicPr>
+            <p:blipFill>
+              <a:blip r:embed="rId8"/>
+              <a:stretch>
+                <a:fillRect/>
+              </a:stretch>
+            </p:blipFill>
+            <p:spPr>
+              <a:xfrm>
+                <a:off x="7922434" y="1525011"/>
+                <a:ext cx="286200" cy="720000"/>
+              </a:xfrm>
+              <a:prstGeom prst="rect">
+                <a:avLst/>
+              </a:prstGeom>
+            </p:spPr>
+          </p:pic>
+        </mc:Fallback>
+      </mc:AlternateContent>
+      <mc:AlternateContent xmlns:mc="http://schemas.openxmlformats.org/markup-compatibility/2006">
+        <mc:Choice xmlns:p14="http://schemas.microsoft.com/office/powerpoint/2010/main" Requires="p14">
+          <p:contentPart p14:bwMode="auto" r:id="rId9">
+            <p14:nvContentPartPr>
+              <p14:cNvPr id="20" name="Ink 19">
+                <a:extLst>
+                  <a:ext uri="{FF2B5EF4-FFF2-40B4-BE49-F238E27FC236}">
+                    <a16:creationId xmlns:a16="http://schemas.microsoft.com/office/drawing/2014/main" id="{45953AF1-C0A6-A4FC-4E47-E52F7A7DD9D7}"/>
+                  </a:ext>
+                </a:extLst>
+              </p14:cNvPr>
+              <p14:cNvContentPartPr/>
+              <p14:nvPr/>
+            </p14:nvContentPartPr>
+            <p14:xfrm>
+              <a:off x="8866354" y="2225211"/>
+              <a:ext cx="401760" cy="2241720"/>
+            </p14:xfrm>
+          </p:contentPart>
+        </mc:Choice>
+        <mc:Fallback>
+          <p:pic>
+            <p:nvPicPr>
+              <p:cNvPr id="20" name="Ink 19">
+                <a:extLst>
+                  <a:ext uri="{FF2B5EF4-FFF2-40B4-BE49-F238E27FC236}">
+                    <a16:creationId xmlns:a16="http://schemas.microsoft.com/office/drawing/2014/main" id="{45953AF1-C0A6-A4FC-4E47-E52F7A7DD9D7}"/>
+                  </a:ext>
+                </a:extLst>
+              </p:cNvPr>
+              <p:cNvPicPr/>
+              <p:nvPr/>
+            </p:nvPicPr>
+            <p:blipFill>
+              <a:blip r:embed="rId10"/>
+              <a:stretch>
+                <a:fillRect/>
+              </a:stretch>
+            </p:blipFill>
+            <p:spPr>
+              <a:xfrm>
+                <a:off x="8848714" y="2207211"/>
+                <a:ext cx="437400" cy="2277360"/>
+              </a:xfrm>
+              <a:prstGeom prst="rect">
+                <a:avLst/>
+              </a:prstGeom>
+            </p:spPr>
+          </p:pic>
+        </mc:Fallback>
+      </mc:AlternateContent>
+      <mc:AlternateContent xmlns:mc="http://schemas.openxmlformats.org/markup-compatibility/2006">
+        <mc:Choice xmlns:a14="http://schemas.microsoft.com/office/drawing/2010/main" Requires="a14">
+          <p:sp>
+            <p:nvSpPr>
+              <p:cNvPr id="23" name="TextBox 22">
+                <a:extLst>
+                  <a:ext uri="{FF2B5EF4-FFF2-40B4-BE49-F238E27FC236}">
+                    <a16:creationId xmlns:a16="http://schemas.microsoft.com/office/drawing/2014/main" id="{FFF21998-3ED0-5813-705C-2BCC8295760A}"/>
+                  </a:ext>
+                </a:extLst>
+              </p:cNvPr>
+              <p:cNvSpPr txBox="1"/>
+              <p:nvPr/>
+            </p:nvSpPr>
+            <p:spPr>
+              <a:xfrm>
+                <a:off x="5461044" y="2693056"/>
+                <a:ext cx="768415" cy="381515"/>
+              </a:xfrm>
+              <a:prstGeom prst="rect">
+                <a:avLst/>
+              </a:prstGeom>
+              <a:solidFill>
+                <a:schemeClr val="bg1"/>
+              </a:solidFill>
+            </p:spPr>
+            <p:txBody>
+              <a:bodyPr wrap="none" rtlCol="0">
+                <a:spAutoFit/>
+              </a:bodyPr>
+              <a:lstStyle/>
+              <a:p>
+                <a14:m>
+                  <m:oMathPara xmlns:m="http://schemas.openxmlformats.org/officeDocument/2006/math">
+                    <m:oMathParaPr>
+                      <m:jc m:val="centerGroup"/>
+                    </m:oMathParaPr>
+                    <m:oMath xmlns:m="http://schemas.openxmlformats.org/officeDocument/2006/math">
+                      <m:sSub>
+                        <m:sSubPr>
+                          <m:ctrlPr>
+                            <a:rPr lang="en-US" i="1" smtClean="0">
+                              <a:latin typeface="Cambria Math" panose="02040503050406030204" pitchFamily="18" charset="0"/>
+                              <a:ea typeface="Cambria Math" panose="02040503050406030204" pitchFamily="18" charset="0"/>
+                            </a:rPr>
+                          </m:ctrlPr>
+                        </m:sSubPr>
+                        <m:e>
+                          <m:r>
+                            <a:rPr lang="en-US" i="1">
+                              <a:latin typeface="Cambria Math" panose="02040503050406030204" pitchFamily="18" charset="0"/>
+                              <a:ea typeface="Cambria Math" panose="02040503050406030204" pitchFamily="18" charset="0"/>
+                            </a:rPr>
+                            <m:t>𝛽</m:t>
+                          </m:r>
+                        </m:e>
+                        <m:sub>
+                          <m:r>
+                            <a:rPr lang="en-US" i="1">
+                              <a:latin typeface="Cambria Math" panose="02040503050406030204" pitchFamily="18" charset="0"/>
+                              <a:ea typeface="Cambria Math" panose="02040503050406030204" pitchFamily="18" charset="0"/>
+                            </a:rPr>
+                            <m:t>−</m:t>
+                          </m:r>
+                          <m:r>
+                            <a:rPr lang="en-US" i="1">
+                              <a:latin typeface="Cambria Math" panose="02040503050406030204" pitchFamily="18" charset="0"/>
+                              <a:ea typeface="Cambria Math" panose="02040503050406030204" pitchFamily="18" charset="0"/>
+                            </a:rPr>
+                            <m:t>𝐵</m:t>
+                          </m:r>
+                          <m:r>
+                            <a:rPr lang="en-US" i="1">
+                              <a:latin typeface="Cambria Math" panose="02040503050406030204" pitchFamily="18" charset="0"/>
+                              <a:ea typeface="Cambria Math" panose="02040503050406030204" pitchFamily="18" charset="0"/>
+                            </a:rPr>
+                            <m:t>,</m:t>
+                          </m:r>
+                          <m:r>
+                            <a:rPr lang="en-US" i="1">
+                              <a:latin typeface="Cambria Math" panose="02040503050406030204" pitchFamily="18" charset="0"/>
+                              <a:ea typeface="Cambria Math" panose="02040503050406030204" pitchFamily="18" charset="0"/>
+                            </a:rPr>
+                            <m:t>𝑂</m:t>
+                          </m:r>
+                        </m:sub>
+                      </m:sSub>
+                    </m:oMath>
+                  </m:oMathPara>
+                </a14:m>
+                <a:endParaRPr lang="en-US" dirty="0"/>
+              </a:p>
+            </p:txBody>
+          </p:sp>
+        </mc:Choice>
+        <mc:Fallback>
+          <p:sp>
+            <p:nvSpPr>
+              <p:cNvPr id="23" name="TextBox 22">
+                <a:extLst>
+                  <a:ext uri="{FF2B5EF4-FFF2-40B4-BE49-F238E27FC236}">
+                    <a16:creationId xmlns:a16="http://schemas.microsoft.com/office/drawing/2014/main" id="{FFF21998-3ED0-5813-705C-2BCC8295760A}"/>
+                  </a:ext>
+                </a:extLst>
+              </p:cNvPr>
+              <p:cNvSpPr txBox="1">
+                <a:spLocks noRot="1" noChangeAspect="1" noMove="1" noResize="1" noEditPoints="1" noAdjustHandles="1" noChangeArrowheads="1" noChangeShapeType="1" noTextEdit="1"/>
+              </p:cNvSpPr>
+              <p:nvPr/>
+            </p:nvSpPr>
+            <p:spPr>
+              <a:xfrm>
+                <a:off x="5461044" y="2693056"/>
+                <a:ext cx="768415" cy="381515"/>
+              </a:xfrm>
+              <a:prstGeom prst="rect">
+                <a:avLst/>
+              </a:prstGeom>
+              <a:blipFill>
+                <a:blip r:embed="rId11"/>
+                <a:stretch>
+                  <a:fillRect b="-13333"/>
+                </a:stretch>
+              </a:blipFill>
+            </p:spPr>
+            <p:txBody>
+              <a:bodyPr/>
+              <a:lstStyle/>
+              <a:p>
+                <a:r>
+                  <a:rPr lang="en-US">
+                    <a:noFill/>
+                  </a:rPr>
+                  <a:t> </a:t>
+                </a:r>
+              </a:p>
+            </p:txBody>
+          </p:sp>
+        </mc:Fallback>
+      </mc:AlternateContent>
+      <mc:AlternateContent xmlns:mc="http://schemas.openxmlformats.org/markup-compatibility/2006">
+        <mc:Choice xmlns:a14="http://schemas.microsoft.com/office/drawing/2010/main" Requires="a14">
+          <p:sp>
+            <p:nvSpPr>
+              <p:cNvPr id="24" name="TextBox 23">
+                <a:extLst>
+                  <a:ext uri="{FF2B5EF4-FFF2-40B4-BE49-F238E27FC236}">
+                    <a16:creationId xmlns:a16="http://schemas.microsoft.com/office/drawing/2014/main" id="{774150E4-819C-0F58-870B-42ECDCA2228F}"/>
+                  </a:ext>
+                </a:extLst>
+              </p:cNvPr>
+              <p:cNvSpPr txBox="1"/>
+              <p:nvPr/>
+            </p:nvSpPr>
+            <p:spPr>
+              <a:xfrm>
+                <a:off x="7806426" y="1689178"/>
+                <a:ext cx="768415" cy="381515"/>
+              </a:xfrm>
+              <a:prstGeom prst="rect">
+                <a:avLst/>
+              </a:prstGeom>
+              <a:solidFill>
+                <a:schemeClr val="bg1"/>
+              </a:solidFill>
+            </p:spPr>
+            <p:txBody>
+              <a:bodyPr wrap="none" rtlCol="0">
+                <a:spAutoFit/>
+              </a:bodyPr>
+              <a:lstStyle/>
+              <a:p>
+                <a14:m>
+                  <m:oMathPara xmlns:m="http://schemas.openxmlformats.org/officeDocument/2006/math">
+                    <m:oMathParaPr>
+                      <m:jc m:val="centerGroup"/>
+                    </m:oMathParaPr>
+                    <m:oMath xmlns:m="http://schemas.openxmlformats.org/officeDocument/2006/math">
+                      <m:sSub>
+                        <m:sSubPr>
+                          <m:ctrlPr>
+                            <a:rPr lang="en-US" i="1" smtClean="0">
+                              <a:latin typeface="Cambria Math" panose="02040503050406030204" pitchFamily="18" charset="0"/>
+                              <a:ea typeface="Cambria Math" panose="02040503050406030204" pitchFamily="18" charset="0"/>
+                            </a:rPr>
+                          </m:ctrlPr>
+                        </m:sSubPr>
+                        <m:e>
+                          <m:r>
+                            <a:rPr lang="en-US" i="1">
+                              <a:latin typeface="Cambria Math" panose="02040503050406030204" pitchFamily="18" charset="0"/>
+                              <a:ea typeface="Cambria Math" panose="02040503050406030204" pitchFamily="18" charset="0"/>
+                            </a:rPr>
+                            <m:t>𝛽</m:t>
+                          </m:r>
+                        </m:e>
+                        <m:sub>
+                          <m:r>
+                            <a:rPr lang="en-US" b="0" i="1" smtClean="0">
+                              <a:latin typeface="Cambria Math" panose="02040503050406030204" pitchFamily="18" charset="0"/>
+                              <a:ea typeface="Cambria Math" panose="02040503050406030204" pitchFamily="18" charset="0"/>
+                            </a:rPr>
+                            <m:t>𝐵</m:t>
+                          </m:r>
+                          <m:r>
+                            <a:rPr lang="en-US" i="1">
+                              <a:latin typeface="Cambria Math" panose="02040503050406030204" pitchFamily="18" charset="0"/>
+                              <a:ea typeface="Cambria Math" panose="02040503050406030204" pitchFamily="18" charset="0"/>
+                            </a:rPr>
+                            <m:t>,</m:t>
+                          </m:r>
+                          <m:r>
+                            <a:rPr lang="en-US" b="0" i="1" smtClean="0">
+                              <a:latin typeface="Cambria Math" panose="02040503050406030204" pitchFamily="18" charset="0"/>
+                              <a:ea typeface="Cambria Math" panose="02040503050406030204" pitchFamily="18" charset="0"/>
+                            </a:rPr>
+                            <m:t>−</m:t>
+                          </m:r>
+                          <m:r>
+                            <a:rPr lang="en-US" i="1">
+                              <a:latin typeface="Cambria Math" panose="02040503050406030204" pitchFamily="18" charset="0"/>
+                              <a:ea typeface="Cambria Math" panose="02040503050406030204" pitchFamily="18" charset="0"/>
+                            </a:rPr>
+                            <m:t>𝑂</m:t>
+                          </m:r>
+                        </m:sub>
+                      </m:sSub>
+                    </m:oMath>
+                  </m:oMathPara>
+                </a14:m>
+                <a:endParaRPr lang="en-US" dirty="0"/>
+              </a:p>
+            </p:txBody>
+          </p:sp>
+        </mc:Choice>
+        <mc:Fallback>
+          <p:sp>
+            <p:nvSpPr>
+              <p:cNvPr id="24" name="TextBox 23">
+                <a:extLst>
+                  <a:ext uri="{FF2B5EF4-FFF2-40B4-BE49-F238E27FC236}">
+                    <a16:creationId xmlns:a16="http://schemas.microsoft.com/office/drawing/2014/main" id="{774150E4-819C-0F58-870B-42ECDCA2228F}"/>
+                  </a:ext>
+                </a:extLst>
+              </p:cNvPr>
+              <p:cNvSpPr txBox="1">
+                <a:spLocks noRot="1" noChangeAspect="1" noMove="1" noResize="1" noEditPoints="1" noAdjustHandles="1" noChangeArrowheads="1" noChangeShapeType="1" noTextEdit="1"/>
+              </p:cNvSpPr>
+              <p:nvPr/>
+            </p:nvSpPr>
+            <p:spPr>
+              <a:xfrm>
+                <a:off x="7806426" y="1689178"/>
+                <a:ext cx="768415" cy="381515"/>
+              </a:xfrm>
+              <a:prstGeom prst="rect">
+                <a:avLst/>
+              </a:prstGeom>
+              <a:blipFill>
+                <a:blip r:embed="rId12"/>
+                <a:stretch>
+                  <a:fillRect b="-9375"/>
+                </a:stretch>
+              </a:blipFill>
+            </p:spPr>
+            <p:txBody>
+              <a:bodyPr/>
+              <a:lstStyle/>
+              <a:p>
+                <a:r>
+                  <a:rPr lang="en-US">
+                    <a:noFill/>
+                  </a:rPr>
+                  <a:t> </a:t>
+                </a:r>
+              </a:p>
+            </p:txBody>
+          </p:sp>
+        </mc:Fallback>
+      </mc:AlternateContent>
+      <mc:AlternateContent xmlns:mc="http://schemas.openxmlformats.org/markup-compatibility/2006">
+        <mc:Choice xmlns:a14="http://schemas.microsoft.com/office/drawing/2010/main" Requires="a14">
+          <p:sp>
+            <p:nvSpPr>
+              <p:cNvPr id="25" name="TextBox 24">
+                <a:extLst>
+                  <a:ext uri="{FF2B5EF4-FFF2-40B4-BE49-F238E27FC236}">
+                    <a16:creationId xmlns:a16="http://schemas.microsoft.com/office/drawing/2014/main" id="{564DD337-A0CE-91F0-23C4-E52C1154395A}"/>
+                  </a:ext>
+                </a:extLst>
+              </p:cNvPr>
+              <p:cNvSpPr txBox="1"/>
+              <p:nvPr/>
+            </p:nvSpPr>
+            <p:spPr>
+              <a:xfrm>
+                <a:off x="8016425" y="3155313"/>
+                <a:ext cx="2503378" cy="381515"/>
+              </a:xfrm>
+              <a:prstGeom prst="rect">
+                <a:avLst/>
+              </a:prstGeom>
+              <a:solidFill>
+                <a:schemeClr val="bg1"/>
+              </a:solidFill>
+            </p:spPr>
+            <p:txBody>
+              <a:bodyPr wrap="none" rtlCol="0">
+                <a:spAutoFit/>
+              </a:bodyPr>
+              <a:lstStyle/>
+              <a:p>
+                <a14:m>
+                  <m:oMathPara xmlns:m="http://schemas.openxmlformats.org/officeDocument/2006/math">
+                    <m:oMathParaPr>
+                      <m:jc m:val="centerGroup"/>
+                    </m:oMathParaPr>
+                    <m:oMath xmlns:m="http://schemas.openxmlformats.org/officeDocument/2006/math">
+                      <m:sSub>
+                        <m:sSubPr>
+                          <m:ctrlPr>
+                            <a:rPr lang="en-US" i="1" smtClean="0">
+                              <a:latin typeface="Cambria Math" panose="02040503050406030204" pitchFamily="18" charset="0"/>
+                              <a:ea typeface="Cambria Math" panose="02040503050406030204" pitchFamily="18" charset="0"/>
+                            </a:rPr>
+                          </m:ctrlPr>
+                        </m:sSubPr>
+                        <m:e>
+                          <m:sSub>
+                            <m:sSubPr>
+                              <m:ctrlPr>
+                                <a:rPr lang="en-US" i="1">
+                                  <a:latin typeface="Cambria Math" panose="02040503050406030204" pitchFamily="18" charset="0"/>
+                                  <a:ea typeface="Cambria Math" panose="02040503050406030204" pitchFamily="18" charset="0"/>
+                                </a:rPr>
+                              </m:ctrlPr>
+                            </m:sSubPr>
+                            <m:e>
+                              <m:r>
+                                <a:rPr lang="en-US" i="1">
+                                  <a:latin typeface="Cambria Math" panose="02040503050406030204" pitchFamily="18" charset="0"/>
+                                  <a:ea typeface="Cambria Math" panose="02040503050406030204" pitchFamily="18" charset="0"/>
+                                </a:rPr>
+                                <m:t>𝛽</m:t>
+                              </m:r>
+                            </m:e>
+                            <m:sub>
+                              <m:r>
+                                <a:rPr lang="en-US" i="1">
+                                  <a:latin typeface="Cambria Math" panose="02040503050406030204" pitchFamily="18" charset="0"/>
+                                  <a:ea typeface="Cambria Math" panose="02040503050406030204" pitchFamily="18" charset="0"/>
+                                </a:rPr>
+                                <m:t>−</m:t>
+                              </m:r>
+                              <m:r>
+                                <a:rPr lang="en-US" i="1">
+                                  <a:latin typeface="Cambria Math" panose="02040503050406030204" pitchFamily="18" charset="0"/>
+                                  <a:ea typeface="Cambria Math" panose="02040503050406030204" pitchFamily="18" charset="0"/>
+                                </a:rPr>
+                                <m:t>𝐵</m:t>
+                              </m:r>
+                              <m:r>
+                                <a:rPr lang="en-US" i="1">
+                                  <a:latin typeface="Cambria Math" panose="02040503050406030204" pitchFamily="18" charset="0"/>
+                                  <a:ea typeface="Cambria Math" panose="02040503050406030204" pitchFamily="18" charset="0"/>
+                                </a:rPr>
+                                <m:t>,</m:t>
+                              </m:r>
+                              <m:r>
+                                <a:rPr lang="en-US" i="1">
+                                  <a:latin typeface="Cambria Math" panose="02040503050406030204" pitchFamily="18" charset="0"/>
+                                  <a:ea typeface="Cambria Math" panose="02040503050406030204" pitchFamily="18" charset="0"/>
+                                </a:rPr>
+                                <m:t>𝑂</m:t>
+                              </m:r>
+                            </m:sub>
+                          </m:sSub>
+                          <m:r>
+                            <a:rPr lang="en-US" b="0" i="1" smtClean="0">
+                              <a:latin typeface="Cambria Math" panose="02040503050406030204" pitchFamily="18" charset="0"/>
+                              <a:ea typeface="Cambria Math" panose="02040503050406030204" pitchFamily="18" charset="0"/>
+                            </a:rPr>
+                            <m:t>+</m:t>
+                          </m:r>
+                          <m:sSub>
+                            <m:sSubPr>
+                              <m:ctrlPr>
+                                <a:rPr lang="en-US" i="1">
+                                  <a:latin typeface="Cambria Math" panose="02040503050406030204" pitchFamily="18" charset="0"/>
+                                  <a:ea typeface="Cambria Math" panose="02040503050406030204" pitchFamily="18" charset="0"/>
+                                </a:rPr>
+                              </m:ctrlPr>
+                            </m:sSubPr>
+                            <m:e>
+                              <m:r>
+                                <a:rPr lang="en-US" i="1">
+                                  <a:latin typeface="Cambria Math" panose="02040503050406030204" pitchFamily="18" charset="0"/>
+                                  <a:ea typeface="Cambria Math" panose="02040503050406030204" pitchFamily="18" charset="0"/>
+                                </a:rPr>
+                                <m:t>𝛽</m:t>
+                              </m:r>
+                            </m:e>
+                            <m:sub>
+                              <m:r>
+                                <a:rPr lang="en-US" i="1">
+                                  <a:latin typeface="Cambria Math" panose="02040503050406030204" pitchFamily="18" charset="0"/>
+                                  <a:ea typeface="Cambria Math" panose="02040503050406030204" pitchFamily="18" charset="0"/>
+                                </a:rPr>
+                                <m:t>𝐵</m:t>
+                              </m:r>
+                              <m:r>
+                                <a:rPr lang="en-US" i="1">
+                                  <a:latin typeface="Cambria Math" panose="02040503050406030204" pitchFamily="18" charset="0"/>
+                                  <a:ea typeface="Cambria Math" panose="02040503050406030204" pitchFamily="18" charset="0"/>
+                                </a:rPr>
+                                <m:t>,−</m:t>
+                              </m:r>
+                              <m:r>
+                                <a:rPr lang="en-US" i="1">
+                                  <a:latin typeface="Cambria Math" panose="02040503050406030204" pitchFamily="18" charset="0"/>
+                                  <a:ea typeface="Cambria Math" panose="02040503050406030204" pitchFamily="18" charset="0"/>
+                                </a:rPr>
+                                <m:t>𝑂</m:t>
+                              </m:r>
+                            </m:sub>
+                          </m:sSub>
+                          <m:r>
+                            <a:rPr lang="en-US" b="0" i="1" smtClean="0">
+                              <a:latin typeface="Cambria Math" panose="02040503050406030204" pitchFamily="18" charset="0"/>
+                              <a:ea typeface="Cambria Math" panose="02040503050406030204" pitchFamily="18" charset="0"/>
+                            </a:rPr>
+                            <m:t>+</m:t>
+                          </m:r>
+                          <m:r>
+                            <a:rPr lang="en-US" i="1">
+                              <a:latin typeface="Cambria Math" panose="02040503050406030204" pitchFamily="18" charset="0"/>
+                              <a:ea typeface="Cambria Math" panose="02040503050406030204" pitchFamily="18" charset="0"/>
+                            </a:rPr>
+                            <m:t>𝛽</m:t>
+                          </m:r>
+                        </m:e>
+                        <m:sub>
+                          <m:r>
+                            <a:rPr lang="en-US" b="0" i="1" smtClean="0">
+                              <a:latin typeface="Cambria Math" panose="02040503050406030204" pitchFamily="18" charset="0"/>
+                              <a:ea typeface="Cambria Math" panose="02040503050406030204" pitchFamily="18" charset="0"/>
+                            </a:rPr>
+                            <m:t>−</m:t>
+                          </m:r>
+                          <m:r>
+                            <a:rPr lang="en-US" b="0" i="1" smtClean="0">
+                              <a:latin typeface="Cambria Math" panose="02040503050406030204" pitchFamily="18" charset="0"/>
+                              <a:ea typeface="Cambria Math" panose="02040503050406030204" pitchFamily="18" charset="0"/>
+                            </a:rPr>
+                            <m:t>𝐵</m:t>
+                          </m:r>
+                          <m:r>
+                            <a:rPr lang="en-US" i="1">
+                              <a:latin typeface="Cambria Math" panose="02040503050406030204" pitchFamily="18" charset="0"/>
+                              <a:ea typeface="Cambria Math" panose="02040503050406030204" pitchFamily="18" charset="0"/>
+                            </a:rPr>
+                            <m:t>,</m:t>
+                          </m:r>
+                          <m:r>
+                            <a:rPr lang="en-US" b="0" i="1" smtClean="0">
+                              <a:latin typeface="Cambria Math" panose="02040503050406030204" pitchFamily="18" charset="0"/>
+                              <a:ea typeface="Cambria Math" panose="02040503050406030204" pitchFamily="18" charset="0"/>
+                            </a:rPr>
+                            <m:t>−</m:t>
+                          </m:r>
+                          <m:r>
+                            <a:rPr lang="en-US" i="1">
+                              <a:latin typeface="Cambria Math" panose="02040503050406030204" pitchFamily="18" charset="0"/>
+                              <a:ea typeface="Cambria Math" panose="02040503050406030204" pitchFamily="18" charset="0"/>
+                            </a:rPr>
+                            <m:t>𝑂</m:t>
+                          </m:r>
+                        </m:sub>
+                      </m:sSub>
+                    </m:oMath>
+                  </m:oMathPara>
+                </a14:m>
+                <a:endParaRPr lang="en-US" dirty="0"/>
+              </a:p>
+            </p:txBody>
+          </p:sp>
+        </mc:Choice>
+        <mc:Fallback>
+          <p:sp>
+            <p:nvSpPr>
+              <p:cNvPr id="25" name="TextBox 24">
+                <a:extLst>
+                  <a:ext uri="{FF2B5EF4-FFF2-40B4-BE49-F238E27FC236}">
+                    <a16:creationId xmlns:a16="http://schemas.microsoft.com/office/drawing/2014/main" id="{564DD337-A0CE-91F0-23C4-E52C1154395A}"/>
+                  </a:ext>
+                </a:extLst>
+              </p:cNvPr>
+              <p:cNvSpPr txBox="1">
+                <a:spLocks noRot="1" noChangeAspect="1" noMove="1" noResize="1" noEditPoints="1" noAdjustHandles="1" noChangeArrowheads="1" noChangeShapeType="1" noTextEdit="1"/>
+              </p:cNvSpPr>
+              <p:nvPr/>
+            </p:nvSpPr>
+            <p:spPr>
+              <a:xfrm>
+                <a:off x="8016425" y="3155313"/>
+                <a:ext cx="2503378" cy="381515"/>
+              </a:xfrm>
+              <a:prstGeom prst="rect">
+                <a:avLst/>
+              </a:prstGeom>
+              <a:blipFill>
+                <a:blip r:embed="rId13"/>
+                <a:stretch>
+                  <a:fillRect b="-9677"/>
+                </a:stretch>
+              </a:blipFill>
+            </p:spPr>
+            <p:txBody>
+              <a:bodyPr/>
+              <a:lstStyle/>
+              <a:p>
+                <a:r>
+                  <a:rPr lang="en-US">
+                    <a:noFill/>
+                  </a:rPr>
+                  <a:t> </a:t>
+                </a:r>
+              </a:p>
+            </p:txBody>
+          </p:sp>
+        </mc:Fallback>
+      </mc:AlternateContent>
+      <p:sp>
+        <p:nvSpPr>
+          <p:cNvPr id="26" name="TextBox 25">
+            <a:extLst>
+              <a:ext uri="{FF2B5EF4-FFF2-40B4-BE49-F238E27FC236}">
+                <a16:creationId xmlns:a16="http://schemas.microsoft.com/office/drawing/2014/main" id="{7664A8A6-20F7-2A12-82E5-4E69B4402C88}"/>
+              </a:ext>
+            </a:extLst>
+          </p:cNvPr>
+          <p:cNvSpPr txBox="1"/>
+          <p:nvPr/>
+        </p:nvSpPr>
+        <p:spPr>
+          <a:xfrm>
+            <a:off x="6224781" y="881308"/>
+            <a:ext cx="1497076" cy="369332"/>
+          </a:xfrm>
+          <a:prstGeom prst="rect">
+            <a:avLst/>
+          </a:prstGeom>
+          <a:noFill/>
+        </p:spPr>
+        <p:txBody>
+          <a:bodyPr wrap="none" rtlCol="0">
+            <a:spAutoFit/>
+          </a:bodyPr>
+          <a:lstStyle/>
+          <a:p>
+            <a:r>
+              <a:rPr lang="en-US" dirty="0"/>
+              <a:t>Simple effects</a:t>
+            </a:r>
+          </a:p>
+        </p:txBody>
+      </p:sp>
+      <p:sp>
+        <p:nvSpPr>
+          <p:cNvPr id="27" name="TextBox 26">
+            <a:extLst>
+              <a:ext uri="{FF2B5EF4-FFF2-40B4-BE49-F238E27FC236}">
+                <a16:creationId xmlns:a16="http://schemas.microsoft.com/office/drawing/2014/main" id="{E546F537-0ECE-9910-779E-30394ACCC3CE}"/>
+              </a:ext>
+            </a:extLst>
+          </p:cNvPr>
+          <p:cNvSpPr txBox="1"/>
+          <p:nvPr/>
+        </p:nvSpPr>
+        <p:spPr>
+          <a:xfrm>
+            <a:off x="8915773" y="1534193"/>
+            <a:ext cx="1793889" cy="369332"/>
+          </a:xfrm>
+          <a:prstGeom prst="rect">
+            <a:avLst/>
+          </a:prstGeom>
+          <a:noFill/>
+        </p:spPr>
+        <p:txBody>
+          <a:bodyPr wrap="none" rtlCol="0">
+            <a:spAutoFit/>
+          </a:bodyPr>
+          <a:lstStyle/>
+          <a:p>
+            <a:r>
+              <a:rPr lang="en-US" dirty="0"/>
+              <a:t>interaction effect</a:t>
+            </a:r>
+          </a:p>
+        </p:txBody>
+      </p:sp>
+      <mc:AlternateContent xmlns:mc="http://schemas.openxmlformats.org/markup-compatibility/2006">
+        <mc:Choice xmlns:p14="http://schemas.microsoft.com/office/powerpoint/2010/main" Requires="p14">
+          <p:contentPart p14:bwMode="auto" r:id="rId14">
+            <p14:nvContentPartPr>
+              <p14:cNvPr id="28" name="Ink 27">
+                <a:extLst>
+                  <a:ext uri="{FF2B5EF4-FFF2-40B4-BE49-F238E27FC236}">
+                    <a16:creationId xmlns:a16="http://schemas.microsoft.com/office/drawing/2014/main" id="{9EB789F4-D0AF-0DDF-4F5B-54920308D84D}"/>
+                  </a:ext>
+                </a:extLst>
+              </p14:cNvPr>
+              <p14:cNvContentPartPr/>
+              <p14:nvPr/>
+            </p14:nvContentPartPr>
+            <p14:xfrm>
+              <a:off x="6078514" y="1308651"/>
+              <a:ext cx="830520" cy="1366920"/>
+            </p14:xfrm>
+          </p:contentPart>
+        </mc:Choice>
+        <mc:Fallback>
+          <p:pic>
+            <p:nvPicPr>
+              <p:cNvPr id="28" name="Ink 27">
+                <a:extLst>
+                  <a:ext uri="{FF2B5EF4-FFF2-40B4-BE49-F238E27FC236}">
+                    <a16:creationId xmlns:a16="http://schemas.microsoft.com/office/drawing/2014/main" id="{9EB789F4-D0AF-0DDF-4F5B-54920308D84D}"/>
+                  </a:ext>
+                </a:extLst>
+              </p:cNvPr>
+              <p:cNvPicPr/>
+              <p:nvPr/>
+            </p:nvPicPr>
+            <p:blipFill>
+              <a:blip r:embed="rId15"/>
+              <a:stretch>
+                <a:fillRect/>
+              </a:stretch>
+            </p:blipFill>
+            <p:spPr>
+              <a:xfrm>
+                <a:off x="6060514" y="1290651"/>
+                <a:ext cx="866160" cy="1402560"/>
+              </a:xfrm>
+              <a:prstGeom prst="rect">
+                <a:avLst/>
+              </a:prstGeom>
+            </p:spPr>
+          </p:pic>
+        </mc:Fallback>
+      </mc:AlternateContent>
+      <mc:AlternateContent xmlns:mc="http://schemas.openxmlformats.org/markup-compatibility/2006">
+        <mc:Choice xmlns:p14="http://schemas.microsoft.com/office/powerpoint/2010/main" Requires="p14">
+          <p:contentPart p14:bwMode="auto" r:id="rId16">
+            <p14:nvContentPartPr>
+              <p14:cNvPr id="29" name="Ink 28">
+                <a:extLst>
+                  <a:ext uri="{FF2B5EF4-FFF2-40B4-BE49-F238E27FC236}">
+                    <a16:creationId xmlns:a16="http://schemas.microsoft.com/office/drawing/2014/main" id="{07F2239B-15C6-67E7-9FB0-AEEC46E3D7C0}"/>
+                  </a:ext>
+                </a:extLst>
+              </p14:cNvPr>
+              <p14:cNvContentPartPr/>
+              <p14:nvPr/>
+            </p14:nvContentPartPr>
+            <p14:xfrm>
+              <a:off x="7301434" y="1270131"/>
+              <a:ext cx="552960" cy="592200"/>
+            </p14:xfrm>
+          </p:contentPart>
+        </mc:Choice>
+        <mc:Fallback>
+          <p:pic>
+            <p:nvPicPr>
+              <p:cNvPr id="29" name="Ink 28">
+                <a:extLst>
+                  <a:ext uri="{FF2B5EF4-FFF2-40B4-BE49-F238E27FC236}">
+                    <a16:creationId xmlns:a16="http://schemas.microsoft.com/office/drawing/2014/main" id="{07F2239B-15C6-67E7-9FB0-AEEC46E3D7C0}"/>
+                  </a:ext>
+                </a:extLst>
+              </p:cNvPr>
+              <p:cNvPicPr/>
+              <p:nvPr/>
+            </p:nvPicPr>
+            <p:blipFill>
+              <a:blip r:embed="rId17"/>
+              <a:stretch>
+                <a:fillRect/>
+              </a:stretch>
+            </p:blipFill>
+            <p:spPr>
+              <a:xfrm>
+                <a:off x="7283794" y="1252131"/>
+                <a:ext cx="588600" cy="627840"/>
+              </a:xfrm>
+              <a:prstGeom prst="rect">
+                <a:avLst/>
+              </a:prstGeom>
+            </p:spPr>
+          </p:pic>
+        </mc:Fallback>
+      </mc:AlternateContent>
+      <mc:AlternateContent xmlns:mc="http://schemas.openxmlformats.org/markup-compatibility/2006">
+        <mc:Choice xmlns:p14="http://schemas.microsoft.com/office/powerpoint/2010/main" Requires="p14">
+          <p:contentPart p14:bwMode="auto" r:id="rId18">
+            <p14:nvContentPartPr>
+              <p14:cNvPr id="30" name="Ink 29">
+                <a:extLst>
+                  <a:ext uri="{FF2B5EF4-FFF2-40B4-BE49-F238E27FC236}">
+                    <a16:creationId xmlns:a16="http://schemas.microsoft.com/office/drawing/2014/main" id="{C0F36B75-1925-E4A8-0480-BE55C4D963B8}"/>
+                  </a:ext>
+                </a:extLst>
+              </p14:cNvPr>
+              <p14:cNvContentPartPr/>
+              <p14:nvPr/>
+            </p14:nvContentPartPr>
+            <p14:xfrm>
+              <a:off x="9975514" y="1973931"/>
+              <a:ext cx="381240" cy="1173600"/>
+            </p14:xfrm>
+          </p:contentPart>
+        </mc:Choice>
+        <mc:Fallback>
+          <p:pic>
+            <p:nvPicPr>
+              <p:cNvPr id="30" name="Ink 29">
+                <a:extLst>
+                  <a:ext uri="{FF2B5EF4-FFF2-40B4-BE49-F238E27FC236}">
+                    <a16:creationId xmlns:a16="http://schemas.microsoft.com/office/drawing/2014/main" id="{C0F36B75-1925-E4A8-0480-BE55C4D963B8}"/>
+                  </a:ext>
+                </a:extLst>
+              </p:cNvPr>
+              <p:cNvPicPr/>
+              <p:nvPr/>
+            </p:nvPicPr>
+            <p:blipFill>
+              <a:blip r:embed="rId19"/>
+              <a:stretch>
+                <a:fillRect/>
+              </a:stretch>
+            </p:blipFill>
+            <p:spPr>
+              <a:xfrm>
+                <a:off x="9957874" y="1955931"/>
+                <a:ext cx="416880" cy="1209240"/>
+              </a:xfrm>
+              <a:prstGeom prst="rect">
+                <a:avLst/>
+              </a:prstGeom>
+            </p:spPr>
+          </p:pic>
+        </mc:Fallback>
+      </mc:AlternateContent>
+    </p:spTree>
+    <p:extLst>
+      <p:ext uri="{BB962C8B-B14F-4D97-AF65-F5344CB8AC3E}">
+        <p14:creationId xmlns:p14="http://schemas.microsoft.com/office/powerpoint/2010/main" val="3788901337"/>
+      </p:ext>
+    </p:extLst>
+  </p:cSld>
+  <p:clrMapOvr>
+    <a:masterClrMapping/>
+  </p:clrMapOvr>
+</p:sld>
+</file>
+
+<file path=ppt/slides/slide4.xml><?xml version="1.0" encoding="utf-8"?>
+<p:sld xmlns:a="http://schemas.openxmlformats.org/drawingml/2006/main" xmlns:r="http://schemas.openxmlformats.org/officeDocument/2006/relationships" xmlns:p="http://schemas.openxmlformats.org/presentationml/2006/main">
+  <p:cSld>
+    <p:spTree>
+      <p:nvGrpSpPr>
+        <p:cNvPr id="1" name=""/>
+        <p:cNvGrpSpPr/>
+        <p:nvPr/>
+      </p:nvGrpSpPr>
+      <p:grpSpPr>
+        <a:xfrm>
+          <a:off x="0" y="0"/>
+          <a:ext cx="0" cy="0"/>
+          <a:chOff x="0" y="0"/>
+          <a:chExt cx="0" cy="0"/>
+        </a:xfrm>
+      </p:grpSpPr>
+      <p:sp>
+        <p:nvSpPr>
+          <p:cNvPr id="2" name="Title 1">
+            <a:extLst>
+              <a:ext uri="{FF2B5EF4-FFF2-40B4-BE49-F238E27FC236}">
+                <a16:creationId xmlns:a16="http://schemas.microsoft.com/office/drawing/2014/main" id="{0C7EDBD8-4E43-2612-5ED4-C1F623636D4B}"/>
+              </a:ext>
+            </a:extLst>
+          </p:cNvPr>
+          <p:cNvSpPr>
+            <a:spLocks noGrp="1"/>
+          </p:cNvSpPr>
+          <p:nvPr>
+            <p:ph type="title"/>
+          </p:nvPr>
+        </p:nvSpPr>
+        <p:spPr/>
+        <p:txBody>
+          <a:bodyPr/>
+          <a:lstStyle/>
+          <a:p>
+            <a:endParaRPr lang="en-US"/>
+          </a:p>
+        </p:txBody>
+      </p:sp>
+      <p:sp>
+        <p:nvSpPr>
+          <p:cNvPr id="3" name="Content Placeholder 2">
+            <a:extLst>
+              <a:ext uri="{FF2B5EF4-FFF2-40B4-BE49-F238E27FC236}">
+                <a16:creationId xmlns:a16="http://schemas.microsoft.com/office/drawing/2014/main" id="{1877734F-3109-8082-19B3-718B89028F3D}"/>
+              </a:ext>
+            </a:extLst>
+          </p:cNvPr>
+          <p:cNvSpPr>
+            <a:spLocks noGrp="1"/>
+          </p:cNvSpPr>
+          <p:nvPr>
+            <p:ph idx="1"/>
+          </p:nvPr>
+        </p:nvSpPr>
+        <p:spPr/>
+        <p:txBody>
+          <a:bodyPr/>
+          <a:lstStyle/>
+          <a:p>
+            <a:endParaRPr lang="en-US"/>
+          </a:p>
+        </p:txBody>
+      </p:sp>
+    </p:spTree>
+    <p:extLst>
+      <p:ext uri="{BB962C8B-B14F-4D97-AF65-F5344CB8AC3E}">
+        <p14:creationId xmlns:p14="http://schemas.microsoft.com/office/powerpoint/2010/main" val="16920013"/>
       </p:ext>
     </p:extLst>
   </p:cSld>

--- a/images/design/dose-response.pptx
+++ b/images/design/dose-response.pptx
@@ -3324,7 +3324,7 @@
           <a:p>
             <a:fld id="{E3A95CAB-516E-DD48-872C-BA867ABD2C8B}" type="datetimeFigureOut">
               <a:rPr lang="en-US" smtClean="0"/>
-              <a:t>9/14/22</a:t>
+              <a:t>10/27/22</a:t>
             </a:fld>
             <a:endParaRPr lang="en-US"/>
           </a:p>
@@ -3522,7 +3522,7 @@
           <a:p>
             <a:fld id="{E3A95CAB-516E-DD48-872C-BA867ABD2C8B}" type="datetimeFigureOut">
               <a:rPr lang="en-US" smtClean="0"/>
-              <a:t>9/14/22</a:t>
+              <a:t>10/27/22</a:t>
             </a:fld>
             <a:endParaRPr lang="en-US"/>
           </a:p>
@@ -3730,7 +3730,7 @@
           <a:p>
             <a:fld id="{E3A95CAB-516E-DD48-872C-BA867ABD2C8B}" type="datetimeFigureOut">
               <a:rPr lang="en-US" smtClean="0"/>
-              <a:t>9/14/22</a:t>
+              <a:t>10/27/22</a:t>
             </a:fld>
             <a:endParaRPr lang="en-US"/>
           </a:p>
@@ -3928,7 +3928,7 @@
           <a:p>
             <a:fld id="{E3A95CAB-516E-DD48-872C-BA867ABD2C8B}" type="datetimeFigureOut">
               <a:rPr lang="en-US" smtClean="0"/>
-              <a:t>9/14/22</a:t>
+              <a:t>10/27/22</a:t>
             </a:fld>
             <a:endParaRPr lang="en-US"/>
           </a:p>
@@ -4203,7 +4203,7 @@
           <a:p>
             <a:fld id="{E3A95CAB-516E-DD48-872C-BA867ABD2C8B}" type="datetimeFigureOut">
               <a:rPr lang="en-US" smtClean="0"/>
-              <a:t>9/14/22</a:t>
+              <a:t>10/27/22</a:t>
             </a:fld>
             <a:endParaRPr lang="en-US"/>
           </a:p>
@@ -4468,7 +4468,7 @@
           <a:p>
             <a:fld id="{E3A95CAB-516E-DD48-872C-BA867ABD2C8B}" type="datetimeFigureOut">
               <a:rPr lang="en-US" smtClean="0"/>
-              <a:t>9/14/22</a:t>
+              <a:t>10/27/22</a:t>
             </a:fld>
             <a:endParaRPr lang="en-US"/>
           </a:p>
@@ -4880,7 +4880,7 @@
           <a:p>
             <a:fld id="{E3A95CAB-516E-DD48-872C-BA867ABD2C8B}" type="datetimeFigureOut">
               <a:rPr lang="en-US" smtClean="0"/>
-              <a:t>9/14/22</a:t>
+              <a:t>10/27/22</a:t>
             </a:fld>
             <a:endParaRPr lang="en-US"/>
           </a:p>
@@ -5021,7 +5021,7 @@
           <a:p>
             <a:fld id="{E3A95CAB-516E-DD48-872C-BA867ABD2C8B}" type="datetimeFigureOut">
               <a:rPr lang="en-US" smtClean="0"/>
-              <a:t>9/14/22</a:t>
+              <a:t>10/27/22</a:t>
             </a:fld>
             <a:endParaRPr lang="en-US"/>
           </a:p>
@@ -5134,7 +5134,7 @@
           <a:p>
             <a:fld id="{E3A95CAB-516E-DD48-872C-BA867ABD2C8B}" type="datetimeFigureOut">
               <a:rPr lang="en-US" smtClean="0"/>
-              <a:t>9/14/22</a:t>
+              <a:t>10/27/22</a:t>
             </a:fld>
             <a:endParaRPr lang="en-US"/>
           </a:p>
@@ -5445,7 +5445,7 @@
           <a:p>
             <a:fld id="{E3A95CAB-516E-DD48-872C-BA867ABD2C8B}" type="datetimeFigureOut">
               <a:rPr lang="en-US" smtClean="0"/>
-              <a:t>9/14/22</a:t>
+              <a:t>10/27/22</a:t>
             </a:fld>
             <a:endParaRPr lang="en-US"/>
           </a:p>
@@ -5733,7 +5733,7 @@
           <a:p>
             <a:fld id="{E3A95CAB-516E-DD48-872C-BA867ABD2C8B}" type="datetimeFigureOut">
               <a:rPr lang="en-US" smtClean="0"/>
-              <a:t>9/14/22</a:t>
+              <a:t>10/27/22</a:t>
             </a:fld>
             <a:endParaRPr lang="en-US"/>
           </a:p>
@@ -5974,7 +5974,7 @@
           <a:p>
             <a:fld id="{E3A95CAB-516E-DD48-872C-BA867ABD2C8B}" type="datetimeFigureOut">
               <a:rPr lang="en-US" smtClean="0"/>
-              <a:t>9/14/22</a:t>
+              <a:t>10/27/22</a:t>
             </a:fld>
             <a:endParaRPr lang="en-US"/>
           </a:p>
@@ -10011,8 +10011,8 @@
           </mc:Fallback>
         </mc:AlternateContent>
       </p:grpSp>
-      <mc:AlternateContent xmlns:mc="http://schemas.openxmlformats.org/markup-compatibility/2006">
-        <mc:Choice xmlns:p14="http://schemas.microsoft.com/office/powerpoint/2010/main" Requires="p14">
+      <mc:AlternateContent xmlns:mc="http://schemas.openxmlformats.org/markup-compatibility/2006" xmlns:p14="http://schemas.microsoft.com/office/powerpoint/2010/main">
+        <mc:Choice Requires="p14">
           <p:contentPart p14:bwMode="auto" r:id="rId106">
             <p14:nvContentPartPr>
               <p14:cNvPr id="2" name="Ink 1">
@@ -10031,7 +10031,7 @@
             </p14:xfrm>
           </p:contentPart>
         </mc:Choice>
-        <mc:Fallback>
+        <mc:Fallback xmlns="">
           <p:pic>
             <p:nvPicPr>
               <p:cNvPr id="2" name="Ink 1">
@@ -10062,8 +10062,8 @@
           </p:pic>
         </mc:Fallback>
       </mc:AlternateContent>
-      <mc:AlternateContent xmlns:mc="http://schemas.openxmlformats.org/markup-compatibility/2006">
-        <mc:Choice xmlns:p14="http://schemas.microsoft.com/office/powerpoint/2010/main" Requires="p14">
+      <mc:AlternateContent xmlns:mc="http://schemas.openxmlformats.org/markup-compatibility/2006" xmlns:p14="http://schemas.microsoft.com/office/powerpoint/2010/main">
+        <mc:Choice Requires="p14">
           <p:contentPart p14:bwMode="auto" r:id="rId108">
             <p14:nvContentPartPr>
               <p14:cNvPr id="5" name="Ink 4">
@@ -10082,7 +10082,7 @@
             </p14:xfrm>
           </p:contentPart>
         </mc:Choice>
-        <mc:Fallback>
+        <mc:Fallback xmlns="">
           <p:pic>
             <p:nvPicPr>
               <p:cNvPr id="5" name="Ink 4">
@@ -10113,8 +10113,8 @@
           </p:pic>
         </mc:Fallback>
       </mc:AlternateContent>
-      <mc:AlternateContent xmlns:mc="http://schemas.openxmlformats.org/markup-compatibility/2006">
-        <mc:Choice xmlns:p14="http://schemas.microsoft.com/office/powerpoint/2010/main" Requires="p14">
+      <mc:AlternateContent xmlns:mc="http://schemas.openxmlformats.org/markup-compatibility/2006" xmlns:p14="http://schemas.microsoft.com/office/powerpoint/2010/main">
+        <mc:Choice Requires="p14">
           <p:contentPart p14:bwMode="auto" r:id="rId109">
             <p14:nvContentPartPr>
               <p14:cNvPr id="6" name="Ink 5">
@@ -10133,7 +10133,7 @@
             </p14:xfrm>
           </p:contentPart>
         </mc:Choice>
-        <mc:Fallback>
+        <mc:Fallback xmlns="">
           <p:pic>
             <p:nvPicPr>
               <p:cNvPr id="6" name="Ink 5">
@@ -10200,8 +10200,8 @@
           </a:p>
         </p:txBody>
       </p:sp>
-      <mc:AlternateContent xmlns:mc="http://schemas.openxmlformats.org/markup-compatibility/2006">
-        <mc:Choice xmlns:p14="http://schemas.microsoft.com/office/powerpoint/2010/main" Requires="p14">
+      <mc:AlternateContent xmlns:mc="http://schemas.openxmlformats.org/markup-compatibility/2006" xmlns:p14="http://schemas.microsoft.com/office/powerpoint/2010/main">
+        <mc:Choice Requires="p14">
           <p:contentPart p14:bwMode="auto" r:id="rId110">
             <p14:nvContentPartPr>
               <p14:cNvPr id="11" name="Ink 10">
@@ -10220,7 +10220,7 @@
             </p14:xfrm>
           </p:contentPart>
         </mc:Choice>
-        <mc:Fallback>
+        <mc:Fallback xmlns="">
           <p:pic>
             <p:nvPicPr>
               <p:cNvPr id="11" name="Ink 10">
@@ -10251,8 +10251,8 @@
           </p:pic>
         </mc:Fallback>
       </mc:AlternateContent>
-      <mc:AlternateContent xmlns:mc="http://schemas.openxmlformats.org/markup-compatibility/2006">
-        <mc:Choice xmlns:p14="http://schemas.microsoft.com/office/powerpoint/2010/main" Requires="p14">
+      <mc:AlternateContent xmlns:mc="http://schemas.openxmlformats.org/markup-compatibility/2006" xmlns:p14="http://schemas.microsoft.com/office/powerpoint/2010/main">
+        <mc:Choice Requires="p14">
           <p:contentPart p14:bwMode="auto" r:id="rId112">
             <p14:nvContentPartPr>
               <p14:cNvPr id="16" name="Ink 15">
@@ -10271,7 +10271,7 @@
             </p14:xfrm>
           </p:contentPart>
         </mc:Choice>
-        <mc:Fallback>
+        <mc:Fallback xmlns="">
           <p:pic>
             <p:nvPicPr>
               <p:cNvPr id="16" name="Ink 15">
@@ -10302,8 +10302,8 @@
           </p:pic>
         </mc:Fallback>
       </mc:AlternateContent>
-      <mc:AlternateContent xmlns:mc="http://schemas.openxmlformats.org/markup-compatibility/2006">
-        <mc:Choice xmlns:p14="http://schemas.microsoft.com/office/powerpoint/2010/main" Requires="p14">
+      <mc:AlternateContent xmlns:mc="http://schemas.openxmlformats.org/markup-compatibility/2006" xmlns:p14="http://schemas.microsoft.com/office/powerpoint/2010/main">
+        <mc:Choice Requires="p14">
           <p:contentPart p14:bwMode="auto" r:id="rId114">
             <p14:nvContentPartPr>
               <p14:cNvPr id="17" name="Ink 16">
@@ -10322,7 +10322,7 @@
             </p14:xfrm>
           </p:contentPart>
         </mc:Choice>
-        <mc:Fallback>
+        <mc:Fallback xmlns="">
           <p:pic>
             <p:nvPicPr>
               <p:cNvPr id="17" name="Ink 16">
@@ -10353,8 +10353,8 @@
           </p:pic>
         </mc:Fallback>
       </mc:AlternateContent>
-      <mc:AlternateContent xmlns:mc="http://schemas.openxmlformats.org/markup-compatibility/2006">
-        <mc:Choice xmlns:p14="http://schemas.microsoft.com/office/powerpoint/2010/main" Requires="p14">
+      <mc:AlternateContent xmlns:mc="http://schemas.openxmlformats.org/markup-compatibility/2006" xmlns:p14="http://schemas.microsoft.com/office/powerpoint/2010/main">
+        <mc:Choice Requires="p14">
           <p:contentPart p14:bwMode="auto" r:id="rId116">
             <p14:nvContentPartPr>
               <p14:cNvPr id="21" name="Ink 20">
@@ -10373,7 +10373,7 @@
             </p14:xfrm>
           </p:contentPart>
         </mc:Choice>
-        <mc:Fallback>
+        <mc:Fallback xmlns="">
           <p:pic>
             <p:nvPicPr>
               <p:cNvPr id="21" name="Ink 20">
@@ -10404,8 +10404,8 @@
           </p:pic>
         </mc:Fallback>
       </mc:AlternateContent>
-      <mc:AlternateContent xmlns:mc="http://schemas.openxmlformats.org/markup-compatibility/2006">
-        <mc:Choice xmlns:p14="http://schemas.microsoft.com/office/powerpoint/2010/main" Requires="p14">
+      <mc:AlternateContent xmlns:mc="http://schemas.openxmlformats.org/markup-compatibility/2006" xmlns:p14="http://schemas.microsoft.com/office/powerpoint/2010/main">
+        <mc:Choice Requires="p14">
           <p:contentPart p14:bwMode="auto" r:id="rId118">
             <p14:nvContentPartPr>
               <p14:cNvPr id="30" name="Ink 29">
@@ -10424,7 +10424,7 @@
             </p14:xfrm>
           </p:contentPart>
         </mc:Choice>
-        <mc:Fallback>
+        <mc:Fallback xmlns="">
           <p:pic>
             <p:nvPicPr>
               <p:cNvPr id="30" name="Ink 29">
@@ -10455,8 +10455,8 @@
           </p:pic>
         </mc:Fallback>
       </mc:AlternateContent>
-      <mc:AlternateContent xmlns:mc="http://schemas.openxmlformats.org/markup-compatibility/2006">
-        <mc:Choice xmlns:p14="http://schemas.microsoft.com/office/powerpoint/2010/main" Requires="p14">
+      <mc:AlternateContent xmlns:mc="http://schemas.openxmlformats.org/markup-compatibility/2006" xmlns:p14="http://schemas.microsoft.com/office/powerpoint/2010/main">
+        <mc:Choice Requires="p14">
           <p:contentPart p14:bwMode="auto" r:id="rId120">
             <p14:nvContentPartPr>
               <p14:cNvPr id="31" name="Ink 30">
@@ -10475,7 +10475,7 @@
             </p14:xfrm>
           </p:contentPart>
         </mc:Choice>
-        <mc:Fallback>
+        <mc:Fallback xmlns="">
           <p:pic>
             <p:nvPicPr>
               <p:cNvPr id="31" name="Ink 30">
@@ -10506,8 +10506,8 @@
           </p:pic>
         </mc:Fallback>
       </mc:AlternateContent>
-      <mc:AlternateContent xmlns:mc="http://schemas.openxmlformats.org/markup-compatibility/2006">
-        <mc:Choice xmlns:p14="http://schemas.microsoft.com/office/powerpoint/2010/main" Requires="p14">
+      <mc:AlternateContent xmlns:mc="http://schemas.openxmlformats.org/markup-compatibility/2006" xmlns:p14="http://schemas.microsoft.com/office/powerpoint/2010/main">
+        <mc:Choice Requires="p14">
           <p:contentPart p14:bwMode="auto" r:id="rId122">
             <p14:nvContentPartPr>
               <p14:cNvPr id="32" name="Ink 31">
@@ -10526,7 +10526,7 @@
             </p14:xfrm>
           </p:contentPart>
         </mc:Choice>
-        <mc:Fallback>
+        <mc:Fallback xmlns="">
           <p:pic>
             <p:nvPicPr>
               <p:cNvPr id="32" name="Ink 31">
@@ -10557,8 +10557,8 @@
           </p:pic>
         </mc:Fallback>
       </mc:AlternateContent>
-      <mc:AlternateContent xmlns:mc="http://schemas.openxmlformats.org/markup-compatibility/2006">
-        <mc:Choice xmlns:p14="http://schemas.microsoft.com/office/powerpoint/2010/main" Requires="p14">
+      <mc:AlternateContent xmlns:mc="http://schemas.openxmlformats.org/markup-compatibility/2006" xmlns:p14="http://schemas.microsoft.com/office/powerpoint/2010/main">
+        <mc:Choice Requires="p14">
           <p:contentPart p14:bwMode="auto" r:id="rId124">
             <p14:nvContentPartPr>
               <p14:cNvPr id="33" name="Ink 32">
@@ -10577,7 +10577,7 @@
             </p14:xfrm>
           </p:contentPart>
         </mc:Choice>
-        <mc:Fallback>
+        <mc:Fallback xmlns="">
           <p:pic>
             <p:nvPicPr>
               <p:cNvPr id="33" name="Ink 32">
@@ -10608,8 +10608,8 @@
           </p:pic>
         </mc:Fallback>
       </mc:AlternateContent>
-      <mc:AlternateContent xmlns:mc="http://schemas.openxmlformats.org/markup-compatibility/2006">
-        <mc:Choice xmlns:p14="http://schemas.microsoft.com/office/powerpoint/2010/main" Requires="p14">
+      <mc:AlternateContent xmlns:mc="http://schemas.openxmlformats.org/markup-compatibility/2006" xmlns:p14="http://schemas.microsoft.com/office/powerpoint/2010/main">
+        <mc:Choice Requires="p14">
           <p:contentPart p14:bwMode="auto" r:id="rId126">
             <p14:nvContentPartPr>
               <p14:cNvPr id="35" name="Ink 34">
@@ -10628,7 +10628,7 @@
             </p14:xfrm>
           </p:contentPart>
         </mc:Choice>
-        <mc:Fallback>
+        <mc:Fallback xmlns="">
           <p:pic>
             <p:nvPicPr>
               <p:cNvPr id="35" name="Ink 34">
@@ -10659,8 +10659,8 @@
           </p:pic>
         </mc:Fallback>
       </mc:AlternateContent>
-      <mc:AlternateContent xmlns:mc="http://schemas.openxmlformats.org/markup-compatibility/2006">
-        <mc:Choice xmlns:p14="http://schemas.microsoft.com/office/powerpoint/2010/main" Requires="p14">
+      <mc:AlternateContent xmlns:mc="http://schemas.openxmlformats.org/markup-compatibility/2006" xmlns:p14="http://schemas.microsoft.com/office/powerpoint/2010/main">
+        <mc:Choice Requires="p14">
           <p:contentPart p14:bwMode="auto" r:id="rId128">
             <p14:nvContentPartPr>
               <p14:cNvPr id="36" name="Ink 35">
@@ -10679,7 +10679,7 @@
             </p14:xfrm>
           </p:contentPart>
         </mc:Choice>
-        <mc:Fallback>
+        <mc:Fallback xmlns="">
           <p:pic>
             <p:nvPicPr>
               <p:cNvPr id="36" name="Ink 35">
@@ -10782,8 +10782,8 @@
           </a:p>
         </p:txBody>
       </p:sp>
-      <mc:AlternateContent xmlns:mc="http://schemas.openxmlformats.org/markup-compatibility/2006">
-        <mc:Choice xmlns:p14="http://schemas.microsoft.com/office/powerpoint/2010/main" Requires="p14">
+      <mc:AlternateContent xmlns:mc="http://schemas.openxmlformats.org/markup-compatibility/2006" xmlns:p14="http://schemas.microsoft.com/office/powerpoint/2010/main">
+        <mc:Choice Requires="p14">
           <p:contentPart p14:bwMode="auto" r:id="rId130">
             <p14:nvContentPartPr>
               <p14:cNvPr id="40" name="Ink 39">
@@ -10802,7 +10802,7 @@
             </p14:xfrm>
           </p:contentPart>
         </mc:Choice>
-        <mc:Fallback>
+        <mc:Fallback xmlns="">
           <p:pic>
             <p:nvPicPr>
               <p:cNvPr id="40" name="Ink 39">
@@ -10833,8 +10833,8 @@
           </p:pic>
         </mc:Fallback>
       </mc:AlternateContent>
-      <mc:AlternateContent xmlns:mc="http://schemas.openxmlformats.org/markup-compatibility/2006">
-        <mc:Choice xmlns:p14="http://schemas.microsoft.com/office/powerpoint/2010/main" Requires="p14">
+      <mc:AlternateContent xmlns:mc="http://schemas.openxmlformats.org/markup-compatibility/2006" xmlns:p14="http://schemas.microsoft.com/office/powerpoint/2010/main">
+        <mc:Choice Requires="p14">
           <p:contentPart p14:bwMode="auto" r:id="rId132">
             <p14:nvContentPartPr>
               <p14:cNvPr id="41" name="Ink 40">
@@ -10853,7 +10853,7 @@
             </p14:xfrm>
           </p:contentPart>
         </mc:Choice>
-        <mc:Fallback>
+        <mc:Fallback xmlns="">
           <p:pic>
             <p:nvPicPr>
               <p:cNvPr id="41" name="Ink 40">
@@ -10884,8 +10884,8 @@
           </p:pic>
         </mc:Fallback>
       </mc:AlternateContent>
-      <mc:AlternateContent xmlns:mc="http://schemas.openxmlformats.org/markup-compatibility/2006">
-        <mc:Choice xmlns:p14="http://schemas.microsoft.com/office/powerpoint/2010/main" Requires="p14">
+      <mc:AlternateContent xmlns:mc="http://schemas.openxmlformats.org/markup-compatibility/2006" xmlns:p14="http://schemas.microsoft.com/office/powerpoint/2010/main">
+        <mc:Choice Requires="p14">
           <p:contentPart p14:bwMode="auto" r:id="rId134">
             <p14:nvContentPartPr>
               <p14:cNvPr id="43" name="Ink 42">
@@ -10904,7 +10904,7 @@
             </p14:xfrm>
           </p:contentPart>
         </mc:Choice>
-        <mc:Fallback>
+        <mc:Fallback xmlns="">
           <p:pic>
             <p:nvPicPr>
               <p:cNvPr id="43" name="Ink 42">
@@ -10935,8 +10935,8 @@
           </p:pic>
         </mc:Fallback>
       </mc:AlternateContent>
-      <mc:AlternateContent xmlns:mc="http://schemas.openxmlformats.org/markup-compatibility/2006">
-        <mc:Choice xmlns:p14="http://schemas.microsoft.com/office/powerpoint/2010/main" Requires="p14">
+      <mc:AlternateContent xmlns:mc="http://schemas.openxmlformats.org/markup-compatibility/2006" xmlns:p14="http://schemas.microsoft.com/office/powerpoint/2010/main">
+        <mc:Choice Requires="p14">
           <p:contentPart p14:bwMode="auto" r:id="rId136">
             <p14:nvContentPartPr>
               <p14:cNvPr id="44" name="Ink 43">
@@ -10955,7 +10955,7 @@
             </p14:xfrm>
           </p:contentPart>
         </mc:Choice>
-        <mc:Fallback>
+        <mc:Fallback xmlns="">
           <p:pic>
             <p:nvPicPr>
               <p:cNvPr id="44" name="Ink 43">
@@ -10986,8 +10986,8 @@
           </p:pic>
         </mc:Fallback>
       </mc:AlternateContent>
-      <mc:AlternateContent xmlns:mc="http://schemas.openxmlformats.org/markup-compatibility/2006">
-        <mc:Choice xmlns:p14="http://schemas.microsoft.com/office/powerpoint/2010/main" Requires="p14">
+      <mc:AlternateContent xmlns:mc="http://schemas.openxmlformats.org/markup-compatibility/2006" xmlns:p14="http://schemas.microsoft.com/office/powerpoint/2010/main">
+        <mc:Choice Requires="p14">
           <p:contentPart p14:bwMode="auto" r:id="rId137">
             <p14:nvContentPartPr>
               <p14:cNvPr id="45" name="Ink 44">
@@ -11006,7 +11006,7 @@
             </p14:xfrm>
           </p:contentPart>
         </mc:Choice>
-        <mc:Fallback>
+        <mc:Fallback xmlns="">
           <p:pic>
             <p:nvPicPr>
               <p:cNvPr id="45" name="Ink 44">
@@ -11037,8 +11037,8 @@
           </p:pic>
         </mc:Fallback>
       </mc:AlternateContent>
-      <mc:AlternateContent xmlns:mc="http://schemas.openxmlformats.org/markup-compatibility/2006">
-        <mc:Choice xmlns:p14="http://schemas.microsoft.com/office/powerpoint/2010/main" Requires="p14">
+      <mc:AlternateContent xmlns:mc="http://schemas.openxmlformats.org/markup-compatibility/2006" xmlns:p14="http://schemas.microsoft.com/office/powerpoint/2010/main">
+        <mc:Choice Requires="p14">
           <p:contentPart p14:bwMode="auto" r:id="rId138">
             <p14:nvContentPartPr>
               <p14:cNvPr id="46" name="Ink 45">
@@ -11057,7 +11057,7 @@
             </p14:xfrm>
           </p:contentPart>
         </mc:Choice>
-        <mc:Fallback>
+        <mc:Fallback xmlns="">
           <p:pic>
             <p:nvPicPr>
               <p:cNvPr id="46" name="Ink 45">
@@ -11088,8 +11088,8 @@
           </p:pic>
         </mc:Fallback>
       </mc:AlternateContent>
-      <mc:AlternateContent xmlns:mc="http://schemas.openxmlformats.org/markup-compatibility/2006">
-        <mc:Choice xmlns:p14="http://schemas.microsoft.com/office/powerpoint/2010/main" Requires="p14">
+      <mc:AlternateContent xmlns:mc="http://schemas.openxmlformats.org/markup-compatibility/2006" xmlns:p14="http://schemas.microsoft.com/office/powerpoint/2010/main">
+        <mc:Choice Requires="p14">
           <p:contentPart p14:bwMode="auto" r:id="rId139">
             <p14:nvContentPartPr>
               <p14:cNvPr id="47" name="Ink 46">
@@ -11108,7 +11108,7 @@
             </p14:xfrm>
           </p:contentPart>
         </mc:Choice>
-        <mc:Fallback>
+        <mc:Fallback xmlns="">
           <p:pic>
             <p:nvPicPr>
               <p:cNvPr id="47" name="Ink 46">
@@ -11139,8 +11139,8 @@
           </p:pic>
         </mc:Fallback>
       </mc:AlternateContent>
-      <mc:AlternateContent xmlns:mc="http://schemas.openxmlformats.org/markup-compatibility/2006">
-        <mc:Choice xmlns:p14="http://schemas.microsoft.com/office/powerpoint/2010/main" Requires="p14">
+      <mc:AlternateContent xmlns:mc="http://schemas.openxmlformats.org/markup-compatibility/2006" xmlns:p14="http://schemas.microsoft.com/office/powerpoint/2010/main">
+        <mc:Choice Requires="p14">
           <p:contentPart p14:bwMode="auto" r:id="rId140">
             <p14:nvContentPartPr>
               <p14:cNvPr id="48" name="Ink 47">
@@ -11159,7 +11159,7 @@
             </p14:xfrm>
           </p:contentPart>
         </mc:Choice>
-        <mc:Fallback>
+        <mc:Fallback xmlns="">
           <p:pic>
             <p:nvPicPr>
               <p:cNvPr id="48" name="Ink 47">
@@ -11190,8 +11190,8 @@
           </p:pic>
         </mc:Fallback>
       </mc:AlternateContent>
-      <mc:AlternateContent xmlns:mc="http://schemas.openxmlformats.org/markup-compatibility/2006">
-        <mc:Choice xmlns:p14="http://schemas.microsoft.com/office/powerpoint/2010/main" Requires="p14">
+      <mc:AlternateContent xmlns:mc="http://schemas.openxmlformats.org/markup-compatibility/2006" xmlns:p14="http://schemas.microsoft.com/office/powerpoint/2010/main">
+        <mc:Choice Requires="p14">
           <p:contentPart p14:bwMode="auto" r:id="rId141">
             <p14:nvContentPartPr>
               <p14:cNvPr id="49" name="Ink 48">
@@ -11210,7 +11210,7 @@
             </p14:xfrm>
           </p:contentPart>
         </mc:Choice>
-        <mc:Fallback>
+        <mc:Fallback xmlns="">
           <p:pic>
             <p:nvPicPr>
               <p:cNvPr id="49" name="Ink 48">
@@ -11241,8 +11241,8 @@
           </p:pic>
         </mc:Fallback>
       </mc:AlternateContent>
-      <mc:AlternateContent xmlns:mc="http://schemas.openxmlformats.org/markup-compatibility/2006">
-        <mc:Choice xmlns:p14="http://schemas.microsoft.com/office/powerpoint/2010/main" Requires="p14">
+      <mc:AlternateContent xmlns:mc="http://schemas.openxmlformats.org/markup-compatibility/2006" xmlns:p14="http://schemas.microsoft.com/office/powerpoint/2010/main">
+        <mc:Choice Requires="p14">
           <p:contentPart p14:bwMode="auto" r:id="rId142">
             <p14:nvContentPartPr>
               <p14:cNvPr id="55" name="Ink 54">
@@ -11261,7 +11261,7 @@
             </p14:xfrm>
           </p:contentPart>
         </mc:Choice>
-        <mc:Fallback>
+        <mc:Fallback xmlns="">
           <p:pic>
             <p:nvPicPr>
               <p:cNvPr id="55" name="Ink 54">
@@ -11292,8 +11292,8 @@
           </p:pic>
         </mc:Fallback>
       </mc:AlternateContent>
-      <mc:AlternateContent xmlns:mc="http://schemas.openxmlformats.org/markup-compatibility/2006">
-        <mc:Choice xmlns:p14="http://schemas.microsoft.com/office/powerpoint/2010/main" Requires="p14">
+      <mc:AlternateContent xmlns:mc="http://schemas.openxmlformats.org/markup-compatibility/2006" xmlns:p14="http://schemas.microsoft.com/office/powerpoint/2010/main">
+        <mc:Choice Requires="p14">
           <p:contentPart p14:bwMode="auto" r:id="rId144">
             <p14:nvContentPartPr>
               <p14:cNvPr id="56" name="Ink 55">
@@ -11312,7 +11312,7 @@
             </p14:xfrm>
           </p:contentPart>
         </mc:Choice>
-        <mc:Fallback>
+        <mc:Fallback xmlns="">
           <p:pic>
             <p:nvPicPr>
               <p:cNvPr id="56" name="Ink 55">
@@ -11343,8 +11343,8 @@
           </p:pic>
         </mc:Fallback>
       </mc:AlternateContent>
-      <mc:AlternateContent xmlns:mc="http://schemas.openxmlformats.org/markup-compatibility/2006">
-        <mc:Choice xmlns:p14="http://schemas.microsoft.com/office/powerpoint/2010/main" Requires="p14">
+      <mc:AlternateContent xmlns:mc="http://schemas.openxmlformats.org/markup-compatibility/2006" xmlns:p14="http://schemas.microsoft.com/office/powerpoint/2010/main">
+        <mc:Choice Requires="p14">
           <p:contentPart p14:bwMode="auto" r:id="rId145">
             <p14:nvContentPartPr>
               <p14:cNvPr id="57" name="Ink 56">
@@ -11363,7 +11363,7 @@
             </p14:xfrm>
           </p:contentPart>
         </mc:Choice>
-        <mc:Fallback>
+        <mc:Fallback xmlns="">
           <p:pic>
             <p:nvPicPr>
               <p:cNvPr id="57" name="Ink 56">
@@ -11394,8 +11394,8 @@
           </p:pic>
         </mc:Fallback>
       </mc:AlternateContent>
-      <mc:AlternateContent xmlns:mc="http://schemas.openxmlformats.org/markup-compatibility/2006">
-        <mc:Choice xmlns:p14="http://schemas.microsoft.com/office/powerpoint/2010/main" Requires="p14">
+      <mc:AlternateContent xmlns:mc="http://schemas.openxmlformats.org/markup-compatibility/2006" xmlns:p14="http://schemas.microsoft.com/office/powerpoint/2010/main">
+        <mc:Choice Requires="p14">
           <p:contentPart p14:bwMode="auto" r:id="rId146">
             <p14:nvContentPartPr>
               <p14:cNvPr id="58" name="Ink 57">
@@ -11414,7 +11414,7 @@
             </p14:xfrm>
           </p:contentPart>
         </mc:Choice>
-        <mc:Fallback>
+        <mc:Fallback xmlns="">
           <p:pic>
             <p:nvPicPr>
               <p:cNvPr id="58" name="Ink 57">
@@ -11445,8 +11445,8 @@
           </p:pic>
         </mc:Fallback>
       </mc:AlternateContent>
-      <mc:AlternateContent xmlns:mc="http://schemas.openxmlformats.org/markup-compatibility/2006">
-        <mc:Choice xmlns:p14="http://schemas.microsoft.com/office/powerpoint/2010/main" Requires="p14">
+      <mc:AlternateContent xmlns:mc="http://schemas.openxmlformats.org/markup-compatibility/2006" xmlns:p14="http://schemas.microsoft.com/office/powerpoint/2010/main">
+        <mc:Choice Requires="p14">
           <p:contentPart p14:bwMode="auto" r:id="rId147">
             <p14:nvContentPartPr>
               <p14:cNvPr id="59" name="Ink 58">
@@ -11465,7 +11465,7 @@
             </p14:xfrm>
           </p:contentPart>
         </mc:Choice>
-        <mc:Fallback>
+        <mc:Fallback xmlns="">
           <p:pic>
             <p:nvPicPr>
               <p:cNvPr id="59" name="Ink 58">
@@ -11496,8 +11496,8 @@
           </p:pic>
         </mc:Fallback>
       </mc:AlternateContent>
-      <mc:AlternateContent xmlns:mc="http://schemas.openxmlformats.org/markup-compatibility/2006">
-        <mc:Choice xmlns:p14="http://schemas.microsoft.com/office/powerpoint/2010/main" Requires="p14">
+      <mc:AlternateContent xmlns:mc="http://schemas.openxmlformats.org/markup-compatibility/2006" xmlns:p14="http://schemas.microsoft.com/office/powerpoint/2010/main">
+        <mc:Choice Requires="p14">
           <p:contentPart p14:bwMode="auto" r:id="rId148">
             <p14:nvContentPartPr>
               <p14:cNvPr id="60" name="Ink 59">
@@ -11516,7 +11516,7 @@
             </p14:xfrm>
           </p:contentPart>
         </mc:Choice>
-        <mc:Fallback>
+        <mc:Fallback xmlns="">
           <p:pic>
             <p:nvPicPr>
               <p:cNvPr id="60" name="Ink 59">
@@ -11547,8 +11547,8 @@
           </p:pic>
         </mc:Fallback>
       </mc:AlternateContent>
-      <mc:AlternateContent xmlns:mc="http://schemas.openxmlformats.org/markup-compatibility/2006">
-        <mc:Choice xmlns:p14="http://schemas.microsoft.com/office/powerpoint/2010/main" Requires="p14">
+      <mc:AlternateContent xmlns:mc="http://schemas.openxmlformats.org/markup-compatibility/2006" xmlns:p14="http://schemas.microsoft.com/office/powerpoint/2010/main">
+        <mc:Choice Requires="p14">
           <p:contentPart p14:bwMode="auto" r:id="rId149">
             <p14:nvContentPartPr>
               <p14:cNvPr id="67" name="Ink 66">
@@ -11567,7 +11567,7 @@
             </p14:xfrm>
           </p:contentPart>
         </mc:Choice>
-        <mc:Fallback>
+        <mc:Fallback xmlns="">
           <p:pic>
             <p:nvPicPr>
               <p:cNvPr id="67" name="Ink 66">
@@ -11937,8 +11937,8 @@
             <a:chExt cx="1595520" cy="927360"/>
           </a:xfrm>
         </p:grpSpPr>
-        <mc:AlternateContent xmlns:mc="http://schemas.openxmlformats.org/markup-compatibility/2006">
-          <mc:Choice xmlns:p14="http://schemas.microsoft.com/office/powerpoint/2010/main" Requires="p14">
+        <mc:AlternateContent xmlns:mc="http://schemas.openxmlformats.org/markup-compatibility/2006" xmlns:p14="http://schemas.microsoft.com/office/powerpoint/2010/main">
+          <mc:Choice Requires="p14">
             <p:contentPart p14:bwMode="auto" r:id="rId150">
               <p14:nvContentPartPr>
                 <p14:cNvPr id="63" name="Ink 62">
@@ -11957,7 +11957,7 @@
               </p14:xfrm>
             </p:contentPart>
           </mc:Choice>
-          <mc:Fallback>
+          <mc:Fallback xmlns="">
             <p:pic>
               <p:nvPicPr>
                 <p:cNvPr id="63" name="Ink 62">
@@ -11988,8 +11988,8 @@
             </p:pic>
           </mc:Fallback>
         </mc:AlternateContent>
-        <mc:AlternateContent xmlns:mc="http://schemas.openxmlformats.org/markup-compatibility/2006">
-          <mc:Choice xmlns:p14="http://schemas.microsoft.com/office/powerpoint/2010/main" Requires="p14">
+        <mc:AlternateContent xmlns:mc="http://schemas.openxmlformats.org/markup-compatibility/2006" xmlns:p14="http://schemas.microsoft.com/office/powerpoint/2010/main">
+          <mc:Choice Requires="p14">
             <p:contentPart p14:bwMode="auto" r:id="rId151">
               <p14:nvContentPartPr>
                 <p14:cNvPr id="61" name="Ink 60">
@@ -12008,7 +12008,7 @@
               </p14:xfrm>
             </p:contentPart>
           </mc:Choice>
-          <mc:Fallback>
+          <mc:Fallback xmlns="">
             <p:pic>
               <p:nvPicPr>
                 <p:cNvPr id="61" name="Ink 60">
@@ -12039,8 +12039,8 @@
             </p:pic>
           </mc:Fallback>
         </mc:AlternateContent>
-        <mc:AlternateContent xmlns:mc="http://schemas.openxmlformats.org/markup-compatibility/2006">
-          <mc:Choice xmlns:p14="http://schemas.microsoft.com/office/powerpoint/2010/main" Requires="p14">
+        <mc:AlternateContent xmlns:mc="http://schemas.openxmlformats.org/markup-compatibility/2006" xmlns:p14="http://schemas.microsoft.com/office/powerpoint/2010/main">
+          <mc:Choice Requires="p14">
             <p:contentPart p14:bwMode="auto" r:id="rId152">
               <p14:nvContentPartPr>
                 <p14:cNvPr id="62" name="Ink 61">
@@ -12059,7 +12059,7 @@
               </p14:xfrm>
             </p:contentPart>
           </mc:Choice>
-          <mc:Fallback>
+          <mc:Fallback xmlns="">
             <p:pic>
               <p:nvPicPr>
                 <p:cNvPr id="62" name="Ink 61">
@@ -12090,8 +12090,8 @@
             </p:pic>
           </mc:Fallback>
         </mc:AlternateContent>
-        <mc:AlternateContent xmlns:mc="http://schemas.openxmlformats.org/markup-compatibility/2006">
-          <mc:Choice xmlns:p14="http://schemas.microsoft.com/office/powerpoint/2010/main" Requires="p14">
+        <mc:AlternateContent xmlns:mc="http://schemas.openxmlformats.org/markup-compatibility/2006" xmlns:p14="http://schemas.microsoft.com/office/powerpoint/2010/main">
+          <mc:Choice Requires="p14">
             <p:contentPart p14:bwMode="auto" r:id="rId153">
               <p14:nvContentPartPr>
                 <p14:cNvPr id="97" name="Ink 96">
@@ -12110,7 +12110,7 @@
               </p14:xfrm>
             </p:contentPart>
           </mc:Choice>
-          <mc:Fallback>
+          <mc:Fallback xmlns="">
             <p:pic>
               <p:nvPicPr>
                 <p:cNvPr id="97" name="Ink 96">
@@ -12141,8 +12141,8 @@
             </p:pic>
           </mc:Fallback>
         </mc:AlternateContent>
-        <mc:AlternateContent xmlns:mc="http://schemas.openxmlformats.org/markup-compatibility/2006">
-          <mc:Choice xmlns:p14="http://schemas.microsoft.com/office/powerpoint/2010/main" Requires="p14">
+        <mc:AlternateContent xmlns:mc="http://schemas.openxmlformats.org/markup-compatibility/2006" xmlns:p14="http://schemas.microsoft.com/office/powerpoint/2010/main">
+          <mc:Choice Requires="p14">
             <p:contentPart p14:bwMode="auto" r:id="rId155">
               <p14:nvContentPartPr>
                 <p14:cNvPr id="98" name="Ink 97">
@@ -12161,7 +12161,7 @@
               </p14:xfrm>
             </p:contentPart>
           </mc:Choice>
-          <mc:Fallback>
+          <mc:Fallback xmlns="">
             <p:pic>
               <p:nvPicPr>
                 <p:cNvPr id="98" name="Ink 97">
@@ -12192,8 +12192,8 @@
             </p:pic>
           </mc:Fallback>
         </mc:AlternateContent>
-        <mc:AlternateContent xmlns:mc="http://schemas.openxmlformats.org/markup-compatibility/2006">
-          <mc:Choice xmlns:p14="http://schemas.microsoft.com/office/powerpoint/2010/main" Requires="p14">
+        <mc:AlternateContent xmlns:mc="http://schemas.openxmlformats.org/markup-compatibility/2006" xmlns:p14="http://schemas.microsoft.com/office/powerpoint/2010/main">
+          <mc:Choice Requires="p14">
             <p:contentPart p14:bwMode="auto" r:id="rId157">
               <p14:nvContentPartPr>
                 <p14:cNvPr id="100" name="Ink 99">
@@ -12212,7 +12212,7 @@
               </p14:xfrm>
             </p:contentPart>
           </mc:Choice>
-          <mc:Fallback>
+          <mc:Fallback xmlns="">
             <p:pic>
               <p:nvPicPr>
                 <p:cNvPr id="100" name="Ink 99">
@@ -12243,8 +12243,8 @@
             </p:pic>
           </mc:Fallback>
         </mc:AlternateContent>
-        <mc:AlternateContent xmlns:mc="http://schemas.openxmlformats.org/markup-compatibility/2006">
-          <mc:Choice xmlns:p14="http://schemas.microsoft.com/office/powerpoint/2010/main" Requires="p14">
+        <mc:AlternateContent xmlns:mc="http://schemas.openxmlformats.org/markup-compatibility/2006" xmlns:p14="http://schemas.microsoft.com/office/powerpoint/2010/main">
+          <mc:Choice Requires="p14">
             <p:contentPart p14:bwMode="auto" r:id="rId159">
               <p14:nvContentPartPr>
                 <p14:cNvPr id="102" name="Ink 101">
@@ -12263,7 +12263,7 @@
               </p14:xfrm>
             </p:contentPart>
           </mc:Choice>
-          <mc:Fallback>
+          <mc:Fallback xmlns="">
             <p:pic>
               <p:nvPicPr>
                 <p:cNvPr id="102" name="Ink 101">
@@ -12355,8 +12355,8 @@
           </a:prstGeom>
         </p:spPr>
       </p:pic>
-      <mc:AlternateContent xmlns:mc="http://schemas.openxmlformats.org/markup-compatibility/2006">
-        <mc:Choice xmlns:p14="http://schemas.microsoft.com/office/powerpoint/2010/main" Requires="p14">
+      <mc:AlternateContent xmlns:mc="http://schemas.openxmlformats.org/markup-compatibility/2006" xmlns:p14="http://schemas.microsoft.com/office/powerpoint/2010/main">
+        <mc:Choice Requires="p14">
           <p:contentPart p14:bwMode="auto" r:id="rId3">
             <p14:nvContentPartPr>
               <p14:cNvPr id="6" name="Ink 5">
@@ -12375,7 +12375,7 @@
             </p14:xfrm>
           </p:contentPart>
         </mc:Choice>
-        <mc:Fallback>
+        <mc:Fallback xmlns="">
           <p:pic>
             <p:nvPicPr>
               <p:cNvPr id="6" name="Ink 5">
@@ -12406,8 +12406,8 @@
           </p:pic>
         </mc:Fallback>
       </mc:AlternateContent>
-      <mc:AlternateContent xmlns:mc="http://schemas.openxmlformats.org/markup-compatibility/2006">
-        <mc:Choice xmlns:p14="http://schemas.microsoft.com/office/powerpoint/2010/main" Requires="p14">
+      <mc:AlternateContent xmlns:mc="http://schemas.openxmlformats.org/markup-compatibility/2006" xmlns:p14="http://schemas.microsoft.com/office/powerpoint/2010/main">
+        <mc:Choice Requires="p14">
           <p:contentPart p14:bwMode="auto" r:id="rId5">
             <p14:nvContentPartPr>
               <p14:cNvPr id="7" name="Ink 6">
@@ -12426,7 +12426,7 @@
             </p14:xfrm>
           </p:contentPart>
         </mc:Choice>
-        <mc:Fallback>
+        <mc:Fallback xmlns="">
           <p:pic>
             <p:nvPicPr>
               <p:cNvPr id="7" name="Ink 6">
@@ -12457,8 +12457,8 @@
           </p:pic>
         </mc:Fallback>
       </mc:AlternateContent>
-      <mc:AlternateContent xmlns:mc="http://schemas.openxmlformats.org/markup-compatibility/2006">
-        <mc:Choice xmlns:p14="http://schemas.microsoft.com/office/powerpoint/2010/main" Requires="p14">
+      <mc:AlternateContent xmlns:mc="http://schemas.openxmlformats.org/markup-compatibility/2006" xmlns:p14="http://schemas.microsoft.com/office/powerpoint/2010/main">
+        <mc:Choice Requires="p14">
           <p:contentPart p14:bwMode="auto" r:id="rId7">
             <p14:nvContentPartPr>
               <p14:cNvPr id="8" name="Ink 7">
@@ -12477,7 +12477,7 @@
             </p14:xfrm>
           </p:contentPart>
         </mc:Choice>
-        <mc:Fallback>
+        <mc:Fallback xmlns="">
           <p:pic>
             <p:nvPicPr>
               <p:cNvPr id="8" name="Ink 7">
@@ -12508,8 +12508,8 @@
           </p:pic>
         </mc:Fallback>
       </mc:AlternateContent>
-      <mc:AlternateContent xmlns:mc="http://schemas.openxmlformats.org/markup-compatibility/2006">
-        <mc:Choice xmlns:p14="http://schemas.microsoft.com/office/powerpoint/2010/main" Requires="p14">
+      <mc:AlternateContent xmlns:mc="http://schemas.openxmlformats.org/markup-compatibility/2006" xmlns:p14="http://schemas.microsoft.com/office/powerpoint/2010/main">
+        <mc:Choice Requires="p14">
           <p:contentPart p14:bwMode="auto" r:id="rId9">
             <p14:nvContentPartPr>
               <p14:cNvPr id="12" name="Ink 11">
@@ -12528,7 +12528,7 @@
             </p14:xfrm>
           </p:contentPart>
         </mc:Choice>
-        <mc:Fallback>
+        <mc:Fallback xmlns="">
           <p:pic>
             <p:nvPicPr>
               <p:cNvPr id="12" name="Ink 11">
@@ -12678,10 +12678,10 @@
         </p:nvGrpSpPr>
         <p:grpSpPr>
           <a:xfrm rot="16200000">
-            <a:off x="5447195" y="3270233"/>
-            <a:ext cx="1750692" cy="722096"/>
-            <a:chOff x="7368192" y="1239530"/>
-            <a:chExt cx="1750692" cy="722096"/>
+            <a:off x="5530330" y="3353368"/>
+            <a:ext cx="1584428" cy="722095"/>
+            <a:chOff x="7368192" y="1239531"/>
+            <a:chExt cx="1584428" cy="722095"/>
           </a:xfrm>
         </p:grpSpPr>
         <p:sp>
@@ -12733,8 +12733,8 @@
           </p:nvSpPr>
           <p:spPr>
             <a:xfrm>
-              <a:off x="8056734" y="1239530"/>
-              <a:ext cx="1062150" cy="369332"/>
+              <a:off x="8222997" y="1239531"/>
+              <a:ext cx="729623" cy="369332"/>
             </a:xfrm>
             <a:prstGeom prst="rect">
               <a:avLst/>
@@ -12749,7 +12749,7 @@
             <a:p>
               <a:r>
                 <a:rPr lang="en-US" b="1" dirty="0"/>
-                <a:t>Outcome</a:t>
+                <a:t>Belief</a:t>
               </a:r>
             </a:p>
           </p:txBody>
@@ -13212,8 +13212,8 @@
             <a:chExt cx="289080" cy="2874960"/>
           </a:xfrm>
         </p:grpSpPr>
-        <mc:AlternateContent xmlns:mc="http://schemas.openxmlformats.org/markup-compatibility/2006">
-          <mc:Choice xmlns:p14="http://schemas.microsoft.com/office/powerpoint/2010/main" Requires="p14">
+        <mc:AlternateContent xmlns:mc="http://schemas.openxmlformats.org/markup-compatibility/2006" xmlns:p14="http://schemas.microsoft.com/office/powerpoint/2010/main">
+          <mc:Choice Requires="p14">
             <p:contentPart p14:bwMode="auto" r:id="rId3">
               <p14:nvContentPartPr>
                 <p14:cNvPr id="14" name="Ink 13">
@@ -13232,7 +13232,7 @@
               </p14:xfrm>
             </p:contentPart>
           </mc:Choice>
-          <mc:Fallback>
+          <mc:Fallback xmlns="">
             <p:pic>
               <p:nvPicPr>
                 <p:cNvPr id="14" name="Ink 13">
@@ -13263,8 +13263,8 @@
             </p:pic>
           </mc:Fallback>
         </mc:AlternateContent>
-        <mc:AlternateContent xmlns:mc="http://schemas.openxmlformats.org/markup-compatibility/2006">
-          <mc:Choice xmlns:p14="http://schemas.microsoft.com/office/powerpoint/2010/main" Requires="p14">
+        <mc:AlternateContent xmlns:mc="http://schemas.openxmlformats.org/markup-compatibility/2006" xmlns:p14="http://schemas.microsoft.com/office/powerpoint/2010/main">
+          <mc:Choice Requires="p14">
             <p:contentPart p14:bwMode="auto" r:id="rId5">
               <p14:nvContentPartPr>
                 <p14:cNvPr id="15" name="Ink 14">
@@ -13283,7 +13283,7 @@
               </p14:xfrm>
             </p:contentPart>
           </mc:Choice>
-          <mc:Fallback>
+          <mc:Fallback xmlns="">
             <p:pic>
               <p:nvPicPr>
                 <p:cNvPr id="15" name="Ink 14">
@@ -13315,8 +13315,8 @@
           </mc:Fallback>
         </mc:AlternateContent>
       </p:grpSp>
-      <mc:AlternateContent xmlns:mc="http://schemas.openxmlformats.org/markup-compatibility/2006">
-        <mc:Choice xmlns:p14="http://schemas.microsoft.com/office/powerpoint/2010/main" Requires="p14">
+      <mc:AlternateContent xmlns:mc="http://schemas.openxmlformats.org/markup-compatibility/2006" xmlns:p14="http://schemas.microsoft.com/office/powerpoint/2010/main">
+        <mc:Choice Requires="p14">
           <p:contentPart p14:bwMode="auto" r:id="rId7">
             <p14:nvContentPartPr>
               <p14:cNvPr id="16" name="Ink 15">
@@ -13335,7 +13335,7 @@
             </p14:xfrm>
           </p:contentPart>
         </mc:Choice>
-        <mc:Fallback>
+        <mc:Fallback xmlns="">
           <p:pic>
             <p:nvPicPr>
               <p:cNvPr id="16" name="Ink 15">
@@ -13366,8 +13366,8 @@
           </p:pic>
         </mc:Fallback>
       </mc:AlternateContent>
-      <mc:AlternateContent xmlns:mc="http://schemas.openxmlformats.org/markup-compatibility/2006">
-        <mc:Choice xmlns:p14="http://schemas.microsoft.com/office/powerpoint/2010/main" Requires="p14">
+      <mc:AlternateContent xmlns:mc="http://schemas.openxmlformats.org/markup-compatibility/2006" xmlns:p14="http://schemas.microsoft.com/office/powerpoint/2010/main">
+        <mc:Choice Requires="p14">
           <p:contentPart p14:bwMode="auto" r:id="rId9">
             <p14:nvContentPartPr>
               <p14:cNvPr id="20" name="Ink 19">
@@ -13386,7 +13386,7 @@
             </p14:xfrm>
           </p:contentPart>
         </mc:Choice>
-        <mc:Fallback>
+        <mc:Fallback xmlns="">
           <p:pic>
             <p:nvPicPr>
               <p:cNvPr id="20" name="Ink 19">
@@ -13417,8 +13417,8 @@
           </p:pic>
         </mc:Fallback>
       </mc:AlternateContent>
-      <mc:AlternateContent xmlns:mc="http://schemas.openxmlformats.org/markup-compatibility/2006">
-        <mc:Choice xmlns:a14="http://schemas.microsoft.com/office/drawing/2010/main" Requires="a14">
+      <mc:AlternateContent xmlns:mc="http://schemas.openxmlformats.org/markup-compatibility/2006" xmlns:a14="http://schemas.microsoft.com/office/drawing/2010/main">
+        <mc:Choice Requires="a14">
           <p:sp>
             <p:nvSpPr>
               <p:cNvPr id="23" name="TextBox 22">
@@ -13449,6 +13449,7 @@
               </a:bodyPr>
               <a:lstStyle/>
               <a:p>
+                <a:pPr/>
                 <a14:m>
                   <m:oMathPara xmlns:m="http://schemas.openxmlformats.org/officeDocument/2006/math">
                     <m:oMathParaPr>
@@ -13512,7 +13513,7 @@
             </p:txBody>
           </p:sp>
         </mc:Choice>
-        <mc:Fallback>
+        <mc:Fallback xmlns="">
           <p:sp>
             <p:nvSpPr>
               <p:cNvPr id="23" name="TextBox 22">
@@ -13557,8 +13558,8 @@
           </p:sp>
         </mc:Fallback>
       </mc:AlternateContent>
-      <mc:AlternateContent xmlns:mc="http://schemas.openxmlformats.org/markup-compatibility/2006">
-        <mc:Choice xmlns:a14="http://schemas.microsoft.com/office/drawing/2010/main" Requires="a14">
+      <mc:AlternateContent xmlns:mc="http://schemas.openxmlformats.org/markup-compatibility/2006" xmlns:a14="http://schemas.microsoft.com/office/drawing/2010/main">
+        <mc:Choice Requires="a14">
           <p:sp>
             <p:nvSpPr>
               <p:cNvPr id="24" name="TextBox 23">
@@ -13589,6 +13590,7 @@
               </a:bodyPr>
               <a:lstStyle/>
               <a:p>
+                <a:pPr/>
                 <a14:m>
                   <m:oMathPara xmlns:m="http://schemas.openxmlformats.org/officeDocument/2006/math">
                     <m:oMathParaPr>
@@ -13652,7 +13654,7 @@
             </p:txBody>
           </p:sp>
         </mc:Choice>
-        <mc:Fallback>
+        <mc:Fallback xmlns="">
           <p:sp>
             <p:nvSpPr>
               <p:cNvPr id="24" name="TextBox 23">
@@ -13697,8 +13699,8 @@
           </p:sp>
         </mc:Fallback>
       </mc:AlternateContent>
-      <mc:AlternateContent xmlns:mc="http://schemas.openxmlformats.org/markup-compatibility/2006">
-        <mc:Choice xmlns:a14="http://schemas.microsoft.com/office/drawing/2010/main" Requires="a14">
+      <mc:AlternateContent xmlns:mc="http://schemas.openxmlformats.org/markup-compatibility/2006" xmlns:a14="http://schemas.microsoft.com/office/drawing/2010/main">
+        <mc:Choice Requires="a14">
           <p:sp>
             <p:nvSpPr>
               <p:cNvPr id="25" name="TextBox 24">
@@ -13729,6 +13731,7 @@
               </a:bodyPr>
               <a:lstStyle/>
               <a:p>
+                <a:pPr/>
                 <a14:m>
                   <m:oMathPara xmlns:m="http://schemas.openxmlformats.org/officeDocument/2006/math">
                     <m:oMathParaPr>
@@ -13904,7 +13907,7 @@
             </p:txBody>
           </p:sp>
         </mc:Choice>
-        <mc:Fallback>
+        <mc:Fallback xmlns="">
           <p:sp>
             <p:nvSpPr>
               <p:cNvPr id="25" name="TextBox 24">
@@ -14019,8 +14022,8 @@
           </a:p>
         </p:txBody>
       </p:sp>
-      <mc:AlternateContent xmlns:mc="http://schemas.openxmlformats.org/markup-compatibility/2006">
-        <mc:Choice xmlns:p14="http://schemas.microsoft.com/office/powerpoint/2010/main" Requires="p14">
+      <mc:AlternateContent xmlns:mc="http://schemas.openxmlformats.org/markup-compatibility/2006" xmlns:p14="http://schemas.microsoft.com/office/powerpoint/2010/main">
+        <mc:Choice Requires="p14">
           <p:contentPart p14:bwMode="auto" r:id="rId14">
             <p14:nvContentPartPr>
               <p14:cNvPr id="28" name="Ink 27">
@@ -14039,7 +14042,7 @@
             </p14:xfrm>
           </p:contentPart>
         </mc:Choice>
-        <mc:Fallback>
+        <mc:Fallback xmlns="">
           <p:pic>
             <p:nvPicPr>
               <p:cNvPr id="28" name="Ink 27">
@@ -14070,8 +14073,8 @@
           </p:pic>
         </mc:Fallback>
       </mc:AlternateContent>
-      <mc:AlternateContent xmlns:mc="http://schemas.openxmlformats.org/markup-compatibility/2006">
-        <mc:Choice xmlns:p14="http://schemas.microsoft.com/office/powerpoint/2010/main" Requires="p14">
+      <mc:AlternateContent xmlns:mc="http://schemas.openxmlformats.org/markup-compatibility/2006" xmlns:p14="http://schemas.microsoft.com/office/powerpoint/2010/main">
+        <mc:Choice Requires="p14">
           <p:contentPart p14:bwMode="auto" r:id="rId16">
             <p14:nvContentPartPr>
               <p14:cNvPr id="29" name="Ink 28">
@@ -14090,7 +14093,7 @@
             </p14:xfrm>
           </p:contentPart>
         </mc:Choice>
-        <mc:Fallback>
+        <mc:Fallback xmlns="">
           <p:pic>
             <p:nvPicPr>
               <p:cNvPr id="29" name="Ink 28">
@@ -14121,8 +14124,8 @@
           </p:pic>
         </mc:Fallback>
       </mc:AlternateContent>
-      <mc:AlternateContent xmlns:mc="http://schemas.openxmlformats.org/markup-compatibility/2006">
-        <mc:Choice xmlns:p14="http://schemas.microsoft.com/office/powerpoint/2010/main" Requires="p14">
+      <mc:AlternateContent xmlns:mc="http://schemas.openxmlformats.org/markup-compatibility/2006" xmlns:p14="http://schemas.microsoft.com/office/powerpoint/2010/main">
+        <mc:Choice Requires="p14">
           <p:contentPart p14:bwMode="auto" r:id="rId18">
             <p14:nvContentPartPr>
               <p14:cNvPr id="30" name="Ink 29">
@@ -14141,7 +14144,7 @@
             </p14:xfrm>
           </p:contentPart>
         </mc:Choice>
-        <mc:Fallback>
+        <mc:Fallback xmlns="">
           <p:pic>
             <p:nvPicPr>
               <p:cNvPr id="30" name="Ink 29">
